--- a/protect_your_invariants_tdd.pptx
+++ b/protect_your_invariants_tdd.pptx
@@ -4199,7 +4199,7 @@
               <a:rPr lang="en-US" smtClean="0"/>
               <a:t>‹#›</a:t>
             </a:fld>
-            <a:endParaRPr lang="en-US"/>
+            <a:endParaRPr lang="en-US" dirty="0"/>
           </a:p>
         </p:txBody>
       </p:sp>
@@ -5079,6 +5079,42 @@
           </a:p>
         </p:txBody>
       </p:sp>
+      <p:pic>
+        <p:nvPicPr>
+          <p:cNvPr id="7" name="Picture 6">
+            <a:extLst>
+              <a:ext uri="{FF2B5EF4-FFF2-40B4-BE49-F238E27FC236}">
+                <a16:creationId xmlns:a16="http://schemas.microsoft.com/office/drawing/2014/main" id="{2AA91B2B-5AAD-454F-9EE1-33619FAD80ED}"/>
+              </a:ext>
+            </a:extLst>
+          </p:cNvPr>
+          <p:cNvPicPr>
+            <a:picLocks noChangeAspect="1"/>
+          </p:cNvPicPr>
+          <p:nvPr userDrawn="1"/>
+        </p:nvPicPr>
+        <p:blipFill>
+          <a:blip r:embed="rId15" cstate="screen">
+            <a:extLst>
+              <a:ext uri="{28A0092B-C50C-407E-A947-70E740481C1C}">
+                <a14:useLocalDpi xmlns:a14="http://schemas.microsoft.com/office/drawing/2010/main"/>
+              </a:ext>
+            </a:extLst>
+          </a:blip>
+          <a:stretch>
+            <a:fillRect/>
+          </a:stretch>
+        </p:blipFill>
+        <p:spPr>
+          <a:xfrm>
+            <a:off x="10794975" y="6158201"/>
+            <a:ext cx="1029735" cy="365125"/>
+          </a:xfrm>
+          <a:prstGeom prst="rect">
+            <a:avLst/>
+          </a:prstGeom>
+        </p:spPr>
+      </p:pic>
     </p:spTree>
     <p:extLst>
       <p:ext uri="{BB962C8B-B14F-4D97-AF65-F5344CB8AC3E}">
@@ -5393,13 +5429,13 @@
         <a:gradFill>
           <a:gsLst>
             <a:gs pos="0">
-              <a:srgbClr val="A8C7DC"/>
+              <a:srgbClr val="506370"/>
             </a:gs>
-            <a:gs pos="83000">
-              <a:srgbClr val="1B2757"/>
+            <a:gs pos="76000">
+              <a:srgbClr val="18224C"/>
             </a:gs>
             <a:gs pos="100000">
-              <a:srgbClr val="4371A3"/>
+              <a:srgbClr val="425162"/>
             </a:gs>
           </a:gsLst>
           <a:lin ang="5400000" scaled="1"/>
@@ -5781,6 +5817,137 @@
   <p:clrMapOvr>
     <a:masterClrMapping/>
   </p:clrMapOvr>
+  <p:timing>
+    <p:tnLst>
+      <p:par>
+        <p:cTn id="1" dur="indefinite" restart="never" nodeType="tmRoot">
+          <p:childTnLst>
+            <p:seq concurrent="1" nextAc="seek">
+              <p:cTn id="2" dur="indefinite" nodeType="mainSeq">
+                <p:childTnLst>
+                  <p:par>
+                    <p:cTn id="3" fill="hold">
+                      <p:stCondLst>
+                        <p:cond delay="indefinite"/>
+                      </p:stCondLst>
+                      <p:childTnLst>
+                        <p:par>
+                          <p:cTn id="4" fill="hold">
+                            <p:stCondLst>
+                              <p:cond delay="0"/>
+                            </p:stCondLst>
+                            <p:childTnLst>
+                              <p:par>
+                                <p:cTn id="5" presetID="14" presetClass="entr" presetSubtype="10" fill="hold" grpId="0" nodeType="clickEffect">
+                                  <p:stCondLst>
+                                    <p:cond delay="0"/>
+                                  </p:stCondLst>
+                                  <p:childTnLst>
+                                    <p:set>
+                                      <p:cBhvr>
+                                        <p:cTn id="6" dur="1" fill="hold">
+                                          <p:stCondLst>
+                                            <p:cond delay="0"/>
+                                          </p:stCondLst>
+                                        </p:cTn>
+                                        <p:tgtEl>
+                                          <p:spTgt spid="5"/>
+                                        </p:tgtEl>
+                                        <p:attrNameLst>
+                                          <p:attrName>style.visibility</p:attrName>
+                                        </p:attrNameLst>
+                                      </p:cBhvr>
+                                      <p:to>
+                                        <p:strVal val="visible"/>
+                                      </p:to>
+                                    </p:set>
+                                    <p:animEffect transition="in" filter="randombar(horizontal)">
+                                      <p:cBhvr>
+                                        <p:cTn id="7" dur="500"/>
+                                        <p:tgtEl>
+                                          <p:spTgt spid="5"/>
+                                        </p:tgtEl>
+                                      </p:cBhvr>
+                                    </p:animEffect>
+                                  </p:childTnLst>
+                                </p:cTn>
+                              </p:par>
+                            </p:childTnLst>
+                          </p:cTn>
+                        </p:par>
+                        <p:par>
+                          <p:cTn id="8" fill="hold">
+                            <p:stCondLst>
+                              <p:cond delay="500"/>
+                            </p:stCondLst>
+                            <p:childTnLst>
+                              <p:par>
+                                <p:cTn id="9" presetID="14" presetClass="entr" presetSubtype="10" fill="hold" grpId="0" nodeType="afterEffect">
+                                  <p:stCondLst>
+                                    <p:cond delay="0"/>
+                                  </p:stCondLst>
+                                  <p:childTnLst>
+                                    <p:set>
+                                      <p:cBhvr>
+                                        <p:cTn id="10" dur="1" fill="hold">
+                                          <p:stCondLst>
+                                            <p:cond delay="0"/>
+                                          </p:stCondLst>
+                                        </p:cTn>
+                                        <p:tgtEl>
+                                          <p:spTgt spid="18"/>
+                                        </p:tgtEl>
+                                        <p:attrNameLst>
+                                          <p:attrName>style.visibility</p:attrName>
+                                        </p:attrNameLst>
+                                      </p:cBhvr>
+                                      <p:to>
+                                        <p:strVal val="visible"/>
+                                      </p:to>
+                                    </p:set>
+                                    <p:animEffect transition="in" filter="randombar(horizontal)">
+                                      <p:cBhvr>
+                                        <p:cTn id="11" dur="500"/>
+                                        <p:tgtEl>
+                                          <p:spTgt spid="18"/>
+                                        </p:tgtEl>
+                                      </p:cBhvr>
+                                    </p:animEffect>
+                                  </p:childTnLst>
+                                </p:cTn>
+                              </p:par>
+                            </p:childTnLst>
+                          </p:cTn>
+                        </p:par>
+                      </p:childTnLst>
+                    </p:cTn>
+                  </p:par>
+                </p:childTnLst>
+              </p:cTn>
+              <p:prevCondLst>
+                <p:cond evt="onPrev" delay="0">
+                  <p:tgtEl>
+                    <p:sldTgt/>
+                  </p:tgtEl>
+                </p:cond>
+              </p:prevCondLst>
+              <p:nextCondLst>
+                <p:cond evt="onNext" delay="0">
+                  <p:tgtEl>
+                    <p:sldTgt/>
+                  </p:tgtEl>
+                </p:cond>
+              </p:nextCondLst>
+            </p:seq>
+          </p:childTnLst>
+        </p:cTn>
+      </p:par>
+    </p:tnLst>
+    <p:bldLst>
+      <p:bldP spid="5" grpId="0"/>
+      <p:bldP spid="18" grpId="0"/>
+    </p:bldLst>
+  </p:timing>
 </p:sld>
 </file>
 
@@ -5792,13 +5959,13 @@
         <a:gradFill>
           <a:gsLst>
             <a:gs pos="0">
-              <a:srgbClr val="A8C7DC"/>
+              <a:srgbClr val="506370"/>
             </a:gs>
-            <a:gs pos="83000">
-              <a:srgbClr val="1B2757"/>
+            <a:gs pos="76000">
+              <a:srgbClr val="18224C"/>
             </a:gs>
             <a:gs pos="100000">
-              <a:srgbClr val="4371A3"/>
+              <a:srgbClr val="425162"/>
             </a:gs>
           </a:gsLst>
           <a:lin ang="5400000" scaled="1"/>
@@ -5835,13 +6002,13 @@
           <p:nvPr/>
         </p:nvPicPr>
         <p:blipFill>
-          <a:blip r:embed="rId2">
+          <a:blip r:embed="rId3">
             <a:extLst>
               <a:ext uri="{28A0092B-C50C-407E-A947-70E740481C1C}">
                 <a14:useLocalDpi xmlns:a14="http://schemas.microsoft.com/office/drawing/2010/main" val="0"/>
               </a:ext>
               <a:ext uri="{96DAC541-7B7A-43D3-8B79-37D633B846F1}">
-                <asvg:svgBlip xmlns:asvg="http://schemas.microsoft.com/office/drawing/2016/SVG/main" r:embed="rId3"/>
+                <asvg:svgBlip xmlns:asvg="http://schemas.microsoft.com/office/drawing/2016/SVG/main" r:embed="rId4"/>
               </a:ext>
             </a:extLst>
           </a:blip>
@@ -5875,13 +6042,13 @@
           <p:nvPr/>
         </p:nvPicPr>
         <p:blipFill>
-          <a:blip r:embed="rId4">
+          <a:blip r:embed="rId5">
             <a:extLst>
               <a:ext uri="{28A0092B-C50C-407E-A947-70E740481C1C}">
                 <a14:useLocalDpi xmlns:a14="http://schemas.microsoft.com/office/drawing/2010/main" val="0"/>
               </a:ext>
               <a:ext uri="{96DAC541-7B7A-43D3-8B79-37D633B846F1}">
-                <asvg:svgBlip xmlns:asvg="http://schemas.microsoft.com/office/drawing/2016/SVG/main" r:embed="rId5"/>
+                <asvg:svgBlip xmlns:asvg="http://schemas.microsoft.com/office/drawing/2016/SVG/main" r:embed="rId6"/>
               </a:ext>
             </a:extLst>
           </a:blip>
@@ -5969,8 +6136,141 @@
     </p:extLst>
   </p:cSld>
   <p:clrMapOvr>
-    <a:masterClrMapping/>
+    <a:overrideClrMapping bg1="lt1" tx1="dk1" bg2="lt2" tx2="dk2" accent1="accent1" accent2="accent2" accent3="accent3" accent4="accent4" accent5="accent5" accent6="accent6" hlink="hlink" folHlink="folHlink"/>
   </p:clrMapOvr>
+  <p:timing>
+    <p:tnLst>
+      <p:par>
+        <p:cTn id="1" dur="indefinite" restart="never" nodeType="tmRoot">
+          <p:childTnLst>
+            <p:seq concurrent="1" nextAc="seek">
+              <p:cTn id="2" dur="indefinite" nodeType="mainSeq">
+                <p:childTnLst>
+                  <p:par>
+                    <p:cTn id="3" fill="hold">
+                      <p:stCondLst>
+                        <p:cond delay="indefinite"/>
+                        <p:cond evt="onBegin" delay="0">
+                          <p:tn val="2"/>
+                        </p:cond>
+                      </p:stCondLst>
+                      <p:childTnLst>
+                        <p:par>
+                          <p:cTn id="4" fill="hold">
+                            <p:stCondLst>
+                              <p:cond delay="0"/>
+                            </p:stCondLst>
+                            <p:childTnLst>
+                              <p:par>
+                                <p:cTn id="5" presetID="14" presetClass="entr" presetSubtype="10" fill="hold" nodeType="afterEffect">
+                                  <p:stCondLst>
+                                    <p:cond delay="0"/>
+                                  </p:stCondLst>
+                                  <p:childTnLst>
+                                    <p:set>
+                                      <p:cBhvr>
+                                        <p:cTn id="6" dur="1" fill="hold">
+                                          <p:stCondLst>
+                                            <p:cond delay="0"/>
+                                          </p:stCondLst>
+                                        </p:cTn>
+                                        <p:tgtEl>
+                                          <p:spTgt spid="3"/>
+                                        </p:tgtEl>
+                                        <p:attrNameLst>
+                                          <p:attrName>style.visibility</p:attrName>
+                                        </p:attrNameLst>
+                                      </p:cBhvr>
+                                      <p:to>
+                                        <p:strVal val="visible"/>
+                                      </p:to>
+                                    </p:set>
+                                    <p:animEffect transition="in" filter="randombar(horizontal)">
+                                      <p:cBhvr>
+                                        <p:cTn id="7" dur="500"/>
+                                        <p:tgtEl>
+                                          <p:spTgt spid="3"/>
+                                        </p:tgtEl>
+                                      </p:cBhvr>
+                                    </p:animEffect>
+                                  </p:childTnLst>
+                                </p:cTn>
+                              </p:par>
+                            </p:childTnLst>
+                          </p:cTn>
+                        </p:par>
+                        <p:par>
+                          <p:cTn id="8" fill="hold">
+                            <p:stCondLst>
+                              <p:cond delay="500"/>
+                            </p:stCondLst>
+                            <p:childTnLst>
+                              <p:par>
+                                <p:cTn id="9" presetID="14" presetClass="entr" presetSubtype="10" fill="hold" grpId="0" nodeType="afterEffect">
+                                  <p:stCondLst>
+                                    <p:cond delay="0"/>
+                                  </p:stCondLst>
+                                  <p:childTnLst>
+                                    <p:set>
+                                      <p:cBhvr>
+                                        <p:cTn id="10" dur="1" fill="hold">
+                                          <p:stCondLst>
+                                            <p:cond delay="0"/>
+                                          </p:stCondLst>
+                                        </p:cTn>
+                                        <p:tgtEl>
+                                          <p:spTgt spid="11"/>
+                                        </p:tgtEl>
+                                        <p:attrNameLst>
+                                          <p:attrName>style.visibility</p:attrName>
+                                        </p:attrNameLst>
+                                      </p:cBhvr>
+                                      <p:to>
+                                        <p:strVal val="visible"/>
+                                      </p:to>
+                                    </p:set>
+                                    <p:animEffect transition="in" filter="randombar(horizontal)">
+                                      <p:cBhvr>
+                                        <p:cTn id="11" dur="500"/>
+                                        <p:tgtEl>
+                                          <p:spTgt spid="11"/>
+                                        </p:tgtEl>
+                                      </p:cBhvr>
+                                    </p:animEffect>
+                                  </p:childTnLst>
+                                </p:cTn>
+                              </p:par>
+                            </p:childTnLst>
+                          </p:cTn>
+                        </p:par>
+                      </p:childTnLst>
+                    </p:cTn>
+                  </p:par>
+                </p:childTnLst>
+              </p:cTn>
+              <p:prevCondLst>
+                <p:cond evt="onPrev" delay="0">
+                  <p:tgtEl>
+                    <p:sldTgt/>
+                  </p:tgtEl>
+                </p:cond>
+              </p:prevCondLst>
+              <p:nextCondLst>
+                <p:cond evt="onNext" delay="0">
+                  <p:tgtEl>
+                    <p:sldTgt/>
+                  </p:tgtEl>
+                </p:cond>
+              </p:nextCondLst>
+            </p:seq>
+          </p:childTnLst>
+        </p:cTn>
+      </p:par>
+    </p:tnLst>
+    <p:bldLst>
+      <p:bldP spid="11" grpId="0"/>
+    </p:bldLst>
+  </p:timing>
 </p:sld>
 </file>
 
@@ -5982,13 +6282,13 @@
         <a:gradFill>
           <a:gsLst>
             <a:gs pos="0">
-              <a:srgbClr val="A8C7DC"/>
+              <a:srgbClr val="506370"/>
             </a:gs>
-            <a:gs pos="83000">
-              <a:srgbClr val="1B2757"/>
+            <a:gs pos="76000">
+              <a:srgbClr val="18224C"/>
             </a:gs>
             <a:gs pos="100000">
-              <a:srgbClr val="4371A3"/>
+              <a:srgbClr val="425162"/>
             </a:gs>
           </a:gsLst>
           <a:lin ang="5400000" scaled="1"/>
@@ -6025,13 +6325,13 @@
           <p:nvPr/>
         </p:nvPicPr>
         <p:blipFill>
-          <a:blip r:embed="rId3">
+          <a:blip r:embed="rId4">
             <a:extLst>
               <a:ext uri="{28A0092B-C50C-407E-A947-70E740481C1C}">
                 <a14:useLocalDpi xmlns:a14="http://schemas.microsoft.com/office/drawing/2010/main" val="0"/>
               </a:ext>
               <a:ext uri="{96DAC541-7B7A-43D3-8B79-37D633B846F1}">
-                <asvg:svgBlip xmlns:asvg="http://schemas.microsoft.com/office/drawing/2016/SVG/main" r:embed="rId4"/>
+                <asvg:svgBlip xmlns:asvg="http://schemas.microsoft.com/office/drawing/2016/SVG/main" r:embed="rId5"/>
               </a:ext>
             </a:extLst>
           </a:blip>
@@ -6050,86 +6350,6 @@
           <a:effectLst/>
         </p:spPr>
       </p:pic>
-      <p:pic>
-        <p:nvPicPr>
-          <p:cNvPr id="3" name="Picture Placeholder 2" descr="A person wearing glasses and smiling at the camera&#10;&#10;Description automatically generated">
-            <a:extLst>
-              <a:ext uri="{FF2B5EF4-FFF2-40B4-BE49-F238E27FC236}">
-                <a16:creationId xmlns:a16="http://schemas.microsoft.com/office/drawing/2014/main" id="{2E4B6AEB-C310-4C7C-B166-9187D2EE185C}"/>
-              </a:ext>
-            </a:extLst>
-          </p:cNvPr>
-          <p:cNvPicPr>
-            <a:picLocks noGrp="1" noChangeAspect="1"/>
-          </p:cNvPicPr>
-          <p:nvPr>
-            <p:ph type="pic" sz="quarter" idx="16"/>
-          </p:nvPr>
-        </p:nvPicPr>
-        <p:blipFill>
-          <a:blip r:embed="rId5" cstate="print">
-            <a:extLst>
-              <a:ext uri="{28A0092B-C50C-407E-A947-70E740481C1C}">
-                <a14:useLocalDpi xmlns:a14="http://schemas.microsoft.com/office/drawing/2010/main" val="0"/>
-              </a:ext>
-            </a:extLst>
-          </a:blip>
-          <a:srcRect/>
-          <a:stretch>
-            <a:fillRect/>
-          </a:stretch>
-        </p:blipFill>
-        <p:spPr/>
-      </p:pic>
-      <p:sp>
-        <p:nvSpPr>
-          <p:cNvPr id="8" name="Text Placeholder 7">
-            <a:extLst>
-              <a:ext uri="{FF2B5EF4-FFF2-40B4-BE49-F238E27FC236}">
-                <a16:creationId xmlns:a16="http://schemas.microsoft.com/office/drawing/2014/main" id="{1F687F84-ED94-0F43-A13A-1C1C4547CB35}"/>
-              </a:ext>
-            </a:extLst>
-          </p:cNvPr>
-          <p:cNvSpPr>
-            <a:spLocks noGrp="1"/>
-          </p:cNvSpPr>
-          <p:nvPr>
-            <p:ph type="body" idx="11"/>
-          </p:nvPr>
-        </p:nvSpPr>
-        <p:spPr>
-          <a:effectLst>
-            <a:outerShdw blurRad="50800" dist="38100" dir="8100000" algn="tr" rotWithShape="0">
-              <a:prstClr val="black">
-                <a:alpha val="40000"/>
-              </a:prstClr>
-            </a:outerShdw>
-          </a:effectLst>
-        </p:spPr>
-        <p:txBody>
-          <a:bodyPr>
-            <a:normAutofit fontScale="85000" lnSpcReduction="20000"/>
-          </a:bodyPr>
-          <a:lstStyle/>
-          <a:p>
-            <a:r>
-              <a:rPr lang="en-US" b="1" i="1" dirty="0">
-                <a:solidFill>
-                  <a:srgbClr val="FFFF00"/>
-                </a:solidFill>
-                <a:latin typeface="Agency FB" panose="020B0503020202020204" pitchFamily="34" charset="0"/>
-              </a:rPr>
-              <a:t>Thank You!</a:t>
-            </a:r>
-            <a:endParaRPr lang="en-HU" b="1" i="1" dirty="0">
-              <a:solidFill>
-                <a:srgbClr val="FFFF00"/>
-              </a:solidFill>
-              <a:latin typeface="Agency FB" panose="020B0503020202020204" pitchFamily="34" charset="0"/>
-            </a:endParaRPr>
-          </a:p>
-        </p:txBody>
-      </p:sp>
       <p:sp>
         <p:nvSpPr>
           <p:cNvPr id="10" name="Text Placeholder 9">
@@ -6143,7 +6363,7 @@
             <a:spLocks noGrp="1"/>
           </p:cNvSpPr>
           <p:nvPr>
-            <p:ph type="body" idx="14"/>
+            <p:ph type="body" idx="13"/>
           </p:nvPr>
         </p:nvSpPr>
         <p:spPr>
@@ -6202,13 +6422,13 @@
             <a:spLocks noGrp="1"/>
           </p:cNvSpPr>
           <p:nvPr>
-            <p:ph type="body" idx="15"/>
+            <p:ph type="body" idx="14"/>
           </p:nvPr>
         </p:nvSpPr>
         <p:spPr/>
         <p:txBody>
           <a:bodyPr>
-            <a:normAutofit fontScale="92500"/>
+            <a:normAutofit fontScale="47500" lnSpcReduction="20000"/>
           </a:bodyPr>
           <a:lstStyle/>
           <a:p>
@@ -6244,6 +6464,86 @@
       </p:sp>
       <p:pic>
         <p:nvPicPr>
+          <p:cNvPr id="3" name="Picture Placeholder 2" descr="A person wearing glasses and smiling at the camera&#10;&#10;Description automatically generated">
+            <a:extLst>
+              <a:ext uri="{FF2B5EF4-FFF2-40B4-BE49-F238E27FC236}">
+                <a16:creationId xmlns:a16="http://schemas.microsoft.com/office/drawing/2014/main" id="{2E4B6AEB-C310-4C7C-B166-9187D2EE185C}"/>
+              </a:ext>
+            </a:extLst>
+          </p:cNvPr>
+          <p:cNvPicPr>
+            <a:picLocks noGrp="1" noChangeAspect="1"/>
+          </p:cNvPicPr>
+          <p:nvPr>
+            <p:ph type="pic" sz="quarter" idx="16"/>
+          </p:nvPr>
+        </p:nvPicPr>
+        <p:blipFill>
+          <a:blip r:embed="rId6" cstate="print">
+            <a:extLst>
+              <a:ext uri="{28A0092B-C50C-407E-A947-70E740481C1C}">
+                <a14:useLocalDpi xmlns:a14="http://schemas.microsoft.com/office/drawing/2010/main" val="0"/>
+              </a:ext>
+            </a:extLst>
+          </a:blip>
+          <a:srcRect/>
+          <a:stretch>
+            <a:fillRect/>
+          </a:stretch>
+        </p:blipFill>
+        <p:spPr/>
+      </p:pic>
+      <p:sp>
+        <p:nvSpPr>
+          <p:cNvPr id="8" name="Text Placeholder 7">
+            <a:extLst>
+              <a:ext uri="{FF2B5EF4-FFF2-40B4-BE49-F238E27FC236}">
+                <a16:creationId xmlns:a16="http://schemas.microsoft.com/office/drawing/2014/main" id="{1F687F84-ED94-0F43-A13A-1C1C4547CB35}"/>
+              </a:ext>
+            </a:extLst>
+          </p:cNvPr>
+          <p:cNvSpPr>
+            <a:spLocks noGrp="1"/>
+          </p:cNvSpPr>
+          <p:nvPr>
+            <p:ph type="body" idx="11"/>
+          </p:nvPr>
+        </p:nvSpPr>
+        <p:spPr>
+          <a:effectLst>
+            <a:outerShdw blurRad="50800" dist="38100" dir="8100000" algn="tr" rotWithShape="0">
+              <a:prstClr val="black">
+                <a:alpha val="40000"/>
+              </a:prstClr>
+            </a:outerShdw>
+          </a:effectLst>
+        </p:spPr>
+        <p:txBody>
+          <a:bodyPr>
+            <a:normAutofit fontScale="85000" lnSpcReduction="20000"/>
+          </a:bodyPr>
+          <a:lstStyle/>
+          <a:p>
+            <a:r>
+              <a:rPr lang="en-US" b="1" i="1" dirty="0">
+                <a:solidFill>
+                  <a:srgbClr val="FFFF00"/>
+                </a:solidFill>
+                <a:latin typeface="Agency FB" panose="020B0503020202020204" pitchFamily="34" charset="0"/>
+              </a:rPr>
+              <a:t>Thank You!</a:t>
+            </a:r>
+            <a:endParaRPr lang="en-HU" b="1" i="1" dirty="0">
+              <a:solidFill>
+                <a:srgbClr val="FFFF00"/>
+              </a:solidFill>
+              <a:latin typeface="Agency FB" panose="020B0503020202020204" pitchFamily="34" charset="0"/>
+            </a:endParaRPr>
+          </a:p>
+        </p:txBody>
+      </p:sp>
+      <p:pic>
+        <p:nvPicPr>
           <p:cNvPr id="24" name="Picture 23">
             <a:extLst>
               <a:ext uri="{FF2B5EF4-FFF2-40B4-BE49-F238E27FC236}">
@@ -6257,7 +6557,7 @@
           <p:nvPr/>
         </p:nvPicPr>
         <p:blipFill>
-          <a:blip r:embed="rId6" cstate="print">
+          <a:blip r:embed="rId7" cstate="print">
             <a:extLst>
               <a:ext uri="{28A0092B-C50C-407E-A947-70E740481C1C}">
                 <a14:useLocalDpi xmlns:a14="http://schemas.microsoft.com/office/drawing/2010/main" val="0"/>
@@ -6402,7 +6702,7 @@
           <p:nvPr/>
         </p:nvPicPr>
         <p:blipFill>
-          <a:blip r:embed="rId7" cstate="print">
+          <a:blip r:embed="rId8" cstate="print">
             <a:extLst>
               <a:ext uri="{28A0092B-C50C-407E-A947-70E740481C1C}">
                 <a14:useLocalDpi xmlns:a14="http://schemas.microsoft.com/office/drawing/2010/main" val="0"/>
@@ -6491,11 +6791,11 @@
           <p:nvPr/>
         </p:nvPicPr>
         <p:blipFill>
-          <a:blip r:embed="rId8" cstate="print">
+          <a:blip r:embed="rId9" cstate="print">
             <a:extLst>
               <a:ext uri="{BEBA8EAE-BF5A-486C-A8C5-ECC9F3942E4B}">
                 <a14:imgProps xmlns:a14="http://schemas.microsoft.com/office/drawing/2010/main">
-                  <a14:imgLayer r:embed="rId9">
+                  <a14:imgLayer r:embed="rId10">
                     <a14:imgEffect>
                       <a14:backgroundRemoval t="10000" b="90000" l="10000" r="90000"/>
                     </a14:imgEffect>
@@ -6529,7 +6829,7 @@
     </p:extLst>
   </p:cSld>
   <p:clrMapOvr>
-    <a:masterClrMapping/>
+    <a:overrideClrMapping bg1="lt1" tx1="dk1" bg2="lt2" tx2="dk2" accent1="accent1" accent2="accent2" accent3="accent3" accent4="accent4" accent5="accent5" accent6="accent6" hlink="hlink" folHlink="folHlink"/>
   </p:clrMapOvr>
 </p:sld>
 </file>
@@ -6537,6 +6837,25 @@
 <file path=ppt/slides/slide4.xml><?xml version="1.0" encoding="utf-8"?>
 <p:sld xmlns:a="http://schemas.openxmlformats.org/drawingml/2006/main" xmlns:r="http://schemas.openxmlformats.org/officeDocument/2006/relationships" xmlns:p="http://schemas.openxmlformats.org/presentationml/2006/main">
   <p:cSld>
+    <p:bg>
+      <p:bgPr>
+        <a:gradFill>
+          <a:gsLst>
+            <a:gs pos="0">
+              <a:srgbClr val="506370"/>
+            </a:gs>
+            <a:gs pos="76000">
+              <a:srgbClr val="18224C"/>
+            </a:gs>
+            <a:gs pos="100000">
+              <a:srgbClr val="425162"/>
+            </a:gs>
+          </a:gsLst>
+          <a:lin ang="5400000" scaled="1"/>
+        </a:gradFill>
+        <a:effectLst/>
+      </p:bgPr>
+    </p:bg>
     <p:spTree>
       <p:nvGrpSpPr>
         <p:cNvPr id="1" name=""/>
@@ -6566,13 +6885,13 @@
           <p:nvPr/>
         </p:nvPicPr>
         <p:blipFill>
-          <a:blip r:embed="rId3">
+          <a:blip r:embed="rId4">
             <a:extLst>
               <a:ext uri="{28A0092B-C50C-407E-A947-70E740481C1C}">
                 <a14:useLocalDpi xmlns:a14="http://schemas.microsoft.com/office/drawing/2010/main" val="0"/>
               </a:ext>
               <a:ext uri="{96DAC541-7B7A-43D3-8B79-37D633B846F1}">
-                <asvg:svgBlip xmlns:asvg="http://schemas.microsoft.com/office/drawing/2016/SVG/main" r:embed="rId4"/>
+                <asvg:svgBlip xmlns:asvg="http://schemas.microsoft.com/office/drawing/2016/SVG/main" r:embed="rId5"/>
               </a:ext>
             </a:extLst>
           </a:blip>
@@ -6813,38 +7132,6 @@
                   <a:srgbClr val="FFF108"/>
                 </a:solidFill>
                 <a:latin typeface="Agency FB" panose="020B0503020202020204" pitchFamily="34" charset="0"/>
-                <a:hlinkClick r:id="rId5">
-                  <a:extLst>
-                    <a:ext uri="{A12FA001-AC4F-418D-AE19-62706E023703}">
-                      <ahyp:hlinkClr xmlns:ahyp="http://schemas.microsoft.com/office/drawing/2018/hyperlinkcolor" val="tx"/>
-                    </a:ext>
-                  </a:extLst>
-                </a:hlinkClick>
-              </a:rPr>
-              <a:t>link</a:t>
-            </a:r>
-            <a:endParaRPr lang="en-US" sz="2800" b="1" dirty="0">
-              <a:solidFill>
-                <a:srgbClr val="FFF108"/>
-              </a:solidFill>
-              <a:latin typeface="Agency FB" panose="020B0503020202020204" pitchFamily="34" charset="0"/>
-            </a:endParaRPr>
-          </a:p>
-          <a:p>
-            <a:endParaRPr lang="en-US" sz="2800" b="1" dirty="0">
-              <a:solidFill>
-                <a:srgbClr val="FFF108"/>
-              </a:solidFill>
-              <a:latin typeface="Agency FB" panose="020B0503020202020204" pitchFamily="34" charset="0"/>
-            </a:endParaRPr>
-          </a:p>
-          <a:p>
-            <a:r>
-              <a:rPr lang="en-US" sz="2800" b="1" dirty="0">
-                <a:solidFill>
-                  <a:srgbClr val="FFF108"/>
-                </a:solidFill>
-                <a:latin typeface="Agency FB" panose="020B0503020202020204" pitchFamily="34" charset="0"/>
                 <a:hlinkClick r:id="rId6">
                   <a:extLst>
                     <a:ext uri="{A12FA001-AC4F-418D-AE19-62706E023703}">
@@ -6855,14 +7142,6 @@
               </a:rPr>
               <a:t>link</a:t>
             </a:r>
-            <a:endParaRPr lang="en-US" sz="2800" b="1" dirty="0">
-              <a:solidFill>
-                <a:srgbClr val="FFF108"/>
-              </a:solidFill>
-              <a:latin typeface="Agency FB" panose="020B0503020202020204" pitchFamily="34" charset="0"/>
-            </a:endParaRPr>
-          </a:p>
-          <a:p>
             <a:endParaRPr lang="en-US" sz="2800" b="1" dirty="0">
               <a:solidFill>
                 <a:srgbClr val="FFF108"/>
@@ -6910,6 +7189,46 @@
               <a:latin typeface="Agency FB" panose="020B0503020202020204" pitchFamily="34" charset="0"/>
             </a:endParaRPr>
           </a:p>
+          <a:p>
+            <a:endParaRPr lang="en-US" sz="2800" b="1" dirty="0">
+              <a:solidFill>
+                <a:srgbClr val="FFF108"/>
+              </a:solidFill>
+              <a:latin typeface="Agency FB" panose="020B0503020202020204" pitchFamily="34" charset="0"/>
+            </a:endParaRPr>
+          </a:p>
+          <a:p>
+            <a:r>
+              <a:rPr lang="en-US" sz="2800" b="1" dirty="0">
+                <a:solidFill>
+                  <a:srgbClr val="FFF108"/>
+                </a:solidFill>
+                <a:latin typeface="Agency FB" panose="020B0503020202020204" pitchFamily="34" charset="0"/>
+                <a:hlinkClick r:id="rId8">
+                  <a:extLst>
+                    <a:ext uri="{A12FA001-AC4F-418D-AE19-62706E023703}">
+                      <ahyp:hlinkClr xmlns:ahyp="http://schemas.microsoft.com/office/drawing/2018/hyperlinkcolor" val="tx"/>
+                    </a:ext>
+                  </a:extLst>
+                </a:hlinkClick>
+              </a:rPr>
+              <a:t>link</a:t>
+            </a:r>
+            <a:endParaRPr lang="en-US" sz="2800" b="1" dirty="0">
+              <a:solidFill>
+                <a:srgbClr val="FFF108"/>
+              </a:solidFill>
+              <a:latin typeface="Agency FB" panose="020B0503020202020204" pitchFamily="34" charset="0"/>
+            </a:endParaRPr>
+          </a:p>
+          <a:p>
+            <a:endParaRPr lang="en-US" sz="2800" b="1" dirty="0">
+              <a:solidFill>
+                <a:srgbClr val="FFF108"/>
+              </a:solidFill>
+              <a:latin typeface="Agency FB" panose="020B0503020202020204" pitchFamily="34" charset="0"/>
+            </a:endParaRPr>
+          </a:p>
         </p:txBody>
       </p:sp>
     </p:spTree>
@@ -6920,7 +7239,7 @@
     </p:extLst>
   </p:cSld>
   <p:clrMapOvr>
-    <a:masterClrMapping/>
+    <a:overrideClrMapping bg1="lt1" tx1="dk1" bg2="lt2" tx2="dk2" accent1="accent1" accent2="accent2" accent3="accent3" accent4="accent4" accent5="accent5" accent6="accent6" hlink="hlink" folHlink="folHlink"/>
   </p:clrMapOvr>
 </p:sld>
 </file>
@@ -7598,4 +7917,133 @@
     </a:ext>
   </a:extLst>
 </a:theme>
+</file>
+
+<file path=ppt/theme/themeOverride1.xml><?xml version="1.0" encoding="utf-8"?>
+<a:themeOverride xmlns:a="http://schemas.openxmlformats.org/drawingml/2006/main">
+  <a:clrScheme name="Office">
+    <a:dk1>
+      <a:sysClr val="windowText" lastClr="000000"/>
+    </a:dk1>
+    <a:lt1>
+      <a:sysClr val="window" lastClr="FFFFFF"/>
+    </a:lt1>
+    <a:dk2>
+      <a:srgbClr val="44546A"/>
+    </a:dk2>
+    <a:lt2>
+      <a:srgbClr val="E7E6E6"/>
+    </a:lt2>
+    <a:accent1>
+      <a:srgbClr val="4472C4"/>
+    </a:accent1>
+    <a:accent2>
+      <a:srgbClr val="ED7D31"/>
+    </a:accent2>
+    <a:accent3>
+      <a:srgbClr val="A5A5A5"/>
+    </a:accent3>
+    <a:accent4>
+      <a:srgbClr val="FFC000"/>
+    </a:accent4>
+    <a:accent5>
+      <a:srgbClr val="5B9BD5"/>
+    </a:accent5>
+    <a:accent6>
+      <a:srgbClr val="70AD47"/>
+    </a:accent6>
+    <a:hlink>
+      <a:srgbClr val="0563C1"/>
+    </a:hlink>
+    <a:folHlink>
+      <a:srgbClr val="954F72"/>
+    </a:folHlink>
+  </a:clrScheme>
+</a:themeOverride>
+</file>
+
+<file path=ppt/theme/themeOverride2.xml><?xml version="1.0" encoding="utf-8"?>
+<a:themeOverride xmlns:a="http://schemas.openxmlformats.org/drawingml/2006/main">
+  <a:clrScheme name="Office">
+    <a:dk1>
+      <a:sysClr val="windowText" lastClr="000000"/>
+    </a:dk1>
+    <a:lt1>
+      <a:sysClr val="window" lastClr="FFFFFF"/>
+    </a:lt1>
+    <a:dk2>
+      <a:srgbClr val="44546A"/>
+    </a:dk2>
+    <a:lt2>
+      <a:srgbClr val="E7E6E6"/>
+    </a:lt2>
+    <a:accent1>
+      <a:srgbClr val="4472C4"/>
+    </a:accent1>
+    <a:accent2>
+      <a:srgbClr val="ED7D31"/>
+    </a:accent2>
+    <a:accent3>
+      <a:srgbClr val="A5A5A5"/>
+    </a:accent3>
+    <a:accent4>
+      <a:srgbClr val="FFC000"/>
+    </a:accent4>
+    <a:accent5>
+      <a:srgbClr val="5B9BD5"/>
+    </a:accent5>
+    <a:accent6>
+      <a:srgbClr val="70AD47"/>
+    </a:accent6>
+    <a:hlink>
+      <a:srgbClr val="0563C1"/>
+    </a:hlink>
+    <a:folHlink>
+      <a:srgbClr val="954F72"/>
+    </a:folHlink>
+  </a:clrScheme>
+</a:themeOverride>
+</file>
+
+<file path=ppt/theme/themeOverride3.xml><?xml version="1.0" encoding="utf-8"?>
+<a:themeOverride xmlns:a="http://schemas.openxmlformats.org/drawingml/2006/main">
+  <a:clrScheme name="Office">
+    <a:dk1>
+      <a:sysClr val="windowText" lastClr="000000"/>
+    </a:dk1>
+    <a:lt1>
+      <a:sysClr val="window" lastClr="FFFFFF"/>
+    </a:lt1>
+    <a:dk2>
+      <a:srgbClr val="44546A"/>
+    </a:dk2>
+    <a:lt2>
+      <a:srgbClr val="E7E6E6"/>
+    </a:lt2>
+    <a:accent1>
+      <a:srgbClr val="4472C4"/>
+    </a:accent1>
+    <a:accent2>
+      <a:srgbClr val="ED7D31"/>
+    </a:accent2>
+    <a:accent3>
+      <a:srgbClr val="A5A5A5"/>
+    </a:accent3>
+    <a:accent4>
+      <a:srgbClr val="FFC000"/>
+    </a:accent4>
+    <a:accent5>
+      <a:srgbClr val="5B9BD5"/>
+    </a:accent5>
+    <a:accent6>
+      <a:srgbClr val="70AD47"/>
+    </a:accent6>
+    <a:hlink>
+      <a:srgbClr val="0563C1"/>
+    </a:hlink>
+    <a:folHlink>
+      <a:srgbClr val="954F72"/>
+    </a:folHlink>
+  </a:clrScheme>
+</a:themeOverride>
 </file>
--- a/protect_your_invariants_tdd.pptx
+++ b/protect_your_invariants_tdd.pptx
@@ -5,14 +5,13 @@
     <p:sldMasterId id="2147483648" r:id="rId1"/>
   </p:sldMasterIdLst>
   <p:notesMasterIdLst>
-    <p:notesMasterId r:id="rId7"/>
+    <p:notesMasterId r:id="rId6"/>
   </p:notesMasterIdLst>
   <p:sldIdLst>
     <p:sldId id="256" r:id="rId2"/>
     <p:sldId id="371" r:id="rId3"/>
     <p:sldId id="370" r:id="rId4"/>
     <p:sldId id="372" r:id="rId5"/>
-    <p:sldId id="257" r:id="rId6"/>
   </p:sldIdLst>
   <p:sldSz cx="12192000" cy="6858000"/>
   <p:notesSz cx="6858000" cy="9144000"/>
@@ -201,7 +200,7 @@
           <a:p>
             <a:fld id="{4E5FAD1C-03AF-4F09-A380-693216D66CCD}" type="datetimeFigureOut">
               <a:rPr lang="en-US" smtClean="0"/>
-              <a:t>1/26/2021</a:t>
+              <a:t>1/27/2021</a:t>
             </a:fld>
             <a:endParaRPr lang="en-US"/>
           </a:p>
@@ -961,7 +960,7 @@
           <a:p>
             <a:fld id="{60624C7D-27BB-44B1-94D3-5207D2610325}" type="datetimeFigureOut">
               <a:rPr lang="en-US" smtClean="0"/>
-              <a:t>1/26/2021</a:t>
+              <a:t>1/27/2021</a:t>
             </a:fld>
             <a:endParaRPr lang="en-US"/>
           </a:p>
@@ -1159,7 +1158,7 @@
           <a:p>
             <a:fld id="{60624C7D-27BB-44B1-94D3-5207D2610325}" type="datetimeFigureOut">
               <a:rPr lang="en-US" smtClean="0"/>
-              <a:t>1/26/2021</a:t>
+              <a:t>1/27/2021</a:t>
             </a:fld>
             <a:endParaRPr lang="en-US"/>
           </a:p>
@@ -1367,7 +1366,7 @@
           <a:p>
             <a:fld id="{60624C7D-27BB-44B1-94D3-5207D2610325}" type="datetimeFigureOut">
               <a:rPr lang="en-US" smtClean="0"/>
-              <a:t>1/26/2021</a:t>
+              <a:t>1/27/2021</a:t>
             </a:fld>
             <a:endParaRPr lang="en-US"/>
           </a:p>
@@ -2937,7 +2936,7 @@
           <a:p>
             <a:fld id="{60624C7D-27BB-44B1-94D3-5207D2610325}" type="datetimeFigureOut">
               <a:rPr lang="en-US" smtClean="0"/>
-              <a:t>1/26/2021</a:t>
+              <a:t>1/27/2021</a:t>
             </a:fld>
             <a:endParaRPr lang="en-US"/>
           </a:p>
@@ -3212,7 +3211,7 @@
           <a:p>
             <a:fld id="{60624C7D-27BB-44B1-94D3-5207D2610325}" type="datetimeFigureOut">
               <a:rPr lang="en-US" smtClean="0"/>
-              <a:t>1/26/2021</a:t>
+              <a:t>1/27/2021</a:t>
             </a:fld>
             <a:endParaRPr lang="en-US"/>
           </a:p>
@@ -3477,7 +3476,7 @@
           <a:p>
             <a:fld id="{60624C7D-27BB-44B1-94D3-5207D2610325}" type="datetimeFigureOut">
               <a:rPr lang="en-US" smtClean="0"/>
-              <a:t>1/26/2021</a:t>
+              <a:t>1/27/2021</a:t>
             </a:fld>
             <a:endParaRPr lang="en-US"/>
           </a:p>
@@ -3889,7 +3888,7 @@
           <a:p>
             <a:fld id="{60624C7D-27BB-44B1-94D3-5207D2610325}" type="datetimeFigureOut">
               <a:rPr lang="en-US" smtClean="0"/>
-              <a:t>1/26/2021</a:t>
+              <a:t>1/27/2021</a:t>
             </a:fld>
             <a:endParaRPr lang="en-US"/>
           </a:p>
@@ -4030,7 +4029,7 @@
           <a:p>
             <a:fld id="{60624C7D-27BB-44B1-94D3-5207D2610325}" type="datetimeFigureOut">
               <a:rPr lang="en-US" smtClean="0"/>
-              <a:t>1/26/2021</a:t>
+              <a:t>1/27/2021</a:t>
             </a:fld>
             <a:endParaRPr lang="en-US"/>
           </a:p>
@@ -4143,7 +4142,7 @@
           <a:p>
             <a:fld id="{60624C7D-27BB-44B1-94D3-5207D2610325}" type="datetimeFigureOut">
               <a:rPr lang="en-US" smtClean="0"/>
-              <a:t>1/26/2021</a:t>
+              <a:t>1/27/2021</a:t>
             </a:fld>
             <a:endParaRPr lang="en-US"/>
           </a:p>
@@ -4454,7 +4453,7 @@
           <a:p>
             <a:fld id="{60624C7D-27BB-44B1-94D3-5207D2610325}" type="datetimeFigureOut">
               <a:rPr lang="en-US" smtClean="0"/>
-              <a:t>1/26/2021</a:t>
+              <a:t>1/27/2021</a:t>
             </a:fld>
             <a:endParaRPr lang="en-US"/>
           </a:p>
@@ -4742,7 +4741,7 @@
           <a:p>
             <a:fld id="{60624C7D-27BB-44B1-94D3-5207D2610325}" type="datetimeFigureOut">
               <a:rPr lang="en-US" smtClean="0"/>
-              <a:t>1/26/2021</a:t>
+              <a:t>1/27/2021</a:t>
             </a:fld>
             <a:endParaRPr lang="en-US"/>
           </a:p>
@@ -4983,7 +4982,7 @@
           <a:p>
             <a:fld id="{60624C7D-27BB-44B1-94D3-5207D2610325}" type="datetimeFigureOut">
               <a:rPr lang="en-US" smtClean="0"/>
-              <a:t>1/26/2021</a:t>
+              <a:t>1/27/2021</a:t>
             </a:fld>
             <a:endParaRPr lang="en-US"/>
           </a:p>
@@ -7240,91 +7239,6 @@
   </p:cSld>
   <p:clrMapOvr>
     <a:overrideClrMapping bg1="lt1" tx1="dk1" bg2="lt2" tx2="dk2" accent1="accent1" accent2="accent2" accent3="accent3" accent4="accent4" accent5="accent5" accent6="accent6" hlink="hlink" folHlink="folHlink"/>
-  </p:clrMapOvr>
-</p:sld>
-</file>
-
-<file path=ppt/slides/slide5.xml><?xml version="1.0" encoding="utf-8"?>
-<p:sld xmlns:a="http://schemas.openxmlformats.org/drawingml/2006/main" xmlns:r="http://schemas.openxmlformats.org/officeDocument/2006/relationships" xmlns:p="http://schemas.openxmlformats.org/presentationml/2006/main" show="0">
-  <p:cSld>
-    <p:bg>
-      <p:bgPr>
-        <a:solidFill>
-          <a:srgbClr val="D52631"/>
-        </a:solidFill>
-        <a:effectLst/>
-      </p:bgPr>
-    </p:bg>
-    <p:spTree>
-      <p:nvGrpSpPr>
-        <p:cNvPr id="1" name=""/>
-        <p:cNvGrpSpPr/>
-        <p:nvPr/>
-      </p:nvGrpSpPr>
-      <p:grpSpPr>
-        <a:xfrm>
-          <a:off x="0" y="0"/>
-          <a:ext cx="0" cy="0"/>
-          <a:chOff x="0" y="0"/>
-          <a:chExt cx="0" cy="0"/>
-        </a:xfrm>
-      </p:grpSpPr>
-      <p:pic>
-        <p:nvPicPr>
-          <p:cNvPr id="2050" name="Picture 2">
-            <a:extLst>
-              <a:ext uri="{FF2B5EF4-FFF2-40B4-BE49-F238E27FC236}">
-                <a16:creationId xmlns:a16="http://schemas.microsoft.com/office/drawing/2014/main" id="{949647C2-6939-400F-AA92-1E6A71F70BDD}"/>
-              </a:ext>
-            </a:extLst>
-          </p:cNvPr>
-          <p:cNvPicPr>
-            <a:picLocks noChangeAspect="1" noChangeArrowheads="1"/>
-          </p:cNvPicPr>
-          <p:nvPr/>
-        </p:nvPicPr>
-        <p:blipFill>
-          <a:blip r:embed="rId2">
-            <a:extLst>
-              <a:ext uri="{28A0092B-C50C-407E-A947-70E740481C1C}">
-                <a14:useLocalDpi xmlns:a14="http://schemas.microsoft.com/office/drawing/2010/main" val="0"/>
-              </a:ext>
-            </a:extLst>
-          </a:blip>
-          <a:srcRect/>
-          <a:stretch>
-            <a:fillRect/>
-          </a:stretch>
-        </p:blipFill>
-        <p:spPr bwMode="auto">
-          <a:xfrm>
-            <a:off x="0" y="0"/>
-            <a:ext cx="12192000" cy="6858000"/>
-          </a:xfrm>
-          <a:prstGeom prst="rect">
-            <a:avLst/>
-          </a:prstGeom>
-          <a:noFill/>
-          <a:extLst>
-            <a:ext uri="{909E8E84-426E-40DD-AFC4-6F175D3DCCD1}">
-              <a14:hiddenFill xmlns:a14="http://schemas.microsoft.com/office/drawing/2010/main">
-                <a:solidFill>
-                  <a:srgbClr val="FFFFFF"/>
-                </a:solidFill>
-              </a14:hiddenFill>
-            </a:ext>
-          </a:extLst>
-        </p:spPr>
-      </p:pic>
-    </p:spTree>
-    <p:extLst>
-      <p:ext uri="{BB962C8B-B14F-4D97-AF65-F5344CB8AC3E}">
-        <p14:creationId xmlns:p14="http://schemas.microsoft.com/office/powerpoint/2010/main" val="2168005350"/>
-      </p:ext>
-    </p:extLst>
-  </p:cSld>
-  <p:clrMapOvr>
-    <a:masterClrMapping/>
   </p:clrMapOvr>
 </p:sld>
 </file>

--- a/protect_your_invariants_tdd.pptx
+++ b/protect_your_invariants_tdd.pptx
@@ -12346,137 +12346,6 @@
   <p:clrMapOvr>
     <a:masterClrMapping/>
   </p:clrMapOvr>
-  <p:timing>
-    <p:tnLst>
-      <p:par>
-        <p:cTn id="1" dur="indefinite" restart="never" nodeType="tmRoot">
-          <p:childTnLst>
-            <p:seq concurrent="1" nextAc="seek">
-              <p:cTn id="2" dur="indefinite" nodeType="mainSeq">
-                <p:childTnLst>
-                  <p:par>
-                    <p:cTn id="3" fill="hold">
-                      <p:stCondLst>
-                        <p:cond delay="indefinite"/>
-                      </p:stCondLst>
-                      <p:childTnLst>
-                        <p:par>
-                          <p:cTn id="4" fill="hold">
-                            <p:stCondLst>
-                              <p:cond delay="0"/>
-                            </p:stCondLst>
-                            <p:childTnLst>
-                              <p:par>
-                                <p:cTn id="5" presetID="14" presetClass="entr" presetSubtype="10" fill="hold" grpId="0" nodeType="clickEffect">
-                                  <p:stCondLst>
-                                    <p:cond delay="0"/>
-                                  </p:stCondLst>
-                                  <p:childTnLst>
-                                    <p:set>
-                                      <p:cBhvr>
-                                        <p:cTn id="6" dur="1" fill="hold">
-                                          <p:stCondLst>
-                                            <p:cond delay="0"/>
-                                          </p:stCondLst>
-                                        </p:cTn>
-                                        <p:tgtEl>
-                                          <p:spTgt spid="5"/>
-                                        </p:tgtEl>
-                                        <p:attrNameLst>
-                                          <p:attrName>style.visibility</p:attrName>
-                                        </p:attrNameLst>
-                                      </p:cBhvr>
-                                      <p:to>
-                                        <p:strVal val="visible"/>
-                                      </p:to>
-                                    </p:set>
-                                    <p:animEffect transition="in" filter="randombar(horizontal)">
-                                      <p:cBhvr>
-                                        <p:cTn id="7" dur="500"/>
-                                        <p:tgtEl>
-                                          <p:spTgt spid="5"/>
-                                        </p:tgtEl>
-                                      </p:cBhvr>
-                                    </p:animEffect>
-                                  </p:childTnLst>
-                                </p:cTn>
-                              </p:par>
-                            </p:childTnLst>
-                          </p:cTn>
-                        </p:par>
-                        <p:par>
-                          <p:cTn id="8" fill="hold">
-                            <p:stCondLst>
-                              <p:cond delay="500"/>
-                            </p:stCondLst>
-                            <p:childTnLst>
-                              <p:par>
-                                <p:cTn id="9" presetID="14" presetClass="entr" presetSubtype="10" fill="hold" grpId="0" nodeType="afterEffect">
-                                  <p:stCondLst>
-                                    <p:cond delay="0"/>
-                                  </p:stCondLst>
-                                  <p:childTnLst>
-                                    <p:set>
-                                      <p:cBhvr>
-                                        <p:cTn id="10" dur="1" fill="hold">
-                                          <p:stCondLst>
-                                            <p:cond delay="0"/>
-                                          </p:stCondLst>
-                                        </p:cTn>
-                                        <p:tgtEl>
-                                          <p:spTgt spid="18"/>
-                                        </p:tgtEl>
-                                        <p:attrNameLst>
-                                          <p:attrName>style.visibility</p:attrName>
-                                        </p:attrNameLst>
-                                      </p:cBhvr>
-                                      <p:to>
-                                        <p:strVal val="visible"/>
-                                      </p:to>
-                                    </p:set>
-                                    <p:animEffect transition="in" filter="randombar(horizontal)">
-                                      <p:cBhvr>
-                                        <p:cTn id="11" dur="500"/>
-                                        <p:tgtEl>
-                                          <p:spTgt spid="18"/>
-                                        </p:tgtEl>
-                                      </p:cBhvr>
-                                    </p:animEffect>
-                                  </p:childTnLst>
-                                </p:cTn>
-                              </p:par>
-                            </p:childTnLst>
-                          </p:cTn>
-                        </p:par>
-                      </p:childTnLst>
-                    </p:cTn>
-                  </p:par>
-                </p:childTnLst>
-              </p:cTn>
-              <p:prevCondLst>
-                <p:cond evt="onPrev" delay="0">
-                  <p:tgtEl>
-                    <p:sldTgt/>
-                  </p:tgtEl>
-                </p:cond>
-              </p:prevCondLst>
-              <p:nextCondLst>
-                <p:cond evt="onNext" delay="0">
-                  <p:tgtEl>
-                    <p:sldTgt/>
-                  </p:tgtEl>
-                </p:cond>
-              </p:nextCondLst>
-            </p:seq>
-          </p:childTnLst>
-        </p:cTn>
-      </p:par>
-    </p:tnLst>
-    <p:bldLst>
-      <p:bldP spid="5" grpId="0"/>
-      <p:bldP spid="18" grpId="0"/>
-    </p:bldLst>
-  </p:timing>
 </p:sld>
 </file>
 
@@ -13742,8 +13611,8 @@
                 </p:pic>
               </mc:Fallback>
             </mc:AlternateContent>
-            <mc:AlternateContent xmlns:mc="http://schemas.openxmlformats.org/markup-compatibility/2006">
-              <mc:Choice xmlns:p14="http://schemas.microsoft.com/office/powerpoint/2010/main" Requires="p14">
+            <mc:AlternateContent xmlns:mc="http://schemas.openxmlformats.org/markup-compatibility/2006" xmlns:p14="http://schemas.microsoft.com/office/powerpoint/2010/main">
+              <mc:Choice Requires="p14">
                 <p:contentPart p14:bwMode="auto" r:id="rId302">
                   <p14:nvContentPartPr>
                     <p14:cNvPr id="93" name="Ink 92">
@@ -13762,7 +13631,7 @@
                   </p14:xfrm>
                 </p:contentPart>
               </mc:Choice>
-              <mc:Fallback>
+              <mc:Fallback xmlns="">
                 <p:pic>
                   <p:nvPicPr>
                     <p:cNvPr id="93" name="Ink 92">
@@ -13865,8 +13734,8 @@
                 </p:pic>
               </mc:Fallback>
             </mc:AlternateContent>
-            <mc:AlternateContent xmlns:mc="http://schemas.openxmlformats.org/markup-compatibility/2006">
-              <mc:Choice xmlns:p14="http://schemas.microsoft.com/office/powerpoint/2010/main" Requires="p14">
+            <mc:AlternateContent xmlns:mc="http://schemas.openxmlformats.org/markup-compatibility/2006" xmlns:p14="http://schemas.microsoft.com/office/powerpoint/2010/main">
+              <mc:Choice Requires="p14">
                 <p:contentPart p14:bwMode="auto" r:id="rId305">
                   <p14:nvContentPartPr>
                     <p14:cNvPr id="165" name="Ink 164">
@@ -13885,7 +13754,7 @@
                   </p14:xfrm>
                 </p:contentPart>
               </mc:Choice>
-              <mc:Fallback>
+              <mc:Fallback xmlns="">
                 <p:pic>
                   <p:nvPicPr>
                     <p:cNvPr id="165" name="Ink 164">
@@ -14170,13 +14039,13 @@
   <p:clrMapOvr>
     <a:overrideClrMapping bg1="lt1" tx1="dk1" bg2="lt2" tx2="dk2" accent1="accent1" accent2="accent2" accent3="accent3" accent4="accent4" accent5="accent5" accent6="accent6" hlink="hlink" folHlink="folHlink"/>
   </p:clrMapOvr>
-  <mc:AlternateContent xmlns:mc="http://schemas.openxmlformats.org/markup-compatibility/2006">
-    <mc:Choice xmlns:p159="http://schemas.microsoft.com/office/powerpoint/2015/09/main" Requires="p159">
+  <mc:AlternateContent xmlns:mc="http://schemas.openxmlformats.org/markup-compatibility/2006" xmlns:p159="http://schemas.microsoft.com/office/powerpoint/2015/09/main">
+    <mc:Choice Requires="p159">
       <p:transition xmlns:p14="http://schemas.microsoft.com/office/powerpoint/2010/main" spd="slow" p14:dur="2000">
         <p159:morph option="byChar"/>
       </p:transition>
     </mc:Choice>
-    <mc:Fallback>
+    <mc:Fallback xmlns="">
       <p:transition spd="slow">
         <p:fade/>
       </p:transition>
@@ -19935,6 +19804,593 @@
                       </p:childTnLst>
                     </p:cTn>
                   </p:par>
+                  <p:par>
+                    <p:cTn id="12" fill="hold">
+                      <p:stCondLst>
+                        <p:cond delay="indefinite"/>
+                      </p:stCondLst>
+                      <p:childTnLst>
+                        <p:par>
+                          <p:cTn id="13" fill="hold">
+                            <p:stCondLst>
+                              <p:cond delay="0"/>
+                            </p:stCondLst>
+                            <p:childTnLst>
+                              <p:par>
+                                <p:cTn id="14" presetID="10" presetClass="entr" presetSubtype="0" fill="hold" nodeType="clickEffect">
+                                  <p:stCondLst>
+                                    <p:cond delay="0"/>
+                                  </p:stCondLst>
+                                  <p:childTnLst>
+                                    <p:set>
+                                      <p:cBhvr>
+                                        <p:cTn id="15" dur="1" fill="hold">
+                                          <p:stCondLst>
+                                            <p:cond delay="0"/>
+                                          </p:stCondLst>
+                                        </p:cTn>
+                                        <p:tgtEl>
+                                          <p:spTgt spid="6"/>
+                                        </p:tgtEl>
+                                        <p:attrNameLst>
+                                          <p:attrName>style.visibility</p:attrName>
+                                        </p:attrNameLst>
+                                      </p:cBhvr>
+                                      <p:to>
+                                        <p:strVal val="visible"/>
+                                      </p:to>
+                                    </p:set>
+                                    <p:animEffect transition="in" filter="fade">
+                                      <p:cBhvr>
+                                        <p:cTn id="16" dur="500"/>
+                                        <p:tgtEl>
+                                          <p:spTgt spid="6"/>
+                                        </p:tgtEl>
+                                      </p:cBhvr>
+                                    </p:animEffect>
+                                  </p:childTnLst>
+                                </p:cTn>
+                              </p:par>
+                            </p:childTnLst>
+                          </p:cTn>
+                        </p:par>
+                      </p:childTnLst>
+                    </p:cTn>
+                  </p:par>
+                  <p:par>
+                    <p:cTn id="17" fill="hold">
+                      <p:stCondLst>
+                        <p:cond delay="indefinite"/>
+                      </p:stCondLst>
+                      <p:childTnLst>
+                        <p:par>
+                          <p:cTn id="18" fill="hold">
+                            <p:stCondLst>
+                              <p:cond delay="0"/>
+                            </p:stCondLst>
+                            <p:childTnLst>
+                              <p:par>
+                                <p:cTn id="19" presetID="14" presetClass="entr" presetSubtype="10" fill="hold" grpId="0" nodeType="clickEffect">
+                                  <p:stCondLst>
+                                    <p:cond delay="0"/>
+                                  </p:stCondLst>
+                                  <p:childTnLst>
+                                    <p:set>
+                                      <p:cBhvr>
+                                        <p:cTn id="20" dur="1" fill="hold">
+                                          <p:stCondLst>
+                                            <p:cond delay="0"/>
+                                          </p:stCondLst>
+                                        </p:cTn>
+                                        <p:tgtEl>
+                                          <p:spTgt spid="12"/>
+                                        </p:tgtEl>
+                                        <p:attrNameLst>
+                                          <p:attrName>style.visibility</p:attrName>
+                                        </p:attrNameLst>
+                                      </p:cBhvr>
+                                      <p:to>
+                                        <p:strVal val="visible"/>
+                                      </p:to>
+                                    </p:set>
+                                    <p:animEffect transition="in" filter="randombar(horizontal)">
+                                      <p:cBhvr>
+                                        <p:cTn id="21" dur="500"/>
+                                        <p:tgtEl>
+                                          <p:spTgt spid="12"/>
+                                        </p:tgtEl>
+                                      </p:cBhvr>
+                                    </p:animEffect>
+                                  </p:childTnLst>
+                                </p:cTn>
+                              </p:par>
+                            </p:childTnLst>
+                          </p:cTn>
+                        </p:par>
+                      </p:childTnLst>
+                    </p:cTn>
+                  </p:par>
+                  <p:par>
+                    <p:cTn id="22" fill="hold">
+                      <p:stCondLst>
+                        <p:cond delay="indefinite"/>
+                      </p:stCondLst>
+                      <p:childTnLst>
+                        <p:par>
+                          <p:cTn id="23" fill="hold">
+                            <p:stCondLst>
+                              <p:cond delay="0"/>
+                            </p:stCondLst>
+                            <p:childTnLst>
+                              <p:par>
+                                <p:cTn id="24" presetID="63" presetClass="entr" presetSubtype="0" fill="hold" nodeType="clickEffect">
+                                  <p:stCondLst>
+                                    <p:cond delay="0"/>
+                                  </p:stCondLst>
+                                  <p:childTnLst>
+                                    <p:set>
+                                      <p:cBhvr>
+                                        <p:cTn id="25" dur="1" fill="hold">
+                                          <p:stCondLst>
+                                            <p:cond delay="0"/>
+                                          </p:stCondLst>
+                                        </p:cTn>
+                                        <p:tgtEl>
+                                          <p:spTgt spid="37"/>
+                                        </p:tgtEl>
+                                        <p:attrNameLst>
+                                          <p:attrName>style.visibility</p:attrName>
+                                        </p:attrNameLst>
+                                      </p:cBhvr>
+                                      <p:to>
+                                        <p:strVal val="visible"/>
+                                      </p:to>
+                                    </p:set>
+                                    <p:anim calcmode="lin" valueType="num">
+                                      <p:cBhvr>
+                                        <p:cTn id="26" dur="2000" fill="hold"/>
+                                        <p:tgtEl>
+                                          <p:spTgt spid="37"/>
+                                        </p:tgtEl>
+                                        <p:attrNameLst>
+                                          <p:attrName>drawProgress</p:attrName>
+                                        </p:attrNameLst>
+                                      </p:cBhvr>
+                                      <p:tavLst>
+                                        <p:tav tm="0">
+                                          <p:val>
+                                            <p:fltVal val="0"/>
+                                          </p:val>
+                                        </p:tav>
+                                        <p:tav tm="100000">
+                                          <p:val>
+                                            <p:fltVal val="1"/>
+                                          </p:val>
+                                        </p:tav>
+                                      </p:tavLst>
+                                    </p:anim>
+                                  </p:childTnLst>
+                                </p:cTn>
+                              </p:par>
+                            </p:childTnLst>
+                          </p:cTn>
+                        </p:par>
+                      </p:childTnLst>
+                    </p:cTn>
+                  </p:par>
+                  <p:par>
+                    <p:cTn id="27" fill="hold">
+                      <p:stCondLst>
+                        <p:cond delay="indefinite"/>
+                      </p:stCondLst>
+                      <p:childTnLst>
+                        <p:par>
+                          <p:cTn id="28" fill="hold">
+                            <p:stCondLst>
+                              <p:cond delay="0"/>
+                            </p:stCondLst>
+                            <p:childTnLst>
+                              <p:par>
+                                <p:cTn id="29" presetID="14" presetClass="entr" presetSubtype="10" fill="hold" grpId="0" nodeType="clickEffect">
+                                  <p:stCondLst>
+                                    <p:cond delay="0"/>
+                                  </p:stCondLst>
+                                  <p:childTnLst>
+                                    <p:set>
+                                      <p:cBhvr>
+                                        <p:cTn id="30" dur="1" fill="hold">
+                                          <p:stCondLst>
+                                            <p:cond delay="0"/>
+                                          </p:stCondLst>
+                                        </p:cTn>
+                                        <p:tgtEl>
+                                          <p:spTgt spid="8"/>
+                                        </p:tgtEl>
+                                        <p:attrNameLst>
+                                          <p:attrName>style.visibility</p:attrName>
+                                        </p:attrNameLst>
+                                      </p:cBhvr>
+                                      <p:to>
+                                        <p:strVal val="visible"/>
+                                      </p:to>
+                                    </p:set>
+                                    <p:animEffect transition="in" filter="randombar(horizontal)">
+                                      <p:cBhvr>
+                                        <p:cTn id="31" dur="500"/>
+                                        <p:tgtEl>
+                                          <p:spTgt spid="8"/>
+                                        </p:tgtEl>
+                                      </p:cBhvr>
+                                    </p:animEffect>
+                                  </p:childTnLst>
+                                </p:cTn>
+                              </p:par>
+                            </p:childTnLst>
+                          </p:cTn>
+                        </p:par>
+                      </p:childTnLst>
+                    </p:cTn>
+                  </p:par>
+                  <p:par>
+                    <p:cTn id="32" fill="hold">
+                      <p:stCondLst>
+                        <p:cond delay="indefinite"/>
+                      </p:stCondLst>
+                      <p:childTnLst>
+                        <p:par>
+                          <p:cTn id="33" fill="hold">
+                            <p:stCondLst>
+                              <p:cond delay="0"/>
+                            </p:stCondLst>
+                            <p:childTnLst>
+                              <p:par>
+                                <p:cTn id="34" presetID="63" presetClass="entr" presetSubtype="0" fill="hold" nodeType="clickEffect">
+                                  <p:stCondLst>
+                                    <p:cond delay="0"/>
+                                  </p:stCondLst>
+                                  <p:childTnLst>
+                                    <p:set>
+                                      <p:cBhvr>
+                                        <p:cTn id="35" dur="1" fill="hold">
+                                          <p:stCondLst>
+                                            <p:cond delay="0"/>
+                                          </p:stCondLst>
+                                        </p:cTn>
+                                        <p:tgtEl>
+                                          <p:spTgt spid="41"/>
+                                        </p:tgtEl>
+                                        <p:attrNameLst>
+                                          <p:attrName>style.visibility</p:attrName>
+                                        </p:attrNameLst>
+                                      </p:cBhvr>
+                                      <p:to>
+                                        <p:strVal val="visible"/>
+                                      </p:to>
+                                    </p:set>
+                                    <p:anim calcmode="lin" valueType="num">
+                                      <p:cBhvr>
+                                        <p:cTn id="36" dur="2000" fill="hold"/>
+                                        <p:tgtEl>
+                                          <p:spTgt spid="41"/>
+                                        </p:tgtEl>
+                                        <p:attrNameLst>
+                                          <p:attrName>drawProgress</p:attrName>
+                                        </p:attrNameLst>
+                                      </p:cBhvr>
+                                      <p:tavLst>
+                                        <p:tav tm="0">
+                                          <p:val>
+                                            <p:fltVal val="0"/>
+                                          </p:val>
+                                        </p:tav>
+                                        <p:tav tm="100000">
+                                          <p:val>
+                                            <p:fltVal val="1"/>
+                                          </p:val>
+                                        </p:tav>
+                                      </p:tavLst>
+                                    </p:anim>
+                                  </p:childTnLst>
+                                </p:cTn>
+                              </p:par>
+                              <p:par>
+                                <p:cTn id="37" presetID="63" presetClass="entr" presetSubtype="0" fill="hold" nodeType="withEffect">
+                                  <p:stCondLst>
+                                    <p:cond delay="0"/>
+                                  </p:stCondLst>
+                                  <p:childTnLst>
+                                    <p:set>
+                                      <p:cBhvr>
+                                        <p:cTn id="38" dur="1" fill="hold">
+                                          <p:stCondLst>
+                                            <p:cond delay="0"/>
+                                          </p:stCondLst>
+                                        </p:cTn>
+                                        <p:tgtEl>
+                                          <p:spTgt spid="38"/>
+                                        </p:tgtEl>
+                                        <p:attrNameLst>
+                                          <p:attrName>style.visibility</p:attrName>
+                                        </p:attrNameLst>
+                                      </p:cBhvr>
+                                      <p:to>
+                                        <p:strVal val="visible"/>
+                                      </p:to>
+                                    </p:set>
+                                    <p:anim calcmode="lin" valueType="num">
+                                      <p:cBhvr>
+                                        <p:cTn id="39" dur="2000" fill="hold"/>
+                                        <p:tgtEl>
+                                          <p:spTgt spid="38"/>
+                                        </p:tgtEl>
+                                        <p:attrNameLst>
+                                          <p:attrName>drawProgress</p:attrName>
+                                        </p:attrNameLst>
+                                      </p:cBhvr>
+                                      <p:tavLst>
+                                        <p:tav tm="0">
+                                          <p:val>
+                                            <p:fltVal val="0"/>
+                                          </p:val>
+                                        </p:tav>
+                                        <p:tav tm="100000">
+                                          <p:val>
+                                            <p:fltVal val="1"/>
+                                          </p:val>
+                                        </p:tav>
+                                      </p:tavLst>
+                                    </p:anim>
+                                  </p:childTnLst>
+                                </p:cTn>
+                              </p:par>
+                            </p:childTnLst>
+                          </p:cTn>
+                        </p:par>
+                      </p:childTnLst>
+                    </p:cTn>
+                  </p:par>
+                  <p:par>
+                    <p:cTn id="40" fill="hold">
+                      <p:stCondLst>
+                        <p:cond delay="indefinite"/>
+                      </p:stCondLst>
+                      <p:childTnLst>
+                        <p:par>
+                          <p:cTn id="41" fill="hold">
+                            <p:stCondLst>
+                              <p:cond delay="0"/>
+                            </p:stCondLst>
+                            <p:childTnLst>
+                              <p:par>
+                                <p:cTn id="42" presetID="14" presetClass="entr" presetSubtype="10" fill="hold" grpId="0" nodeType="clickEffect">
+                                  <p:stCondLst>
+                                    <p:cond delay="0"/>
+                                  </p:stCondLst>
+                                  <p:childTnLst>
+                                    <p:set>
+                                      <p:cBhvr>
+                                        <p:cTn id="43" dur="1" fill="hold">
+                                          <p:stCondLst>
+                                            <p:cond delay="0"/>
+                                          </p:stCondLst>
+                                        </p:cTn>
+                                        <p:tgtEl>
+                                          <p:spTgt spid="2"/>
+                                        </p:tgtEl>
+                                        <p:attrNameLst>
+                                          <p:attrName>style.visibility</p:attrName>
+                                        </p:attrNameLst>
+                                      </p:cBhvr>
+                                      <p:to>
+                                        <p:strVal val="visible"/>
+                                      </p:to>
+                                    </p:set>
+                                    <p:animEffect transition="in" filter="randombar(horizontal)">
+                                      <p:cBhvr>
+                                        <p:cTn id="44" dur="500"/>
+                                        <p:tgtEl>
+                                          <p:spTgt spid="2"/>
+                                        </p:tgtEl>
+                                      </p:cBhvr>
+                                    </p:animEffect>
+                                  </p:childTnLst>
+                                </p:cTn>
+                              </p:par>
+                            </p:childTnLst>
+                          </p:cTn>
+                        </p:par>
+                      </p:childTnLst>
+                    </p:cTn>
+                  </p:par>
+                  <p:par>
+                    <p:cTn id="45" fill="hold">
+                      <p:stCondLst>
+                        <p:cond delay="indefinite"/>
+                      </p:stCondLst>
+                      <p:childTnLst>
+                        <p:par>
+                          <p:cTn id="46" fill="hold">
+                            <p:stCondLst>
+                              <p:cond delay="0"/>
+                            </p:stCondLst>
+                            <p:childTnLst>
+                              <p:par>
+                                <p:cTn id="47" presetID="63" presetClass="entr" presetSubtype="0" fill="hold" nodeType="clickEffect">
+                                  <p:stCondLst>
+                                    <p:cond delay="0"/>
+                                  </p:stCondLst>
+                                  <p:childTnLst>
+                                    <p:set>
+                                      <p:cBhvr>
+                                        <p:cTn id="48" dur="1" fill="hold">
+                                          <p:stCondLst>
+                                            <p:cond delay="0"/>
+                                          </p:stCondLst>
+                                        </p:cTn>
+                                        <p:tgtEl>
+                                          <p:spTgt spid="46"/>
+                                        </p:tgtEl>
+                                        <p:attrNameLst>
+                                          <p:attrName>style.visibility</p:attrName>
+                                        </p:attrNameLst>
+                                      </p:cBhvr>
+                                      <p:to>
+                                        <p:strVal val="visible"/>
+                                      </p:to>
+                                    </p:set>
+                                    <p:anim calcmode="lin" valueType="num">
+                                      <p:cBhvr>
+                                        <p:cTn id="49" dur="2000" fill="hold"/>
+                                        <p:tgtEl>
+                                          <p:spTgt spid="46"/>
+                                        </p:tgtEl>
+                                        <p:attrNameLst>
+                                          <p:attrName>drawProgress</p:attrName>
+                                        </p:attrNameLst>
+                                      </p:cBhvr>
+                                      <p:tavLst>
+                                        <p:tav tm="0">
+                                          <p:val>
+                                            <p:fltVal val="0"/>
+                                          </p:val>
+                                        </p:tav>
+                                        <p:tav tm="100000">
+                                          <p:val>
+                                            <p:fltVal val="1"/>
+                                          </p:val>
+                                        </p:tav>
+                                      </p:tavLst>
+                                    </p:anim>
+                                  </p:childTnLst>
+                                </p:cTn>
+                              </p:par>
+                            </p:childTnLst>
+                          </p:cTn>
+                        </p:par>
+                      </p:childTnLst>
+                    </p:cTn>
+                  </p:par>
+                  <p:par>
+                    <p:cTn id="50" fill="hold">
+                      <p:stCondLst>
+                        <p:cond delay="indefinite"/>
+                      </p:stCondLst>
+                      <p:childTnLst>
+                        <p:par>
+                          <p:cTn id="51" fill="hold">
+                            <p:stCondLst>
+                              <p:cond delay="0"/>
+                            </p:stCondLst>
+                            <p:childTnLst>
+                              <p:par>
+                                <p:cTn id="52" presetID="14" presetClass="entr" presetSubtype="10" fill="hold" grpId="0" nodeType="clickEffect">
+                                  <p:stCondLst>
+                                    <p:cond delay="0"/>
+                                  </p:stCondLst>
+                                  <p:childTnLst>
+                                    <p:set>
+                                      <p:cBhvr>
+                                        <p:cTn id="53" dur="1" fill="hold">
+                                          <p:stCondLst>
+                                            <p:cond delay="0"/>
+                                          </p:stCondLst>
+                                        </p:cTn>
+                                        <p:tgtEl>
+                                          <p:spTgt spid="14"/>
+                                        </p:tgtEl>
+                                        <p:attrNameLst>
+                                          <p:attrName>style.visibility</p:attrName>
+                                        </p:attrNameLst>
+                                      </p:cBhvr>
+                                      <p:to>
+                                        <p:strVal val="visible"/>
+                                      </p:to>
+                                    </p:set>
+                                    <p:animEffect transition="in" filter="randombar(horizontal)">
+                                      <p:cBhvr>
+                                        <p:cTn id="54" dur="500"/>
+                                        <p:tgtEl>
+                                          <p:spTgt spid="14"/>
+                                        </p:tgtEl>
+                                      </p:cBhvr>
+                                    </p:animEffect>
+                                  </p:childTnLst>
+                                </p:cTn>
+                              </p:par>
+                            </p:childTnLst>
+                          </p:cTn>
+                        </p:par>
+                      </p:childTnLst>
+                    </p:cTn>
+                  </p:par>
+                  <p:par>
+                    <p:cTn id="55" fill="hold">
+                      <p:stCondLst>
+                        <p:cond delay="indefinite"/>
+                      </p:stCondLst>
+                      <p:childTnLst>
+                        <p:par>
+                          <p:cTn id="56" fill="hold">
+                            <p:stCondLst>
+                              <p:cond delay="0"/>
+                            </p:stCondLst>
+                            <p:childTnLst>
+                              <p:par>
+                                <p:cTn id="57" presetID="63" presetClass="entr" presetSubtype="0" fill="hold" nodeType="clickEffect">
+                                  <p:stCondLst>
+                                    <p:cond delay="0"/>
+                                  </p:stCondLst>
+                                  <p:childTnLst>
+                                    <p:set>
+                                      <p:cBhvr>
+                                        <p:cTn id="58" dur="1" fill="hold">
+                                          <p:stCondLst>
+                                            <p:cond delay="0"/>
+                                          </p:stCondLst>
+                                        </p:cTn>
+                                        <p:tgtEl>
+                                          <p:spTgt spid="49"/>
+                                        </p:tgtEl>
+                                        <p:attrNameLst>
+                                          <p:attrName>style.visibility</p:attrName>
+                                        </p:attrNameLst>
+                                      </p:cBhvr>
+                                      <p:to>
+                                        <p:strVal val="visible"/>
+                                      </p:to>
+                                    </p:set>
+                                    <p:anim calcmode="lin" valueType="num">
+                                      <p:cBhvr>
+                                        <p:cTn id="59" dur="2000" fill="hold"/>
+                                        <p:tgtEl>
+                                          <p:spTgt spid="49"/>
+                                        </p:tgtEl>
+                                        <p:attrNameLst>
+                                          <p:attrName>drawProgress</p:attrName>
+                                        </p:attrNameLst>
+                                      </p:cBhvr>
+                                      <p:tavLst>
+                                        <p:tav tm="0">
+                                          <p:val>
+                                            <p:fltVal val="0"/>
+                                          </p:val>
+                                        </p:tav>
+                                        <p:tav tm="100000">
+                                          <p:val>
+                                            <p:fltVal val="1"/>
+                                          </p:val>
+                                        </p:tav>
+                                      </p:tavLst>
+                                    </p:anim>
+                                  </p:childTnLst>
+                                </p:cTn>
+                              </p:par>
+                            </p:childTnLst>
+                          </p:cTn>
+                        </p:par>
+                      </p:childTnLst>
+                    </p:cTn>
+                  </p:par>
                 </p:childTnLst>
               </p:cTn>
               <p:prevCondLst>
@@ -19958,6 +20414,10 @@
     </p:tnLst>
     <p:bldLst>
       <p:bldP spid="11" grpId="0"/>
+      <p:bldP spid="2" grpId="0"/>
+      <p:bldP spid="8" grpId="0"/>
+      <p:bldP spid="12" grpId="0"/>
+      <p:bldP spid="14" grpId="0"/>
     </p:bldLst>
   </p:timing>
 </p:sld>
@@ -20060,6 +20520,18 @@
   <p:clrMapOvr>
     <a:masterClrMapping/>
   </p:clrMapOvr>
+  <mc:AlternateContent xmlns:mc="http://schemas.openxmlformats.org/markup-compatibility/2006">
+    <mc:Choice xmlns:p159="http://schemas.microsoft.com/office/powerpoint/2015/09/main" Requires="p159">
+      <p:transition xmlns:p14="http://schemas.microsoft.com/office/powerpoint/2010/main" spd="slow" p14:dur="2000">
+        <p159:morph option="byObject"/>
+      </p:transition>
+    </mc:Choice>
+    <mc:Fallback>
+      <p:transition spd="slow">
+        <p:fade/>
+      </p:transition>
+    </mc:Fallback>
+  </mc:AlternateContent>
 </p:sld>
 </file>
 
@@ -20119,13 +20591,13 @@
   <p:clrMapOvr>
     <a:masterClrMapping/>
   </p:clrMapOvr>
-  <mc:AlternateContent xmlns:mc="http://schemas.openxmlformats.org/markup-compatibility/2006">
-    <mc:Choice xmlns:p159="http://schemas.microsoft.com/office/powerpoint/2015/09/main" Requires="p159">
+  <mc:AlternateContent xmlns:mc="http://schemas.openxmlformats.org/markup-compatibility/2006" xmlns:p159="http://schemas.microsoft.com/office/powerpoint/2015/09/main">
+    <mc:Choice Requires="p159">
       <p:transition xmlns:p14="http://schemas.microsoft.com/office/powerpoint/2010/main" spd="slow" p14:dur="2000">
         <p159:morph option="byObject"/>
       </p:transition>
     </mc:Choice>
-    <mc:Fallback>
+    <mc:Fallback xmlns="">
       <p:transition spd="slow">
         <p:fade/>
       </p:transition>
@@ -20190,13 +20662,13 @@
   <p:clrMapOvr>
     <a:masterClrMapping/>
   </p:clrMapOvr>
-  <mc:AlternateContent xmlns:mc="http://schemas.openxmlformats.org/markup-compatibility/2006">
-    <mc:Choice xmlns:p159="http://schemas.microsoft.com/office/powerpoint/2015/09/main" Requires="p159">
+  <mc:AlternateContent xmlns:mc="http://schemas.openxmlformats.org/markup-compatibility/2006" xmlns:p159="http://schemas.microsoft.com/office/powerpoint/2015/09/main">
+    <mc:Choice Requires="p159">
       <p:transition xmlns:p14="http://schemas.microsoft.com/office/powerpoint/2010/main" spd="slow" p14:dur="2000">
         <p159:morph option="byObject"/>
       </p:transition>
     </mc:Choice>
-    <mc:Fallback>
+    <mc:Fallback xmlns="">
       <p:transition spd="slow">
         <p:fade/>
       </p:transition>
@@ -20261,13 +20733,13 @@
   <p:clrMapOvr>
     <a:masterClrMapping/>
   </p:clrMapOvr>
-  <mc:AlternateContent xmlns:mc="http://schemas.openxmlformats.org/markup-compatibility/2006">
-    <mc:Choice xmlns:p159="http://schemas.microsoft.com/office/powerpoint/2015/09/main" Requires="p159">
+  <mc:AlternateContent xmlns:mc="http://schemas.openxmlformats.org/markup-compatibility/2006" xmlns:p159="http://schemas.microsoft.com/office/powerpoint/2015/09/main">
+    <mc:Choice Requires="p159">
       <p:transition xmlns:p14="http://schemas.microsoft.com/office/powerpoint/2010/main" spd="slow" p14:dur="2000">
         <p159:morph option="byObject"/>
       </p:transition>
     </mc:Choice>
-    <mc:Fallback>
+    <mc:Fallback xmlns="">
       <p:transition spd="slow">
         <p:fade/>
       </p:transition>
@@ -29550,13 +30022,13 @@
   <p:clrMapOvr>
     <a:overrideClrMapping bg1="lt1" tx1="dk1" bg2="lt2" tx2="dk2" accent1="accent1" accent2="accent2" accent3="accent3" accent4="accent4" accent5="accent5" accent6="accent6" hlink="hlink" folHlink="folHlink"/>
   </p:clrMapOvr>
-  <mc:AlternateContent xmlns:mc="http://schemas.openxmlformats.org/markup-compatibility/2006">
-    <mc:Choice xmlns:p159="http://schemas.microsoft.com/office/powerpoint/2015/09/main" Requires="p159">
+  <mc:AlternateContent xmlns:mc="http://schemas.openxmlformats.org/markup-compatibility/2006" xmlns:p159="http://schemas.microsoft.com/office/powerpoint/2015/09/main">
+    <mc:Choice Requires="p159">
       <p:transition xmlns:p14="http://schemas.microsoft.com/office/powerpoint/2010/main" spd="slow" p14:dur="2000">
         <p159:morph option="byChar"/>
       </p:transition>
     </mc:Choice>
-    <mc:Fallback>
+    <mc:Fallback xmlns="">
       <p:transition spd="slow">
         <p:fade/>
       </p:transition>
@@ -29935,33 +30407,15 @@
                                   </p:childTnLst>
                                 </p:cTn>
                               </p:par>
-                            </p:childTnLst>
-                          </p:cTn>
-                        </p:par>
-                      </p:childTnLst>
-                    </p:cTn>
-                  </p:par>
-                  <p:par>
-                    <p:cTn id="38" fill="hold">
-                      <p:stCondLst>
-                        <p:cond delay="indefinite"/>
-                      </p:stCondLst>
-                      <p:childTnLst>
-                        <p:par>
-                          <p:cTn id="39" fill="hold">
-                            <p:stCondLst>
-                              <p:cond delay="0"/>
-                            </p:stCondLst>
-                            <p:childTnLst>
                               <p:par>
-                                <p:cTn id="40" presetID="10" presetClass="entr" presetSubtype="0" fill="hold" nodeType="clickEffect">
+                                <p:cTn id="38" presetID="10" presetClass="entr" presetSubtype="0" fill="hold" nodeType="withEffect">
                                   <p:stCondLst>
                                     <p:cond delay="0"/>
                                   </p:stCondLst>
                                   <p:childTnLst>
                                     <p:set>
                                       <p:cBhvr>
-                                        <p:cTn id="41" dur="1" fill="hold">
+                                        <p:cTn id="39" dur="1" fill="hold">
                                           <p:stCondLst>
                                             <p:cond delay="0"/>
                                           </p:stCondLst>
@@ -29979,7 +30433,7 @@
                                     </p:set>
                                     <p:animEffect transition="in" filter="fade">
                                       <p:cBhvr>
-                                        <p:cTn id="42" dur="500"/>
+                                        <p:cTn id="40" dur="500"/>
                                         <p:tgtEl>
                                           <p:spTgt spid="219"/>
                                         </p:tgtEl>

--- a/protect_your_invariants_tdd.pptx
+++ b/protect_your_invariants_tdd.pptx
@@ -194,7 +194,7 @@
           <inkml:channelProperty channel="Y" name="resolution" value="1000" units="1/cm"/>
         </inkml:channelProperties>
       </inkml:inkSource>
-      <inkml:timestamp xml:id="ts0" timeString="2021-02-10T08:05:17.155"/>
+      <inkml:timestamp xml:id="ts0" timeString="2021-02-10T08:05:30.711"/>
     </inkml:context>
     <inkml:brush xml:id="br0">
       <inkml:brushProperty name="width" value="0.1" units="cm"/>
@@ -203,7 +203,7 @@
       <inkml:brushProperty name="ignorePressure" value="1"/>
     </inkml:brush>
   </inkml:definitions>
-  <inkml:trace contextRef="#ctx0" brushRef="#br0">0 309,'0'-5,"5"-11,6-3,11-8,16-14,6-4,11-4,5 1,-3 8,-7 22,-11 18,-7 28,-5 57,-7 15</inkml:trace>
+  <inkml:trace contextRef="#ctx0" brushRef="#br0">680 5,'0'0,"0"0,0 0,0-1,0 1,0 0,0 0,0 0,0 0,0-1,0 1,0 0,0 0,0 0,0 0,0 0,0-1,0 1,0 0,-1 0,1 0,0 0,0 0,0-1,0 1,0 0,0 0,0 0,-1 0,1 0,0 0,0 0,0 0,0 0,-1 0,1 0,0 0,0 0,0 0,0 0,-1 0,1 0,0 0,0 0,0 0,0 0,-1 0,1 0,-12 6,-9 10,-7 13,1 1,-37 55,26-33,-120 164,-132 241,281-441,1 0,-10 26,18-41,-1 0,1 0,0 0,0 0,0-1,0 1,-1 0,1 0,0 0,0 0,1 0,-1 0,0 0,0-1,1 2,-1-1,0-1,0 0,1 0,-1 0,0 1,0-1,1 0,-1 0,0 0,1 0,-1 0,0 0,1 0,-1 0,0 0,1 0,-1 0,0 0,1 0,-1 0,0 0,0 0,1 0,-1 0,0 0,1 0,-1 0,0 0,1-1,-1 1,7-4,0-1,0 0,-1 0,0 0,7-8,208-236,-14-19,7-8,-200 259,-14 17,0 0,0 0,0 0,0 0,0 0,0 0,0 0,0 0,0 0,0 1,1-1,-1 0,0 0,0 0,0 0,0 0,0 0,0 0,0 0,0 0,0 0,0 0,0 0,0 0,0 0,0 0,0 0,0 0,0 0,0 0,1 0,-1 0,0 0,0 0,0 0,-21 37,12-23,-83 139,-151 264,186-300,55-113,0-1,1 1,-1 0,1 0,0 0,0 0,0 0,1 0,-1 0,1 0,0 5,1-8,-1-1,0 1,1-1,-1 1,0-1,1 1,-1-1,1 1,-1-1,1 1,-1-1,1 0,-1 1,1-1,-1 0,1 1,-1-1,1 0,0 0,-1 0,1 0,-1 1,1-1,0 0,-1 0,1 0,0 0,-1-1,1 1,0 0</inkml:trace>
 </inkml:ink>
 </file>
 
@@ -221,7 +221,7 @@
           <inkml:channelProperty channel="Y" name="resolution" value="1000" units="1/cm"/>
         </inkml:channelProperties>
       </inkml:inkSource>
-      <inkml:timestamp xml:id="ts0" timeString="2021-02-10T08:05:17.615"/>
+      <inkml:timestamp xml:id="ts0" timeString="2021-02-10T08:05:31.075"/>
     </inkml:context>
     <inkml:brush xml:id="br0">
       <inkml:brushProperty name="width" value="0.1" units="cm"/>
@@ -230,7 +230,7 @@
       <inkml:brushProperty name="ignorePressure" value="1"/>
     </inkml:brush>
   </inkml:definitions>
-  <inkml:trace contextRef="#ctx0" brushRef="#br0">1 0,'0'5,"0"7,5 24,1 17,5 32,5 12,5 18,-1-6,5 12,-1-5,4 7,-2-18</inkml:trace>
+  <inkml:trace contextRef="#ctx0" brushRef="#br0">259 1,'0'4,"-15"17,-4 9,-18 23,-51 75,-11 16</inkml:trace>
 </inkml:ink>
 </file>
 
@@ -248,7 +248,7 @@
           <inkml:channelProperty channel="Y" name="resolution" value="1000" units="1/cm"/>
         </inkml:channelProperties>
       </inkml:inkSource>
-      <inkml:timestamp xml:id="ts0" timeString="2021-02-10T08:05:18.002"/>
+      <inkml:timestamp xml:id="ts0" timeString="2021-02-10T08:05:32.693"/>
     </inkml:context>
     <inkml:brush xml:id="br0">
       <inkml:brushProperty name="width" value="0.1" units="cm"/>
@@ -257,7 +257,7 @@
       <inkml:brushProperty name="ignorePressure" value="1"/>
     </inkml:brush>
   </inkml:definitions>
-  <inkml:trace contextRef="#ctx0" brushRef="#br0">1 259,'0'-10,"4"-7,7-16,7-2,4-10,3-2,3 8,-3 14,-2 17,-5 29,0 15,2 50,-3 10</inkml:trace>
+  <inkml:trace contextRef="#ctx0" brushRef="#br0">299 0,'-1'5,"0"-1,0 0,0 1,0-1,-1 0,1 0,-1 0,0 0,0 0,-4 4,-8 18,-50 149,57-147,0 0,2 0,0 1,1 42,4-68,-1 1,2-1,-1 1,0-1,1 0,0 1,0-1,0 0,0 1,0-1,1 0,-1 0,1 0,0 0,0 0,2 2,-2-3,0-1,0 0,0 0,0 0,0 0,0 0,0 0,0-1,0 1,0-1,0 1,1-1,-1 0,0 0,0 0,1 0,-1 0,0-1,0 1,0-1,0 1,1-1,-1 0,0 1,0-1,2-2,10-4,0-1,-1-1,0 0,-1 0,15-15,56-63,-71 74,124-149,-305 394,-203 366,340-534,30-59,3-5,9-10,18-28,515-741,-516 740,-21 31,-14 18,-190 291,163-239,3 2,3 1,-22 74,48-130,0 0,1 0,0 0,0 1,1-1,0 12,1-20,0 0,0 0,0 0,1 0,-1 0,0 1,0-1,1 0,-1 0,1 0,-1 0,1 0,-1 0,1 0,0 0,0 0,-1 0,1-1,0 1,0 0,0 0,0-1,0 1,0 0,0-1,0 1,0-1,0 0,0 1,0-1,0 0,0 1,0-1,1 0,-1 0,0 0,0 0,0 0,0 0,3-1,2-1,0 1,1-2,-1 1,0-1,0 0,0 0,9-7,102-89,329-369,-240 243,-155 172,-35 42,-16 11,0-1,0 1,1 0,-1 0,0 0,0 0,0 0,0 0,0 0,0 0,1 0,-1 0,0 0,0 0,0 0,0 0,1 0,-1 0,0 0,0 0,0 0,0 0,0 0,1 0,-1 0,0 0,0 0,0 0,0 0,0 0,0 0,1 0,-1 0,0 0,0 0,0 1,0-1,0 0,0 0,0 0,1 0,-1 0,0 0,0 0,0 1,0 1,-1 1,1 0,-1-1,0 1,0-1,0 1,0-1,-2 4,-80 159,35-73,-46 122,86-180,8-34,0 0,0 0,0 1,0-1,0 0,0 1,0-1,0 0,0 1,0-1,0 0,0 0,0 1,0-1,0 0,0 1,1-1,-1 0,0 0,0 1,0-1,0 0,1 0,-1 0,0 1,0-1,1 0,-1 0,0 0,0 0,1 1,-1-1,1 0,1-1,-1 1,0 0,0-1,0 1,0 0,0-1,0 1,0-1,0 0,0 1,0-1,2-1,31-31,-1 0,-2-2,35-51,-31 41,120-155,-615 878,401-583,47-70,12-25,0 0,0 0,0 0,0 0,0 0,0 0,0 0,0 0,1 0,-1 0,0 0,0 0,0 0,0 0,0 0,0 0,0 0,0 0,0 0,0 0,1 0,-1 0,0 0,0 0,0 0,0 0,0 0,0 0,0 1,0-1,0 0,0 0,0 0,0 0,0 0,0 0,0 0,0 0,0 0,0 0,0 1,0-1,0 0,0 0,0 0,0 0,0 0,0 0,0 0,0 0,0 0,0 1,0-1,30-31,207-257,154-172,-339 408,-40 42,-10 11,-6 6,-53 76,0-3,-552 751,758-1017,487-491,-541 588,-88 83,1-1,-1 1,15-8,-22 13,0 1,0 0,0 0,0 0,0 0,1 0,-1 0,0 0,0 0,0 0,0 0,0 0,0 0,0 0,1 0,-1 0,0 0,0 0,0 0,0 0,0 0,0 0,1 0,-1 0,0 0,0 0,0 0,0 0,0 0,0 0,1 0,-1 0,0 0,0 0,0 0,0 0,0 0,0 0,0 1,0-1,0 0,0 0,1 0,-1 0,0 0,0 0,0 0,0 0,0 1,0-1,0 0,0 0,0 0,0 0,0 0,0 0,0 1,0-1,0 0,-8 17,-111 139,79-106,-512 629,496-612,96-123,124-132,209-187,-257 275,-110 95,1 1,-1 0,1 0,-1 0,12-4,-17 8,-1 0,0 0,1-1,-1 1,1 0,-1 0,0 0,1 0,-1 0,0 0,1 0,-1 0,0 0,1 0,-1 0,1 0,-1 0,0 0,1 1,-1-1,0 0,1 0,-1 0,0 0,1 1,-1-1,0 0,0 0,1 1,-1-1,0 0,0 1,1-1,-1 0,0 0,0 1,1 0,-1 1,0 0,0 0,-1 1,1-1,0 0,-1 0,0 0,1 0,-1 1,0-1,-1 2,-17 33,-45 68,-40 36,51-69,-103 142,128-174,24-32,15-17,172-195,-17 18,35-12,-146 151,-44 43,-10 11,-6 6,0-1,-1 1,0-1,-1-1,-1 1,-13 15,3-2,-97 128,-58 86,168-233,1 1,0 0,-6 13,10-20,0 0,0 0,0 1,0-1,0 0,0 0,0 0,0 0,0 0,0 1,0-1,0 0,0 0,0 0,0 0,0 1,0-1,0 0,0 0,0 0,0 0,0 1,0-1,0 0,0 0,0 0,1 0,-1 0,0 1,0-1,0 0,0 0,0 0,0 0,0 0,1 0,-1 0,0 0,0 0,0 1,0-1,0 0,1 0,-1 0,0 0,0 0,0 0,0 0,1 0,-1 0,0 0,0 0,0 0,0 0,1 0,-1 0,0 0,24-14,21-21,53-54,-60 53,-18 17,338-298,-282 261,-74 55,0-1,-1 1,1 0,0 1,0-1,0 0,0 0,0 1,3-1,-4 1,-1 0,0 0,0 0,1 0,-1 0,0 0,0 0,0 1,1-1,-1 0,0 0,0 0,0 0,1 0,-1 1,0-1,0 0,0 0,0 0,0 1,0-1,1 0,-1 0,0 1,0-1,0 0,0 0,0 1,0-1,0 0,0 0,0 0,0 1,0-1,0 0,0 0,0 1,0-1,0 0,0 0,0 1,-1-1,-1 6,0 0,-1 0,0 0,-6 8,-198 261,150-204,-57 67,-32 42,136-165</inkml:trace>
 </inkml:ink>
 </file>
 
@@ -275,7 +275,7 @@
           <inkml:channelProperty channel="Y" name="resolution" value="1000" units="1/cm"/>
         </inkml:channelProperties>
       </inkml:inkSource>
-      <inkml:timestamp xml:id="ts0" timeString="2021-02-10T08:05:18.413"/>
+      <inkml:timestamp xml:id="ts0" timeString="2021-02-10T08:05:35.603"/>
     </inkml:context>
     <inkml:brush xml:id="br0">
       <inkml:brushProperty name="width" value="0.1" units="cm"/>
@@ -284,7 +284,7 @@
       <inkml:brushProperty name="ignorePressure" value="1"/>
     </inkml:brush>
   </inkml:definitions>
-  <inkml:trace contextRef="#ctx0" brushRef="#br0">1 0,'0'10,"0"7,0 11,4 25,2 8,0 3,4 19,5 6,9 26,1 2,15 40,2-7</inkml:trace>
+  <inkml:trace contextRef="#ctx0" brushRef="#br0">788 1,'-13'22,"0"-1,-2 0,0-1,-29 29,14-16,-539 606,505-565,42-45,22-29,0 0,0 0,-1 0,1 0,0 0,0 0,0 0,0 1,0-1,0 0,0 0,-1 0,1 0,0 0,0 0,0 0,0 0,0 1,0-1,0 0,0 0,0 0,0 0,0 0,0 0,0 1,0-1,0 0,0 0,0 0,0 0,0 0,0 0,0 1,0-1,0 0,0 0,0 0,0 0,0 0,0 0,0 1,0-1,0 0,0 0,0 0,0 0,0 0,1 0,-1 0,0 0,0 1,0-1,16-11,241-216,-55 45,232-173,-350 299,-59 44,-25 11,1 1,-1 0,1 0,-1 0,0-1,1 1,-1 0,1 0,-1 0,1 0,-1 0,1 0,-1 0,1 0,-1 0,1 0,-1 0,1 0,-1 0,1 1,-1-1,1 0,-1 1,1-1,-1 1,0-1,0 1,0-1,0 1,0-1,0 1,0-1,0 1,0-1,0 1,0-1,-1 1,1-1,0 1,0-1,0 1,-1-1,1 1,0 0,-15 21,-103 118,80-97,-533 634,528-616,36-48,7-12,0-1,0 0,1 0,-1 0,0 0,0 0,0 1,0-1,0 0,0 0,0 0,0 0,1 0,-1 0,0 0,0 0,0 1,0-1,0 0,0 0,1 0,-1 0,0 0,0 0,0 0,0 0,1 0,-1 0,0 0,0 0,0 0,0 0,1 0,-1 0,0 0,0 0,0 0,0 0,0 0,1 0,-1 0,0-1,0 1,0 0,0 0,0 0,0 0,1 0,-1 0,0 0,0-1,0 1,0 0,23-14,-2-1,1-1,28-28,-8 7,743-588,-693 564,-86 57,1 0,-1 1,13-4,-19 6,0 1,0 0,1 0,-1 0,0 0,0 0,0 0,1 0,-1 0,0 0,0 0,1 0,-1 0,0 0,0 0,0 0,1 0,-1 0,0 0,0 0,1 0,-1 0,0 0,0 0,0 0,1 0,-1 0,0 1,0-1,0 0,1 0,-1 0,0 0,0 0,0 1,0-1,0 0,1 0,-1 0,0 1,0-1,0 0,0 0,0 0,0 1,0-1,0 2,-1 1,0-1,0 0,0 0,0 0,0 0,-1 0,1 0,-2 2,-76 85,-433 439,436-445,52-50,24-33,0 0,0 0,0 1,-1-1,1 0,0 0,0 0,0 0,0 0,0 0,0 1,0-1,0 0,0 0,-1 0,1 0,0 1,0-1,0 0,0 0,0 0,0 0,0 1,0-1,0 0,0 0,0 0,0 0,0 1,0-1,1 0,-1 0,0 0,0 0,0 1,0-1,0 0,0 0,0 0,0 0,0 0,1 1,-1-1,0 0,0 0,0 0,18-9,98-79,-65 47,1-1,206-157,15 20,-251 166,33-12,-31 19,-24 6,1 0,-1 0,0 0,1 0,-1 0,0 0,0 0,1 0,-1 0,0 0,0 0,1 0,-1 1,0-1,0 0,1 0,-1 0,0 0,0 0,1 1,-1-1,0 0,0 0,0 0,0 1,1-1,-1 0,0 0,0 1,0-1,0 0,0 0,0 1,1-1,-1 0,0 1,-1 2,0 1,0-1,-1 0,1 0,0 1,-1-1,0 0,0 0,-2 2,-27 35,-53 55,57-66,-25 28,-175 203,221-251,0-1,0 1,1 0,-7 16,11-24,1 0,0 0,0 0,-1 0,1 1,0-1,0 0,0 0,0 0,0 0,0 0,0 0,1 2,-1-3,0 0,0 1,1-1,-1 0,0 1,1-1,-1 0,0 1,1-1,-1 0,0 1,1-1,-1 0,1 0,-1 0,1 0,-1 1,1-1,-1 0,0 0,1 0,-1 0,1 0,-1 0,1 0,-1 0,1 0,0 0,8-3,0 1,1-2,-1 1,0-1,12-7,197-128,-187 118,63-44,241-156,-248 175,-84 45,1-1,-1 1,1-1,-1 1,1 0,0 1,-1-1,6 0,-8 1,-1 0,1 0,-1 0,0 0,1 0,-1 1,1-1,-1 0,0 0,1 0,-1 0,0 1,1-1,-1 0,0 0,1 1,-1-1,0 0,1 0,-1 1,0-1,0 0,1 1,-1-1,0 0,0 1,0-1,0 1,0-1,1 0,-1 1,0-1,0 1,0-1,0 0,0 1,0-1,0 1,0-1,-1 1,-1 6,0-1,-1 1,0-1,0 0,-1 0,-8 10,-114 140,7-12,108-124,11-14,14-12,44-36,79-71,-71 55,-14 14,147-117,-176 147,-21 15,-5 3,-32 34,-190 174,-22 23,208-191,35-36,14-11,27-20,59-48,-57 40,583-467,-539 424,-81 72,1 0,-1 0,0 0,0 0,0 0,0 0,0-1,0 1,0-1,-1 1,2-5,-6 7,0 1,0 0,0 0,-1 0,1 1,0-1,0 1,0-1,-4 4,-93 59,-174 145,210-151,50-40,14-18,0 0,0 0,0 0,0 0,0 1,-1-1,1 0,0 0,0 0,0 0,0 1,0-1,0 0,0 0,0 0,0 1,0-1,0 0,0 0,0 0,0 0,0 1,0-1,0 0,0 0,0 0,0 1,0-1,0 0,0 0,0 0,0 0,0 1,1-1,-1 0,0 0,0 0,0 0,0 0,0 1,0-1,1 0,2 0,0-1,0 1,0-1,0 0,0 0,0 0,0 0,0 0,4-3,251-148,-149 83,-16 12,191-111,-232 143,-41 24,-11 1,0 0,1 0,-1 1,0-1,0 0,0 0,0 0,0 1,0-1,0 0,0 0,0 1,0-1,0 0,0 0,0 1,0-1,0 0,0 0,0 1,0-1,0 0,0 0,0 1,0-1,-1 0,1 0,0 0,0 1,0-1,0 0,-1 0,1 1,-14 15,-1 0,0 0,-34 25,25-22,-223 191,201-167,37-30,9-13,0 0,0 0,0 1,0-1,0 0,0 0,0 0,0 0,0 1,0-1,0 0,0 0,0 0,0 1,0-1,0 0,0 0,0 0,0 1,0-1,0 0,0 0,0 0,0 0,0 1,1-1,-1 0,0 0,0 0,0 0,0 1,0-1,1 0,-1 0,0 0,2 0,0 0,0 0,0 0,0 0,0 0,0 0,0-1,0 1,-1-1,1 1,0-1,2-1,77-35,87-53,-87 44,90-37,-166 81,-1 0,0 0,1 1,-1 0,0 0,10-1,-14 2,1 0,-1 0,0 0,0 0,1 0,-1 0,0 1,0-1,1 0,-1 0,0 0,0 0,0 0,1 1,-1-1,0 0,0 0,0 0,0 1,1-1,-1 0,0 0,0 1,0-1,0 0,0 0,0 1,0-1,0 0,0 1,0-1,0 0,0 0,0 1,0-1,0 0,0 0,0 1,0-1,0 0,0 0,0 1,0-1,0 0,0 0,-1 1,1-1,0 0,0 0,0 0,-1 1,1-1,0 0,0 0,-1 1,-7 9,-1 0,0 0,-17 12,-95 73,65-52,-76 73,112-90,19-26,1 1,0-1,0 1,0-1,-1 0,1 1,0-1,0 1,0-1,0 1,0-1,0 1,0-1,0 1,0-1,0 0,0 1,0-1,0 1,0-1,0 1,1 0,-1-1,1 1,0-1,-1 0,1 1,0-1,-1 0,1 0,0 0,-1 1,1-1,0 0,0 0,-1 0,1 0,0 0,-1 0,1-1,0 1,-1 0,2-1,25-7,0-2,-1 0,38-23,-42 22,119-64,182-85,-318 158,2-1,1 0,0 0,12-2,-19 5,-1 0,0 0,0 0,1-1,-1 1,0 0,0 0,1 0,-1 0,0 0,0 0,1 0,-1 0,0 1,0-1,1 0,-1 0,0 0,0 0,0 0,1 0,-1 0,0 0,0 1,1-1,-1 0,0 0,0 0,0 0,0 1,1-1,-1 0,0 0,0 1,0-1,0 0,0 0,0 0,0 1,0-1,1 1,-2 1,0-1,1 1,-1 0,0 0,0 0,0-1,0 1,0 0,0-1,-2 2,-28 32,-2-1,-58 46,20-20,25-19,-47 55,90-92,0-1,0 1,0 0,1 0,0 0,0 0,-2 5,4-8,-1-1,1 0,0 1,0-1,0 0,0 1,0-1,0 0,0 1,0-1,0 1,0-1,0 0,0 1,0-1,1 0,-1 1,0-1,0 0,0 1,0-1,1 0,-1 0,0 1,0-1,0 0,1 0,-1 1,0-1,1 0,-1 0,0 1,0-1,1 0,-1 0,0 0,1 0,-1 0,0 0,1 0,-1 1,0-1,1 0,-1 0,1 0,-1 0,0 0,1 0,-1-1,0 1,1 0,-1 0,0 0,1 0,-1 0,0 0,1-1,-1 1,25-8,-1 0,-1-2,0 0,23-15,-45 25,245-142,-64 35,-130 79,-51 27,0 1,0-1,0 0,0 1,0-1,1 1,-1-1,0 1,0 0,0 0,0-1,1 1,-1 0,0 0,0 0,2 0,-3 1,0 0,0 1,0-1,-1 0,1 0,0 0,-1-1,1 1,-1 0,1 0,-1 0,0 0,1 0,-1 0,0-1,1 1,-2 1,-96 109,20-26,65-68,-19 17,32-34,0 1,0-1,0 0,-1 0,1 0,0 0,0 0,0 0,0 0,0 0,0 0,0 0,0 1,-1-1,1 0,0 0,0 0,0 0,0 0,0 0,0 0,0 0,-1 0,1 0,0 0,0 0,0 0,0 0,0 0,0 0,-1 0,1 0,0 0,0 0,0-1,0 1,0 0,0 0,0 0,0 0,-1 0,1 0,0 0,0 0,0 0,0 0,0-1,0 1,0 0,0 0,0 0,0 0,0 0,0 0,0 0,0-1,0 1,0 0,0 0,0 0,0 0,0 0,0 0,0 0,0-1,0 1,0 0,-2-20,1 15,1-1,-1 0,0 1,-3-11,1 9,0-1,-1 2,0-1,-1 0,1 1,-1 0,0 0,-1 0,0 0,1 1,-2 0,-9-6,-2 0,-1 1,0 1,-31-11,-4 5,1 2,-2 3,0 2,-68-2,-74 3,-375 37,-278 113,808-133,-116 23,130-31,28-2,0 0,0 0,0 0,-1 0,1 0,0 0,0 0,0 0,0 0,0 0,-1 0,1 0,0 0,0 0,0 0,0 0,0 0,-1 0,1 0,0 0,0 0,0-1,0 1,0 0,0 0,-1 0,1 0,0 0,0 0,0 0,0-1,0 1,0 0,0 0,0 0,0 0,0 0,0-1,0 1,0 0,0 0,10-9,26-8,1 2,1 1,49-12,-46 14,494-106,-340 81,-161 29,-26 6,-13 2,-340 55,87-12,203-35,-269 51,286-46,37-10,8 0,15-2,33-2,425-45,-2-28,-278 37,242-75,-303 60,-123 46,-1-1,29-18,-43 24,-1 1,1 0,-1 0,1-1,-1 1,0 0,1-1,-1 1,0-1,1 1,-1 0,0-1,1 1,-1-1,0 1,0-1,1 1,-1-1,0 1,0-1,0 1,0-1,0 1,0-1,0 0,0 1,-1-1,1 1,-1 0,1-1,-1 1,1 0,-1-1,1 1,-1 0,1 0,-1-1,1 1,-1 0,1 0,-1 0,0 0,1 0,-1 0,0 0,-10 0,-1 0,1 1,0 0,-14 4,-60 14,-90 34,-84 44,-399 211,526-227,127-78,-1 1,1 0,1 0,-1 0,1 1,-1 0,-3 6,8-11,-1 0,1 0,0 1,0-1,0 0,0 0,0 1,0-1,0 0,0 1,-1-1,1 0,0 1,0-1,0 0,0 0,1 1,-1-1,0 0,0 1,0-1,0 0,0 1,0-1,0 0,0 0,1 1,-1-1,0 0,0 0,0 1,1-1,-1 0,0 0,0 0,1 1,-1-1,0 0,0 0,1 0,-1 0,0 0,1 1,-1-1,4 0,-1 1,0-1,1 0,-1 0,1 0,-1-1,7-1,113-31,236-87,57-17,-269 101,-135 33,-1 1,0 1,1-1,-1 2,20 1,-30-1,0 0,0 0,0 0,0 1,0-1,-1 0,1 0,0 1,0-1,-1 1,1-1,0 1,0-1,-1 1,1-1,-1 1,1 0,0-1,-1 1,1 0,-1 0,0-1,1 1,-1 0,1 0,-1-1,0 1,0 0,0 0,1 0,-1 0,0 0,0-1,0 1,0 0,0 0,0 0,-1 0,1 0,0-1,0 1,-1 0,1 0,-1 1,-2 5,-1 0,1 0,-1 0,-1 0,1 0,-1-1,-11 10,-49 42,44-40,-116 96,-56 49,130-99,61-63,0 0,1 1,0-1,-1 0,1 1,0 0,0-1,0 1,0 0,0 0,0-1,0 1,1 0,-1 0,1 0,-1 0,1 2,0-3,0-1,1 0,-1 1,0-1,1 0,-1 1,0-1,1 0,-1 0,0 1,1-1,-1 0,1 0,-1 0,1 1,-1-1,0 0,1 0,-1 0,1 0,-1 0,1 0,0 0,22-3,11-7,0-1,53-26,-46 19,129-58,120-51,4 22,-268 98,0 0,0 2,42-4,-61 8,-1 1,0 0,1 0,-1 1,1-1,-1 1,0 1,0-1,0 1,0 0,0 0,0 1,0 0,-1 0,1 0,-1 1,0 0,0 0,8 8,0 12,-12-24,-1 1,0-1,0 0,0 0,0 0,0 0,0 1,1-1,-1 0,0 0,0 0,0 1,0-1,0 0,0 0,0 0,0 1,0-1,0 0,0 0,0 0,0 1,0-1,0 0,0 0,0 0,0 0,-1 1,1-1,0 0,0 0,0 0,0 1,0-1,0 0,0 0,-1 0,1 0,0 0,0 0,0 1,0-1,-1 0,1 0,0 0,0 0,0 0,0 0,-1 0,-12-5,-16-16,28 20,-22-15,0 0,-1 2,-1 0,0 2,-41-15,23 13,0 3,-84-12,23 15,-1 4,-115 12,-441 68,48-4,473-66</inkml:trace>
 </inkml:ink>
 </file>
 
@@ -302,16 +302,16 @@
           <inkml:channelProperty channel="Y" name="resolution" value="1000" units="1/cm"/>
         </inkml:channelProperties>
       </inkml:inkSource>
-      <inkml:timestamp xml:id="ts0" timeString="2021-02-10T08:05:18.834"/>
+      <inkml:timestamp xml:id="ts0" timeString="2021-02-10T08:05:43.104"/>
     </inkml:context>
     <inkml:brush xml:id="br0">
       <inkml:brushProperty name="width" value="0.1" units="cm"/>
       <inkml:brushProperty name="height" value="0.1" units="cm"/>
-      <inkml:brushProperty name="color" value="#E71224"/>
+      <inkml:brushProperty name="color" value="#FFC114"/>
       <inkml:brushProperty name="ignorePressure" value="1"/>
     </inkml:brush>
   </inkml:definitions>
-  <inkml:trace contextRef="#ctx0" brushRef="#br0">1 385,'0'-5,"5"-6,1-12,5-5,5-19,5-5,8-3,0 2,3 1,3 10,3 25,-3 22,5 47,-3 16</inkml:trace>
+  <inkml:trace contextRef="#ctx0" brushRef="#br0">56 1041,'-4'-4,"1"-1,-1 0,1 0,0-1,0 1,1-1,-4-8,-10-44,16 57,-4-17,1-1,0 0,2 1,0-1,2 0,0 0,0 0,2 1,1-1,0 1,11-31,-7 32,0 0,1 1,21-29,39-40,-12 17,39-44,-78 93,0 1,2 1,0 0,1 2,28-17,16-4,-4 0,124-49,-158 75,-1 2,2 1,-1 1,1 1,38-1,-51 6,0 0,0 1,0 1,-1 1,1 0,0 0,-1 2,0 0,0 0,0 1,20 13,-11-3,-1 1,-1 2,34 36,-35-32,2-2,43 34,-39-35,-2 2,0 1,-1 0,20 28,-29-35,-9-8,0-1,0 1,0 0,-1 0,0 0,-1 1,0-1,0 1,-1 0,0 0,1 14,-1 11,-3 61,-1-53,1 12,-7 128,4-143,-2 0,-17 60,-10 0,-71 147,82-204,-2-1,-1-1,-60 70,-112 90,176-183,-2 0,-30 17,-11 9,56-37,0 1,1 0,0 0,0 1,0 0,1 0,1 0,-1 1,1 0,1 0,0 1,0-1,1 1,-4 13,2 6,0 0,2 0,2 52,1-34,2 0,15 79,-16-121,0-1,0 1,1 0,0-1,-1 1,2-1,-1 0,0 0,1 0,0 0,0 0,0 0,0-1,1 1,0-1,-1 0,1 0,0-1,0 1,1-1,-1 0,0 0,1 0,-1 0,8 1,-4-2,-1 0,1-1,-1 0,1 0,-1 0,1-1,-1 0,0 0,1-1,-1 0,0-1,0 1,0-1,0-1,11-6,-4-1,0-1,0 0,-1 0,-1-2,22-28,-16 16</inkml:trace>
 </inkml:ink>
 </file>
 
@@ -329,16 +329,16 @@
           <inkml:channelProperty channel="Y" name="resolution" value="1000" units="1/cm"/>
         </inkml:channelProperties>
       </inkml:inkSource>
-      <inkml:timestamp xml:id="ts0" timeString="2021-02-10T08:05:20.501"/>
+      <inkml:timestamp xml:id="ts0" timeString="2021-02-10T08:05:43.768"/>
     </inkml:context>
     <inkml:brush xml:id="br0">
       <inkml:brushProperty name="width" value="0.1" units="cm"/>
       <inkml:brushProperty name="height" value="0.1" units="cm"/>
-      <inkml:brushProperty name="color" value="#E71224"/>
+      <inkml:brushProperty name="color" value="#FFC114"/>
       <inkml:brushProperty name="ignorePressure" value="1"/>
     </inkml:brush>
   </inkml:definitions>
-  <inkml:trace contextRef="#ctx0" brushRef="#br0">54 23,'-4'0,"-2"-4,0-7,1 3,2 18,-4 17,-1 32,1 16,2 28,2 7,6 18,3-7,9-7,3-21</inkml:trace>
+  <inkml:trace contextRef="#ctx0" brushRef="#br0">22 99,'-2'1,"1"-1,0 0,0 1,0-1,0 1,0-1,0 1,0-1,0 1,0 0,1 0,-1-1,0 1,0 0,0 0,1 0,-1 0,1 0,-1 0,0 0,1 0,0 0,-1 0,1 0,0 0,-1 0,1 0,0 0,0 0,0 1,0 0,0 38,1-29,1 1,1-2,0 1,0 0,1 0,1-1,10 18,-13-25,0 0,0 0,0 0,0-1,1 1,-1-1,1 1,0-1,0 0,-1 0,2 0,4 2,-6-3,1-1,-1 1,0-1,0 0,1 0,-1 0,0 0,1 0,-1 0,0 0,1-1,-1 1,0-1,0 0,0 0,0 0,0 0,1 0,-2 0,1 0,3-3,0-1,0 0,0 0,-1-1,1 0,-1 0,0 0,-1 0,0 0,0-1,0 0,-1 1,0-1,0 0,0 0,-1 0,-1 0,1 0,-1-1,-1-11,1 12,0-1,-1 1,0-1,-1 1,1-1,-1 1,-1 0,1-1,-1 1,-1 1,1-1,-1 0,0 1,-1 0,0 0,0 0,0 1,-9-8,-16-5</inkml:trace>
 </inkml:ink>
 </file>
 
@@ -356,16 +356,16 @@
           <inkml:channelProperty channel="Y" name="resolution" value="1000" units="1/cm"/>
         </inkml:channelProperties>
       </inkml:inkSource>
-      <inkml:timestamp xml:id="ts0" timeString="2021-02-10T08:05:22.464"/>
+      <inkml:timestamp xml:id="ts0" timeString="2021-02-10T08:05:44.992"/>
     </inkml:context>
     <inkml:brush xml:id="br0">
       <inkml:brushProperty name="width" value="0.1" units="cm"/>
       <inkml:brushProperty name="height" value="0.1" units="cm"/>
-      <inkml:brushProperty name="color" value="#E71224"/>
+      <inkml:brushProperty name="color" value="#FFC114"/>
       <inkml:brushProperty name="ignorePressure" value="1"/>
     </inkml:brush>
   </inkml:definitions>
-  <inkml:trace contextRef="#ctx0" brushRef="#br0">15 1239,'-2'-5,"-1"-1,1 1,0-1,1 0,-1 0,1 1,0-1,1 0,-1 0,1-7,1 10,-1-1,1 1,-1-1,1 1,0-1,1 1,-1 0,1 0,-1 0,1 0,0 0,0 0,0 0,0 0,1 1,-1-1,1 1,5-4,1 0,1 1,0 0,0 1,0 0,1 0,0 1,-1 0,23-2,95 0,-111 5,48 0,32 1,102-14,-123 1,88-27,71-34,59-16,-106 45,3 8,1 8,285-4,-276 32,272-9,646-130,-449 57,-669 82,482-23,1 24,-216 1,6-1,386-3,233-67,-524 33,-251 25,755-44,27 94,-55-29,190-86,-156-41,-460 55,465-8,-439 84,-1 45,-395-51,589 105,-413-70,1-10,305 6,639 27,-1079-58,1-3,0-5,107-12,-167 8,1 1,-1 2,1 1,-1 2,43 7,-47-4,-4-1</inkml:trace>
+  <inkml:trace contextRef="#ctx0" brushRef="#br0">93 812,'-2'0,"1"0,-1-1,1 1,-1-1,1 1,-1-1,1 0,0 0,-1 1,1-1,0 0,0 0,0 0,0 0,0-1,0 1,0 0,-1-3,-17-29,13 23,0-3,-1 1,2-1,0-1,0 1,1-1,1 0,0 1,1-2,1 1,0 0,1 0,0 0,1 0,1 0,0 0,1 0,8-25,1 6,2 0,0 1,2 1,2 1,0 0,2 1,37-39,-40 48,2 2,1 0,0 1,1 1,1 1,0 1,1 1,0 0,1 2,41-13,-50 20,1 1,-1 0,1 1,-1 1,27 1,-33 0,0 1,-1 0,1 1,0 0,0 0,-1 1,1 0,-1 1,0 0,0 0,11 8,-8-3,-1 1,0 0,-1 1,0-1,-1 2,0-1,-1 1,0 0,-1 1,8 22,-7-16,-1 1,-1 0,-1 1,-1-1,0 1,-1 34,-3-40,-1-1,0 1,0 0,-9 24,10-34,-1-1,0 1,0 0,0-1,0 1,-1-1,0 0,1 0,-2 0,1 0,0 0,-1-1,0 1,0-1,0 0,-8 4,-14 0</inkml:trace>
 </inkml:ink>
 </file>
 
@@ -383,16 +383,16 @@
           <inkml:channelProperty channel="Y" name="resolution" value="1000" units="1/cm"/>
         </inkml:channelProperties>
       </inkml:inkSource>
-      <inkml:timestamp xml:id="ts0" timeString="2021-02-10T08:05:25.417"/>
+      <inkml:timestamp xml:id="ts0" timeString="2021-02-10T08:05:45.449"/>
     </inkml:context>
     <inkml:brush xml:id="br0">
       <inkml:brushProperty name="width" value="0.1" units="cm"/>
       <inkml:brushProperty name="height" value="0.1" units="cm"/>
-      <inkml:brushProperty name="color" value="#E71224"/>
+      <inkml:brushProperty name="color" value="#FFC114"/>
       <inkml:brushProperty name="ignorePressure" value="1"/>
     </inkml:brush>
   </inkml:definitions>
-  <inkml:trace contextRef="#ctx0" brushRef="#br0">19076 99,'301'-14,"-45"1,-165 11,-1-4,0-4,172-42,-249 50,-16 9,-24 17,16-15,1 1,1 0,1 0,-1 1,2 0,0 0,0 1,1-1,0 2,1-1,0 0,1 1,1 0,0 0,1 0,-1 20,2 3,1-1,2 0,2 0,14 61,-10-61,-1 1,-2 0,0 56,-5-81,0 0,-1 0,0 0,-1-1,0 1,-1-1,0 1,0-1,-1 0,-1 0,0-1,0 1,-1-1,0 0,0 0,-11 10,13-16,0 0,0 0,0 0,-1-1,1 1,-1-1,1 0,-1-1,1 1,-6 0,-51 6,38-6,-128 12,-169 24,213-18,-140 9,82-19,-291 54,-297 91,56-64,182-68,-1-25,179-1,-613 22,762-8,-650 14,645-32,-785-13,814 20,-421 13,182 6,167-9,-489 4,393-11,-191 14,333-9,-570 22,-124 15,235-8,-64-6,414-19,-216 5,370-16,-339 9,-427 24,-321-21,789-15,-821 2,874-20,261 11,-113-19,21 1,186 25</inkml:trace>
+  <inkml:trace contextRef="#ctx0" brushRef="#br0">0 187,'1'-2,"0"-1,0 1,0 0,1-1,-1 1,0 0,1 0,-1 0,1 0,0 0,0 1,0-1,0 0,0 1,3-2,2-3,16-11,0 1,1 2,1 0,0 1,1 2,0 0,1 2,0 1,51-8,-16 7,0 3,0 3,86 6,-124-1,-1 0,0 2,0 0,0 2,-1 0,40 18,-51-19,0 1,0 1,-1 0,0 0,0 1,0 0,-1 0,-1 1,1 1,-1-1,-1 1,0 1,0-1,7 18,-11-21,0 0,-1 0,0 0,0 1,-1-1,1 1,-2-1,1 1,-1 0,0-1,-1 1,0 0,0-1,0 1,-1-1,0 0,-1 1,-5 11,3-11,0 1,-1-1,0-1,0 1,0-1,-1 0,0 0,0-1,-1 0,0 0,0-1,0 0,-1-1,-15 7,-33 8,-1-5</inkml:trace>
 </inkml:ink>
 </file>
 
@@ -410,16 +410,16 @@
           <inkml:channelProperty channel="Y" name="resolution" value="1000" units="1/cm"/>
         </inkml:channelProperties>
       </inkml:inkSource>
-      <inkml:timestamp xml:id="ts0" timeString="2021-02-10T08:05:26.039"/>
+      <inkml:timestamp xml:id="ts0" timeString="2021-02-10T08:05:47.014"/>
     </inkml:context>
     <inkml:brush xml:id="br0">
       <inkml:brushProperty name="width" value="0.1" units="cm"/>
       <inkml:brushProperty name="height" value="0.1" units="cm"/>
-      <inkml:brushProperty name="color" value="#E71224"/>
+      <inkml:brushProperty name="color" value="#FFC114"/>
       <inkml:brushProperty name="ignorePressure" value="1"/>
     </inkml:brush>
   </inkml:definitions>
-  <inkml:trace contextRef="#ctx0" brushRef="#br0">1 0,'0'10,"0"8,0 19,0 9,5 45,1 20,5 31,10 44,2-10</inkml:trace>
+  <inkml:trace contextRef="#ctx0" brushRef="#br0">1 69,'0'-1,"1"0,-1 0,1 0,-1-1,1 1,-1 0,1 0,0 0,0 0,-1 0,1 0,0 0,0 1,0-1,0 0,0 0,0 1,0-1,0 1,2-2,29-12,-25 12,12-5,0 0,0 2,1 1,-1 0,1 1,0 2,0 0,0 0,0 2,0 1,0 0,33 10,-36-8,0 2,0 0,-1 1,0 1,-1 0,0 1,0 1,0 0,-2 1,1 1,-1 0,-1 0,0 2,17 24,-18-21,-2 1,1 0,-2 0,0 0,-2 1,0 0,-1 0,-1 1,2 21,-4-26,-2 0,0 0,-1 0,0 1,-1-1,-1-1,0 1,-1 0,-1-1,0 1,-1-1,-11 19,13-27,1-1,-1 0,0 0,-1 0,1-1,-1 1,0-1,0 0,0-1,0 1,-1-1,1 0,-1 0,0-1,-11 4,57 12,-22-11,4 2,0 2,-1 0,-1 1,1 2,-2 0,34 31,-44-37,-1 1,-1 0,0 0,0 0,0 1,-1 0,-1 1,0-1,0 1,-1 0,0 0,-1 0,0 1,-1-1,0 1,-1 13,-1-8,-2 0,0-1,-2 1,1-1,-2 0,0 0,-1 0,-1-1,0 0,-1 0,0-1,-1 0,-1 0,0-1,-1-1,-1 1,-16 13,-4-5,31-20,0-1,0 1,0 0,0-1,0 1,0-1,0 0,0 1,0-1,0 0,0 1,0-1,0 0,0 0,0 0,0 0,-1 0,1 0,0 0,0-1,0 1,0 0,0-1,0 1,0 0,0-1,0 1,0-1,-1-1,1 1,1 0,0 1,0-1,0 0,-1 0,1 0,0 0,0 0,0 0,0 0,1 1,-1-1,0 0,0 0,0 0,1 0,-1 0,1 1,-1-1,0 0,1 0,-1 1,1-1,0 0,-1 1,1-1,-1 0,2 0,22-17,-21 16,1 0,-1 1,1 0,0-1,0 1,0 1,-1-1,1 1,0-1,0 1,0 0,0 0,0 1,0-1,7 3,-5-1,0 0,-1 1,1 0,-1 0,1 0,-1 0,0 1,0 0,6 7,-3-2,0 0,0 1,-1 0,-1 1,1-1,-2 1,1 1,-2-1,1 1,2 13,-3-1,-1 1,-1-1,-1 1,-1 0,-1 0,-2-1,-9 47,3-37,-1 1,-2-2,-1 1,-34 61,35-76,-1 0,-1 0,-18 19,25-31,0 1,-1-1,-1 0,1-1,-1 0,0 0,0-1,-18 7,12-10,15-2,0 0,0 0,0 0,-1-1,1 1,0 0,0 0,-1 0,1 0,0 0,0 0,0-1,0 1,-1 0,1 0,0 0,0 0,0-1,0 1,0 0,0 0,-1 0,1-1,0 1,0 0,0 0,0-1,0 1,0 0,0 0,0-1,0 0,1 1,-1-1,0 0,1 1,-1-1,1 1,-1-1,1 0,-1 1,1-1,-1 1,1-1,0 1,-1-1,1 1,0 0,-1-1,1 1,0 0,-1 0,1-1,0 1,0 0,-1 0,1 0,0 0,0 0,-1 0,3 0,1 0,-1 1,1-1,0 1,0 0,0 0,0 1,0-1,-1 1,1-1,-1 1,1 0,-1 0,0 1,0-1,0 1,0 0,0 0,0 0,-1 0,0 0,1 0,1 5,1 0,-1 1,0 0,-1 0,1 1,-2-1,1 0,-1 1,0 10,-1 13,-1 0,-1 0,-2-1,-1 1,-2 0,-1-1,-2 0,-1-1,-1 0,-2 0,-1-1,-1-1,-1-1,-2 0,-42 50,56-73,-1 0,0 0,0 0,-1-1,1 0,-1 0,-8 4,14-7,-1-1,1 0,0 0,-1 1,1-1,0 0,-1 0,1 0,0 1,-1-1,1 0,0 0,-1 0,1 0,-1 0,1 0,0 0,-1 0,1 0,-1 0,1 0,0 0,-1 0,1 0,0 0,-1-1,0 1,6-10,7-6</inkml:trace>
 </inkml:ink>
 </file>
 
@@ -437,16 +437,16 @@
           <inkml:channelProperty channel="Y" name="resolution" value="1000" units="1/cm"/>
         </inkml:channelProperties>
       </inkml:inkSource>
-      <inkml:timestamp xml:id="ts0" timeString="2021-02-10T08:05:26.879"/>
+      <inkml:timestamp xml:id="ts0" timeString="2021-02-10T08:05:47.378"/>
     </inkml:context>
     <inkml:brush xml:id="br0">
       <inkml:brushProperty name="width" value="0.1" units="cm"/>
       <inkml:brushProperty name="height" value="0.1" units="cm"/>
-      <inkml:brushProperty name="color" value="#E71224"/>
+      <inkml:brushProperty name="color" value="#FFC114"/>
       <inkml:brushProperty name="ignorePressure" value="1"/>
     </inkml:brush>
   </inkml:definitions>
-  <inkml:trace contextRef="#ctx0" brushRef="#br0">0 0,'0'5,"0"6,0 12,0 5,0 18,0 11,5 58,2 18,3 22,11 26,2-17</inkml:trace>
+  <inkml:trace contextRef="#ctx0" brushRef="#br0">558 1,'0'9,"-5"23,-2 11,-4 17,-5 7,-14 18,-7-2,-16 9,-5-6,-6-9,3-11,3-13,5-16,3-8,10-15,26-24,15-10</inkml:trace>
 </inkml:ink>
 </file>
 
@@ -491,16 +491,17 @@
           <inkml:channelProperty channel="Y" name="resolution" value="1000" units="1/cm"/>
         </inkml:channelProperties>
       </inkml:inkSource>
-      <inkml:timestamp xml:id="ts0" timeString="2021-02-10T08:05:27.499"/>
+      <inkml:timestamp xml:id="ts0" timeString="2021-02-10T08:05:47.747"/>
     </inkml:context>
     <inkml:brush xml:id="br0">
       <inkml:brushProperty name="width" value="0.1" units="cm"/>
       <inkml:brushProperty name="height" value="0.1" units="cm"/>
-      <inkml:brushProperty name="color" value="#E71224"/>
+      <inkml:brushProperty name="color" value="#FFC114"/>
       <inkml:brushProperty name="ignorePressure" value="1"/>
     </inkml:brush>
   </inkml:definitions>
-  <inkml:trace contextRef="#ctx0" brushRef="#br0">0 1,'0'4,"0"7,0 6,5 10,1 10,0 32,4 19,0 28,3 3,4 26,-1-3,12 3,0-22</inkml:trace>
+  <inkml:trace contextRef="#ctx0" brushRef="#br0">1696 1,'0'14,"0"10,0 10,0 4,-4 15,-8 8,-9 18,-3 0,-16 15,-15 7,-9-5,3-14,-32-11,-10-18,8-17,20-16</inkml:trace>
+  <inkml:trace contextRef="#ctx0" brushRef="#br0" timeOffset="1">1048 1102,'-5'19,"-6"11,-11 10,-7 8,-17 19,-11 4,-14-1,-6-12,-17-12,-3-18,-28-28,-3-14,-22-34,14-8</inkml:trace>
 </inkml:ink>
 </file>
 
@@ -518,16 +519,17 @@
           <inkml:channelProperty channel="Y" name="resolution" value="1000" units="1/cm"/>
         </inkml:channelProperties>
       </inkml:inkSource>
-      <inkml:timestamp xml:id="ts0" timeString="2021-02-10T08:05:29.468"/>
+      <inkml:timestamp xml:id="ts0" timeString="2021-02-10T08:05:48.079"/>
     </inkml:context>
     <inkml:brush xml:id="br0">
       <inkml:brushProperty name="width" value="0.1" units="cm"/>
       <inkml:brushProperty name="height" value="0.1" units="cm"/>
-      <inkml:brushProperty name="color" value="#E71224"/>
+      <inkml:brushProperty name="color" value="#FFC114"/>
       <inkml:brushProperty name="ignorePressure" value="1"/>
     </inkml:brush>
   </inkml:definitions>
-  <inkml:trace contextRef="#ctx0" brushRef="#br0">1 1,'0'4,"0"8,0 5,0 15,0 6,0 31,0 13,5 59,1 21,10 50,1-11</inkml:trace>
+  <inkml:trace contextRef="#ctx0" brushRef="#br0">1247 762,'-5'0,"-6"5,-21 6,-9 1,-37 9,-9 0,0-3,-9-4,3-6,-8-8,9-9,1-3,11 0,0-2,9-4,-27-13,4-1</inkml:trace>
+  <inkml:trace contextRef="#ctx0" brushRef="#br0" timeOffset="1">146 0,'-4'0,"-3"5,-4 1,-5 0,-34-1,-8-2</inkml:trace>
 </inkml:ink>
 </file>
 
@@ -545,16 +547,16 @@
           <inkml:channelProperty channel="Y" name="resolution" value="1000" units="1/cm"/>
         </inkml:channelProperties>
       </inkml:inkSource>
-      <inkml:timestamp xml:id="ts0" timeString="2021-02-10T08:05:30.033"/>
+      <inkml:timestamp xml:id="ts0" timeString="2021-02-10T08:05:48.425"/>
     </inkml:context>
     <inkml:brush xml:id="br0">
       <inkml:brushProperty name="width" value="0.1" units="cm"/>
       <inkml:brushProperty name="height" value="0.1" units="cm"/>
-      <inkml:brushProperty name="color" value="#E71224"/>
+      <inkml:brushProperty name="color" value="#FFC114"/>
       <inkml:brushProperty name="ignorePressure" value="1"/>
     </inkml:brush>
   </inkml:definitions>
-  <inkml:trace contextRef="#ctx0" brushRef="#br0">202 0,'-5'14,"-2"10,-8 34,-8 17,-9 34,2 8,-5 33,4-1,8-10,26-44,13-38</inkml:trace>
+  <inkml:trace contextRef="#ctx0" brushRef="#br0">22 140,'-5'0,"-1"-5,0-7,2-10,10-26,4-4</inkml:trace>
 </inkml:ink>
 </file>
 
@@ -572,17 +574,16 @@
           <inkml:channelProperty channel="Y" name="resolution" value="1000" units="1/cm"/>
         </inkml:channelProperties>
       </inkml:inkSource>
-      <inkml:timestamp xml:id="ts0" timeString="2021-02-10T08:05:30.371"/>
+      <inkml:timestamp xml:id="ts0" timeString="2021-02-10T08:05:49.117"/>
     </inkml:context>
     <inkml:brush xml:id="br0">
       <inkml:brushProperty name="width" value="0.1" units="cm"/>
       <inkml:brushProperty name="height" value="0.1" units="cm"/>
-      <inkml:brushProperty name="color" value="#E71224"/>
+      <inkml:brushProperty name="color" value="#FFC114"/>
       <inkml:brushProperty name="ignorePressure" value="1"/>
     </inkml:brush>
   </inkml:definitions>
-  <inkml:trace contextRef="#ctx0" brushRef="#br0">353 222,'5'-5,"1"3,-4 3,-8 14,-8 15,-25 36,-11 22,-21 33,-3 6,6 1,24-36,58-86,27-45</inkml:trace>
-  <inkml:trace contextRef="#ctx0" brushRef="#br0" timeOffset="1">663 25,'5'-5,"7"-6,1 3,-7 8,-19 33,-16 20,-23 35,-11 17,-25 43,-2 6,9 1,20-26</inkml:trace>
+  <inkml:trace contextRef="#ctx0" brushRef="#br0">562 3184,'0'1,"0"1,-1-1,1 0,-1 0,1 1,-1-1,0 0,1 0,-1 1,0-1,0 0,0 0,0 0,0 0,0 0,0 0,0-1,0 1,-2 1,-27 14,21-12,-9 4,-1 0,-1-1,0 0,1-2,-2 0,1-2,0 0,-1-1,0-1,1-1,-25-3,34 2,0-1,0 0,0-1,0 0,0 0,1-1,0-1,0 0,0 0,0-1,1 0,0 0,0-1,1-1,-1 1,2-1,-1-1,1 1,1-1,-1-1,-9-18,10 11,0 0,1 0,1-1,0 1,2-1,0 0,1 0,0 0,2 1,0-1,1 0,1 0,9-32,2 6,1 0,3 1,2 0,28-44,-24 47,50-63,-64 89,2 2,0-1,0 1,1 1,1 0,0 1,28-15,-37 23,0 0,0 0,0 1,0 0,0 0,0 0,6 0,-10 1,0 0,0 0,-1 0,1 0,0 0,0 0,-1 0,1 0,0 0,0 0,-1 1,1-1,0 0,-1 0,1 1,0-1,-1 1,1-1,0 0,-1 1,1-1,-1 1,1 0,-1-1,1 1,-1-1,1 1,-1 0,0-1,1 1,-1 0,0-1,0 1,1 0,-1 0,0-1,0 1,0 0,0 0,0-1,0 1,0 0,0 0,0 0,0-1,-1 1,1 0,0-1,0 1,-1 0,1 0,0-1,-1 1,-1 4,-1-1,1 0,-1 0,0 0,0 0,0 0,-1-1,1 1,-1-1,0 0,1 0,-1-1,-1 1,1-1,0 0,-1 0,1 0,-1 0,0-1,1 0,-1 0,0 0,0-1,0 1,0-1,1 0,-1-1,0 1,0-1,-8-2,2-1,1 0,-1-1,1 0,0-1,1 0,0 0,0-1,0 0,0-1,1 0,-7-9,0-2,0-1,1 0,2-1,-11-23,13 24,2 0,0-1,1-1,2 1,0-1,1 0,1 0,1 0,1 0,1-1,1 1,1 0,1 0,1 0,1 0,0 0,2 1,1 0,0 1,2-1,0 2,19-28,-7 17,2 2,1 0,50-42,-52 52,0 1,0 1,2 1,0 1,40-16,-59 28,1-1,-1 1,1 0,0 0,-1 1,1-1,0 2,0-1,8 1,-15 0,1 0,-1 0,0 0,0 0,0 0,1 0,-1 0,0 0,0 0,1 0,-1 1,0-1,0 0,0 0,0 0,1 0,-1 0,0 0,0 1,0-1,1 0,-1 0,0 0,0 0,0 1,0-1,0 0,0 0,0 0,0 1,1-1,-1 0,0 0,0 1,0-1,0 0,0 0,0 0,0 1,0-1,0 0,0 0,0 1,0-1,-1 0,1 0,0 0,0 1,0-1,0 0,0 0,0 0,0 1,-1-1,1 0,0 0,0 0,0 0,0 0,-1 1,-12 9,8-8,0 0,-1 1,0-2,1 1,-1-1,0 0,0 0,0 0,0-1,0 0,0 0,0-1,1 0,-1 0,-9-2,-3-3,0-1,0 0,-28-16,27 12,1-1,1 0,0-1,1 0,0-2,1 0,1 0,0-2,1 0,1 0,-11-20,16 22,-1 0,2-1,0 0,1 0,1 0,0 0,1-1,1 0,0 1,2-1,0 0,0 0,2 1,5-27,-2 22,2 0,0 0,2 1,0 0,1 0,1 1,16-21,-15 25,-1 0,2 1,0 1,1 0,0 1,0 0,2 1,26-15,-35 22,1 1,0 0,-1 1,2-1,-1 1,0 1,0 0,0 0,12 0,-14 1,-1 1,0 0,0-1,1 2,-1-1,0 0,0 1,0 0,0 0,-1 1,1-1,-1 1,1 0,-1 0,4 5,-6-7,-1 1,0-1,0 1,0 0,1-1,-2 1,1 0,0 0,1 3,-4-1,-6-10,2 0,1 0,1-1,-1 0,1 0,0 0,0-1,1 0,-4-14,2 5,1 0,1 0,-1-20,3 24,1 1,1-1,0 1,1 0,0-1,1 1,0 0,9-21,-4 16,0 1,1 1,1-1,0 2,18-20,5 1,1 2,1 1,70-44,1 6</inkml:trace>
 </inkml:ink>
 </file>
 
@@ -600,16 +601,16 @@
           <inkml:channelProperty channel="Y" name="resolution" value="1000" units="1/cm"/>
         </inkml:channelProperties>
       </inkml:inkSource>
-      <inkml:timestamp xml:id="ts0" timeString="2021-02-10T08:05:30.711"/>
+      <inkml:timestamp xml:id="ts0" timeString="2021-02-10T08:05:50.241"/>
     </inkml:context>
     <inkml:brush xml:id="br0">
       <inkml:brushProperty name="width" value="0.1" units="cm"/>
       <inkml:brushProperty name="height" value="0.1" units="cm"/>
-      <inkml:brushProperty name="color" value="#E71224"/>
+      <inkml:brushProperty name="color" value="#FFC114"/>
       <inkml:brushProperty name="ignorePressure" value="1"/>
     </inkml:brush>
   </inkml:definitions>
-  <inkml:trace contextRef="#ctx0" brushRef="#br0">680 5,'0'0,"0"0,0 0,0-1,0 1,0 0,0 0,0 0,0 0,0-1,0 1,0 0,0 0,0 0,0 0,0 0,0-1,0 1,0 0,-1 0,1 0,0 0,0 0,0-1,0 1,0 0,0 0,0 0,-1 0,1 0,0 0,0 0,0 0,0 0,-1 0,1 0,0 0,0 0,0 0,0 0,-1 0,1 0,0 0,0 0,0 0,0 0,-1 0,1 0,-12 6,-9 10,-7 13,1 1,-37 55,26-33,-120 164,-132 241,281-441,1 0,-10 26,18-41,-1 0,1 0,0 0,0 0,0-1,0 1,-1 0,1 0,0 0,0 0,1 0,-1 0,0 0,0-1,1 2,-1-1,0-1,0 0,1 0,-1 0,0 1,0-1,1 0,-1 0,0 0,1 0,-1 0,0 0,1 0,-1 0,0 0,1 0,-1 0,0 0,1 0,-1 0,0 0,0 0,1 0,-1 0,0 0,1 0,-1 0,0 0,1-1,-1 1,7-4,0-1,0 0,-1 0,0 0,7-8,208-236,-14-19,7-8,-200 259,-14 17,0 0,0 0,0 0,0 0,0 0,0 0,0 0,0 0,0 0,0 1,1-1,-1 0,0 0,0 0,0 0,0 0,0 0,0 0,0 0,0 0,0 0,0 0,0 0,0 0,0 0,0 0,0 0,0 0,0 0,0 0,1 0,-1 0,0 0,0 0,0 0,-21 37,12-23,-83 139,-151 264,186-300,55-113,0-1,1 1,-1 0,1 0,0 0,0 0,0 0,1 0,-1 0,1 0,0 5,1-8,-1-1,0 1,1-1,-1 1,0-1,1 1,-1-1,1 1,-1-1,1 1,-1-1,1 0,-1 1,1-1,-1 0,1 1,-1-1,1 0,0 0,-1 0,1 0,-1 1,1-1,0 0,-1 0,1 0,0 0,-1-1,1 1,0 0</inkml:trace>
+  <inkml:trace contextRef="#ctx0" brushRef="#br0">156 0,'-4'0,"-1"1,0-1,1 1,-1 0,0 0,1 1,-1-1,1 1,0 0,-1 0,1 1,0-1,1 1,-1 0,0 0,1 0,-1 0,1 1,0-1,0 1,0 0,1 0,-1 0,-1 6,-5 10,1 0,1 0,1 1,-4 21,9-37,-6 34,2 0,2 0,1 0,2 0,1 0,2 0,2 0,2-1,1 1,16 42,-20-70,0-1,0 0,1 0,0 0,1-1,0 1,1-1,-1-1,12 11,-15-16,1 0,-1 0,1 0,-1-1,1 1,0-1,0 0,0 0,1-1,-1 1,0-1,1 0,-1 0,1 0,-1-1,1 0,-1 1,1-2,-1 1,1 0,-1-1,0 0,1 0,-1 0,6-3,1-1,-1-1,0 0,-1 0,1-1,-1 0,-1 0,1-1,-1-1,0 1,-1-1,8-13,-11 16,0 0,0 0,0-1,-1 0,0 0,-1 0,1 0,-1 0,-1 0,0-1,1 1,-2-1,1 1,-1-1,-1 1,1-1,-1 1,-3-10,3 14,0-1,0 1,-1 0,1 0,-1 0,0 0,0 0,0 0,0 1,0-1,0 1,-1-1,0 1,1 0,-1 0,-5-2,6 2,-1 1,0 1,0-1,1 0,-1 1,0-1,0 1,0 0,0 0,0 0,0 1,0-1,1 1,-1-1,0 1,0 0,0 0,1 0,-1 0,-2 2,-3 2,1 0,0 0,0 0,1 1,-1 0,1 0,0 0,1 1,0 0,0 0,0 0,1 1,0 0,1 0,-1 0,2 0,-1 0,1 1,0-1,1 1,0-1,0 1,1 8,0 0,1 0,1-1,0 1,1-1,1 0,1 0,0 0,1 0,1-1,0 0,10 16,-7-18,0 0,0 0,1-1,1 0,0 0,0-2,20 14,33 15</inkml:trace>
 </inkml:ink>
 </file>
 
@@ -627,16 +628,16 @@
           <inkml:channelProperty channel="Y" name="resolution" value="1000" units="1/cm"/>
         </inkml:channelProperties>
       </inkml:inkSource>
-      <inkml:timestamp xml:id="ts0" timeString="2021-02-10T08:05:31.075"/>
+      <inkml:timestamp xml:id="ts0" timeString="2021-02-10T08:12:49.964"/>
     </inkml:context>
     <inkml:brush xml:id="br0">
       <inkml:brushProperty name="width" value="0.1" units="cm"/>
       <inkml:brushProperty name="height" value="0.1" units="cm"/>
-      <inkml:brushProperty name="color" value="#E71224"/>
+      <inkml:brushProperty name="color" value="#F6630D"/>
       <inkml:brushProperty name="ignorePressure" value="1"/>
     </inkml:brush>
   </inkml:definitions>
-  <inkml:trace contextRef="#ctx0" brushRef="#br0">259 1,'0'4,"-15"17,-4 9,-18 23,-51 75,-11 16</inkml:trace>
+  <inkml:trace contextRef="#ctx0" brushRef="#br0">1 27,'0'-5,"0"-5,0-2</inkml:trace>
 </inkml:ink>
 </file>
 
@@ -654,16 +655,16 @@
           <inkml:channelProperty channel="Y" name="resolution" value="1000" units="1/cm"/>
         </inkml:channelProperties>
       </inkml:inkSource>
-      <inkml:timestamp xml:id="ts0" timeString="2021-02-10T08:05:32.693"/>
+      <inkml:timestamp xml:id="ts0" timeString="2021-02-10T08:12:51.009"/>
     </inkml:context>
     <inkml:brush xml:id="br0">
       <inkml:brushProperty name="width" value="0.1" units="cm"/>
       <inkml:brushProperty name="height" value="0.1" units="cm"/>
-      <inkml:brushProperty name="color" value="#E71224"/>
+      <inkml:brushProperty name="color" value="#F6630D"/>
       <inkml:brushProperty name="ignorePressure" value="1"/>
     </inkml:brush>
   </inkml:definitions>
-  <inkml:trace contextRef="#ctx0" brushRef="#br0">299 0,'-1'5,"0"-1,0 0,0 1,0-1,-1 0,1 0,-1 0,0 0,0 0,-4 4,-8 18,-50 149,57-147,0 0,2 0,0 1,1 42,4-68,-1 1,2-1,-1 1,0-1,1 0,0 1,0-1,0 0,0 1,0-1,1 0,-1 0,1 0,0 0,0 0,2 2,-2-3,0-1,0 0,0 0,0 0,0 0,0 0,0 0,0-1,0 1,0-1,0 1,1-1,-1 0,0 0,0 0,1 0,-1 0,0-1,0 1,0-1,0 1,1-1,-1 0,0 1,0-1,2-2,10-4,0-1,-1-1,0 0,-1 0,15-15,56-63,-71 74,124-149,-305 394,-203 366,340-534,30-59,3-5,9-10,18-28,515-741,-516 740,-21 31,-14 18,-190 291,163-239,3 2,3 1,-22 74,48-130,0 0,1 0,0 0,0 1,1-1,0 12,1-20,0 0,0 0,0 0,1 0,-1 0,0 1,0-1,1 0,-1 0,1 0,-1 0,1 0,-1 0,1 0,0 0,0 0,-1 0,1-1,0 1,0 0,0 0,0-1,0 1,0 0,0-1,0 1,0-1,0 0,0 1,0-1,0 0,0 1,0-1,1 0,-1 0,0 0,0 0,0 0,0 0,3-1,2-1,0 1,1-2,-1 1,0-1,0 0,0 0,9-7,102-89,329-369,-240 243,-155 172,-35 42,-16 11,0-1,0 1,1 0,-1 0,0 0,0 0,0 0,0 0,0 0,0 0,1 0,-1 0,0 0,0 0,0 0,0 0,1 0,-1 0,0 0,0 0,0 0,0 0,0 0,1 0,-1 0,0 0,0 0,0 0,0 0,0 0,0 0,1 0,-1 0,0 0,0 0,0 1,0-1,0 0,0 0,0 0,1 0,-1 0,0 0,0 0,0 1,0 1,-1 1,1 0,-1-1,0 1,0-1,0 1,0-1,-2 4,-80 159,35-73,-46 122,86-180,8-34,0 0,0 0,0 1,0-1,0 0,0 1,0-1,0 0,0 1,0-1,0 0,0 0,0 1,0-1,0 0,0 1,1-1,-1 0,0 0,0 1,0-1,0 0,1 0,-1 0,0 1,0-1,1 0,-1 0,0 0,0 0,1 1,-1-1,1 0,1-1,-1 1,0 0,0-1,0 1,0 0,0-1,0 1,0-1,0 0,0 1,0-1,2-1,31-31,-1 0,-2-2,35-51,-31 41,120-155,-615 878,401-583,47-70,12-25,0 0,0 0,0 0,0 0,0 0,0 0,0 0,0 0,1 0,-1 0,0 0,0 0,0 0,0 0,0 0,0 0,0 0,0 0,0 0,0 0,1 0,-1 0,0 0,0 0,0 0,0 0,0 0,0 0,0 1,0-1,0 0,0 0,0 0,0 0,0 0,0 0,0 0,0 0,0 0,0 0,0 1,0-1,0 0,0 0,0 0,0 0,0 0,0 0,0 0,0 0,0 0,0 1,0-1,30-31,207-257,154-172,-339 408,-40 42,-10 11,-6 6,-53 76,0-3,-552 751,758-1017,487-491,-541 588,-88 83,1-1,-1 1,15-8,-22 13,0 1,0 0,0 0,0 0,0 0,1 0,-1 0,0 0,0 0,0 0,0 0,0 0,0 0,0 0,1 0,-1 0,0 0,0 0,0 0,0 0,0 0,0 0,1 0,-1 0,0 0,0 0,0 0,0 0,0 0,0 0,1 0,-1 0,0 0,0 0,0 0,0 0,0 0,0 0,0 1,0-1,0 0,0 0,1 0,-1 0,0 0,0 0,0 0,0 0,0 1,0-1,0 0,0 0,0 0,0 0,0 0,0 0,0 1,0-1,0 0,-8 17,-111 139,79-106,-512 629,496-612,96-123,124-132,209-187,-257 275,-110 95,1 1,-1 0,1 0,-1 0,12-4,-17 8,-1 0,0 0,1-1,-1 1,1 0,-1 0,0 0,1 0,-1 0,0 0,1 0,-1 0,0 0,1 0,-1 0,1 0,-1 0,0 0,1 1,-1-1,0 0,1 0,-1 0,0 0,1 1,-1-1,0 0,0 0,1 1,-1-1,0 0,0 1,1-1,-1 0,0 0,0 1,1 0,-1 1,0 0,0 0,-1 1,1-1,0 0,-1 0,0 0,1 0,-1 1,0-1,-1 2,-17 33,-45 68,-40 36,51-69,-103 142,128-174,24-32,15-17,172-195,-17 18,35-12,-146 151,-44 43,-10 11,-6 6,0-1,-1 1,0-1,-1-1,-1 1,-13 15,3-2,-97 128,-58 86,168-233,1 1,0 0,-6 13,10-20,0 0,0 0,0 1,0-1,0 0,0 0,0 0,0 0,0 0,0 1,0-1,0 0,0 0,0 0,0 0,0 1,0-1,0 0,0 0,0 0,0 0,0 1,0-1,0 0,0 0,0 0,1 0,-1 0,0 1,0-1,0 0,0 0,0 0,0 0,0 0,1 0,-1 0,0 0,0 0,0 1,0-1,0 0,1 0,-1 0,0 0,0 0,0 0,0 0,1 0,-1 0,0 0,0 0,0 0,0 0,1 0,-1 0,0 0,24-14,21-21,53-54,-60 53,-18 17,338-298,-282 261,-74 55,0-1,-1 1,1 0,0 1,0-1,0 0,0 0,0 1,3-1,-4 1,-1 0,0 0,0 0,1 0,-1 0,0 0,0 0,0 1,1-1,-1 0,0 0,0 0,0 0,1 0,-1 1,0-1,0 0,0 0,0 0,0 1,0-1,1 0,-1 0,0 1,0-1,0 0,0 0,0 1,0-1,0 0,0 0,0 0,0 1,0-1,0 0,0 0,0 1,0-1,0 0,0 0,0 1,-1-1,-1 6,0 0,-1 0,0 0,-6 8,-198 261,150-204,-57 67,-32 42,136-165</inkml:trace>
+  <inkml:trace contextRef="#ctx0" brushRef="#br0">204 42,'0'-34,"0"27,0 24,12 123,0-21,-10-9,-5-1,-17 114,-65 213,67-348,3 1,-5 134,-2 62,-4 91,10-19,11-306</inkml:trace>
 </inkml:ink>
 </file>
 
@@ -681,16 +682,16 @@
           <inkml:channelProperty channel="Y" name="resolution" value="1000" units="1/cm"/>
         </inkml:channelProperties>
       </inkml:inkSource>
-      <inkml:timestamp xml:id="ts0" timeString="2021-02-10T08:05:35.603"/>
+      <inkml:timestamp xml:id="ts0" timeString="2021-02-10T08:12:54.463"/>
     </inkml:context>
     <inkml:brush xml:id="br0">
       <inkml:brushProperty name="width" value="0.1" units="cm"/>
       <inkml:brushProperty name="height" value="0.1" units="cm"/>
-      <inkml:brushProperty name="color" value="#E71224"/>
+      <inkml:brushProperty name="color" value="#F6630D"/>
       <inkml:brushProperty name="ignorePressure" value="1"/>
     </inkml:brush>
   </inkml:definitions>
-  <inkml:trace contextRef="#ctx0" brushRef="#br0">788 1,'-13'22,"0"-1,-2 0,0-1,-29 29,14-16,-539 606,505-565,42-45,22-29,0 0,0 0,-1 0,1 0,0 0,0 0,0 0,0 1,0-1,0 0,0 0,-1 0,1 0,0 0,0 0,0 0,0 0,0 1,0-1,0 0,0 0,0 0,0 0,0 0,0 0,0 1,0-1,0 0,0 0,0 0,0 0,0 0,0 0,0 1,0-1,0 0,0 0,0 0,0 0,0 0,0 0,0 1,0-1,0 0,0 0,0 0,0 0,0 0,1 0,-1 0,0 0,0 1,0-1,16-11,241-216,-55 45,232-173,-350 299,-59 44,-25 11,1 1,-1 0,1 0,-1 0,0-1,1 1,-1 0,1 0,-1 0,1 0,-1 0,1 0,-1 0,1 0,-1 0,1 0,-1 0,1 0,-1 0,1 1,-1-1,1 0,-1 1,1-1,-1 1,0-1,0 1,0-1,0 1,0-1,0 1,0-1,0 1,0-1,0 1,0-1,-1 1,1-1,0 1,0-1,0 1,-1-1,1 1,0 0,-15 21,-103 118,80-97,-533 634,528-616,36-48,7-12,0-1,0 0,1 0,-1 0,0 0,0 0,0 1,0-1,0 0,0 0,0 0,0 0,1 0,-1 0,0 0,0 0,0 1,0-1,0 0,0 0,1 0,-1 0,0 0,0 0,0 0,0 0,1 0,-1 0,0 0,0 0,0 0,0 0,1 0,-1 0,0 0,0 0,0 0,0 0,0 0,1 0,-1 0,0-1,0 1,0 0,0 0,0 0,0 0,1 0,-1 0,0 0,0-1,0 1,0 0,23-14,-2-1,1-1,28-28,-8 7,743-588,-693 564,-86 57,1 0,-1 1,13-4,-19 6,0 1,0 0,1 0,-1 0,0 0,0 0,0 0,1 0,-1 0,0 0,0 0,1 0,-1 0,0 0,0 0,0 0,1 0,-1 0,0 0,0 0,1 0,-1 0,0 0,0 0,0 0,1 0,-1 0,0 1,0-1,0 0,1 0,-1 0,0 0,0 0,0 1,0-1,0 0,1 0,-1 0,0 1,0-1,0 0,0 0,0 0,0 1,0-1,0 2,-1 1,0-1,0 0,0 0,0 0,0 0,-1 0,1 0,-2 2,-76 85,-433 439,436-445,52-50,24-33,0 0,0 0,0 1,-1-1,1 0,0 0,0 0,0 0,0 0,0 0,0 1,0-1,0 0,0 0,-1 0,1 0,0 1,0-1,0 0,0 0,0 0,0 0,0 1,0-1,0 0,0 0,0 0,0 0,0 1,0-1,1 0,-1 0,0 0,0 0,0 1,0-1,0 0,0 0,0 0,0 0,0 0,1 1,-1-1,0 0,0 0,0 0,18-9,98-79,-65 47,1-1,206-157,15 20,-251 166,33-12,-31 19,-24 6,1 0,-1 0,0 0,1 0,-1 0,0 0,0 0,1 0,-1 0,0 0,0 0,1 0,-1 1,0-1,0 0,1 0,-1 0,0 0,0 0,1 1,-1-1,0 0,0 0,0 0,0 1,1-1,-1 0,0 0,0 1,0-1,0 0,0 0,0 1,1-1,-1 0,0 1,-1 2,0 1,0-1,-1 0,1 0,0 1,-1-1,0 0,0 0,-2 2,-27 35,-53 55,57-66,-25 28,-175 203,221-251,0-1,0 1,1 0,-7 16,11-24,1 0,0 0,0 0,-1 0,1 1,0-1,0 0,0 0,0 0,0 0,0 0,0 0,1 2,-1-3,0 0,0 1,1-1,-1 0,0 1,1-1,-1 0,0 1,1-1,-1 0,0 1,1-1,-1 0,1 0,-1 0,1 0,-1 1,1-1,-1 0,0 0,1 0,-1 0,1 0,-1 0,1 0,-1 0,1 0,0 0,8-3,0 1,1-2,-1 1,0-1,12-7,197-128,-187 118,63-44,241-156,-248 175,-84 45,1-1,-1 1,1-1,-1 1,1 0,0 1,-1-1,6 0,-8 1,-1 0,1 0,-1 0,0 0,1 0,-1 1,1-1,-1 0,0 0,1 0,-1 0,0 1,1-1,-1 0,0 0,1 1,-1-1,0 0,1 0,-1 1,0-1,0 0,1 1,-1-1,0 0,0 1,0-1,0 1,0-1,1 0,-1 1,0-1,0 1,0-1,0 0,0 1,0-1,0 1,0-1,-1 1,-1 6,0-1,-1 1,0-1,0 0,-1 0,-8 10,-114 140,7-12,108-124,11-14,14-12,44-36,79-71,-71 55,-14 14,147-117,-176 147,-21 15,-5 3,-32 34,-190 174,-22 23,208-191,35-36,14-11,27-20,59-48,-57 40,583-467,-539 424,-81 72,1 0,-1 0,0 0,0 0,0 0,0 0,0-1,0 1,0-1,-1 1,2-5,-6 7,0 1,0 0,0 0,-1 0,1 1,0-1,0 1,0-1,-4 4,-93 59,-174 145,210-151,50-40,14-18,0 0,0 0,0 0,0 0,0 1,-1-1,1 0,0 0,0 0,0 0,0 1,0-1,0 0,0 0,0 0,0 1,0-1,0 0,0 0,0 0,0 0,0 1,0-1,0 0,0 0,0 0,0 1,0-1,0 0,0 0,0 0,0 0,0 1,1-1,-1 0,0 0,0 0,0 0,0 0,0 1,0-1,1 0,2 0,0-1,0 1,0-1,0 0,0 0,0 0,0 0,0 0,4-3,251-148,-149 83,-16 12,191-111,-232 143,-41 24,-11 1,0 0,1 0,-1 1,0-1,0 0,0 0,0 0,0 1,0-1,0 0,0 0,0 1,0-1,0 0,0 0,0 1,0-1,0 0,0 0,0 1,0-1,0 0,0 0,0 1,0-1,-1 0,1 0,0 0,0 1,0-1,0 0,-1 0,1 1,-14 15,-1 0,0 0,-34 25,25-22,-223 191,201-167,37-30,9-13,0 0,0 0,0 1,0-1,0 0,0 0,0 0,0 0,0 1,0-1,0 0,0 0,0 0,0 1,0-1,0 0,0 0,0 0,0 1,0-1,0 0,0 0,0 0,0 0,0 1,1-1,-1 0,0 0,0 0,0 0,0 1,0-1,1 0,-1 0,0 0,2 0,0 0,0 0,0 0,0 0,0 0,0 0,0-1,0 1,-1-1,1 1,0-1,2-1,77-35,87-53,-87 44,90-37,-166 81,-1 0,0 0,1 1,-1 0,0 0,10-1,-14 2,1 0,-1 0,0 0,0 0,1 0,-1 0,0 1,0-1,1 0,-1 0,0 0,0 0,0 0,1 1,-1-1,0 0,0 0,0 0,0 1,1-1,-1 0,0 0,0 1,0-1,0 0,0 0,0 1,0-1,0 0,0 1,0-1,0 0,0 0,0 1,0-1,0 0,0 0,0 1,0-1,0 0,0 0,0 1,0-1,0 0,0 0,-1 1,1-1,0 0,0 0,0 0,-1 1,1-1,0 0,0 0,-1 1,-7 9,-1 0,0 0,-17 12,-95 73,65-52,-76 73,112-90,19-26,1 1,0-1,0 1,0-1,-1 0,1 1,0-1,0 1,0-1,0 1,0-1,0 1,0-1,0 1,0-1,0 0,0 1,0-1,0 1,0-1,0 1,1 0,-1-1,1 1,0-1,-1 0,1 1,0-1,-1 0,1 0,0 0,-1 1,1-1,0 0,0 0,-1 0,1 0,0 0,-1 0,1-1,0 1,-1 0,2-1,25-7,0-2,-1 0,38-23,-42 22,119-64,182-85,-318 158,2-1,1 0,0 0,12-2,-19 5,-1 0,0 0,0 0,1-1,-1 1,0 0,0 0,1 0,-1 0,0 0,0 0,1 0,-1 0,0 1,0-1,1 0,-1 0,0 0,0 0,0 0,1 0,-1 0,0 0,0 1,1-1,-1 0,0 0,0 0,0 0,0 1,1-1,-1 0,0 0,0 1,0-1,0 0,0 0,0 0,0 1,0-1,1 1,-2 1,0-1,1 1,-1 0,0 0,0 0,0-1,0 1,0 0,0-1,-2 2,-28 32,-2-1,-58 46,20-20,25-19,-47 55,90-92,0-1,0 1,0 0,1 0,0 0,0 0,-2 5,4-8,-1-1,1 0,0 1,0-1,0 0,0 1,0-1,0 0,0 1,0-1,0 1,0-1,0 0,0 1,0-1,1 0,-1 1,0-1,0 0,0 1,0-1,1 0,-1 0,0 1,0-1,0 0,1 0,-1 1,0-1,1 0,-1 0,0 1,0-1,1 0,-1 0,0 0,1 0,-1 0,0 0,1 0,-1 1,0-1,1 0,-1 0,1 0,-1 0,0 0,1 0,-1-1,0 1,1 0,-1 0,0 0,1 0,-1 0,0 0,1-1,-1 1,25-8,-1 0,-1-2,0 0,23-15,-45 25,245-142,-64 35,-130 79,-51 27,0 1,0-1,0 0,0 1,0-1,1 1,-1-1,0 1,0 0,0 0,0-1,1 1,-1 0,0 0,0 0,2 0,-3 1,0 0,0 1,0-1,-1 0,1 0,0 0,-1-1,1 1,-1 0,1 0,-1 0,0 0,1 0,-1 0,0-1,1 1,-2 1,-96 109,20-26,65-68,-19 17,32-34,0 1,0-1,0 0,-1 0,1 0,0 0,0 0,0 0,0 0,0 0,0 0,0 0,0 1,-1-1,1 0,0 0,0 0,0 0,0 0,0 0,0 0,0 0,-1 0,1 0,0 0,0 0,0 0,0 0,0 0,0 0,-1 0,1 0,0 0,0 0,0-1,0 1,0 0,0 0,0 0,0 0,-1 0,1 0,0 0,0 0,0 0,0 0,0-1,0 1,0 0,0 0,0 0,0 0,0 0,0 0,0 0,0-1,0 1,0 0,0 0,0 0,0 0,0 0,0 0,0 0,0-1,0 1,0 0,-2-20,1 15,1-1,-1 0,0 1,-3-11,1 9,0-1,-1 2,0-1,-1 0,1 1,-1 0,0 0,-1 0,0 0,1 1,-2 0,-9-6,-2 0,-1 1,0 1,-31-11,-4 5,1 2,-2 3,0 2,-68-2,-74 3,-375 37,-278 113,808-133,-116 23,130-31,28-2,0 0,0 0,0 0,-1 0,1 0,0 0,0 0,0 0,0 0,0 0,-1 0,1 0,0 0,0 0,0 0,0 0,0 0,-1 0,1 0,0 0,0 0,0-1,0 1,0 0,0 0,-1 0,1 0,0 0,0 0,0 0,0-1,0 1,0 0,0 0,0 0,0 0,0 0,0-1,0 1,0 0,0 0,10-9,26-8,1 2,1 1,49-12,-46 14,494-106,-340 81,-161 29,-26 6,-13 2,-340 55,87-12,203-35,-269 51,286-46,37-10,8 0,15-2,33-2,425-45,-2-28,-278 37,242-75,-303 60,-123 46,-1-1,29-18,-43 24,-1 1,1 0,-1 0,1-1,-1 1,0 0,1-1,-1 1,0-1,1 1,-1 0,0-1,1 1,-1-1,0 1,0-1,1 1,-1-1,0 1,0-1,0 1,0-1,0 1,0-1,0 0,0 1,-1-1,1 1,-1 0,1-1,-1 1,1 0,-1-1,1 1,-1 0,1 0,-1-1,1 1,-1 0,1 0,-1 0,0 0,1 0,-1 0,0 0,-10 0,-1 0,1 1,0 0,-14 4,-60 14,-90 34,-84 44,-399 211,526-227,127-78,-1 1,1 0,1 0,-1 0,1 1,-1 0,-3 6,8-11,-1 0,1 0,0 1,0-1,0 0,0 0,0 1,0-1,0 0,0 1,-1-1,1 0,0 1,0-1,0 0,0 0,1 1,-1-1,0 0,0 1,0-1,0 0,0 1,0-1,0 0,0 0,1 1,-1-1,0 0,0 0,0 1,1-1,-1 0,0 0,0 0,1 1,-1-1,0 0,0 0,1 0,-1 0,0 0,1 1,-1-1,4 0,-1 1,0-1,1 0,-1 0,1 0,-1-1,7-1,113-31,236-87,57-17,-269 101,-135 33,-1 1,0 1,1-1,-1 2,20 1,-30-1,0 0,0 0,0 0,0 1,0-1,-1 0,1 0,0 1,0-1,-1 1,1-1,0 1,0-1,-1 1,1-1,-1 1,1 0,0-1,-1 1,1 0,-1 0,0-1,1 1,-1 0,1 0,-1-1,0 1,0 0,0 0,1 0,-1 0,0 0,0-1,0 1,0 0,0 0,0 0,-1 0,1 0,0-1,0 1,-1 0,1 0,-1 1,-2 5,-1 0,1 0,-1 0,-1 0,1 0,-1-1,-11 10,-49 42,44-40,-116 96,-56 49,130-99,61-63,0 0,1 1,0-1,-1 0,1 1,0 0,0-1,0 1,0 0,0 0,0-1,0 1,1 0,-1 0,1 0,-1 0,1 2,0-3,0-1,1 0,-1 1,0-1,1 0,-1 1,0-1,1 0,-1 0,0 1,1-1,-1 0,1 0,-1 0,1 1,-1-1,0 0,1 0,-1 0,1 0,-1 0,1 0,0 0,22-3,11-7,0-1,53-26,-46 19,129-58,120-51,4 22,-268 98,0 0,0 2,42-4,-61 8,-1 1,0 0,1 0,-1 1,1-1,-1 1,0 1,0-1,0 1,0 0,0 0,0 1,0 0,-1 0,1 0,-1 1,0 0,0 0,8 8,0 12,-12-24,-1 1,0-1,0 0,0 0,0 0,0 0,0 1,1-1,-1 0,0 0,0 0,0 1,0-1,0 0,0 0,0 0,0 1,0-1,0 0,0 0,0 0,0 1,0-1,0 0,0 0,0 0,0 0,-1 1,1-1,0 0,0 0,0 0,0 1,0-1,0 0,0 0,-1 0,1 0,0 0,0 0,0 1,0-1,-1 0,1 0,0 0,0 0,0 0,0 0,-1 0,-12-5,-16-16,28 20,-22-15,0 0,-1 2,-1 0,0 2,-41-15,23 13,0 3,-84-12,23 15,-1 4,-115 12,-441 68,48-4,473-66</inkml:trace>
+  <inkml:trace contextRef="#ctx0" brushRef="#br0">429 507,'32'-2,"1"-2,-1-1,0-2,-1-1,49-19,54-13,-38 20,103-6,102 6,-139 11,384-31,-414 31,235-9,-164 20,138-4,-72-21,-52 11,221-7,73 21,215-3,-228-29,-194 9,-209 16,501-19,-549 24,577 12,-123-18,-437 3,251-34,1-24,-179 20,-137 41,1-1,-1 1,1 0,-1 0,0 0,1-1,-1 1,1 0,-1 0,1 0,-1 0,1 0,-1 0,1 0,-1 0,1 0,-1 0,1 0,-1 0,1 0,-1 0,0 1,1-1,-1 0,1 0,-1 0,1 1,-1-1,0 0,1 1,-1-1,0 0,1 1,-1-1,0 0,1 1,-1-1,0 1,0-1,1 0,-1 1,0-1,0 1,-6 24,4-19,-12 36,2 1,1 0,3 1,2-1,1 1,3 0,1 1,6 54,6 11,-5 0,-13 176,-4-171,-6 142,19-186,15 87,1 28,-16 215,-3-214,-3-110,-17 99,20-170,0 0,0 0,0 0,-1-1,0 1,0-1,0 1,-6 8,7-12,-1 0,0 0,0 0,0 0,0-1,0 1,-1-1,1 1,0-1,-1 0,1 0,-1 0,1 0,-1 0,1-1,-1 1,0-1,1 0,-1 1,0-1,-3-1,-15 0,0-1,0-1,-33-10,-62-26,22 7,-50-5,-149-17,173 34,-261-23,153 22,127 8,-269-20,-196 31,323 4,-492 42,282-10,82-10,-256 7,52-49,135-21,-311-12,-528 52,1056 14,94-3,-156 11,243-21</inkml:trace>
 </inkml:ink>
 </file>
 
@@ -708,16 +709,16 @@
           <inkml:channelProperty channel="Y" name="resolution" value="1000" units="1/cm"/>
         </inkml:channelProperties>
       </inkml:inkSource>
-      <inkml:timestamp xml:id="ts0" timeString="2021-02-10T08:05:43.104"/>
+      <inkml:timestamp xml:id="ts0" timeString="2021-02-10T08:12:55.668"/>
     </inkml:context>
     <inkml:brush xml:id="br0">
       <inkml:brushProperty name="width" value="0.1" units="cm"/>
       <inkml:brushProperty name="height" value="0.1" units="cm"/>
-      <inkml:brushProperty name="color" value="#FFC114"/>
+      <inkml:brushProperty name="color" value="#F6630D"/>
       <inkml:brushProperty name="ignorePressure" value="1"/>
     </inkml:brush>
   </inkml:definitions>
-  <inkml:trace contextRef="#ctx0" brushRef="#br0">56 1041,'-4'-4,"1"-1,-1 0,1 0,0-1,0 1,1-1,-4-8,-10-44,16 57,-4-17,1-1,0 0,2 1,0-1,2 0,0 0,0 0,2 1,1-1,0 1,11-31,-7 32,0 0,1 1,21-29,39-40,-12 17,39-44,-78 93,0 1,2 1,0 0,1 2,28-17,16-4,-4 0,124-49,-158 75,-1 2,2 1,-1 1,1 1,38-1,-51 6,0 0,0 1,0 1,-1 1,1 0,0 0,-1 2,0 0,0 0,0 1,20 13,-11-3,-1 1,-1 2,34 36,-35-32,2-2,43 34,-39-35,-2 2,0 1,-1 0,20 28,-29-35,-9-8,0-1,0 1,0 0,-1 0,0 0,-1 1,0-1,0 1,-1 0,0 0,1 14,-1 11,-3 61,-1-53,1 12,-7 128,4-143,-2 0,-17 60,-10 0,-71 147,82-204,-2-1,-1-1,-60 70,-112 90,176-183,-2 0,-30 17,-11 9,56-37,0 1,1 0,0 0,0 1,0 0,1 0,1 0,-1 1,1 0,1 0,0 1,0-1,1 1,-4 13,2 6,0 0,2 0,2 52,1-34,2 0,15 79,-16-121,0-1,0 1,1 0,0-1,-1 1,2-1,-1 0,0 0,1 0,0 0,0 0,0 0,0-1,1 1,0-1,-1 0,1 0,0-1,0 1,1-1,-1 0,0 0,1 0,-1 0,8 1,-4-2,-1 0,1-1,-1 0,1 0,-1 0,1-1,-1 0,0 0,1-1,-1 0,0-1,0 1,0-1,0-1,11-6,-4-1,0-1,0 0,-1 0,-1-2,22-28,-16 16</inkml:trace>
+  <inkml:trace contextRef="#ctx0" brushRef="#br0">247 0,'5'4,"0"-1,0 0,1-1,-1 1,1-1,-1 0,1 0,0-1,0 0,0 0,11 1,5 1,12 4,1-2,-1-1,1-2,-1-2,1 0,49-9,-76 6,-15 0,-19 0,-181 24,86-6,84-11,-86 5,111-9,-1-1,1 0,0-1,-1 0,1-1,0 0,-19-8,23 7</inkml:trace>
 </inkml:ink>
 </file>
 
@@ -735,16 +736,16 @@
           <inkml:channelProperty channel="Y" name="resolution" value="1000" units="1/cm"/>
         </inkml:channelProperties>
       </inkml:inkSource>
-      <inkml:timestamp xml:id="ts0" timeString="2021-02-10T08:05:43.768"/>
+      <inkml:timestamp xml:id="ts0" timeString="2021-02-10T08:13:09.040"/>
     </inkml:context>
     <inkml:brush xml:id="br0">
-      <inkml:brushProperty name="width" value="0.1" units="cm"/>
-      <inkml:brushProperty name="height" value="0.1" units="cm"/>
-      <inkml:brushProperty name="color" value="#FFC114"/>
+      <inkml:brushProperty name="width" value="0.05" units="cm"/>
+      <inkml:brushProperty name="height" value="0.05" units="cm"/>
+      <inkml:brushProperty name="color" value="#F6630D"/>
       <inkml:brushProperty name="ignorePressure" value="1"/>
     </inkml:brush>
   </inkml:definitions>
-  <inkml:trace contextRef="#ctx0" brushRef="#br0">22 99,'-2'1,"1"-1,0 0,0 1,0-1,0 1,0-1,0 1,0-1,0 1,0 0,1 0,-1-1,0 1,0 0,0 0,1 0,-1 0,1 0,-1 0,0 0,1 0,0 0,-1 0,1 0,0 0,-1 0,1 0,0 0,0 0,0 1,0 0,0 38,1-29,1 1,1-2,0 1,0 0,1 0,1-1,10 18,-13-25,0 0,0 0,0 0,0-1,1 1,-1-1,1 1,0-1,0 0,-1 0,2 0,4 2,-6-3,1-1,-1 1,0-1,0 0,1 0,-1 0,0 0,1 0,-1 0,0 0,1-1,-1 1,0-1,0 0,0 0,0 0,0 0,1 0,-2 0,1 0,3-3,0-1,0 0,0 0,-1-1,1 0,-1 0,0 0,-1 0,0 0,0-1,0 0,-1 1,0-1,0 0,0 0,-1 0,-1 0,1 0,-1-1,-1-11,1 12,0-1,-1 1,0-1,-1 1,1-1,-1 1,-1 0,1-1,-1 1,-1 1,1-1,-1 0,0 1,-1 0,0 0,0 0,0 1,-9-8,-16-5</inkml:trace>
+  <inkml:trace contextRef="#ctx0" brushRef="#br0">11 51,'0'-5,"0"-5,-4-2,-2-2,5 5,7 21,2 14,5 12,4 29,-1 18,6 52,0 20,4 91,-2 20,-5 1,-6-36,-22-28,-11-47</inkml:trace>
 </inkml:ink>
 </file>
 
@@ -789,16 +790,16 @@
           <inkml:channelProperty channel="Y" name="resolution" value="1000" units="1/cm"/>
         </inkml:channelProperties>
       </inkml:inkSource>
-      <inkml:timestamp xml:id="ts0" timeString="2021-02-10T08:05:44.992"/>
+      <inkml:timestamp xml:id="ts0" timeString="2021-02-10T08:13:11.891"/>
     </inkml:context>
     <inkml:brush xml:id="br0">
-      <inkml:brushProperty name="width" value="0.1" units="cm"/>
-      <inkml:brushProperty name="height" value="0.1" units="cm"/>
-      <inkml:brushProperty name="color" value="#FFC114"/>
+      <inkml:brushProperty name="width" value="0.05" units="cm"/>
+      <inkml:brushProperty name="height" value="0.05" units="cm"/>
+      <inkml:brushProperty name="color" value="#F6630D"/>
       <inkml:brushProperty name="ignorePressure" value="1"/>
     </inkml:brush>
   </inkml:definitions>
-  <inkml:trace contextRef="#ctx0" brushRef="#br0">93 812,'-2'0,"1"0,-1-1,1 1,-1-1,1 1,-1-1,1 0,0 0,-1 1,1-1,0 0,0 0,0 0,0 0,0-1,0 1,0 0,-1-3,-17-29,13 23,0-3,-1 1,2-1,0-1,0 1,1-1,1 0,0 1,1-2,1 1,0 0,1 0,0 0,1 0,1 0,0 0,1 0,8-25,1 6,2 0,0 1,2 1,2 1,0 0,2 1,37-39,-40 48,2 2,1 0,0 1,1 1,1 1,0 1,1 1,0 0,1 2,41-13,-50 20,1 1,-1 0,1 1,-1 1,27 1,-33 0,0 1,-1 0,1 1,0 0,0 0,-1 1,1 0,-1 1,0 0,0 0,11 8,-8-3,-1 1,0 0,-1 1,0-1,-1 2,0-1,-1 1,0 0,-1 1,8 22,-7-16,-1 1,-1 0,-1 1,-1-1,0 1,-1 34,-3-40,-1-1,0 1,0 0,-9 24,10-34,-1-1,0 1,0 0,0-1,0 1,-1-1,0 0,1 0,-2 0,1 0,0 0,-1-1,0 1,0-1,0 0,-8 4,-14 0</inkml:trace>
+  <inkml:trace contextRef="#ctx0" brushRef="#br0">1 219,'33'-34,"-26"25,1 1,0 0,0 0,1 1,0 0,0 0,1 1,15-7,-8 6,1 2,1 0,-1 1,1 1,27-2,97 6,-86 1,-28-1,0 1,-1 2,38 10,81 33,-124-40,0-1,1-1,0-1,0-1,0-1,34-1,144-23,-130 12,243-19,-230 27,146 16,259 22,-261-20,-45-1,-139-14,0-2,50-7,139-31,138-15,-3 38,-144 9,114-5,268-15,221-2,-660 29,202 2,-118 23,-175-13,-41-5,65 3,-12-9,1-5,-1-3,142-31,-211 33,-13 3,0 0,0 0,0 1,1-1,-1 2,1-1,-1 1,1 0,-1 0,1 1,7 2,-14-3,0 1,1 0,-1 0,0-1,1 1,-1 0,0 0,0 0,0 0,0 0,0 1,0-1,0 0,0 0,0 1,-1-1,1 0,-1 1,1-1,-1 0,1 1,-1-1,0 1,1 2,-1 3,1 0,-2 0,-1 14,1-11,-11 129,8 233,18-74,-25 0,-29 0,-11 144,51-372,4-1,17 98,4 69,-24-226,-1 0,-1-1,0 1,0-1,-1 1,0-1,-3 10,4-16,-1 0,1 0,0-1,-1 1,0 0,1-1,-1 1,0-1,0 0,-1 0,1 1,0-1,-1-1,1 1,-1 0,0-1,1 1,-1-1,0 0,0 0,0 0,0 0,0 0,0-1,-6 1,-12-1,0-1,0-1,-31-7,-12-2,-213-6,64 6,-384-1,407 13,-654 16,599-9,-298 16,-277 8,747-31,-371 24,-53 1,-111-43,518 12,-224-17,-245 11,359 12,182-1,0-2,-1 0,1-1,0-1,1-1,-1 0,1-1,0-1,0-1,-18-11,19 11,-1 0,0 2,0 0,-1 1,1 1,-1 0,0 2,-27-2,35 3,-1 0,1-1,0 0,0-1,0 0,0-1,0 0,1 0,-1-1,1 0,-15-12,18 12,1 0,0 0,1 0,-1 0,1-1,0 1,0-1,1 0,0-1,0 1,0-1,1 1,0-1,0 0,0 1,1-1,0 0,0-12,2 9,1 0,0 0,0 1,1-1,0 0,1 1,0 0,5-10,7-11</inkml:trace>
 </inkml:ink>
 </file>
 
@@ -816,16 +817,16 @@
           <inkml:channelProperty channel="Y" name="resolution" value="1000" units="1/cm"/>
         </inkml:channelProperties>
       </inkml:inkSource>
-      <inkml:timestamp xml:id="ts0" timeString="2021-02-10T08:05:45.449"/>
+      <inkml:timestamp xml:id="ts0" timeString="2021-02-10T08:13:13.295"/>
     </inkml:context>
     <inkml:brush xml:id="br0">
-      <inkml:brushProperty name="width" value="0.1" units="cm"/>
-      <inkml:brushProperty name="height" value="0.1" units="cm"/>
-      <inkml:brushProperty name="color" value="#FFC114"/>
+      <inkml:brushProperty name="width" value="0.05" units="cm"/>
+      <inkml:brushProperty name="height" value="0.05" units="cm"/>
+      <inkml:brushProperty name="color" value="#F6630D"/>
       <inkml:brushProperty name="ignorePressure" value="1"/>
     </inkml:brush>
   </inkml:definitions>
-  <inkml:trace contextRef="#ctx0" brushRef="#br0">0 187,'1'-2,"0"-1,0 1,0 0,1-1,-1 1,0 0,1 0,-1 0,1 0,0 0,0 1,0-1,0 0,0 1,3-2,2-3,16-11,0 1,1 2,1 0,0 1,1 2,0 0,1 2,0 1,51-8,-16 7,0 3,0 3,86 6,-124-1,-1 0,0 2,0 0,0 2,-1 0,40 18,-51-19,0 1,0 1,-1 0,0 0,0 1,0 0,-1 0,-1 1,1 1,-1-1,-1 1,0 1,0-1,7 18,-11-21,0 0,-1 0,0 0,0 1,-1-1,1 1,-2-1,1 1,-1 0,0-1,-1 1,0 0,0-1,0 1,-1-1,0 0,-1 1,-5 11,3-11,0 1,-1-1,0-1,0 1,0-1,-1 0,0 0,0-1,-1 0,0 0,0-1,0 0,-1-1,-15 7,-33 8,-1-5</inkml:trace>
+  <inkml:trace contextRef="#ctx0" brushRef="#br0">47 5,'9'-2,"-9"1,0 1,1 0,-1 0,0 0,1 0,-1 0,0-1,0 1,1 0,-1 0,0 0,1 0,-1 0,0 0,1 0,-1 0,0 0,1 0,-1 0,0 0,1 0,-1 0,0 0,0 1,1-1,-1 0,0 0,1 0,-1 0,0 0,0 1,1-1,-1 0,0 0,0 1,0-1,1 0,-1 0,0 1,0-1,0 0,0 0,0 1,1-1,-1 0,0 1,0-1,0 0,0 1,0-1,0 0,0 0,0 1,0 0,3 15,0 0,-1 1,-1 0,0-1,-3 25,2 25,7 90,-1 243,-37-101,-4 74,31-168,-5 83,1-131,7 0,30 258,-11-200,-17-185</inkml:trace>
 </inkml:ink>
 </file>
 
@@ -843,16 +844,16 @@
           <inkml:channelProperty channel="Y" name="resolution" value="1000" units="1/cm"/>
         </inkml:channelProperties>
       </inkml:inkSource>
-      <inkml:timestamp xml:id="ts0" timeString="2021-02-10T08:05:47.014"/>
+      <inkml:timestamp xml:id="ts0" timeString="2021-02-10T08:13:14.418"/>
     </inkml:context>
     <inkml:brush xml:id="br0">
-      <inkml:brushProperty name="width" value="0.1" units="cm"/>
-      <inkml:brushProperty name="height" value="0.1" units="cm"/>
-      <inkml:brushProperty name="color" value="#FFC114"/>
+      <inkml:brushProperty name="width" value="0.05" units="cm"/>
+      <inkml:brushProperty name="height" value="0.05" units="cm"/>
+      <inkml:brushProperty name="color" value="#F6630D"/>
       <inkml:brushProperty name="ignorePressure" value="1"/>
     </inkml:brush>
   </inkml:definitions>
-  <inkml:trace contextRef="#ctx0" brushRef="#br0">1 69,'0'-1,"1"0,-1 0,1 0,-1-1,1 1,-1 0,1 0,0 0,0 0,-1 0,1 0,0 0,0 1,0-1,0 0,0 0,0 1,0-1,0 1,2-2,29-12,-25 12,12-5,0 0,0 2,1 1,-1 0,1 1,0 2,0 0,0 0,0 2,0 1,0 0,33 10,-36-8,0 2,0 0,-1 1,0 1,-1 0,0 1,0 1,0 0,-2 1,1 1,-1 0,-1 0,0 2,17 24,-18-21,-2 1,1 0,-2 0,0 0,-2 1,0 0,-1 0,-1 1,2 21,-4-26,-2 0,0 0,-1 0,0 1,-1-1,-1-1,0 1,-1 0,-1-1,0 1,-1-1,-11 19,13-27,1-1,-1 0,0 0,-1 0,1-1,-1 1,0-1,0 0,0-1,0 1,-1-1,1 0,-1 0,0-1,-11 4,57 12,-22-11,4 2,0 2,-1 0,-1 1,1 2,-2 0,34 31,-44-37,-1 1,-1 0,0 0,0 0,0 1,-1 0,-1 1,0-1,0 1,-1 0,0 0,-1 0,0 1,-1-1,0 1,-1 13,-1-8,-2 0,0-1,-2 1,1-1,-2 0,0 0,-1 0,-1-1,0 0,-1 0,0-1,-1 0,-1 0,0-1,-1-1,-1 1,-16 13,-4-5,31-20,0-1,0 1,0 0,0-1,0 1,0-1,0 0,0 1,0-1,0 0,0 1,0-1,0 0,0 0,0 0,0 0,-1 0,1 0,0 0,0-1,0 1,0 0,0-1,0 1,0 0,0-1,0 1,0-1,-1-1,1 1,1 0,0 1,0-1,0 0,-1 0,1 0,0 0,0 0,0 0,0 0,1 1,-1-1,0 0,0 0,0 0,1 0,-1 0,1 1,-1-1,0 0,1 0,-1 1,1-1,0 0,-1 1,1-1,-1 0,2 0,22-17,-21 16,1 0,-1 1,1 0,0-1,0 1,0 1,-1-1,1 1,0-1,0 1,0 0,0 0,0 1,0-1,7 3,-5-1,0 0,-1 1,1 0,-1 0,1 0,-1 0,0 1,0 0,6 7,-3-2,0 0,0 1,-1 0,-1 1,1-1,-2 1,1 1,-2-1,1 1,2 13,-3-1,-1 1,-1-1,-1 1,-1 0,-1 0,-2-1,-9 47,3-37,-1 1,-2-2,-1 1,-34 61,35-76,-1 0,-1 0,-18 19,25-31,0 1,-1-1,-1 0,1-1,-1 0,0 0,0-1,-18 7,12-10,15-2,0 0,0 0,0 0,-1-1,1 1,0 0,0 0,-1 0,1 0,0 0,0 0,0-1,0 1,-1 0,1 0,0 0,0 0,0-1,0 1,0 0,0 0,-1 0,1-1,0 1,0 0,0 0,0-1,0 1,0 0,0 0,0-1,0 0,1 1,-1-1,0 0,1 1,-1-1,1 1,-1-1,1 0,-1 1,1-1,-1 1,1-1,0 1,-1-1,1 1,0 0,-1-1,1 1,0 0,-1 0,1-1,0 1,0 0,-1 0,1 0,0 0,0 0,-1 0,3 0,1 0,-1 1,1-1,0 1,0 0,0 0,0 1,0-1,-1 1,1-1,-1 1,1 0,-1 0,0 1,0-1,0 1,0 0,0 0,0 0,-1 0,0 0,1 0,1 5,1 0,-1 1,0 0,-1 0,1 1,-2-1,1 0,-1 1,0 10,-1 13,-1 0,-1 0,-2-1,-1 1,-2 0,-1-1,-2 0,-1-1,-1 0,-2 0,-1-1,-1-1,-1-1,-2 0,-42 50,56-73,-1 0,0 0,0 0,-1-1,1 0,-1 0,-8 4,14-7,-1-1,1 0,0 0,-1 1,1-1,0 0,-1 0,1 0,0 1,-1-1,1 0,0 0,-1 0,1 0,-1 0,1 0,0 0,-1 0,1 0,-1 0,1 0,0 0,-1 0,1 0,0 0,-1-1,0 1,6-10,7-6</inkml:trace>
+  <inkml:trace contextRef="#ctx0" brushRef="#br0">1 805,'-1'2,"1"-1,0 1,0-1,0 1,1-1,-1 1,0-1,0 1,1-1,-1 0,1 1,-1-1,1 0,0 1,1 1,-2-3,1 1,-1-1,1 0,-1 0,1 1,-1-1,1 0,0 0,-1 0,1 0,-1 0,1 1,-1-1,1 0,-1 0,1 0,0-1,-1 1,1 0,-1 0,1 0,-1 0,1 0,-1-1,1 1,-1 0,1-1,3-2,0 1,0-1,-1-1,1 1,-1 0,0-1,0 0,3-5,87-166,-44 77,39-64,37-73,-79 124,-46 110,1 1,-1-1,0 0,0 0,1 1,-1-1,0 1,1-1,-1 0,0 1,1-1,-1 1,1-1,-1 1,1-1,0 1,-1-1,1 1,-1 0,1-1,0 1,-1 0,1-1,0 1,-1 0,1 0,0 0,0 0,-1 0,1 0,0 0,-1 0,1 0,0 0,0 0,-1 0,1 0,0 0,-1 1,1-1,0 0,-1 0,1 1,-1-1,1 1,0-1,-1 1,1-1,-1 0,1 2,5 3,-1 1,0 0,0 0,4 8,-2-2,273 427,-263-405,-9-13</inkml:trace>
 </inkml:ink>
 </file>
 
@@ -870,16 +871,16 @@
           <inkml:channelProperty channel="Y" name="resolution" value="1000" units="1/cm"/>
         </inkml:channelProperties>
       </inkml:inkSource>
-      <inkml:timestamp xml:id="ts0" timeString="2021-02-10T08:05:47.378"/>
+      <inkml:timestamp xml:id="ts0" timeString="2021-02-10T08:13:15.722"/>
     </inkml:context>
     <inkml:brush xml:id="br0">
-      <inkml:brushProperty name="width" value="0.1" units="cm"/>
-      <inkml:brushProperty name="height" value="0.1" units="cm"/>
-      <inkml:brushProperty name="color" value="#FFC114"/>
+      <inkml:brushProperty name="width" value="0.05" units="cm"/>
+      <inkml:brushProperty name="height" value="0.05" units="cm"/>
+      <inkml:brushProperty name="color" value="#F6630D"/>
       <inkml:brushProperty name="ignorePressure" value="1"/>
     </inkml:brush>
   </inkml:definitions>
-  <inkml:trace contextRef="#ctx0" brushRef="#br0">558 1,'0'9,"-5"23,-2 11,-4 17,-5 7,-14 18,-7-2,-16 9,-5-6,-6-9,3-11,3-13,5-16,3-8,10-15,26-24,15-10</inkml:trace>
+  <inkml:trace contextRef="#ctx0" brushRef="#br0">491 183,'-5'-21,"4"19,0 0,0 0,1 0,-1 0,1 1,-1-1,1 0,0 0,0 0,0-4,0 6,0 0,0-1,0 1,0 0,0-1,0 1,0 0,0 0,1-1,-1 1,0 0,0 0,0 0,0-1,0 1,1 0,-1 0,0 0,0-1,0 1,1 0,-1 0,0 0,0 0,1-1,-1 1,0 0,0 0,1 0,-1 0,0 0,0 0,1 0,-1 0,0 0,0 0,1 0,-1 0,0 0,0 0,1 0,-1 0,0 0,1 0,7 4,1 1,-1 0,0 0,-1 0,1 1,10 10,-12-10,190 181,-23-20,-172-167,-1 1,1 0,0-1,-1 1,1 0,0-1,-1 1,1-1,0 1,0-1,-1 1,1-1,0 0,0 1,0-1,0 0,0 0,-1 0,2 1,-1-2,-1 1,0-1,0 1,1-1,-1 1,0-1,0 1,0-1,0 1,0-1,0 1,0-1,0 1,0-1,0 1,0-1,0 1,0-1,0 1,0-1,0 1,-1-1,-14-36,-36-48,-76-94,32 47,80 109,11 15,0 1,-1 0,0 0,0 0,0 1,-1-1,0 1,-14-10,0 15,3-4,16 5,1 0,0 0,0 0,-1 0,1 0,0 0,-1 0,1 0,0 0,-1 0,1 0,0 0,-1 1,1-1,0 0,0 0,-1 0,1 0,0 1,0-1,-1 0,1 0,0 1,0-1,0 0,-1 0,1 1,0-1,0 0,0 3,0 0,0 0,0 0,1 0,-1 0,1 0,0-1,0 1,0 0,0 0,3 4,167 322,-67-138,-102-188,1 2,-1 1,1 0,-1-1,3 10,-5-15,0 0,0 1,0-1,0 0,0 1,1-1,-1 0,0 1,0-1,-1 0,1 0,0 1,0-1,0 0,0 1,0-1,0 0,0 0,0 1,-1-1,1 0,0 0,0 1,0-1,0 0,-1 0,1 1,0-1,0 0,-1 0,1 0,0 0,0 1,-1-1,-1 0,1 0,0 0,-1 0,1-1,-1 1,1 0,-1-1,1 1,0-1,-1 1,1-1,-2 0,-21-12,0-1,1-1,1-1,-37-34,28 20,2-1,-37-51,57 70,1-1,1 0,0-1,-9-28,15 39,-1 0,1-1,0 1,-1 0,0 0,-4-6,6 8,-1 0,0 1,1-1,-1 1,0-1,0 1,0-1,1 1,-1 0,0-1,0 1,0 0,0-1,0 1,0 0,1 0,-1 0,0 0,0 0,0 0,0 0,0 0,0 1,0-1,0 0,0 0,1 1,-1-1,0 1,0-1,0 0,0 2,-9 5,1 0,-1 1,1 0,1 1,0 0,0 0,-12 20,10-14,-132 212,109-172,-1 0,-3-2,-56 61,78-103,12-12,5-8,14-19,1 1,29-36,-22 30,122-153,-38 49,-51 63</inkml:trace>
 </inkml:ink>
 </file>
 
@@ -897,17 +898,16 @@
           <inkml:channelProperty channel="Y" name="resolution" value="1000" units="1/cm"/>
         </inkml:channelProperties>
       </inkml:inkSource>
-      <inkml:timestamp xml:id="ts0" timeString="2021-02-10T08:05:47.747"/>
+      <inkml:timestamp xml:id="ts0" timeString="2021-02-10T08:13:16.963"/>
     </inkml:context>
     <inkml:brush xml:id="br0">
-      <inkml:brushProperty name="width" value="0.1" units="cm"/>
-      <inkml:brushProperty name="height" value="0.1" units="cm"/>
-      <inkml:brushProperty name="color" value="#FFC114"/>
+      <inkml:brushProperty name="width" value="0.05" units="cm"/>
+      <inkml:brushProperty name="height" value="0.05" units="cm"/>
+      <inkml:brushProperty name="color" value="#F6630D"/>
       <inkml:brushProperty name="ignorePressure" value="1"/>
     </inkml:brush>
   </inkml:definitions>
-  <inkml:trace contextRef="#ctx0" brushRef="#br0">1696 1,'0'14,"0"10,0 10,0 4,-4 15,-8 8,-9 18,-3 0,-16 15,-15 7,-9-5,3-14,-32-11,-10-18,8-17,20-16</inkml:trace>
-  <inkml:trace contextRef="#ctx0" brushRef="#br0" timeOffset="1">1048 1102,'-5'19,"-6"11,-11 10,-7 8,-17 19,-11 4,-14-1,-6-12,-17-12,-3-18,-28-28,-3-14,-22-34,14-8</inkml:trace>
+  <inkml:trace contextRef="#ctx0" brushRef="#br0">0 18,'23'-18,"-20"35,-2 1,0-1,-1 29,-1-7,16 747,-14-178,-8-487,-4 266,11-385</inkml:trace>
 </inkml:ink>
 </file>
 
@@ -925,17 +925,16 @@
           <inkml:channelProperty channel="Y" name="resolution" value="1000" units="1/cm"/>
         </inkml:channelProperties>
       </inkml:inkSource>
-      <inkml:timestamp xml:id="ts0" timeString="2021-02-10T08:05:48.079"/>
+      <inkml:timestamp xml:id="ts0" timeString="2021-02-10T08:13:18.107"/>
     </inkml:context>
     <inkml:brush xml:id="br0">
-      <inkml:brushProperty name="width" value="0.1" units="cm"/>
-      <inkml:brushProperty name="height" value="0.1" units="cm"/>
-      <inkml:brushProperty name="color" value="#FFC114"/>
+      <inkml:brushProperty name="width" value="0.05" units="cm"/>
+      <inkml:brushProperty name="height" value="0.05" units="cm"/>
+      <inkml:brushProperty name="color" value="#F6630D"/>
       <inkml:brushProperty name="ignorePressure" value="1"/>
     </inkml:brush>
   </inkml:definitions>
-  <inkml:trace contextRef="#ctx0" brushRef="#br0">1247 762,'-5'0,"-6"5,-21 6,-9 1,-37 9,-9 0,0-3,-9-4,3-6,-8-8,9-9,1-3,11 0,0-2,9-4,-27-13,4-1</inkml:trace>
-  <inkml:trace contextRef="#ctx0" brushRef="#br0" timeOffset="1">146 0,'-4'0,"-3"5,-4 1,-5 0,-34-1,-8-2</inkml:trace>
+  <inkml:trace contextRef="#ctx0" brushRef="#br0">9 259,'-9'-21,"62"116,-33-56,25 36,-23-42,2-1,1-1,2-1,51 43,-58-61,-20-12,0 0,0 0,0 0,1 0,-1 1,0-1,0 0,1 0,-1 0,0 0,0 0,1 0,-1 0,0 0,0 0,1 0,-1 0,0-1,0 1,1 0,-1 0,0 0,0 0,0 0,1 0,-1 0,0-1,0 1,0 0,1 0,-1 0,0 0,0-1,0 1,0 0,0 0,1-1,-1 1,0 0,0 0,0 0,0-1,0 1,1-14,-1 4,2 4,0 0,0 0,1 0,-1 1,1-1,0 1,1-1,5-5,39-42,-31 35,63-62,69-77,-120 124,-2-1,42-70,-65 96,16-32,-19 38,0 0,0-1,0 1,-1-1,1 0,-1 1,1-1,-1 0,0 1,0-1,0 1,-1-5,1 7,0-1,-1 1,1-1,0 1,0-1,0 1,-1-1,1 1,0 0,-1-1,1 1,0 0,-1-1,1 1,0 0,-1-1,1 1,-1 0,1-1,0 1,-1 0,1 0,-1 0,1 0,-1-1,1 1,-1 0,1 0,-1 0,1 0,-1 0,1 0,-1 0,1 0,-1 0,1 1,-1-1,0 0,-20 11,3 3,0 1,1 1,-22 26,-43 62,72-90,-44 57,4 1,-63 120,108-180,-12 23,16-34,1 1,-1-1,0 1,0-1,0 1,-1-1,1 0,0 1,0-1,-1 0,1 0,-1 0,1 0,-1 0,1-1,-3 2,3-2,0 0,0-1,0 1,0 0,0 0,0-1,1 1,-1 0,0-1,0 1,0-1,0 1,0-1,1 0,-1 1,0-1,0 0,1 0,-1 1,0-1,1 0,-2-1,-11-23,10 20,-15-32,-3 0,-1 2,-1 0,-2 2,-2 0,-1 2,-62-54,74 77,13 10,11 7,63 57,23 22,-67-57,-15-16,1-1,26 22,-37-34,0-1,1 1,-1-1,1 0,-1 0,1 0,-1 0,1 0,0 0,-1-1,1 1,0-1,0 0,-1 0,1 0,0 0,0 0,-1-1,1 1,0-1,0 0,-1 0,1 0,-1 0,1 0,-1 0,4-3,5-4,0 0,-1-1,0 0,12-15,-8 10,36-40</inkml:trace>
 </inkml:ink>
 </file>
 
@@ -953,16 +952,16 @@
           <inkml:channelProperty channel="Y" name="resolution" value="1000" units="1/cm"/>
         </inkml:channelProperties>
       </inkml:inkSource>
-      <inkml:timestamp xml:id="ts0" timeString="2021-02-10T08:05:48.425"/>
+      <inkml:timestamp xml:id="ts0" timeString="2021-02-10T08:13:23.743"/>
     </inkml:context>
     <inkml:brush xml:id="br0">
-      <inkml:brushProperty name="width" value="0.1" units="cm"/>
-      <inkml:brushProperty name="height" value="0.1" units="cm"/>
-      <inkml:brushProperty name="color" value="#FFC114"/>
+      <inkml:brushProperty name="width" value="0.05" units="cm"/>
+      <inkml:brushProperty name="height" value="0.05" units="cm"/>
+      <inkml:brushProperty name="color" value="#F6630D"/>
       <inkml:brushProperty name="ignorePressure" value="1"/>
     </inkml:brush>
   </inkml:definitions>
-  <inkml:trace contextRef="#ctx0" brushRef="#br0">22 140,'-5'0,"-1"-5,0-7,2-10,10-26,4-4</inkml:trace>
+  <inkml:trace contextRef="#ctx0" brushRef="#br0">7 446,'3'-50,"-3"46,1 0,0 0,0 0,0 1,1-1,-1 0,1 1,0-1,0 1,2-4,-3 6,-1 1,1-1,-1 1,1-1,-1 1,1-1,-1 1,1-1,0 1,-1 0,1-1,0 1,-1 0,1 0,0-1,-1 1,1 0,0 0,-1 0,1 0,0 0,-1 0,1 0,0 0,0 0,-1 0,1 0,0 0,-1 1,1-1,0 0,-1 0,1 1,0-1,-1 1,1-1,-1 0,1 1,-1-1,1 1,0 0,1 2,1 0,-1 0,0 0,0 0,0 1,0-1,2 6,5 21,-1 1,-2 0,5 58,-7-52,28 471,-19-235,-7-179,-4 1,-12 109,-16-18,25-178,0 0,0 0,1 0,0 0,0 0,3 13,-2-18,0-1,0 0,0 1,0-1,0 0,0 0,0 0,1 1,-1-2,1 1,0 0,-1 0,1 0,0-1,0 1,0-1,0 0,0 1,1-1,-1 0,0 0,1 0,-1-1,0 1,4 0,19 3,1-2,-1-1,31-2,25 1,32 11,154 34,108 47,-247-58,190 61,-16-5,-212-68,128 16,70-12,90 11,-188-8,142 17,-35-7,-3 0,270-8,-348-37,223-36,-242 20,-62 9,172-40,-198 28,1 4,1 6,191-3,-214 20,59-2,-143 0,0 0,0 0,0-1,0 0,0 1,0-1,0-1,0 1,0-1,0 1,0-1,-1 0,1-1,5-3,-6 3,-1-1,1 1,-1 0,0-1,0 0,0 1,0-1,-1 0,1 0,-1 0,0 0,0 0,-1 0,1-7,2-59,-6-74,-1 35,19-389,-6 354,20-416,-31 497,-3 0,-19-89,12 81,0-2,-29-97,37 158,-1-7,-2 1,1 0,-2 0,-10-18,15 32,0-1,0 1,0 0,-1 0,1 0,-1 1,0-1,0 1,0 0,-1 0,1 0,-1 0,1 1,-1 0,0 0,0 0,0 1,0-1,0 1,-6 0,-6 1,0 0,0 1,-33 7,7-1,-117 6,-191-11,191-4,-116 3,-221-3,-24-36,69 2,63 10,120 5,-632 9,568 14,332-2,-487-20,290-1,-329 9,422 21,0 5,-125 32,80-3,130-37,-1-2,0 0,0-1,-33 0,-33 5,76-6,1 0,-1 1,1 0,-1 1,-18 9,26-11,0 0,1 0,-1 0,0 1,1-1,-1 1,1 0,0-1,0 1,0 0,0 0,1 0,-1 1,1-1,0 0,0 1,0-1,0 0,0 5,-1 8,2 0,-1 0,3 17,-1-5,40 356,-2-40,3 154,-40-476,9 108,6 53,-5-43,-12-118,0 0,-2 1,0-1,-7 25,8-43,0-2,1 1,-1-1,1 0,-1 0,1 0,0 0,0 1,0 3,0-6,1 1,-1 0,0-1,1 1,-1-1,1 1,-1-1,1 1,-1-1,1 1,0-1,-1 1,1-1,0 0,-1 1,1-1,0 0,-1 0,1 0,0 1,-1-1,1 0,0 0,0 0,-1 0,1 0,0 0,-1 0,2-1,115-4,-71 1,1 2,0 2,84 12,-23 0,-58-7,84 16,-99-15,59 14,-49-9,1-3,53 4,64 1,36 0,61-14,116 2,-326 4,0 2,68 19,-21-4,300 47,3-39,-88-12,-136 4,-47-8,224 54,-299-54,1-3,0-2,0-3,85 0,-71-10,129-26,-125 17,110-7,174-11,-2-23,-281 42,31-3,-1 4,1 5,123 8,-150 4</inkml:trace>
 </inkml:ink>
 </file>
 
@@ -980,16 +979,16 @@
           <inkml:channelProperty channel="Y" name="resolution" value="1000" units="1/cm"/>
         </inkml:channelProperties>
       </inkml:inkSource>
-      <inkml:timestamp xml:id="ts0" timeString="2021-02-10T08:05:49.117"/>
+      <inkml:timestamp xml:id="ts0" timeString="2021-02-10T08:14:16.380"/>
     </inkml:context>
     <inkml:brush xml:id="br0">
       <inkml:brushProperty name="width" value="0.1" units="cm"/>
       <inkml:brushProperty name="height" value="0.1" units="cm"/>
-      <inkml:brushProperty name="color" value="#FFC114"/>
+      <inkml:brushProperty name="color" value="#CC0066"/>
       <inkml:brushProperty name="ignorePressure" value="1"/>
     </inkml:brush>
   </inkml:definitions>
-  <inkml:trace contextRef="#ctx0" brushRef="#br0">562 3184,'0'1,"0"1,-1-1,1 0,-1 0,1 1,-1-1,0 0,1 0,-1 1,0-1,0 0,0 0,0 0,0 0,0 0,0 0,0-1,0 1,-2 1,-27 14,21-12,-9 4,-1 0,-1-1,0 0,1-2,-2 0,1-2,0 0,-1-1,0-1,1-1,-25-3,34 2,0-1,0 0,0-1,0 0,0 0,1-1,0-1,0 0,0 0,0-1,1 0,0 0,0-1,1-1,-1 1,2-1,-1-1,1 1,1-1,-1-1,-9-18,10 11,0 0,1 0,1-1,0 1,2-1,0 0,1 0,0 0,2 1,0-1,1 0,1 0,9-32,2 6,1 0,3 1,2 0,28-44,-24 47,50-63,-64 89,2 2,0-1,0 1,1 1,1 0,0 1,28-15,-37 23,0 0,0 0,0 1,0 0,0 0,0 0,6 0,-10 1,0 0,0 0,-1 0,1 0,0 0,0 0,-1 0,1 0,0 0,0 0,-1 1,1-1,0 0,-1 0,1 1,0-1,-1 1,1-1,0 0,-1 1,1-1,-1 1,1 0,-1-1,1 1,-1-1,1 1,-1 0,0-1,1 1,-1 0,0-1,0 1,1 0,-1 0,0-1,0 1,0 0,0 0,0-1,0 1,0 0,0 0,0 0,0-1,-1 1,1 0,0-1,0 1,-1 0,1 0,0-1,-1 1,-1 4,-1-1,1 0,-1 0,0 0,0 0,0 0,-1-1,1 1,-1-1,0 0,1 0,-1-1,-1 1,1-1,0 0,-1 0,1 0,-1 0,0-1,1 0,-1 0,0 0,0-1,0 1,0-1,1 0,-1-1,0 1,0-1,-8-2,2-1,1 0,-1-1,1 0,0-1,1 0,0 0,0-1,0 0,0-1,1 0,-7-9,0-2,0-1,1 0,2-1,-11-23,13 24,2 0,0-1,1-1,2 1,0-1,1 0,1 0,1 0,1 0,1-1,1 1,1 0,1 0,1 0,1 0,0 0,2 1,1 0,0 1,2-1,0 2,19-28,-7 17,2 2,1 0,50-42,-52 52,0 1,0 1,2 1,0 1,40-16,-59 28,1-1,-1 1,1 0,0 0,-1 1,1-1,0 2,0-1,8 1,-15 0,1 0,-1 0,0 0,0 0,0 0,1 0,-1 0,0 0,0 0,1 0,-1 1,0-1,0 0,0 0,0 0,1 0,-1 0,0 0,0 1,0-1,1 0,-1 0,0 0,0 0,0 1,0-1,0 0,0 0,0 0,0 1,1-1,-1 0,0 0,0 1,0-1,0 0,0 0,0 0,0 1,0-1,0 0,0 0,0 1,0-1,-1 0,1 0,0 0,0 1,0-1,0 0,0 0,0 0,0 1,-1-1,1 0,0 0,0 0,0 0,0 0,-1 1,-12 9,8-8,0 0,-1 1,0-2,1 1,-1-1,0 0,0 0,0 0,0-1,0 0,0 0,0-1,1 0,-1 0,-9-2,-3-3,0-1,0 0,-28-16,27 12,1-1,1 0,0-1,1 0,0-2,1 0,1 0,0-2,1 0,1 0,-11-20,16 22,-1 0,2-1,0 0,1 0,1 0,0 0,1-1,1 0,0 1,2-1,0 0,0 0,2 1,5-27,-2 22,2 0,0 0,2 1,0 0,1 0,1 1,16-21,-15 25,-1 0,2 1,0 1,1 0,0 1,0 0,2 1,26-15,-35 22,1 1,0 0,-1 1,2-1,-1 1,0 1,0 0,0 0,12 0,-14 1,-1 1,0 0,0-1,1 2,-1-1,0 0,0 1,0 0,0 0,-1 1,1-1,-1 1,1 0,-1 0,4 5,-6-7,-1 1,0-1,0 1,0 0,1-1,-2 1,1 0,0 0,1 3,-4-1,-6-10,2 0,1 0,1-1,-1 0,1 0,0 0,0-1,1 0,-4-14,2 5,1 0,1 0,-1-20,3 24,1 1,1-1,0 1,1 0,0-1,1 1,0 0,9-21,-4 16,0 1,1 1,1-1,0 2,18-20,5 1,1 2,1 1,70-44,1 6</inkml:trace>
+  <inkml:trace contextRef="#ctx0" brushRef="#br0">0 4765,'2'-31,"1"0,1 1,2-1,18-54,57-131,-40 113,136-359,-146 375,5 3,2 1,5 1,3 3,93-123,193-166,-197 225,-46 43,67-68,286-196,-13 35,-317 242,335-241,-224 174,-2 1,300-138,-375 218,3 6,3 7,211-54,88 22,2 22,-380 59,191-20,399 4,-456 42,-36-2,-77-14,0-3,-1-5,164-36,-46 8,384-20,-78 53,-286 20,-112-7,496 41,-445-28,-100-12,101 14,-62-5,114 34,11 20,51 13,-248-78,40 9,-2 3,101 41,295 157,-449-207,73 31,129 38,102 11,-307-86,187 48,330 88,-89-1,-20 45,-345-148,1-4,117 31,58 21,411 232,-302-127,-87-47,-208-104,-2 3,-1 2,-3 4,82 76,-41-27,26 25,232 274,-192-200,-109-123,-3 2,-3 3,-4 2,67 135,2 27,-112-218,14 48,-11-28,-8-28</inkml:trace>
 </inkml:ink>
 </file>
 
@@ -1007,16 +1006,16 @@
           <inkml:channelProperty channel="Y" name="resolution" value="1000" units="1/cm"/>
         </inkml:channelProperties>
       </inkml:inkSource>
-      <inkml:timestamp xml:id="ts0" timeString="2021-02-10T08:05:50.241"/>
+      <inkml:timestamp xml:id="ts0" timeString="2021-02-10T08:14:22.540"/>
     </inkml:context>
     <inkml:brush xml:id="br0">
       <inkml:brushProperty name="width" value="0.1" units="cm"/>
       <inkml:brushProperty name="height" value="0.1" units="cm"/>
-      <inkml:brushProperty name="color" value="#FFC114"/>
+      <inkml:brushProperty name="color" value="#CC0066"/>
       <inkml:brushProperty name="ignorePressure" value="1"/>
     </inkml:brush>
   </inkml:definitions>
-  <inkml:trace contextRef="#ctx0" brushRef="#br0">156 0,'-4'0,"-1"1,0-1,1 1,-1 0,0 0,1 1,-1-1,1 1,0 0,-1 0,1 1,0-1,1 1,-1 0,0 0,1 0,-1 0,1 1,0-1,0 1,0 0,1 0,-1 0,-1 6,-5 10,1 0,1 0,1 1,-4 21,9-37,-6 34,2 0,2 0,1 0,2 0,1 0,2 0,2 0,2-1,1 1,16 42,-20-70,0-1,0 0,1 0,0 0,1-1,0 1,1-1,-1-1,12 11,-15-16,1 0,-1 0,1 0,-1-1,1 1,0-1,0 0,0 0,1-1,-1 1,0-1,1 0,-1 0,1 0,-1-1,1 0,-1 1,1-2,-1 1,1 0,-1-1,0 0,1 0,-1 0,6-3,1-1,-1-1,0 0,-1 0,1-1,-1 0,-1 0,1-1,-1-1,0 1,-1-1,8-13,-11 16,0 0,0 0,0-1,-1 0,0 0,-1 0,1 0,-1 0,-1 0,0-1,1 1,-2-1,1 1,-1-1,-1 1,1-1,-1 1,-3-10,3 14,0-1,0 1,-1 0,1 0,-1 0,0 0,0 0,0 0,0 1,0-1,0 1,-1-1,0 1,1 0,-1 0,-5-2,6 2,-1 1,0 1,0-1,1 0,-1 1,0-1,0 1,0 0,0 0,0 0,0 1,0-1,1 1,-1-1,0 1,0 0,0 0,1 0,-1 0,-2 2,-3 2,1 0,0 0,0 0,1 1,-1 0,1 0,0 0,1 1,0 0,0 0,0 0,1 1,0 0,1 0,-1 0,2 0,-1 0,1 1,0-1,1 1,0-1,0 1,1 8,0 0,1 0,1-1,0 1,1-1,1 0,1 0,0 0,1 0,1-1,0 0,10 16,-7-18,0 0,0 0,1-1,1 0,0 0,0-2,20 14,33 15</inkml:trace>
+  <inkml:trace contextRef="#ctx0" brushRef="#br0">65 0,'-4'5,"-2"5,1 15,-4 7,0 26,1 6,-2 20,0 4,7 10,3-12</inkml:trace>
 </inkml:ink>
 </file>
 
@@ -1034,16 +1033,16 @@
           <inkml:channelProperty channel="Y" name="resolution" value="1000" units="1/cm"/>
         </inkml:channelProperties>
       </inkml:inkSource>
-      <inkml:timestamp xml:id="ts0" timeString="2021-02-10T08:12:49.964"/>
+      <inkml:timestamp xml:id="ts0" timeString="2021-02-10T08:14:22.906"/>
     </inkml:context>
     <inkml:brush xml:id="br0">
       <inkml:brushProperty name="width" value="0.1" units="cm"/>
       <inkml:brushProperty name="height" value="0.1" units="cm"/>
-      <inkml:brushProperty name="color" value="#F6630D"/>
+      <inkml:brushProperty name="color" value="#CC0066"/>
       <inkml:brushProperty name="ignorePressure" value="1"/>
     </inkml:brush>
   </inkml:definitions>
-  <inkml:trace contextRef="#ctx0" brushRef="#br0">1 27,'0'-5,"0"-5,0-2</inkml:trace>
+  <inkml:trace contextRef="#ctx0" brushRef="#br0">52 81,'3'-5,"0"-1,1 0,0 1,0 0,0 0,0 0,1 1,0-1,0 1,0 0,0 1,1-1,0 1,-1 0,1 0,0 1,8-3,-8 4,-1 0,1 0,-1 1,0-1,1 1,-1 0,1 1,-1-1,1 1,-1 0,0 1,1-1,-1 1,0 0,0 1,0-1,0 1,-1 0,1 0,-1 0,6 5,4 7,0 2,-1-1,0 1,-2 1,0 0,0 1,-2 0,-1 1,0-1,-1 2,-2-1,0 1,-1 0,0 0,-1 26,-3-34,-1 0,-1 0,0 0,-1 0,0 0,-1-1,0 1,-1-1,-1 0,0 0,0-1,-1 1,-1-1,0-1,0 0,-1 0,0 0,-1-1,0-1,-1 0,1 0,-1-1,-1 0,0-1,0 0,-22 7,12-7,0 0,-28 2,-47 2</inkml:trace>
 </inkml:ink>
 </file>
 
@@ -1088,16 +1087,16 @@
           <inkml:channelProperty channel="Y" name="resolution" value="1000" units="1/cm"/>
         </inkml:channelProperties>
       </inkml:inkSource>
-      <inkml:timestamp xml:id="ts0" timeString="2021-02-10T08:12:51.009"/>
+      <inkml:timestamp xml:id="ts0" timeString="2021-02-10T08:14:23.304"/>
     </inkml:context>
     <inkml:brush xml:id="br0">
       <inkml:brushProperty name="width" value="0.1" units="cm"/>
       <inkml:brushProperty name="height" value="0.1" units="cm"/>
-      <inkml:brushProperty name="color" value="#F6630D"/>
+      <inkml:brushProperty name="color" value="#CC0066"/>
       <inkml:brushProperty name="ignorePressure" value="1"/>
     </inkml:brush>
   </inkml:definitions>
-  <inkml:trace contextRef="#ctx0" brushRef="#br0">204 42,'0'-34,"0"27,0 24,12 123,0-21,-10-9,-5-1,-17 114,-65 213,67-348,3 1,-5 134,-2 62,-4 91,10-19,11-306</inkml:trace>
+  <inkml:trace contextRef="#ctx0" brushRef="#br0">103 115,'1'-21,"-1"-31,0 50,0 0,-1-1,1 1,0 0,-1 0,0-1,1 1,-1 0,0 0,0 0,0 0,0 0,-1 0,1 0,-1 0,-2-2,3 3,0 1,0-1,0 1,0 0,0-1,0 1,0 0,1 0,-1 0,0-1,0 1,0 0,-1 0,1 1,1-1,-1 0,0 0,0 0,0 1,0-1,0 0,0 1,0-1,0 1,0-1,0 1,1-1,-1 1,0 0,0-1,1 1,-2 1,-20 28,21-28,-4 9,0 0,0 0,1 0,1 0,0 1,0 0,1 0,1 0,0 0,0 12,2-2,0 0,2 0,0 0,10 31,-11-44,1 0,0-1,1 1,0-1,0 0,1 0,0 0,1 0,0-1,0 0,9 8,-12-12,1 0,0 0,1-1,-1 1,0-1,1 0,0 0,-1 0,1-1,0 1,0-1,0 0,0-1,0 1,0-1,0 0,0 0,0-1,0 0,0 0,-1 0,6-2,-3 1,0-1,-1 0,0 0,0-1,0 1,0-1,-1-1,1 1,-1-1,0 0,8-10,-10 10,0 1,0-1,0 0,0 0,-1 0,0 0,0-1,0 1,-1-1,1 1,-1-1,-1 1,1-1,-1 0,0-9,-3 4,0 1,0-1,-1 1,0 0,-1 0,0 0,-7-10,-57-75</inkml:trace>
 </inkml:ink>
 </file>
 
@@ -1115,16 +1114,16 @@
           <inkml:channelProperty channel="Y" name="resolution" value="1000" units="1/cm"/>
         </inkml:channelProperties>
       </inkml:inkSource>
-      <inkml:timestamp xml:id="ts0" timeString="2021-02-10T08:12:54.463"/>
+      <inkml:timestamp xml:id="ts0" timeString="2021-02-10T08:14:24.444"/>
     </inkml:context>
     <inkml:brush xml:id="br0">
       <inkml:brushProperty name="width" value="0.1" units="cm"/>
       <inkml:brushProperty name="height" value="0.1" units="cm"/>
-      <inkml:brushProperty name="color" value="#F6630D"/>
+      <inkml:brushProperty name="color" value="#CC0066"/>
       <inkml:brushProperty name="ignorePressure" value="1"/>
     </inkml:brush>
   </inkml:definitions>
-  <inkml:trace contextRef="#ctx0" brushRef="#br0">429 507,'32'-2,"1"-2,-1-1,0-2,-1-1,49-19,54-13,-38 20,103-6,102 6,-139 11,384-31,-414 31,235-9,-164 20,138-4,-72-21,-52 11,221-7,73 21,215-3,-228-29,-194 9,-209 16,501-19,-549 24,577 12,-123-18,-437 3,251-34,1-24,-179 20,-137 41,1-1,-1 1,1 0,-1 0,0 0,1-1,-1 1,1 0,-1 0,1 0,-1 0,1 0,-1 0,1 0,-1 0,1 0,-1 0,1 0,-1 0,1 0,-1 0,0 1,1-1,-1 0,1 0,-1 0,1 1,-1-1,0 0,1 1,-1-1,0 0,1 1,-1-1,0 0,1 1,-1-1,0 1,0-1,1 0,-1 1,0-1,0 1,-6 24,4-19,-12 36,2 1,1 0,3 1,2-1,1 1,3 0,1 1,6 54,6 11,-5 0,-13 176,-4-171,-6 142,19-186,15 87,1 28,-16 215,-3-214,-3-110,-17 99,20-170,0 0,0 0,0 0,-1-1,0 1,0-1,0 1,-6 8,7-12,-1 0,0 0,0 0,0 0,0-1,0 1,-1-1,1 1,0-1,-1 0,1 0,-1 0,1 0,-1 0,1-1,-1 1,0-1,1 0,-1 1,0-1,-3-1,-15 0,0-1,0-1,-33-10,-62-26,22 7,-50-5,-149-17,173 34,-261-23,153 22,127 8,-269-20,-196 31,323 4,-492 42,282-10,82-10,-256 7,52-49,135-21,-311-12,-528 52,1056 14,94-3,-156 11,243-21</inkml:trace>
+  <inkml:trace contextRef="#ctx0" brushRef="#br0">129 0,'0'1,"1"-1,-1 0,0 0,0 0,0 1,0-1,1 0,-1 0,0 0,0 1,1-1,-1 0,0 0,0 0,1 0,-1 0,0 1,0-1,1 0,-1 0,0 0,1 0,-1 0,0 0,0 0,1 0,-1 0,0 0,1 0,-1 0,0-1,0 1,1 0,-1 0,0 0,0 0,1 0,-1 0,0-1,0 1,1 0,-1 0,0 0,0-1,1 1,-2 9,-1-1,1 1,-1 0,-1-1,0 1,0-1,-6 12,-5 12,-16 43,11-31,2 1,-19 81,36-117,3-10,7-13,64-134,3-6,-76 153,-1 0,1 1,-1-1,1 0,0 0,-1 0,1 0,0 1,0-1,-1 0,1 1,0-1,0 1,0-1,1 0,-1 1,-1 0,1 0,-1 0,1 0,-1 0,1 0,-1 0,1 0,-1 0,1 0,-1 1,0-1,1 0,-1 0,1 0,-1 1,0-1,1 0,-1 1,1-1,-1 0,0 1,1 0,2 3,-1 1,1-1,-1 1,0-1,1 7,2 1,-4-7,1 0,1-1,-1 1,1 0,0-1,0 0,0 1,0-1,1-1,0 1,0 0,0-1,0 0,0 0,1 0,-1-1,1 1,0-1,-1 0,1 0,0-1,1 1,-1-1,0 0,0-1,0 1,1-1,-1 0,10-1,4-2,-1-1,20-7,-26 7,0 0,0 1,1 1,-1 0,1 1,12-1,-24 2,1 1,-1-1,0 0,0 0,0 0,0 1,0-1,0 0,0 1,1-1,-1 1,0-1,0 1,-1 0,1-1,0 1,0 0,0 0,0 0,-1-1,1 1,0 0,0 1,0 0,-1 0,1 0,-1 0,1 0,-1 0,0 0,0 0,0 0,0 0,0 0,-1 0,1 0,-1 3,-9 23,-1-1,-1 0,-2-1,-30 45,23-38,-82 130,60-98</inkml:trace>
 </inkml:ink>
 </file>
 
@@ -1142,16 +1141,16 @@
           <inkml:channelProperty channel="Y" name="resolution" value="1000" units="1/cm"/>
         </inkml:channelProperties>
       </inkml:inkSource>
-      <inkml:timestamp xml:id="ts0" timeString="2021-02-10T08:12:55.668"/>
+      <inkml:timestamp xml:id="ts0" timeString="2021-02-10T08:14:24.825"/>
     </inkml:context>
     <inkml:brush xml:id="br0">
       <inkml:brushProperty name="width" value="0.1" units="cm"/>
       <inkml:brushProperty name="height" value="0.1" units="cm"/>
-      <inkml:brushProperty name="color" value="#F6630D"/>
+      <inkml:brushProperty name="color" value="#CC0066"/>
       <inkml:brushProperty name="ignorePressure" value="1"/>
     </inkml:brush>
   </inkml:definitions>
-  <inkml:trace contextRef="#ctx0" brushRef="#br0">247 0,'5'4,"0"-1,0 0,1-1,-1 1,1-1,-1 0,1 0,0-1,0 0,0 0,11 1,5 1,12 4,1-2,-1-1,1-2,-1-2,1 0,49-9,-76 6,-15 0,-19 0,-181 24,86-6,84-11,-86 5,111-9,-1-1,1 0,0-1,-1 0,1-1,0 0,-19-8,23 7</inkml:trace>
+  <inkml:trace contextRef="#ctx0" brushRef="#br0">359 0,'0'4,"0"7,-9 9,-2 6,-18 22,-8 10,-12 18,-1 1,-1-4,3-10,6-11,10-15</inkml:trace>
 </inkml:ink>
 </file>
 
@@ -1169,16 +1168,16 @@
           <inkml:channelProperty channel="Y" name="resolution" value="1000" units="1/cm"/>
         </inkml:channelProperties>
       </inkml:inkSource>
-      <inkml:timestamp xml:id="ts0" timeString="2021-02-10T08:13:09.040"/>
+      <inkml:timestamp xml:id="ts0" timeString="2021-02-10T08:14:25.167"/>
     </inkml:context>
     <inkml:brush xml:id="br0">
-      <inkml:brushProperty name="width" value="0.05" units="cm"/>
-      <inkml:brushProperty name="height" value="0.05" units="cm"/>
-      <inkml:brushProperty name="color" value="#F6630D"/>
+      <inkml:brushProperty name="width" value="0.1" units="cm"/>
+      <inkml:brushProperty name="height" value="0.1" units="cm"/>
+      <inkml:brushProperty name="color" value="#CC0066"/>
       <inkml:brushProperty name="ignorePressure" value="1"/>
     </inkml:brush>
   </inkml:definitions>
-  <inkml:trace contextRef="#ctx0" brushRef="#br0">11 51,'0'-5,"0"-5,-4-2,-2-2,5 5,7 21,2 14,5 12,4 29,-1 18,6 52,0 20,4 91,-2 20,-5 1,-6-36,-22-28,-11-47</inkml:trace>
+  <inkml:trace contextRef="#ctx0" brushRef="#br0">49 28,'4'-5,"7"-1,1-4,-2 4,2 12,-5 23,-4 11,-7 42,-3 18,-5 8,0-8,-2-9,-4-16,-3-15,2-18</inkml:trace>
 </inkml:ink>
 </file>
 
@@ -1196,16 +1195,17 @@
           <inkml:channelProperty channel="Y" name="resolution" value="1000" units="1/cm"/>
         </inkml:channelProperties>
       </inkml:inkSource>
-      <inkml:timestamp xml:id="ts0" timeString="2021-02-10T08:13:11.891"/>
+      <inkml:timestamp xml:id="ts0" timeString="2021-02-10T08:14:25.540"/>
     </inkml:context>
     <inkml:brush xml:id="br0">
-      <inkml:brushProperty name="width" value="0.05" units="cm"/>
-      <inkml:brushProperty name="height" value="0.05" units="cm"/>
-      <inkml:brushProperty name="color" value="#F6630D"/>
+      <inkml:brushProperty name="width" value="0.1" units="cm"/>
+      <inkml:brushProperty name="height" value="0.1" units="cm"/>
+      <inkml:brushProperty name="color" value="#CC0066"/>
       <inkml:brushProperty name="ignorePressure" value="1"/>
     </inkml:brush>
   </inkml:definitions>
-  <inkml:trace contextRef="#ctx0" brushRef="#br0">1 219,'33'-34,"-26"25,1 1,0 0,0 0,1 1,0 0,0 0,1 1,15-7,-8 6,1 2,1 0,-1 1,1 1,27-2,97 6,-86 1,-28-1,0 1,-1 2,38 10,81 33,-124-40,0-1,1-1,0-1,0-1,0-1,34-1,144-23,-130 12,243-19,-230 27,146 16,259 22,-261-20,-45-1,-139-14,0-2,50-7,139-31,138-15,-3 38,-144 9,114-5,268-15,221-2,-660 29,202 2,-118 23,-175-13,-41-5,65 3,-12-9,1-5,-1-3,142-31,-211 33,-13 3,0 0,0 0,0 1,1-1,-1 2,1-1,-1 1,1 0,-1 0,1 1,7 2,-14-3,0 1,1 0,-1 0,0-1,1 1,-1 0,0 0,0 0,0 0,0 0,0 1,0-1,0 0,0 0,0 1,-1-1,1 0,-1 1,1-1,-1 0,1 1,-1-1,0 1,1 2,-1 3,1 0,-2 0,-1 14,1-11,-11 129,8 233,18-74,-25 0,-29 0,-11 144,51-372,4-1,17 98,4 69,-24-226,-1 0,-1-1,0 1,0-1,-1 1,0-1,-3 10,4-16,-1 0,1 0,0-1,-1 1,0 0,1-1,-1 1,0-1,0 0,-1 0,1 1,0-1,-1-1,1 1,-1 0,0-1,1 1,-1-1,0 0,0 0,0 0,0 0,0 0,0-1,-6 1,-12-1,0-1,0-1,-31-7,-12-2,-213-6,64 6,-384-1,407 13,-654 16,599-9,-298 16,-277 8,747-31,-371 24,-53 1,-111-43,518 12,-224-17,-245 11,359 12,182-1,0-2,-1 0,1-1,0-1,1-1,-1 0,1-1,0-1,0-1,-18-11,19 11,-1 0,0 2,0 0,-1 1,1 1,-1 0,0 2,-27-2,35 3,-1 0,1-1,0 0,0-1,0 0,0-1,0 0,1 0,-1-1,1 0,-15-12,18 12,1 0,0 0,1 0,-1 0,1-1,0 1,0-1,1 0,0-1,0 1,0-1,1 1,0-1,0 0,0 1,1-1,0 0,0-12,2 9,1 0,0 0,0 1,1-1,0 0,1 1,0 0,5-10,7-11</inkml:trace>
+  <inkml:trace contextRef="#ctx0" brushRef="#br0">449 1,'-4'4,"-2"7,-4 19,0 8,1 21,2 8,3 16,1-2,-2 7,-2-11</inkml:trace>
+  <inkml:trace contextRef="#ctx0" brushRef="#br0" timeOffset="1">57 421,'-5'0,"-5"-4,-6-3,0-3,7 0,9 0,14-1,9 1,19 2,6 3,26 19,1 8</inkml:trace>
 </inkml:ink>
 </file>
 
@@ -1223,16 +1223,16 @@
           <inkml:channelProperty channel="Y" name="resolution" value="1000" units="1/cm"/>
         </inkml:channelProperties>
       </inkml:inkSource>
-      <inkml:timestamp xml:id="ts0" timeString="2021-02-10T08:13:13.295"/>
+      <inkml:timestamp xml:id="ts0" timeString="2021-02-10T08:14:26.391"/>
     </inkml:context>
     <inkml:brush xml:id="br0">
-      <inkml:brushProperty name="width" value="0.05" units="cm"/>
-      <inkml:brushProperty name="height" value="0.05" units="cm"/>
-      <inkml:brushProperty name="color" value="#F6630D"/>
+      <inkml:brushProperty name="width" value="0.1" units="cm"/>
+      <inkml:brushProperty name="height" value="0.1" units="cm"/>
+      <inkml:brushProperty name="color" value="#CC0066"/>
       <inkml:brushProperty name="ignorePressure" value="1"/>
     </inkml:brush>
   </inkml:definitions>
-  <inkml:trace contextRef="#ctx0" brushRef="#br0">47 5,'9'-2,"-9"1,0 1,1 0,-1 0,0 0,1 0,-1 0,0-1,0 1,1 0,-1 0,0 0,1 0,-1 0,0 0,1 0,-1 0,0 0,1 0,-1 0,0 0,1 0,-1 0,0 0,0 1,1-1,-1 0,0 0,1 0,-1 0,0 0,0 1,1-1,-1 0,0 0,0 1,0-1,1 0,-1 0,0 1,0-1,0 0,0 0,0 1,1-1,-1 0,0 1,0-1,0 0,0 1,0-1,0 0,0 0,0 1,0 0,3 15,0 0,-1 1,-1 0,0-1,-3 25,2 25,7 90,-1 243,-37-101,-4 74,31-168,-5 83,1-131,7 0,30 258,-11-200,-17-185</inkml:trace>
+  <inkml:trace contextRef="#ctx0" brushRef="#br0">354 1,'5'0,"1"4,-5 11,-7 7,-20 23,-11 7,-11 17,-8 2,-6 11,-8 9,10-11</inkml:trace>
 </inkml:ink>
 </file>
 
@@ -1250,16 +1250,16 @@
           <inkml:channelProperty channel="Y" name="resolution" value="1000" units="1/cm"/>
         </inkml:channelProperties>
       </inkml:inkSource>
-      <inkml:timestamp xml:id="ts0" timeString="2021-02-10T08:13:14.418"/>
+      <inkml:timestamp xml:id="ts0" timeString="2021-02-10T08:14:27.393"/>
     </inkml:context>
     <inkml:brush xml:id="br0">
-      <inkml:brushProperty name="width" value="0.05" units="cm"/>
-      <inkml:brushProperty name="height" value="0.05" units="cm"/>
-      <inkml:brushProperty name="color" value="#F6630D"/>
+      <inkml:brushProperty name="width" value="0.1" units="cm"/>
+      <inkml:brushProperty name="height" value="0.1" units="cm"/>
+      <inkml:brushProperty name="color" value="#CC0066"/>
       <inkml:brushProperty name="ignorePressure" value="1"/>
     </inkml:brush>
   </inkml:definitions>
-  <inkml:trace contextRef="#ctx0" brushRef="#br0">1 805,'-1'2,"1"-1,0 1,0-1,0 1,1-1,-1 1,0-1,0 1,1-1,-1 0,1 1,-1-1,1 0,0 1,1 1,-2-3,1 1,-1-1,1 0,-1 0,1 1,-1-1,1 0,0 0,-1 0,1 0,-1 0,1 1,-1-1,1 0,-1 0,1 0,0-1,-1 1,1 0,-1 0,1 0,-1 0,1 0,-1-1,1 1,-1 0,1-1,3-2,0 1,0-1,-1-1,1 1,-1 0,0-1,0 0,3-5,87-166,-44 77,39-64,37-73,-79 124,-46 110,1 1,-1-1,0 0,0 0,1 1,-1-1,0 1,1-1,-1 0,0 1,1-1,-1 1,1-1,-1 1,1-1,0 1,-1-1,1 1,-1 0,1-1,0 1,-1 0,1-1,0 1,-1 0,1 0,0 0,0 0,-1 0,1 0,0 0,-1 0,1 0,0 0,0 0,-1 0,1 0,0 0,-1 1,1-1,0 0,-1 0,1 1,-1-1,1 1,0-1,-1 1,1-1,-1 0,1 2,5 3,-1 1,0 0,0 0,4 8,-2-2,273 427,-263-405,-9-13</inkml:trace>
+  <inkml:trace contextRef="#ctx0" brushRef="#br0">487 0,'-3'1,"1"0,-1 0,1 0,-1 0,1 0,-1 0,1 1,0-1,-1 1,1 0,-3 3,-4 2,4-4,-205 147,153-105,-76 77,101-86,24-20,8-16,1 0,-1 0,1 0,-1 1,0-1,1 0,-1 0,1 0,-1 0,1 0,-1 0,0 0,1 0,-1 0,1 0,-1 0,1 0,-1 0,1 0,-1 0,0 0,1 0,-1-1,1 1,-1 0,1 0,-1-1,0 1,1 0,-1 0,0-1,1 1,-1-1,148-94,-73 43,160-102,-235 153,27-15,-13 13,-14 3,1 0,-1 0,0 1,0-1,1 0,-1 0,0 0,0 0,0 0,1 1,-1-1,0 0,0 0,0 0,1 1,-1-1,0 0,0 0,0 0,0 1,0-1,0 0,0 0,1 1,-1-1,0 0,0 1,0-1,0 0,0 0,0 1,0-1,0 0,0 0,0 1,-1-1,1 0,0 0,0 1,-7 26,-1 0,-2 0,-20 40,9-20,2-6,2-6,2 1,2 0,-14 56,26-86,0 0,0-1,1 1,-1 0,1 0,1 0,-1-1,1 1,2 9,-2-13,-1-1,1 0,0 0,-1 0,1 1,0-1,0 0,-1 0,1 0,0 0,0-1,0 1,0 0,0 0,1 0,-1-1,0 1,0-1,2 1,0 0,-1-1,1 0,0 1,0-1,-1-1,1 1,0 0,0-1,-1 1,1-1,0 0,-1 0,4-1,15-8,0 0,-1-2,35-25,57-56,-80 65,223-204,-179 161</inkml:trace>
 </inkml:ink>
 </file>
 
@@ -1277,16 +1277,16 @@
           <inkml:channelProperty channel="Y" name="resolution" value="1000" units="1/cm"/>
         </inkml:channelProperties>
       </inkml:inkSource>
-      <inkml:timestamp xml:id="ts0" timeString="2021-02-10T08:13:15.722"/>
+      <inkml:timestamp xml:id="ts0" timeString="2021-02-10T08:14:33.109"/>
     </inkml:context>
     <inkml:brush xml:id="br0">
-      <inkml:brushProperty name="width" value="0.05" units="cm"/>
-      <inkml:brushProperty name="height" value="0.05" units="cm"/>
-      <inkml:brushProperty name="color" value="#F6630D"/>
+      <inkml:brushProperty name="width" value="0.1" units="cm"/>
+      <inkml:brushProperty name="height" value="0.1" units="cm"/>
+      <inkml:brushProperty name="color" value="#CC0066"/>
       <inkml:brushProperty name="ignorePressure" value="1"/>
     </inkml:brush>
   </inkml:definitions>
-  <inkml:trace contextRef="#ctx0" brushRef="#br0">491 183,'-5'-21,"4"19,0 0,0 0,1 0,-1 0,1 1,-1-1,1 0,0 0,0 0,0-4,0 6,0 0,0-1,0 1,0 0,0-1,0 1,0 0,0 0,1-1,-1 1,0 0,0 0,0 0,0-1,0 1,1 0,-1 0,0 0,0-1,0 1,1 0,-1 0,0 0,0 0,1-1,-1 1,0 0,0 0,1 0,-1 0,0 0,0 0,1 0,-1 0,0 0,0 0,1 0,-1 0,0 0,0 0,1 0,-1 0,0 0,1 0,7 4,1 1,-1 0,0 0,-1 0,1 1,10 10,-12-10,190 181,-23-20,-172-167,-1 1,1 0,0-1,-1 1,1 0,0-1,-1 1,1-1,0 1,0-1,-1 1,1-1,0 0,0 1,0-1,0 0,0 0,-1 0,2 1,-1-2,-1 1,0-1,0 1,1-1,-1 1,0-1,0 1,0-1,0 1,0-1,0 1,0-1,0 1,0-1,0 1,0-1,0 1,0-1,0 1,0-1,0 1,-1-1,-14-36,-36-48,-76-94,32 47,80 109,11 15,0 1,-1 0,0 0,0 0,0 1,-1-1,0 1,-14-10,0 15,3-4,16 5,1 0,0 0,0 0,-1 0,1 0,0 0,-1 0,1 0,0 0,-1 0,1 0,0 0,-1 1,1-1,0 0,0 0,-1 0,1 0,0 1,0-1,-1 0,1 0,0 1,0-1,0 0,-1 0,1 1,0-1,0 0,0 3,0 0,0 0,0 0,1 0,-1 0,1 0,0-1,0 1,0 0,0 0,3 4,167 322,-67-138,-102-188,1 2,-1 1,1 0,-1-1,3 10,-5-15,0 0,0 1,0-1,0 0,0 1,1-1,-1 0,0 1,0-1,-1 0,1 0,0 1,0-1,0 0,0 1,0-1,0 0,0 0,0 1,-1-1,1 0,0 0,0 1,0-1,0 0,-1 0,1 1,0-1,0 0,-1 0,1 0,0 0,0 1,-1-1,-1 0,1 0,0 0,-1 0,1-1,-1 1,1 0,-1-1,1 1,0-1,-1 1,1-1,-2 0,-21-12,0-1,1-1,1-1,-37-34,28 20,2-1,-37-51,57 70,1-1,1 0,0-1,-9-28,15 39,-1 0,1-1,0 1,-1 0,0 0,-4-6,6 8,-1 0,0 1,1-1,-1 1,0-1,0 1,0-1,1 1,-1 0,0-1,0 1,0 0,0-1,0 1,0 0,1 0,-1 0,0 0,0 0,0 0,0 0,0 0,0 1,0-1,0 0,0 0,1 1,-1-1,0 1,0-1,0 0,0 2,-9 5,1 0,-1 1,1 0,1 1,0 0,0 0,-12 20,10-14,-132 212,109-172,-1 0,-3-2,-56 61,78-103,12-12,5-8,14-19,1 1,29-36,-22 30,122-153,-38 49,-51 63</inkml:trace>
+  <inkml:trace contextRef="#ctx0" brushRef="#br0">1 2087,'1'-4,"1"0,0 0,0 0,0 0,0 0,0 0,1 1,0 0,0-1,0 1,0 0,5-4,100-97,77-69,-158 153,2 2,0 0,1 2,40-15,11-6,56-36,85-41,-147 80,83-26,252-82,-150 50,62 1,3 22,60-15,-73 4,587-129,-406 136,-40 7,-36-15,58-10,-320 66,473-58,-135 54,30-2,84-3,16 0,225 11,60 87,-564-3,-7 22,-62-14,257 65,-122-46,13-23,203 39,575 169,-841-195,99 27,279 117,-623-183,-3 5,-1 5,194 119,-112-42,195 167,156 185,-260-165,-108-108,119 89,39 43,-217-203,317 330,-174-236,9 9,-235-204,-2 0,-1 3,-1 0,-3 2,-1 1,-1 1,-3 1,-1 1,-2 1,-2 1,19 76,-20-42</inkml:trace>
 </inkml:ink>
 </file>
 
@@ -1304,16 +1304,16 @@
           <inkml:channelProperty channel="Y" name="resolution" value="1000" units="1/cm"/>
         </inkml:channelProperties>
       </inkml:inkSource>
-      <inkml:timestamp xml:id="ts0" timeString="2021-02-10T08:13:16.963"/>
+      <inkml:timestamp xml:id="ts0" timeString="2021-02-10T08:14:34.254"/>
     </inkml:context>
     <inkml:brush xml:id="br0">
-      <inkml:brushProperty name="width" value="0.05" units="cm"/>
-      <inkml:brushProperty name="height" value="0.05" units="cm"/>
-      <inkml:brushProperty name="color" value="#F6630D"/>
+      <inkml:brushProperty name="width" value="0.1" units="cm"/>
+      <inkml:brushProperty name="height" value="0.1" units="cm"/>
+      <inkml:brushProperty name="color" value="#CC0066"/>
       <inkml:brushProperty name="ignorePressure" value="1"/>
     </inkml:brush>
   </inkml:definitions>
-  <inkml:trace contextRef="#ctx0" brushRef="#br0">0 18,'23'-18,"-20"35,-2 1,0-1,-1 29,-1-7,16 747,-14-178,-8-487,-4 266,11-385</inkml:trace>
+  <inkml:trace contextRef="#ctx0" brushRef="#br0">600 1,'-4'0,"-15"13,-9 5,-4 3,-1-1,1-1,1 2,-3 6,-31 21,-14 6,-42 30,-1 1</inkml:trace>
 </inkml:ink>
 </file>
 
@@ -1331,16 +1331,16 @@
           <inkml:channelProperty channel="Y" name="resolution" value="1000" units="1/cm"/>
         </inkml:channelProperties>
       </inkml:inkSource>
-      <inkml:timestamp xml:id="ts0" timeString="2021-02-10T08:13:18.107"/>
+      <inkml:timestamp xml:id="ts0" timeString="2021-02-10T08:14:34.610"/>
     </inkml:context>
     <inkml:brush xml:id="br0">
-      <inkml:brushProperty name="width" value="0.05" units="cm"/>
-      <inkml:brushProperty name="height" value="0.05" units="cm"/>
-      <inkml:brushProperty name="color" value="#F6630D"/>
+      <inkml:brushProperty name="width" value="0.1" units="cm"/>
+      <inkml:brushProperty name="height" value="0.1" units="cm"/>
+      <inkml:brushProperty name="color" value="#CC0066"/>
       <inkml:brushProperty name="ignorePressure" value="1"/>
     </inkml:brush>
   </inkml:definitions>
-  <inkml:trace contextRef="#ctx0" brushRef="#br0">9 259,'-9'-21,"62"116,-33-56,25 36,-23-42,2-1,1-1,2-1,51 43,-58-61,-20-12,0 0,0 0,0 0,1 0,-1 1,0-1,0 0,1 0,-1 0,0 0,0 0,1 0,-1 0,0 0,0 0,1 0,-1 0,0-1,0 1,1 0,-1 0,0 0,0 0,0 0,1 0,-1 0,0-1,0 1,0 0,1 0,-1 0,0 0,0-1,0 1,0 0,0 0,1-1,-1 1,0 0,0 0,0 0,0-1,0 1,1-14,-1 4,2 4,0 0,0 0,1 0,-1 1,1-1,0 1,1-1,5-5,39-42,-31 35,63-62,69-77,-120 124,-2-1,42-70,-65 96,16-32,-19 38,0 0,0-1,0 1,-1-1,1 0,-1 1,1-1,-1 0,0 1,0-1,0 1,-1-5,1 7,0-1,-1 1,1-1,0 1,0-1,0 1,-1-1,1 1,0 0,-1-1,1 1,0 0,-1-1,1 1,0 0,-1-1,1 1,-1 0,1-1,0 1,-1 0,1 0,-1 0,1 0,-1-1,1 1,-1 0,1 0,-1 0,1 0,-1 0,1 0,-1 0,1 0,-1 0,1 1,-1-1,0 0,-20 11,3 3,0 1,1 1,-22 26,-43 62,72-90,-44 57,4 1,-63 120,108-180,-12 23,16-34,1 1,-1-1,0 1,0-1,0 1,-1-1,1 0,0 1,0-1,-1 0,1 0,-1 0,1 0,-1 0,1-1,-3 2,3-2,0 0,0-1,0 1,0 0,0 0,0-1,1 1,-1 0,0-1,0 1,0-1,0 1,0-1,1 0,-1 1,0-1,0 0,1 0,-1 1,0-1,1 0,-2-1,-11-23,10 20,-15-32,-3 0,-1 2,-1 0,-2 2,-2 0,-1 2,-62-54,74 77,13 10,11 7,63 57,23 22,-67-57,-15-16,1-1,26 22,-37-34,0-1,1 1,-1-1,1 0,-1 0,1 0,-1 0,1 0,0 0,-1-1,1 1,0-1,0 0,-1 0,1 0,0 0,0 0,-1-1,1 1,0-1,0 0,-1 0,1 0,-1 0,1 0,-1 0,4-3,5-4,0 0,-1-1,0 0,12-15,-8 10,36-40</inkml:trace>
+  <inkml:trace contextRef="#ctx0" brushRef="#br0">279 1,'0'3,"-1"1,1 0,-1-1,0 1,0 0,-3 4,-3 15,-20 91,-61 169,-35 48,98-265</inkml:trace>
 </inkml:ink>
 </file>
 
@@ -1385,16 +1385,16 @@
           <inkml:channelProperty channel="Y" name="resolution" value="1000" units="1/cm"/>
         </inkml:channelProperties>
       </inkml:inkSource>
-      <inkml:timestamp xml:id="ts0" timeString="2021-02-10T08:13:23.743"/>
+      <inkml:timestamp xml:id="ts0" timeString="2021-02-10T08:14:34.946"/>
     </inkml:context>
     <inkml:brush xml:id="br0">
-      <inkml:brushProperty name="width" value="0.05" units="cm"/>
-      <inkml:brushProperty name="height" value="0.05" units="cm"/>
-      <inkml:brushProperty name="color" value="#F6630D"/>
+      <inkml:brushProperty name="width" value="0.1" units="cm"/>
+      <inkml:brushProperty name="height" value="0.1" units="cm"/>
+      <inkml:brushProperty name="color" value="#CC0066"/>
       <inkml:brushProperty name="ignorePressure" value="1"/>
     </inkml:brush>
   </inkml:definitions>
-  <inkml:trace contextRef="#ctx0" brushRef="#br0">7 446,'3'-50,"-3"46,1 0,0 0,0 0,0 1,1-1,-1 0,1 1,0-1,0 1,2-4,-3 6,-1 1,1-1,-1 1,1-1,-1 1,1-1,-1 1,1-1,0 1,-1 0,1-1,0 1,-1 0,1 0,0-1,-1 1,1 0,0 0,-1 0,1 0,0 0,-1 0,1 0,0 0,0 0,-1 0,1 0,0 0,-1 1,1-1,0 0,-1 0,1 1,0-1,-1 1,1-1,-1 0,1 1,-1-1,1 1,0 0,1 2,1 0,-1 0,0 0,0 0,0 1,0-1,2 6,5 21,-1 1,-2 0,5 58,-7-52,28 471,-19-235,-7-179,-4 1,-12 109,-16-18,25-178,0 0,0 0,1 0,0 0,0 0,3 13,-2-18,0-1,0 0,0 1,0-1,0 0,0 0,0 0,1 1,-1-2,1 1,0 0,-1 0,1 0,0-1,0 1,0-1,0 0,0 1,1-1,-1 0,0 0,1 0,-1-1,0 1,4 0,19 3,1-2,-1-1,31-2,25 1,32 11,154 34,108 47,-247-58,190 61,-16-5,-212-68,128 16,70-12,90 11,-188-8,142 17,-35-7,-3 0,270-8,-348-37,223-36,-242 20,-62 9,172-40,-198 28,1 4,1 6,191-3,-214 20,59-2,-143 0,0 0,0 0,0-1,0 0,0 1,0-1,0-1,0 1,0-1,0 1,0-1,-1 0,1-1,5-3,-6 3,-1-1,1 1,-1 0,0-1,0 0,0 1,0-1,-1 0,1 0,-1 0,0 0,0 0,-1 0,1-7,2-59,-6-74,-1 35,19-389,-6 354,20-416,-31 497,-3 0,-19-89,12 81,0-2,-29-97,37 158,-1-7,-2 1,1 0,-2 0,-10-18,15 32,0-1,0 1,0 0,-1 0,1 0,-1 1,0-1,0 1,0 0,-1 0,1 0,-1 0,1 1,-1 0,0 0,0 0,0 1,0-1,0 1,-6 0,-6 1,0 0,0 1,-33 7,7-1,-117 6,-191-11,191-4,-116 3,-221-3,-24-36,69 2,63 10,120 5,-632 9,568 14,332-2,-487-20,290-1,-329 9,422 21,0 5,-125 32,80-3,130-37,-1-2,0 0,0-1,-33 0,-33 5,76-6,1 0,-1 1,1 0,-1 1,-18 9,26-11,0 0,1 0,-1 0,0 1,1-1,-1 1,1 0,0-1,0 1,0 0,0 0,1 0,-1 1,1-1,0 0,0 1,0-1,0 0,0 5,-1 8,2 0,-1 0,3 17,-1-5,40 356,-2-40,3 154,-40-476,9 108,6 53,-5-43,-12-118,0 0,-2 1,0-1,-7 25,8-43,0-2,1 1,-1-1,1 0,-1 0,1 0,0 0,0 1,0 3,0-6,1 1,-1 0,0-1,1 1,-1-1,1 1,-1-1,1 1,-1-1,1 1,0-1,-1 1,1-1,0 0,-1 1,1-1,0 0,-1 0,1 0,0 1,-1-1,1 0,0 0,0 0,-1 0,1 0,0 0,-1 0,2-1,115-4,-71 1,1 2,0 2,84 12,-23 0,-58-7,84 16,-99-15,59 14,-49-9,1-3,53 4,64 1,36 0,61-14,116 2,-326 4,0 2,68 19,-21-4,300 47,3-39,-88-12,-136 4,-47-8,224 54,-299-54,1-3,0-2,0-3,85 0,-71-10,129-26,-125 17,110-7,174-11,-2-23,-281 42,31-3,-1 4,1 5,123 8,-150 4</inkml:trace>
+  <inkml:trace contextRef="#ctx0" brushRef="#br0">17 131,'0'-5,"-5"-9,-1-9,1-3,18-2,11 3,30 16,13 8,49 27,5 9</inkml:trace>
 </inkml:ink>
 </file>
 
@@ -1412,7 +1412,7 @@
           <inkml:channelProperty channel="Y" name="resolution" value="1000" units="1/cm"/>
         </inkml:channelProperties>
       </inkml:inkSource>
-      <inkml:timestamp xml:id="ts0" timeString="2021-02-10T08:14:16.380"/>
+      <inkml:timestamp xml:id="ts0" timeString="2021-02-10T08:14:35.512"/>
     </inkml:context>
     <inkml:brush xml:id="br0">
       <inkml:brushProperty name="width" value="0.1" units="cm"/>
@@ -1421,7 +1421,7 @@
       <inkml:brushProperty name="ignorePressure" value="1"/>
     </inkml:brush>
   </inkml:definitions>
-  <inkml:trace contextRef="#ctx0" brushRef="#br0">0 4765,'2'-31,"1"0,1 1,2-1,18-54,57-131,-40 113,136-359,-146 375,5 3,2 1,5 1,3 3,93-123,193-166,-197 225,-46 43,67-68,286-196,-13 35,-317 242,335-241,-224 174,-2 1,300-138,-375 218,3 6,3 7,211-54,88 22,2 22,-380 59,191-20,399 4,-456 42,-36-2,-77-14,0-3,-1-5,164-36,-46 8,384-20,-78 53,-286 20,-112-7,496 41,-445-28,-100-12,101 14,-62-5,114 34,11 20,51 13,-248-78,40 9,-2 3,101 41,295 157,-449-207,73 31,129 38,102 11,-307-86,187 48,330 88,-89-1,-20 45,-345-148,1-4,117 31,58 21,411 232,-302-127,-87-47,-208-104,-2 3,-1 2,-3 4,82 76,-41-27,26 25,232 274,-192-200,-109-123,-3 2,-3 3,-4 2,67 135,2 27,-112-218,14 48,-11-28,-8-28</inkml:trace>
+  <inkml:trace contextRef="#ctx0" brushRef="#br0">423 0,'-2'1,"0"-1,0 1,0-1,0 1,0 0,0 0,0 0,0 0,1 0,-1 0,0 1,1-1,-1 1,0-1,1 1,-2 1,-1 2,-54 58,-83 121,17-20,86-123,37-41,0 1,1 0,-1-1,0 1,0 0,0-1,1 1,-1-1,0 1,0-1,0 1,0-1,0 0,0 0,0 1,0-1,0 0,0 0,-2 0,2-1,1 1,-1-1,1 1,0-1,-1 0,1 1,-1-1,1 0,0 1,-1-1,1 0,0 0,0 1,0-1,0 0,0 0,0 1,0-1,0 0,0 0,0 1,0-1,0 0,0 0,1 1,-1-2,4-16,1 0,1 0,0 1,1-1,1 2,12-20,1 3,1 1,28-31,-33 44,1 0,1 1,1 0,0 2,2 1,32-19,-44 28,2 1,-1 0,0 0,1 1,0 1,0 0,0 0,0 1,0 1,1 0,-1 1,0 0,1 1,-1 0,20 5,-30-5,1-1,0 1,0 0,-1 0,1 0,0 0,-1 1,1-1,-1 1,0 0,1-1,-1 1,0 0,0 0,0 1,0-1,-1 0,1 0,-1 1,1-1,-1 1,0 0,1 3,-1-3,-1 0,0 0,0 1,0-1,-1 0,1 1,-1-1,1 0,-1 0,0 1,-1-1,1 0,0 0,-1 0,0-1,0 1,1 0,-2 0,-3 4,-1 0,0-1,-1 1,0-1,0 0,0-1,-1 0,-14 6,5-3,-1-2,-35 8,-24 0</inkml:trace>
 </inkml:ink>
 </file>
 
@@ -1439,7 +1439,7 @@
           <inkml:channelProperty channel="Y" name="resolution" value="1000" units="1/cm"/>
         </inkml:channelProperties>
       </inkml:inkSource>
-      <inkml:timestamp xml:id="ts0" timeString="2021-02-10T08:14:22.540"/>
+      <inkml:timestamp xml:id="ts0" timeString="2021-02-10T08:14:36.214"/>
     </inkml:context>
     <inkml:brush xml:id="br0">
       <inkml:brushProperty name="width" value="0.1" units="cm"/>
@@ -1448,7 +1448,7 @@
       <inkml:brushProperty name="ignorePressure" value="1"/>
     </inkml:brush>
   </inkml:definitions>
-  <inkml:trace contextRef="#ctx0" brushRef="#br0">65 0,'-4'5,"-2"5,1 15,-4 7,0 26,1 6,-2 20,0 4,7 10,3-12</inkml:trace>
+  <inkml:trace contextRef="#ctx0" brushRef="#br0">377 11,'-4'0,"1"2,-1-1,0 0,0 1,1 0,-1 0,1 0,-1 0,1 0,0 1,0 0,0-1,-4 6,-3 2,-218 190,220-193,1 0,-1 0,1-1,-1 0,-1-1,1 1,-11 4,18-10,1 0,0 1,0-1,-1 0,1 0,0 0,-1 0,1 0,0 1,-1-1,1 0,0 0,-1 0,1 0,0 0,0 0,-1 0,1 0,0 0,-1 0,1 0,0 0,-1 0,1-1,0 1,-1 0,1 0,0 0,0 0,-1 0,1-1,0 1,0 0,-1 0,1-1,0 1,0 0,-1 0,1-1,0 1,0 0,0 0,0-1,0 1,0 0,-1-1,1 1,0 0,0-1,0 1,0 0,0-1,0 1,0-1,7-19,6-1,1 1,1 0,0 1,25-23,-4 8,50-36,-76 63,0 1,0 0,1 0,0 1,0 1,0-1,0 2,0 0,1 0,23-2,-27 5,1 0,-1 0,1 0,-1 1,0 1,1-1,-1 1,0 1,0-1,0 1,0 1,0 0,-1 0,0 0,13 10,-19-13,0 0,1 0,-1 0,0 0,0 0,0 0,0 0,0 0,0 0,0 1,0-1,0 0,0 1,-1-1,1 1,-1-1,1 1,-1-1,1 1,-1-1,0 1,0-1,0 1,0-1,0 1,0 0,0-1,0 1,0-1,-1 1,1-1,-1 1,1-1,-2 2,-1 1,0-1,0 0,0 0,-1-1,1 1,-1 0,1-1,-1 0,0 0,0 0,0-1,0 1,-6 1,-73 13,-15-3</inkml:trace>
 </inkml:ink>
 </file>
 
@@ -1466,7 +1466,7 @@
           <inkml:channelProperty channel="Y" name="resolution" value="1000" units="1/cm"/>
         </inkml:channelProperties>
       </inkml:inkSource>
-      <inkml:timestamp xml:id="ts0" timeString="2021-02-10T08:14:22.906"/>
+      <inkml:timestamp xml:id="ts0" timeString="2021-02-10T08:14:36.734"/>
     </inkml:context>
     <inkml:brush xml:id="br0">
       <inkml:brushProperty name="width" value="0.1" units="cm"/>
@@ -1475,7 +1475,7 @@
       <inkml:brushProperty name="ignorePressure" value="1"/>
     </inkml:brush>
   </inkml:definitions>
-  <inkml:trace contextRef="#ctx0" brushRef="#br0">52 81,'3'-5,"0"-1,1 0,0 1,0 0,0 0,0 0,1 1,0-1,0 1,0 0,0 1,1-1,0 1,-1 0,1 0,0 1,8-3,-8 4,-1 0,1 0,-1 1,0-1,1 1,-1 0,1 1,-1-1,1 1,-1 0,0 1,1-1,-1 1,0 0,0 1,0-1,0 1,-1 0,1 0,-1 0,6 5,4 7,0 2,-1-1,0 1,-2 1,0 0,0 1,-2 0,-1 1,0-1,-1 2,-2-1,0 1,-1 0,0 0,-1 26,-3-34,-1 0,-1 0,0 0,-1 0,0 0,-1-1,0 1,-1-1,-1 0,0 0,0-1,-1 1,-1-1,0-1,0 0,-1 0,0 0,-1-1,0-1,-1 0,1 0,-1-1,-1 0,0-1,0 0,-22 7,12-7,0 0,-28 2,-47 2</inkml:trace>
+  <inkml:trace contextRef="#ctx0" brushRef="#br0">337 1,'-5'0,"-23"18,-12 10,-12 13,-2 6,0 6,8 0,13-1,12-4,18-2,14-4,41 8,11-3</inkml:trace>
 </inkml:ink>
 </file>
 
@@ -1493,7 +1493,7 @@
           <inkml:channelProperty channel="Y" name="resolution" value="1000" units="1/cm"/>
         </inkml:channelProperties>
       </inkml:inkSource>
-      <inkml:timestamp xml:id="ts0" timeString="2021-02-10T08:14:23.304"/>
+      <inkml:timestamp xml:id="ts0" timeString="2021-02-10T08:14:37.088"/>
     </inkml:context>
     <inkml:brush xml:id="br0">
       <inkml:brushProperty name="width" value="0.1" units="cm"/>
@@ -1502,7 +1502,7 @@
       <inkml:brushProperty name="ignorePressure" value="1"/>
     </inkml:brush>
   </inkml:definitions>
-  <inkml:trace contextRef="#ctx0" brushRef="#br0">103 115,'1'-21,"-1"-31,0 50,0 0,-1-1,1 1,0 0,-1 0,0-1,1 1,-1 0,0 0,0 0,0 0,0 0,-1 0,1 0,-1 0,-2-2,3 3,0 1,0-1,0 1,0 0,0-1,0 1,0 0,1 0,-1 0,0-1,0 1,0 0,-1 0,1 1,1-1,-1 0,0 0,0 0,0 1,0-1,0 0,0 1,0-1,0 1,0-1,0 1,1-1,-1 1,0 0,0-1,1 1,-2 1,-20 28,21-28,-4 9,0 0,0 0,1 0,1 0,0 1,0 0,1 0,1 0,0 0,0 12,2-2,0 0,2 0,0 0,10 31,-11-44,1 0,0-1,1 1,0-1,0 0,1 0,0 0,1 0,0-1,0 0,9 8,-12-12,1 0,0 0,1-1,-1 1,0-1,1 0,0 0,-1 0,1-1,0 1,0-1,0 0,0-1,0 1,0-1,0 0,0 0,0-1,0 0,0 0,-1 0,6-2,-3 1,0-1,-1 0,0 0,0-1,0 1,0-1,-1-1,1 1,-1-1,0 0,8-10,-10 10,0 1,0-1,0 0,0 0,-1 0,0 0,0-1,0 1,-1-1,1 1,-1-1,-1 1,1-1,-1 0,0-9,-3 4,0 1,0-1,-1 1,0 0,-1 0,0 0,-7-10,-57-75</inkml:trace>
+  <inkml:trace contextRef="#ctx0" brushRef="#br0">277 1,'-5'4,"-10"11,-11 7,-7 9,-58 57,-16 13</inkml:trace>
 </inkml:ink>
 </file>
 
@@ -1520,7 +1520,7 @@
           <inkml:channelProperty channel="Y" name="resolution" value="1000" units="1/cm"/>
         </inkml:channelProperties>
       </inkml:inkSource>
-      <inkml:timestamp xml:id="ts0" timeString="2021-02-10T08:14:24.444"/>
+      <inkml:timestamp xml:id="ts0" timeString="2021-02-10T08:14:37.758"/>
     </inkml:context>
     <inkml:brush xml:id="br0">
       <inkml:brushProperty name="width" value="0.1" units="cm"/>
@@ -1529,7 +1529,7 @@
       <inkml:brushProperty name="ignorePressure" value="1"/>
     </inkml:brush>
   </inkml:definitions>
-  <inkml:trace contextRef="#ctx0" brushRef="#br0">129 0,'0'1,"1"-1,-1 0,0 0,0 0,0 1,0-1,1 0,-1 0,0 0,0 1,1-1,-1 0,0 0,0 0,1 0,-1 0,0 1,0-1,1 0,-1 0,0 0,1 0,-1 0,0 0,0 0,1 0,-1 0,0 0,1 0,-1 0,0-1,0 1,1 0,-1 0,0 0,0 0,1 0,-1 0,0-1,0 1,1 0,-1 0,0 0,0-1,1 1,-2 9,-1-1,1 1,-1 0,-1-1,0 1,0-1,-6 12,-5 12,-16 43,11-31,2 1,-19 81,36-117,3-10,7-13,64-134,3-6,-76 153,-1 0,1 1,-1-1,1 0,0 0,-1 0,1 0,0 1,0-1,-1 0,1 1,0-1,0 1,0-1,1 0,-1 1,-1 0,1 0,-1 0,1 0,-1 0,1 0,-1 0,1 0,-1 0,1 0,-1 1,0-1,1 0,-1 0,1 0,-1 1,0-1,1 0,-1 1,1-1,-1 0,0 1,1 0,2 3,-1 1,1-1,-1 1,0-1,1 7,2 1,-4-7,1 0,1-1,-1 1,1 0,0-1,0 0,0 1,0-1,1-1,0 1,0 0,0-1,0 0,0 0,1 0,-1-1,1 1,0-1,-1 0,1 0,0-1,1 1,-1-1,0 0,0-1,0 1,1-1,-1 0,10-1,4-2,-1-1,20-7,-26 7,0 0,0 1,1 1,-1 0,1 1,12-1,-24 2,1 1,-1-1,0 0,0 0,0 0,0 1,0-1,0 0,0 1,1-1,-1 1,0-1,0 1,-1 0,1-1,0 1,0 0,0 0,0 0,-1-1,1 1,0 0,0 1,0 0,-1 0,1 0,-1 0,1 0,-1 0,0 0,0 0,0 0,0 0,0 0,-1 0,1 0,-1 3,-9 23,-1-1,-1 0,-2-1,-30 45,23-38,-82 130,60-98</inkml:trace>
+  <inkml:trace contextRef="#ctx0" brushRef="#br0">653 39,'0'0,"0"0,1 1,-1-1,0 0,1 0,-1 0,1 0,-1 0,0 0,1 0,-1-1,0 1,1 0,-1 0,0 0,1 0,-1 0,0 0,1-1,-1 1,0 0,1 0,-1-1,0 1,0 0,1 0,-1-1,0 1,0 0,0-1,1 1,-1 0,0-1,0 1,0 0,0-1,0 1,0 0,0-1,0 1,0 0,0-1,0 1,0 0,0-1,0 1,0-1,0 1,0 0,0-1,0 1,0 0,0-1,-1 1,1 0,0-1,-1 0,0-1,0 1,0-1,0 1,0 0,0 0,0 0,0 0,-1 0,1 0,0 0,-1 0,1 0,-2 0,-7-2,0 1,-1 1,1-1,0 2,-1-1,1 2,-1-1,1 1,-13 3,-6 3,1 0,-30 13,24-7,1 3,0 0,2 2,0 1,-35 29,46-32,1 1,1 1,0 1,1 1,2 0,0 1,0 0,-11 27,22-40,1-1,0 1,1 0,-1 0,1 0,1 1,0-1,0 0,1 0,0 1,0-1,1 0,0 1,0-1,1 0,0 0,0 0,1 0,0 0,8 14,23 31</inkml:trace>
 </inkml:ink>
 </file>
 
@@ -1547,7 +1547,7 @@
           <inkml:channelProperty channel="Y" name="resolution" value="1000" units="1/cm"/>
         </inkml:channelProperties>
       </inkml:inkSource>
-      <inkml:timestamp xml:id="ts0" timeString="2021-02-10T08:14:24.825"/>
+      <inkml:timestamp xml:id="ts0" timeString="2021-02-10T08:14:38.118"/>
     </inkml:context>
     <inkml:brush xml:id="br0">
       <inkml:brushProperty name="width" value="0.1" units="cm"/>
@@ -1556,7 +1556,7 @@
       <inkml:brushProperty name="ignorePressure" value="1"/>
     </inkml:brush>
   </inkml:definitions>
-  <inkml:trace contextRef="#ctx0" brushRef="#br0">359 0,'0'4,"0"7,-9 9,-2 6,-18 22,-8 10,-12 18,-1 1,-1-4,3-10,6-11,10-15</inkml:trace>
+  <inkml:trace contextRef="#ctx0" brushRef="#br0">503 17,'5'-5,"-4"-1,-5 1,-16 9,-10 9,-20 16,-8 7,-20 15,-1 4,-5 5,21-7,20-12</inkml:trace>
 </inkml:ink>
 </file>
 
@@ -1574,7 +1574,7 @@
           <inkml:channelProperty channel="Y" name="resolution" value="1000" units="1/cm"/>
         </inkml:channelProperties>
       </inkml:inkSource>
-      <inkml:timestamp xml:id="ts0" timeString="2021-02-10T08:14:25.167"/>
+      <inkml:timestamp xml:id="ts0" timeString="2021-02-10T08:14:38.463"/>
     </inkml:context>
     <inkml:brush xml:id="br0">
       <inkml:brushProperty name="width" value="0.1" units="cm"/>
@@ -1583,7 +1583,7 @@
       <inkml:brushProperty name="ignorePressure" value="1"/>
     </inkml:brush>
   </inkml:definitions>
-  <inkml:trace contextRef="#ctx0" brushRef="#br0">49 28,'4'-5,"7"-1,1-4,-2 4,2 12,-5 23,-4 11,-7 42,-3 18,-5 8,0-8,-2-9,-4-16,-3-15,2-18</inkml:trace>
+  <inkml:trace contextRef="#ctx0" brushRef="#br0">113 22,'5'-5,"5"-1,6 0,5 2,-1 5,-5 7,-9 3,-5 3,-3 4,-6 3,-14 25,-9 14,-7 14,-15 30,1-2</inkml:trace>
 </inkml:ink>
 </file>
 
@@ -1601,7 +1601,7 @@
           <inkml:channelProperty channel="Y" name="resolution" value="1000" units="1/cm"/>
         </inkml:channelProperties>
       </inkml:inkSource>
-      <inkml:timestamp xml:id="ts0" timeString="2021-02-10T08:14:25.540"/>
+      <inkml:timestamp xml:id="ts0" timeString="2021-02-10T08:14:38.821"/>
     </inkml:context>
     <inkml:brush xml:id="br0">
       <inkml:brushProperty name="width" value="0.1" units="cm"/>
@@ -1610,8 +1610,7 @@
       <inkml:brushProperty name="ignorePressure" value="1"/>
     </inkml:brush>
   </inkml:definitions>
-  <inkml:trace contextRef="#ctx0" brushRef="#br0">449 1,'-4'4,"-2"7,-4 19,0 8,1 21,2 8,3 16,1-2,-2 7,-2-11</inkml:trace>
-  <inkml:trace contextRef="#ctx0" brushRef="#br0" timeOffset="1">57 421,'-5'0,"-5"-4,-6-3,0-3,7 0,9 0,14-1,9 1,19 2,6 3,26 19,1 8</inkml:trace>
+  <inkml:trace contextRef="#ctx0" brushRef="#br0">7 17,'0'-5,"-5"-1,4 1,5 5,4 7,39 33,12 11</inkml:trace>
 </inkml:ink>
 </file>
 
@@ -1629,7 +1628,7 @@
           <inkml:channelProperty channel="Y" name="resolution" value="1000" units="1/cm"/>
         </inkml:channelProperties>
       </inkml:inkSource>
-      <inkml:timestamp xml:id="ts0" timeString="2021-02-10T08:14:26.391"/>
+      <inkml:timestamp xml:id="ts0" timeString="2021-02-10T08:14:39.201"/>
     </inkml:context>
     <inkml:brush xml:id="br0">
       <inkml:brushProperty name="width" value="0.1" units="cm"/>
@@ -1638,7 +1637,7 @@
       <inkml:brushProperty name="ignorePressure" value="1"/>
     </inkml:brush>
   </inkml:definitions>
-  <inkml:trace contextRef="#ctx0" brushRef="#br0">354 1,'5'0,"1"4,-5 11,-7 7,-20 23,-11 7,-11 17,-8 2,-6 11,-8 9,10-11</inkml:trace>
+  <inkml:trace contextRef="#ctx0" brushRef="#br0">501 0,'5'0,"-4"0,-5 5,-8 0,-5 5,-31 23,-17 14,-28 27,-3 4,2-1,17-15</inkml:trace>
 </inkml:ink>
 </file>
 
@@ -1683,7 +1682,7 @@
           <inkml:channelProperty channel="Y" name="resolution" value="1000" units="1/cm"/>
         </inkml:channelProperties>
       </inkml:inkSource>
-      <inkml:timestamp xml:id="ts0" timeString="2021-02-10T08:14:27.393"/>
+      <inkml:timestamp xml:id="ts0" timeString="2021-02-10T08:14:39.579"/>
     </inkml:context>
     <inkml:brush xml:id="br0">
       <inkml:brushProperty name="width" value="0.1" units="cm"/>
@@ -1692,7 +1691,7 @@
       <inkml:brushProperty name="ignorePressure" value="1"/>
     </inkml:brush>
   </inkml:definitions>
-  <inkml:trace contextRef="#ctx0" brushRef="#br0">487 0,'-3'1,"1"0,-1 0,1 0,-1 0,1 0,-1 0,1 1,0-1,-1 1,1 0,-3 3,-4 2,4-4,-205 147,153-105,-76 77,101-86,24-20,8-16,1 0,-1 0,1 0,-1 1,0-1,1 0,-1 0,1 0,-1 0,1 0,-1 0,0 0,1 0,-1 0,1 0,-1 0,1 0,-1 0,1 0,-1 0,0 0,1 0,-1-1,1 1,-1 0,1 0,-1-1,0 1,1 0,-1 0,0-1,1 1,-1-1,148-94,-73 43,160-102,-235 153,27-15,-13 13,-14 3,1 0,-1 0,0 1,0-1,1 0,-1 0,0 0,0 0,0 0,1 1,-1-1,0 0,0 0,0 0,1 1,-1-1,0 0,0 0,0 0,0 1,0-1,0 0,0 0,1 1,-1-1,0 0,0 1,0-1,0 0,0 0,0 1,0-1,0 0,0 0,0 1,-1-1,1 0,0 0,0 1,-7 26,-1 0,-2 0,-20 40,9-20,2-6,2-6,2 1,2 0,-14 56,26-86,0 0,0-1,1 1,-1 0,1 0,1 0,-1-1,1 1,2 9,-2-13,-1-1,1 0,0 0,-1 0,1 1,0-1,0 0,-1 0,1 0,0 0,0-1,0 1,0 0,0 0,1 0,-1-1,0 1,0-1,2 1,0 0,-1-1,1 0,0 1,0-1,-1-1,1 1,0 0,0-1,-1 1,1-1,0 0,-1 0,4-1,15-8,0 0,-1-2,35-25,57-56,-80 65,223-204,-179 161</inkml:trace>
+  <inkml:trace contextRef="#ctx0" brushRef="#br0">6 17,'0'-5,"-4"-1,2 0,7 6,11 12,7 3,14 18,4 7,18 28,3 12,5 14,-6-4,-3-9,-12-14,9-9,-6-14</inkml:trace>
 </inkml:ink>
 </file>
 
@@ -1710,7 +1709,7 @@
           <inkml:channelProperty channel="Y" name="resolution" value="1000" units="1/cm"/>
         </inkml:channelProperties>
       </inkml:inkSource>
-      <inkml:timestamp xml:id="ts0" timeString="2021-02-10T08:14:33.109"/>
+      <inkml:timestamp xml:id="ts0" timeString="2021-02-10T08:14:40.045"/>
     </inkml:context>
     <inkml:brush xml:id="br0">
       <inkml:brushProperty name="width" value="0.1" units="cm"/>
@@ -1719,7 +1718,7 @@
       <inkml:brushProperty name="ignorePressure" value="1"/>
     </inkml:brush>
   </inkml:definitions>
-  <inkml:trace contextRef="#ctx0" brushRef="#br0">1 2087,'1'-4,"1"0,0 0,0 0,0 0,0 0,0 0,1 1,0 0,0-1,0 1,0 0,5-4,100-97,77-69,-158 153,2 2,0 0,1 2,40-15,11-6,56-36,85-41,-147 80,83-26,252-82,-150 50,62 1,3 22,60-15,-73 4,587-129,-406 136,-40 7,-36-15,58-10,-320 66,473-58,-135 54,30-2,84-3,16 0,225 11,60 87,-564-3,-7 22,-62-14,257 65,-122-46,13-23,203 39,575 169,-841-195,99 27,279 117,-623-183,-3 5,-1 5,194 119,-112-42,195 167,156 185,-260-165,-108-108,119 89,39 43,-217-203,317 330,-174-236,9 9,-235-204,-2 0,-1 3,-1 0,-3 2,-1 1,-1 1,-3 1,-1 1,-2 1,-2 1,19 76,-20-42</inkml:trace>
+  <inkml:trace contextRef="#ctx0" brushRef="#br0">373 1,'-5'0,"-5"0,-11 0,-5 4,-8 7,-2 5,-14 14,-1 1,-20 18,3 0</inkml:trace>
 </inkml:ink>
 </file>
 
@@ -1737,7 +1736,7 @@
           <inkml:channelProperty channel="Y" name="resolution" value="1000" units="1/cm"/>
         </inkml:channelProperties>
       </inkml:inkSource>
-      <inkml:timestamp xml:id="ts0" timeString="2021-02-10T08:14:34.254"/>
+      <inkml:timestamp xml:id="ts0" timeString="2021-02-10T08:14:40.501"/>
     </inkml:context>
     <inkml:brush xml:id="br0">
       <inkml:brushProperty name="width" value="0.1" units="cm"/>
@@ -1746,7 +1745,7 @@
       <inkml:brushProperty name="ignorePressure" value="1"/>
     </inkml:brush>
   </inkml:definitions>
-  <inkml:trace contextRef="#ctx0" brushRef="#br0">600 1,'-4'0,"-15"13,-9 5,-4 3,-1-1,1-1,1 2,-3 6,-31 21,-14 6,-42 30,-1 1</inkml:trace>
+  <inkml:trace contextRef="#ctx0" brushRef="#br0">195 45,'0'-1,"0"-1,0 0,0 0,0 1,0-1,0 0,-1 1,1-1,0 0,-1 1,0-1,1 1,-1-1,0 1,0-1,0 1,0-1,0 1,0 0,0-1,0 1,-1 0,1 0,0 0,-1 0,1 0,-1 0,1 1,-1-1,1 0,-1 1,0-1,1 1,-1-1,0 1,1 0,-1 0,0 0,1 0,-1 0,0 0,1 0,-1 1,-2 0,-3 0,1 1,-1 0,0 0,1 0,-1 1,1 0,0 0,0 1,-11 8,11-7,0 1,0 1,0-1,1 1,0 0,0 0,1 0,0 1,0-1,1 1,0 0,0 0,1 1,0-1,0 0,1 1,0-1,1 1,0-1,0 1,1-1,0 1,0-1,1 1,0-1,0 0,1 0,0 0,1 0,0 0,0-1,0 0,1 0,0 0,1 0,-1-1,1 0,8 6,-4-4,0 0,1-1,0 0,0-1,0 0,1-1,0 0,0-1,22 5,-28-8,-1 0,1-1,0 1,0-1,0-1,0 1,0-1,-1 0,1 0,7-3,-9 2,0 1,-1-1,1-1,0 1,-1 0,0-1,0 1,0-1,0 0,0 0,0-1,-1 1,1 0,-1-1,3-7,-2 5,0-1,-1 0,-1 0,1 0,-1 0,0-1,0 1,-1 0,0 0,-1-1,-1-10,1 12,0 0,-1 1,1-1,-1 0,-1 0,1 1,-1 0,0-1,0 1,0 0,-1 0,1 1,-1-1,-9-7,6 7,-1 1,1 0,-1 0,0 0,-15-3,-51-11</inkml:trace>
 </inkml:ink>
 </file>
 
@@ -1764,7 +1763,7 @@
           <inkml:channelProperty channel="Y" name="resolution" value="1000" units="1/cm"/>
         </inkml:channelProperties>
       </inkml:inkSource>
-      <inkml:timestamp xml:id="ts0" timeString="2021-02-10T08:14:34.610"/>
+      <inkml:timestamp xml:id="ts0" timeString="2021-02-10T08:14:41.689"/>
     </inkml:context>
     <inkml:brush xml:id="br0">
       <inkml:brushProperty name="width" value="0.1" units="cm"/>
@@ -1773,7 +1772,7 @@
       <inkml:brushProperty name="ignorePressure" value="1"/>
     </inkml:brush>
   </inkml:definitions>
-  <inkml:trace contextRef="#ctx0" brushRef="#br0">279 1,'0'3,"-1"1,1 0,-1-1,0 1,0 0,-3 4,-3 15,-20 91,-61 169,-35 48,98-265</inkml:trace>
+  <inkml:trace contextRef="#ctx0" brushRef="#br0">341 79,'1'0,"-1"0,1 0,0 0,-1 0,1-1,-1 1,1 0,0 0,-1-1,1 1,-1 0,1 0,-1-1,1 1,-1-1,1 1,-1-1,1 1,-1-1,1 1,-1-1,0 1,1-1,-1 1,0-1,0 1,1-1,-1 0,0 1,0-2,-4-5,-10 7,-27 15,0 1,1 3,-73 46,32-18,64-39,13-8,27-19,247-161,-262 175,-4 2,1 0,0 0,1 0,-1 1,0-1,1 1,-1 0,11-1,-16 3,1-1,-1 1,1 0,-1 0,1 0,-1 0,1 0,-1 0,1 1,-1-1,1 0,-1 0,1 0,-1 0,1 1,-1-1,1 0,-1 0,0 1,1-1,-1 0,1 1,-1-1,0 0,1 1,-1-1,0 1,0-1,1 0,-1 1,-1 18,-2-12,0 1,0-1,-7 11,-85 121,56-87,-53 96,73-102,18-44,0 1,1 0,-1 0,1 0,0 0,-1 0,1 0,0 0,1 0,-1 0,1 0,-1-1,2 5,-1-6,-1 0,1 1,0-1,-1 0,1 0,0 0,0 0,0 0,0 0,0 0,0 0,0 0,0 0,0-1,0 1,1 0,-1-1,0 1,0-1,1 1,-1-1,0 0,1 1,1-1,3 0,0 0,0 0,0-1,8-2,13-3,-1-2,0-1,41-20,-48 20,224-106,-122 56</inkml:trace>
 </inkml:ink>
 </file>
 
@@ -1791,7 +1790,7 @@
           <inkml:channelProperty channel="Y" name="resolution" value="1000" units="1/cm"/>
         </inkml:channelProperties>
       </inkml:inkSource>
-      <inkml:timestamp xml:id="ts0" timeString="2021-02-10T08:14:34.946"/>
+      <inkml:timestamp xml:id="ts0" timeString="2021-02-10T08:14:42.447"/>
     </inkml:context>
     <inkml:brush xml:id="br0">
       <inkml:brushProperty name="width" value="0.1" units="cm"/>
@@ -1800,7 +1799,7 @@
       <inkml:brushProperty name="ignorePressure" value="1"/>
     </inkml:brush>
   </inkml:definitions>
-  <inkml:trace contextRef="#ctx0" brushRef="#br0">17 131,'0'-5,"-5"-9,-1-9,1-3,18-2,11 3,30 16,13 8,49 27,5 9</inkml:trace>
+  <inkml:trace contextRef="#ctx0" brushRef="#br0">381 1,'-5'4,"-10"6,-7 6,-4 5,-20 12,-11 5,-45 22,-5 2</inkml:trace>
 </inkml:ink>
 </file>
 
@@ -1818,7 +1817,7 @@
           <inkml:channelProperty channel="Y" name="resolution" value="1000" units="1/cm"/>
         </inkml:channelProperties>
       </inkml:inkSource>
-      <inkml:timestamp xml:id="ts0" timeString="2021-02-10T08:14:35.512"/>
+      <inkml:timestamp xml:id="ts0" timeString="2021-02-10T08:14:43.369"/>
     </inkml:context>
     <inkml:brush xml:id="br0">
       <inkml:brushProperty name="width" value="0.1" units="cm"/>
@@ -1827,7 +1826,7 @@
       <inkml:brushProperty name="ignorePressure" value="1"/>
     </inkml:brush>
   </inkml:definitions>
-  <inkml:trace contextRef="#ctx0" brushRef="#br0">423 0,'-2'1,"0"-1,0 1,0-1,0 1,0 0,0 0,0 0,0 0,1 0,-1 0,0 1,1-1,-1 1,0-1,1 1,-2 1,-1 2,-54 58,-83 121,17-20,86-123,37-41,0 1,1 0,-1-1,0 1,0 0,0-1,1 1,-1-1,0 1,0-1,0 1,0-1,0 0,0 0,0 1,0-1,0 0,0 0,-2 0,2-1,1 1,-1-1,1 1,0-1,-1 0,1 1,-1-1,1 0,0 1,-1-1,1 0,0 0,0 1,0-1,0 0,0 0,0 1,0-1,0 0,0 0,0 1,0-1,0 0,0 0,1 1,-1-2,4-16,1 0,1 0,0 1,1-1,1 2,12-20,1 3,1 1,28-31,-33 44,1 0,1 1,1 0,0 2,2 1,32-19,-44 28,2 1,-1 0,0 0,1 1,0 1,0 0,0 0,0 1,0 1,1 0,-1 1,0 0,1 1,-1 0,20 5,-30-5,1-1,0 1,0 0,-1 0,1 0,0 0,-1 1,1-1,-1 1,0 0,1-1,-1 1,0 0,0 0,0 1,0-1,-1 0,1 0,-1 1,1-1,-1 1,0 0,1 3,-1-3,-1 0,0 0,0 1,0-1,-1 0,1 1,-1-1,1 0,-1 0,0 1,-1-1,1 0,0 0,-1 0,0-1,0 1,1 0,-2 0,-3 4,-1 0,0-1,-1 1,0-1,0 0,0-1,-1 0,-14 6,5-3,-1-2,-35 8,-24 0</inkml:trace>
+  <inkml:trace contextRef="#ctx0" brushRef="#br0">190 150,'-6'-7,"0"0,-1 1,0 0,0 0,0 1,-12-7,18 12,1 0,-1-1,1 1,-1 0,1 0,0 0,-1 0,1 0,-1 0,1 0,-1 0,1 0,-1 0,1 0,-1 0,1 0,-1 0,1 1,0-1,-1 0,1 0,-1 0,1 1,0-1,-1 0,1 0,-1 1,1-1,0 0,0 1,-1-1,1 1,0-1,-1 0,1 1,0-1,0 1,0-1,0 1,-1-1,1 0,0 1,0-1,0 1,0-1,0 1,0 0,0 26,0-26,5 28,1 1,1-1,1 1,2-2,1 0,1 0,28 46,-32-61,0-1,1 1,13 14,-21-27,-1 1,0 0,1-1,-1 1,1-1,-1 1,1-1,-1 1,1-1,-1 0,1 1,0-1,-1 1,1-1,-1 0,1 0,0 1,-1-1,1 0,0 0,-1 0,1 0,0 0,0 0,0 0,-1-1,1 0,-1 1,0-1,0 0,0 0,0 0,0 0,0 0,0 0,0 0,0 0,0 0,0 0,-1 0,1 0,0 0,-1 1,1-1,-1-1,-17-39,-43-73,-37-33,19 28,76 115,-10-19,13 23,-1-1,1 0,0 1,-1-1,1 0,0 1,0-1,0 0,-1 0,1 1,0-1,0 0,0 0,0 1,0-1,0 0,1 1,-1-1,0 0,0 0,0 1,1-1,-1 0,0 1,1-2,0 1,0 1,-1 0,1 0,-1 0,1-1,0 1,-1 0,1 0,0 0,-1 0,1 0,0 0,-1 0,1 0,0 0,-1 0,1 0,0 1,-1-1,1 0,-1 0,1 1,0 0,15 7,0 1,0 0,-1 1,-1 1,18 17,-4-1,35 43,-80-88,-24-22,6 8,-13-17</inkml:trace>
 </inkml:ink>
 </file>
 
@@ -1845,7 +1844,7 @@
           <inkml:channelProperty channel="Y" name="resolution" value="1000" units="1/cm"/>
         </inkml:channelProperties>
       </inkml:inkSource>
-      <inkml:timestamp xml:id="ts0" timeString="2021-02-10T08:14:36.214"/>
+      <inkml:timestamp xml:id="ts0" timeString="2021-02-10T08:14:47.681"/>
     </inkml:context>
     <inkml:brush xml:id="br0">
       <inkml:brushProperty name="width" value="0.1" units="cm"/>
@@ -1854,7 +1853,7 @@
       <inkml:brushProperty name="ignorePressure" value="1"/>
     </inkml:brush>
   </inkml:definitions>
-  <inkml:trace contextRef="#ctx0" brushRef="#br0">377 11,'-4'0,"1"2,-1-1,0 0,0 1,1 0,-1 0,1 0,-1 0,1 0,0 1,0 0,0-1,-4 6,-3 2,-218 190,220-193,1 0,-1 0,1-1,-1 0,-1-1,1 1,-11 4,18-10,1 0,0 1,0-1,-1 0,1 0,0 0,-1 0,1 0,0 1,-1-1,1 0,0 0,-1 0,1 0,0 0,0 0,-1 0,1 0,0 0,-1 0,1 0,0 0,-1 0,1-1,0 1,-1 0,1 0,0 0,0 0,-1 0,1-1,0 1,0 0,-1 0,1-1,0 1,0 0,-1 0,1-1,0 1,0 0,0 0,0-1,0 1,0 0,-1-1,1 1,0 0,0-1,0 1,0 0,0-1,0 1,0-1,7-19,6-1,1 1,1 0,0 1,25-23,-4 8,50-36,-76 63,0 1,0 0,1 0,0 1,0 1,0-1,0 2,0 0,1 0,23-2,-27 5,1 0,-1 0,1 0,-1 1,0 1,1-1,-1 1,0 1,0-1,0 1,0 1,0 0,-1 0,0 0,13 10,-19-13,0 0,1 0,-1 0,0 0,0 0,0 0,0 0,0 0,0 0,0 1,0-1,0 0,0 1,-1-1,1 1,-1-1,1 1,-1-1,1 1,-1-1,0 1,0-1,0 1,0-1,0 1,0 0,0-1,0 1,0-1,-1 1,1-1,-1 1,1-1,-2 2,-1 1,0-1,0 0,0 0,-1-1,1 1,-1 0,1-1,-1 0,0 0,0 0,0-1,0 1,-6 1,-73 13,-15-3</inkml:trace>
+  <inkml:trace contextRef="#ctx0" brushRef="#br0">1 4141,'25'-31,"-1"0,38-66,-23 33,23-32,102-154,20 11,-62 102,253-221,-182 197,196-159,60-60,-164 134,-212 192,2 3,95-47,216-80,-207 100,71-45,-19 8,652-314,-763 372,2 5,2 5,148-34,-139 47,376-89,-223 77,-183 32,194-30,259-35,-394 62,0 7,242 16,-219 12,198 48,-328-58,-1-1,89-3,-7 0,503 6,-377-28,197-7,-244 29,361 51,205 91,-548-93,203 38,373 54,-678-117,316 73,-8 21,-268-62,271 138,-349-150,288 138,123 75,-258-127,36 21,163 148,-143-45,-116-96,-64-58,56 50,309 282,-293-223,-16 18,-95-121,8 14,-52-70</inkml:trace>
 </inkml:ink>
 </file>
 
@@ -1872,7 +1871,7 @@
           <inkml:channelProperty channel="Y" name="resolution" value="1000" units="1/cm"/>
         </inkml:channelProperties>
       </inkml:inkSource>
-      <inkml:timestamp xml:id="ts0" timeString="2021-02-10T08:14:36.734"/>
+      <inkml:timestamp xml:id="ts0" timeString="2021-02-10T08:14:48.689"/>
     </inkml:context>
     <inkml:brush xml:id="br0">
       <inkml:brushProperty name="width" value="0.1" units="cm"/>
@@ -1881,7 +1880,7 @@
       <inkml:brushProperty name="ignorePressure" value="1"/>
     </inkml:brush>
   </inkml:definitions>
-  <inkml:trace contextRef="#ctx0" brushRef="#br0">337 1,'-5'0,"-23"18,-12 10,-12 13,-2 6,0 6,8 0,13-1,12-4,18-2,14-4,41 8,11-3</inkml:trace>
+  <inkml:trace contextRef="#ctx0" brushRef="#br0">385 17,'1'-9,"-1"2,-15 12,-8 7,1 1,1 1,0 1,1 1,1 1,-34 38,11-5,-55 85,90-124,0 1,0 0,1 1,1-1,0 1,0 0,-3 18,7-27,1 0,-1 0,1 0,0 0,0-1,0 1,1 0,-1 0,1 0,0 0,0-1,0 1,1 0,-1-1,1 1,0-1,0 1,0-1,0 0,1 0,-1 0,1 0,0-1,0 1,0-1,0 1,0-1,0 0,1 0,4 1,0 1,0-2,0 1,0-1,1 0,-1-1,0 0,1 0,-1-1,11-1,11-2,37-8,-56 9,88-19,-1-5,-1-4,129-59,-175 59,-65 36,0 1,0 0,0 1,1 1,1 0,-13 11,5-4,-25 19,2 3,1 1,-43 53,25-14</inkml:trace>
 </inkml:ink>
 </file>
 
@@ -1899,7 +1898,7 @@
           <inkml:channelProperty channel="Y" name="resolution" value="1000" units="1/cm"/>
         </inkml:channelProperties>
       </inkml:inkSource>
-      <inkml:timestamp xml:id="ts0" timeString="2021-02-10T08:14:37.088"/>
+      <inkml:timestamp xml:id="ts0" timeString="2021-02-10T08:14:49.304"/>
     </inkml:context>
     <inkml:brush xml:id="br0">
       <inkml:brushProperty name="width" value="0.1" units="cm"/>
@@ -1908,7 +1907,7 @@
       <inkml:brushProperty name="ignorePressure" value="1"/>
     </inkml:brush>
   </inkml:definitions>
-  <inkml:trace contextRef="#ctx0" brushRef="#br0">277 1,'-5'4,"-10"11,-11 7,-7 9,-58 57,-16 13</inkml:trace>
+  <inkml:trace contextRef="#ctx0" brushRef="#br0">413 13,'5'0,"5"0,1-5,4-1,-1 5,-8 2,-9 6,-17 15,-10 8,-35 34,-11 12,-7 5,7-11,8-4,15-13</inkml:trace>
 </inkml:ink>
 </file>
 
@@ -1926,16 +1925,16 @@
           <inkml:channelProperty channel="Y" name="resolution" value="1000" units="1/cm"/>
         </inkml:channelProperties>
       </inkml:inkSource>
-      <inkml:timestamp xml:id="ts0" timeString="2021-02-10T08:14:37.758"/>
+      <inkml:timestamp xml:id="ts0" timeString="2021-02-10T08:14:57.004"/>
     </inkml:context>
     <inkml:brush xml:id="br0">
       <inkml:brushProperty name="width" value="0.1" units="cm"/>
       <inkml:brushProperty name="height" value="0.1" units="cm"/>
-      <inkml:brushProperty name="color" value="#CC0066"/>
+      <inkml:brushProperty name="color" value="#E71224"/>
       <inkml:brushProperty name="ignorePressure" value="1"/>
     </inkml:brush>
   </inkml:definitions>
-  <inkml:trace contextRef="#ctx0" brushRef="#br0">653 39,'0'0,"0"0,1 1,-1-1,0 0,1 0,-1 0,1 0,-1 0,0 0,1 0,-1-1,0 1,1 0,-1 0,0 0,1 0,-1 0,0 0,1-1,-1 1,0 0,1 0,-1-1,0 1,0 0,1 0,-1-1,0 1,0 0,0-1,1 1,-1 0,0-1,0 1,0 0,0-1,0 1,0 0,0-1,0 1,0 0,0-1,0 1,0 0,0-1,0 1,0-1,0 1,0 0,0-1,0 1,0 0,0-1,-1 1,1 0,0-1,-1 0,0-1,0 1,0-1,0 1,0 0,0 0,0 0,0 0,-1 0,1 0,0 0,-1 0,1 0,-2 0,-7-2,0 1,-1 1,1-1,0 2,-1-1,1 2,-1-1,1 1,-13 3,-6 3,1 0,-30 13,24-7,1 3,0 0,2 2,0 1,-35 29,46-32,1 1,1 1,0 1,1 1,2 0,0 1,0 0,-11 27,22-40,1-1,0 1,1 0,-1 0,1 0,1 1,0-1,0 0,1 0,0 1,0-1,1 0,0 1,0-1,1 0,0 0,0 0,1 0,0 0,8 14,23 31</inkml:trace>
+  <inkml:trace contextRef="#ctx0" brushRef="#br0">0 1</inkml:trace>
 </inkml:ink>
 </file>
 
@@ -1980,16 +1979,16 @@
           <inkml:channelProperty channel="Y" name="resolution" value="1000" units="1/cm"/>
         </inkml:channelProperties>
       </inkml:inkSource>
-      <inkml:timestamp xml:id="ts0" timeString="2021-02-10T08:14:38.118"/>
+      <inkml:timestamp xml:id="ts0" timeString="2021-02-10T08:14:58.192"/>
     </inkml:context>
     <inkml:brush xml:id="br0">
       <inkml:brushProperty name="width" value="0.1" units="cm"/>
       <inkml:brushProperty name="height" value="0.1" units="cm"/>
-      <inkml:brushProperty name="color" value="#CC0066"/>
+      <inkml:brushProperty name="color" value="#E71224"/>
       <inkml:brushProperty name="ignorePressure" value="1"/>
     </inkml:brush>
   </inkml:definitions>
-  <inkml:trace contextRef="#ctx0" brushRef="#br0">503 17,'5'-5,"-4"-1,-5 1,-16 9,-10 9,-20 16,-8 7,-20 15,-1 4,-5 5,21-7,20-12</inkml:trace>
+  <inkml:trace contextRef="#ctx0" brushRef="#br0">51 373,'-14'-14,"11"12,0-1,0 1,1-1,-1 0,1 0,0 0,0 0,0 0,0 0,0-1,-1-5,1 2,0 0,1 1,0-1,0 0,0 0,1 0,0 0,1 1,0-1,0 0,0 0,4-10,-1 7,0 1,0 0,1-1,1 2,-1-1,2 1,11-14,-3 8,-1 1,2 0,0 1,0 1,1 0,1 1,0 1,25-9,-20 12,1 1,0 0,1 2,-1 1,1 0,-1 2,45 6,-64-6,1 1,0 0,-1 1,1-1,-1 1,0 0,0 1,1-1,-2 1,1 0,0 0,0 1,-1-1,8 9,-7-6,0 0,-1 1,0 0,0-1,0 2,-1-1,0 0,-1 0,4 15,-4-6,0 0,0 0,-2 0,0 0,-1 0,0 0,-2 0,0-1,0 1,-7 16,-21 46,-4-1,-3-2,-95 138,130-208,-9 10,1 1,1 0,1 1,-12 28,20-41,-1 0,1 1,0-1,1 1,-1-1,1 1,0-1,0 1,0-1,2 9,-1-10,0 0,0 0,0 1,1-1,-1-1,1 1,0 0,0 0,0-1,0 1,1-1,-1 1,1-1,-1 0,1 0,4 2,0 0,1 0,0-1,0 0,0 0,0-1,1 0,-1 0,1-1,-1-1,1 1,-1-1,1 0,-1-1,15-3,8-3,-2-1,50-20,-54 18,0 0</inkml:trace>
 </inkml:ink>
 </file>
 
@@ -2007,16 +2006,16 @@
           <inkml:channelProperty channel="Y" name="resolution" value="1000" units="1/cm"/>
         </inkml:channelProperties>
       </inkml:inkSource>
-      <inkml:timestamp xml:id="ts0" timeString="2021-02-10T08:14:38.463"/>
+      <inkml:timestamp xml:id="ts0" timeString="2021-02-10T08:14:59.011"/>
     </inkml:context>
     <inkml:brush xml:id="br0">
       <inkml:brushProperty name="width" value="0.1" units="cm"/>
       <inkml:brushProperty name="height" value="0.1" units="cm"/>
-      <inkml:brushProperty name="color" value="#CC0066"/>
+      <inkml:brushProperty name="color" value="#E71224"/>
       <inkml:brushProperty name="ignorePressure" value="1"/>
     </inkml:brush>
   </inkml:definitions>
-  <inkml:trace contextRef="#ctx0" brushRef="#br0">113 22,'5'-5,"5"-1,6 0,5 2,-1 5,-5 7,-9 3,-5 3,-3 4,-6 3,-14 25,-9 14,-7 14,-15 30,1-2</inkml:trace>
+  <inkml:trace contextRef="#ctx0" brushRef="#br0">61 32,'0'-1,"0"1,0 0,0-1,0 1,0-1,0 1,0 0,0-1,0 1,0 0,0-1,0 1,0 0,0-1,-1 1,1 0,0-1,0 1,0 0,0-1,-1 1,1 0,0-1,0 1,-1 0,1 0,0-1,0 1,-1 0,1 0,-1-1,-8 7,-8 17,11-9,1 0,0 0,1 0,-3 20,6-29,1 0,-1 1,1-1,0 0,0 0,0 0,1 0,0 1,0-1,0 0,1 0,0 0,-1-1,2 1,4 8,-6-12,0 1,0-1,0 0,1 1,-1-1,0 0,1 0,-1 0,1 0,0 0,-1-1,1 1,-1 0,1-1,0 1,0-1,-1 0,4 1,-1-1,0 0,-1-1,1 1,-1-1,1 0,0 0,-1 0,7-3,-1-1,1-1,-1 0,0 0,0-1,10-10,-9 7,-1 0,0-1,-1 0,8-15,-13 22,-1 0,1-1,-1 1,0 0,-1-1,1 1,-1-1,0 0,0 1,-1-1,1 0,-1 0,0 1,0-1,-2-9,1 12,0-1,-1 1,1-1,-1 1,1 0,-1 0,0 0,0 0,0 0,0 0,0 0,0 1,-1-1,1 1,0-1,-1 1,1 0,-1 0,0 0,1 0,-1 1,0-1,1 1,-1 0,0-1,-3 1,-1 0,0 0,0 0,0 1,0 0,0 0,0 0,1 1,-1 0,-7 3,10-2,0-1,0 1,0-1,1 1,-1 0,1 1,0-1,0 0,0 1,0 0,1 0,-4 6,5-8,0 0,0 0,0 0,0 1,1-1,-1 0,1 1,-1-1,1 1,0-1,0 0,0 1,0-1,0 1,0-1,1 0,-1 1,1-1,0 0,0 1,0-1,0 0,0 0,2 3,-3-4,0-1,1 0,-1 1,0-1,0 0,0 1,1-1,-1 0,0 1,0-1,1 0,-1 0,0 1,1-1,-1 0,0 0,1 1,-1-1,1 0,-1 0,0 0,1 0,-1 0,0 0,1 0,-1 1,1-1,-1 0,1 0,-1-1,0 1,1 0,-1 0,1 0,-1 0,0 0,1 0,-1 0,0-1,1 1,-1 0,0 0,1-1,-1 1,0 0,1 0,-1-1,0 1,0 0,1-1,-1 1,0 0,0-1,1 1,-1 0,0-1,0 0,4-13</inkml:trace>
 </inkml:ink>
 </file>
 
@@ -2034,16 +2033,16 @@
           <inkml:channelProperty channel="Y" name="resolution" value="1000" units="1/cm"/>
         </inkml:channelProperties>
       </inkml:inkSource>
-      <inkml:timestamp xml:id="ts0" timeString="2021-02-10T08:14:38.821"/>
+      <inkml:timestamp xml:id="ts0" timeString="2021-02-10T08:15:01.534"/>
     </inkml:context>
     <inkml:brush xml:id="br0">
       <inkml:brushProperty name="width" value="0.1" units="cm"/>
       <inkml:brushProperty name="height" value="0.1" units="cm"/>
-      <inkml:brushProperty name="color" value="#CC0066"/>
+      <inkml:brushProperty name="color" value="#E71224"/>
       <inkml:brushProperty name="ignorePressure" value="1"/>
     </inkml:brush>
   </inkml:definitions>
-  <inkml:trace contextRef="#ctx0" brushRef="#br0">7 17,'0'-5,"-5"-1,4 1,5 5,4 7,39 33,12 11</inkml:trace>
+  <inkml:trace contextRef="#ctx0" brushRef="#br0">994 99,'0'-1,"0"0,-1 0,1 0,-1 0,1 0,-1 0,1 0,-1 0,1 0,-1 1,0-1,1 0,-1 0,0 1,0-1,0 0,1 1,-1-1,0 1,0-1,0 1,0 0,-2-1,-26-8,24 8,-6-2,-1 2,1-1,-1 2,0-1,1 2,-1 0,-13 2,1 2,0 0,-35 14,24-5,0 3,1 0,1 2,1 2,0 1,-38 36,36-27,1 2,2 1,2 1,1 2,-23 40,-4 14,21-40,3 2,2 1,-31 82,53-111,2 0,-6 51,3-11,3-36,-1 50,6-66,1 0,0 0,1 0,0-1,1 1,6 16,-1-5,2 0,1-1,0 0,2 0,1-1,0-1,2-1,0 0,1-1,38 32,37 29,-56-48,0-1,2-2,60 36,-64-47,71 35,-91-47,0-1,0-1,1-1,0 0,-1 0,17-1,9-1,-8 0,48 6,-60-3,1 0,0-2,0 0,0-2,1 0,-1-1,21-4,10-7,-1-2,0-2,69-33,10-4,13-7,-123 50,1-1,-2-1,0-1,0-1,-1-1,-1 0,0-1,23-30,-25 26,-2 4,-1-1,0 0,17-35,0-18,-3-1,-2-2,-4 0,-3-1,8-93,-21 133,-2 1,-2-1,-1 0,-2 1,-1-1,-1 1,-2 0,-1 1,-2-1,-26-58,-41-52,65 126,0 0,0 1,-2 1,0 0,-30-24,5 8,-2 2,0 3,-2 1,-50-22,50 31,-1 2,0 2,-1 1,-55-5,75 14,1 1,-1 1,1 1,-1 2,-27 5,-60 12</inkml:trace>
 </inkml:ink>
 </file>
 
@@ -2061,16 +2060,16 @@
           <inkml:channelProperty channel="Y" name="resolution" value="1000" units="1/cm"/>
         </inkml:channelProperties>
       </inkml:inkSource>
-      <inkml:timestamp xml:id="ts0" timeString="2021-02-10T08:14:39.201"/>
+      <inkml:timestamp xml:id="ts0" timeString="2021-02-10T08:15:13.257"/>
     </inkml:context>
     <inkml:brush xml:id="br0">
       <inkml:brushProperty name="width" value="0.1" units="cm"/>
       <inkml:brushProperty name="height" value="0.1" units="cm"/>
-      <inkml:brushProperty name="color" value="#CC0066"/>
+      <inkml:brushProperty name="color" value="#66CC00"/>
       <inkml:brushProperty name="ignorePressure" value="1"/>
     </inkml:brush>
   </inkml:definitions>
-  <inkml:trace contextRef="#ctx0" brushRef="#br0">501 0,'5'0,"-4"0,-5 5,-8 0,-5 5,-31 23,-17 14,-28 27,-3 4,2-1,17-15</inkml:trace>
+  <inkml:trace contextRef="#ctx0" brushRef="#br0">4 2460,'0'0,"0"0,0 0,0 0,0 0,0 0,0 0,-1 0,1 0,0 0,0 0,0 0,0 0,0 0,0 0,-1 0,1 1,0-1,0 0,0 0,0 0,0 0,0 0,0 0,-1 0,1 0,0 1,0-1,0 0,0 0,0 0,0 0,0 0,0 0,0 1,0-1,0 0,0 0,0 0,0 0,0 0,0 1,0-1,0 0,0 0,0 0,0 0,0 0,0 0,0 1,6 10,10 9,-7-11,1 0,1 0,-1 0,1-2,1 1,-1-1,1-1,24 9,-6-5,0-2,54 8,-50-11,-1-1,39-2,-56-2,-1-2,1 0,-1 0,1-1,-1-1,27-11,-37 13,13-5,-1 0,0-2,0 0,0 0,-1-2,-1 0,28-26,-30 22,-1 0,0-1,-2-1,0 1,10-24,-4 3,16-61,-3-55,-25 125,6-113,-9 100,2 0,8-44,9-5,19-108,-33 137,-6-122,-2 86,2 39,15-111,12-19,-12 123,-8 37,-1 0,-2-1,2-29,-6 31,1-20,12-89,-2 83,-3 17,4-52,-12 76,-1 1,0-1,-1 1,-4-18,2 14,4 12,0 3,0-1,0 0,0 1,0-1,-1 0,1 1,0-1,0 1,0-1,0 0,-1 1,1-1,0 1,0-1,-1 1,1-1,-1 1,1-1,0 1,-1-1,1 1,-1 0,1-1,-1 1,1 0,-1-1,1 1,-1 0,0-1,-6 3</inkml:trace>
 </inkml:ink>
 </file>
 
@@ -2088,16 +2087,16 @@
           <inkml:channelProperty channel="Y" name="resolution" value="1000" units="1/cm"/>
         </inkml:channelProperties>
       </inkml:inkSource>
-      <inkml:timestamp xml:id="ts0" timeString="2021-02-10T08:14:39.579"/>
+      <inkml:timestamp xml:id="ts0" timeString="2021-02-10T08:15:14.419"/>
     </inkml:context>
     <inkml:brush xml:id="br0">
       <inkml:brushProperty name="width" value="0.1" units="cm"/>
       <inkml:brushProperty name="height" value="0.1" units="cm"/>
-      <inkml:brushProperty name="color" value="#CC0066"/>
+      <inkml:brushProperty name="color" value="#66CC00"/>
       <inkml:brushProperty name="ignorePressure" value="1"/>
     </inkml:brush>
   </inkml:definitions>
-  <inkml:trace contextRef="#ctx0" brushRef="#br0">6 17,'0'-5,"-4"-1,2 0,7 6,11 12,7 3,14 18,4 7,18 28,3 12,5 14,-6-4,-3-9,-12-14,9-9,-6-14</inkml:trace>
+  <inkml:trace contextRef="#ctx0" brushRef="#br0">304 171,'0'-3,"-1"0,1 0,0 0,-1 1,0-1,0 0,0 1,0-1,0 1,0-1,-1 1,-1-3,2 4,1 0,-1 0,0 0,1 1,-1-1,0 0,0 1,0-1,1 0,-1 1,0-1,0 1,0-1,0 1,0 0,0-1,0 1,0 0,0 0,0 0,0 0,0 0,0 0,0 0,0 0,0 0,0 0,0 0,0 1,0-1,0 0,0 1,0-1,0 1,1-1,-2 1,-12 10,1 1,1 0,-22 26,-5 5,0-3,12-12,-49 38,73-66,7-8,9-12,237-280,-247 298,1-4,1 0,0 1,0-1,0 1,1 1,6-5,-11 8,1 0,-1 0,1 1,0-1,-1 1,1-1,0 1,-1 0,1-1,0 1,-1 0,1 0,0 0,0 1,-1-1,1 0,0 0,-1 1,1 0,0-1,-1 1,1 0,-1-1,1 1,-1 0,1 0,-1 0,0 0,1 1,1 1,39 44,-2 1,46 72,-75-104,15 24,-5-8,1-1,47 50,-56-69</inkml:trace>
 </inkml:ink>
 </file>
 
@@ -2115,16 +2114,16 @@
           <inkml:channelProperty channel="Y" name="resolution" value="1000" units="1/cm"/>
         </inkml:channelProperties>
       </inkml:inkSource>
-      <inkml:timestamp xml:id="ts0" timeString="2021-02-10T08:14:40.045"/>
+      <inkml:timestamp xml:id="ts0" timeString="2021-02-10T08:15:36.225"/>
     </inkml:context>
     <inkml:brush xml:id="br0">
       <inkml:brushProperty name="width" value="0.1" units="cm"/>
       <inkml:brushProperty name="height" value="0.1" units="cm"/>
-      <inkml:brushProperty name="color" value="#CC0066"/>
+      <inkml:brushProperty name="color" value="#66CC00"/>
       <inkml:brushProperty name="ignorePressure" value="1"/>
     </inkml:brush>
   </inkml:definitions>
-  <inkml:trace contextRef="#ctx0" brushRef="#br0">373 1,'-5'0,"-5"0,-11 0,-5 4,-8 7,-2 5,-14 14,-1 1,-20 18,3 0</inkml:trace>
+  <inkml:trace contextRef="#ctx0" brushRef="#br0">28 1,'5'8,"0"-1,-1 1,0 1,0-1,0 1,-1-1,-1 1,0 0,3 18,-4-22,30 182,-26-141,-1-1,-4 61,-17 92,9-115,4-34,-22 383,27 597,-14-839,0-17,12 397,3-269,-16-118,7-119,1 91,19-40,-8-85,-1 1,-2 0,-3 60,-23 263,38-162,1-1,-15-186,0 0,0-1,0 1,1-1,0 1,0-1,0 0,0 1,4 5,-4-7,1-1,0 1,0-1,1 1,-1-1,0 0,1 0,-1 0,1 0,0 0,0-1,0 1,-1-1,6 1,12 5,0-1,26 3,-2 0,65 10,-32-7,-47-7,52 0,-54-5,1 2,31 6,-9 0,-1-3,99-2,-131-4,4 1</inkml:trace>
 </inkml:ink>
 </file>
 
@@ -2142,16 +2141,16 @@
           <inkml:channelProperty channel="Y" name="resolution" value="1000" units="1/cm"/>
         </inkml:channelProperties>
       </inkml:inkSource>
-      <inkml:timestamp xml:id="ts0" timeString="2021-02-10T08:14:40.501"/>
+      <inkml:timestamp xml:id="ts0" timeString="2021-02-10T08:15:20.981"/>
     </inkml:context>
     <inkml:brush xml:id="br0">
       <inkml:brushProperty name="width" value="0.1" units="cm"/>
       <inkml:brushProperty name="height" value="0.1" units="cm"/>
-      <inkml:brushProperty name="color" value="#CC0066"/>
+      <inkml:brushProperty name="color" value="#66CC00"/>
       <inkml:brushProperty name="ignorePressure" value="1"/>
     </inkml:brush>
   </inkml:definitions>
-  <inkml:trace contextRef="#ctx0" brushRef="#br0">195 45,'0'-1,"0"-1,0 0,0 0,0 1,0-1,0 0,-1 1,1-1,0 0,-1 1,0-1,1 1,-1-1,0 1,0-1,0 1,0-1,0 1,0 0,0-1,0 1,-1 0,1 0,0 0,-1 0,1 0,-1 0,1 1,-1-1,1 0,-1 1,0-1,1 1,-1-1,0 1,1 0,-1 0,0 0,1 0,-1 0,0 0,1 0,-1 1,-2 0,-3 0,1 1,-1 0,0 0,1 0,-1 1,1 0,0 0,0 1,-11 8,11-7,0 1,0 1,0-1,1 1,0 0,0 0,1 0,0 1,0-1,1 1,0 0,0 0,1 1,0-1,0 0,1 1,0-1,1 1,0-1,0 1,1-1,0 1,0-1,1 1,0-1,0 0,1 0,0 0,1 0,0 0,0-1,0 0,1 0,0 0,1 0,-1-1,1 0,8 6,-4-4,0 0,1-1,0 0,0-1,0 0,1-1,0 0,0-1,22 5,-28-8,-1 0,1-1,0 1,0-1,0-1,0 1,0-1,-1 0,1 0,7-3,-9 2,0 1,-1-1,1-1,0 1,-1 0,0-1,0 1,0-1,0 0,0 0,0-1,-1 1,1 0,-1-1,3-7,-2 5,0-1,-1 0,-1 0,1 0,-1 0,0-1,0 1,-1 0,0 0,-1-1,-1-10,1 12,0 0,-1 1,1-1,-1 0,-1 0,1 1,-1 0,0-1,0 1,0 0,-1 0,1 1,-1-1,-9-7,6 7,-1 1,1 0,-1 0,0 0,-15-3,-51-11</inkml:trace>
+  <inkml:trace contextRef="#ctx0" brushRef="#br0">241 64,'-5'0,"-9"0,-4-4,-2-2,-8 0,2-3,-12-5,-10 1,4 2</inkml:trace>
 </inkml:ink>
 </file>
 
@@ -2169,16 +2168,16 @@
           <inkml:channelProperty channel="Y" name="resolution" value="1000" units="1/cm"/>
         </inkml:channelProperties>
       </inkml:inkSource>
-      <inkml:timestamp xml:id="ts0" timeString="2021-02-10T08:14:41.689"/>
+      <inkml:timestamp xml:id="ts0" timeString="2021-02-10T08:15:21.762"/>
     </inkml:context>
     <inkml:brush xml:id="br0">
       <inkml:brushProperty name="width" value="0.1" units="cm"/>
       <inkml:brushProperty name="height" value="0.1" units="cm"/>
-      <inkml:brushProperty name="color" value="#CC0066"/>
+      <inkml:brushProperty name="color" value="#66CC00"/>
       <inkml:brushProperty name="ignorePressure" value="1"/>
     </inkml:brush>
   </inkml:definitions>
-  <inkml:trace contextRef="#ctx0" brushRef="#br0">341 79,'1'0,"-1"0,1 0,0 0,-1 0,1-1,-1 1,1 0,0 0,-1-1,1 1,-1 0,1 0,-1-1,1 1,-1-1,1 1,-1-1,1 1,-1-1,1 1,-1-1,0 1,1-1,-1 1,0-1,0 1,1-1,-1 0,0 1,0-2,-4-5,-10 7,-27 15,0 1,1 3,-73 46,32-18,64-39,13-8,27-19,247-161,-262 175,-4 2,1 0,0 0,1 0,-1 1,0-1,1 1,-1 0,11-1,-16 3,1-1,-1 1,1 0,-1 0,1 0,-1 0,1 0,-1 0,1 1,-1-1,1 0,-1 0,1 0,-1 0,1 1,-1-1,1 0,-1 0,0 1,1-1,-1 0,1 1,-1-1,0 0,1 1,-1-1,0 1,0-1,1 0,-1 1,-1 18,-2-12,0 1,0-1,-7 11,-85 121,56-87,-53 96,73-102,18-44,0 1,1 0,-1 0,1 0,0 0,-1 0,1 0,0 0,1 0,-1 0,1 0,-1-1,2 5,-1-6,-1 0,1 1,0-1,-1 0,1 0,0 0,0 0,0 0,0 0,0 0,0 0,0 0,0 0,0-1,0 1,1 0,-1-1,0 1,0-1,1 1,-1-1,0 0,1 1,1-1,3 0,0 0,0 0,0-1,8-2,13-3,-1-2,0-1,41-20,-48 20,224-106,-122 56</inkml:trace>
+  <inkml:trace contextRef="#ctx0" brushRef="#br0">222 35,'-5'0,"-6"0,-5 0,-9 0,0-4,-5-2,-1 0,-10-3,3 0</inkml:trace>
 </inkml:ink>
 </file>
 
@@ -2196,16 +2195,16 @@
           <inkml:channelProperty channel="Y" name="resolution" value="1000" units="1/cm"/>
         </inkml:channelProperties>
       </inkml:inkSource>
-      <inkml:timestamp xml:id="ts0" timeString="2021-02-10T08:14:42.447"/>
+      <inkml:timestamp xml:id="ts0" timeString="2021-02-10T08:15:23.204"/>
     </inkml:context>
     <inkml:brush xml:id="br0">
       <inkml:brushProperty name="width" value="0.1" units="cm"/>
       <inkml:brushProperty name="height" value="0.1" units="cm"/>
-      <inkml:brushProperty name="color" value="#CC0066"/>
+      <inkml:brushProperty name="color" value="#66CC00"/>
       <inkml:brushProperty name="ignorePressure" value="1"/>
     </inkml:brush>
   </inkml:definitions>
-  <inkml:trace contextRef="#ctx0" brushRef="#br0">381 1,'-5'4,"-10"6,-7 6,-4 5,-20 12,-11 5,-45 22,-5 2</inkml:trace>
+  <inkml:trace contextRef="#ctx0" brushRef="#br0">104 7,'-4'-5,"-2"4,-4 1,0 14,1 10,-2 13,0 10,3 28,2 10,3 17,1 1,-3 13,-1-8,1 4,1-12,2-20,0-22</inkml:trace>
 </inkml:ink>
 </file>
 
@@ -2223,16 +2222,16 @@
           <inkml:channelProperty channel="Y" name="resolution" value="1000" units="1/cm"/>
         </inkml:channelProperties>
       </inkml:inkSource>
-      <inkml:timestamp xml:id="ts0" timeString="2021-02-10T08:14:43.369"/>
+      <inkml:timestamp xml:id="ts0" timeString="2021-02-10T08:15:23.705"/>
     </inkml:context>
     <inkml:brush xml:id="br0">
       <inkml:brushProperty name="width" value="0.1" units="cm"/>
       <inkml:brushProperty name="height" value="0.1" units="cm"/>
-      <inkml:brushProperty name="color" value="#CC0066"/>
+      <inkml:brushProperty name="color" value="#66CC00"/>
       <inkml:brushProperty name="ignorePressure" value="1"/>
     </inkml:brush>
   </inkml:definitions>
-  <inkml:trace contextRef="#ctx0" brushRef="#br0">190 150,'-6'-7,"0"0,-1 1,0 0,0 0,0 1,-12-7,18 12,1 0,-1-1,1 1,-1 0,1 0,0 0,-1 0,1 0,-1 0,1 0,-1 0,1 0,-1 0,1 0,-1 0,1 0,-1 0,1 1,0-1,-1 0,1 0,-1 0,1 1,0-1,-1 0,1 0,-1 1,1-1,0 0,0 1,-1-1,1 1,0-1,-1 0,1 1,0-1,0 1,0-1,0 1,-1-1,1 0,0 1,0-1,0 1,0-1,0 1,0 0,0 26,0-26,5 28,1 1,1-1,1 1,2-2,1 0,1 0,28 46,-32-61,0-1,1 1,13 14,-21-27,-1 1,0 0,1-1,-1 1,1-1,-1 1,1-1,-1 1,1-1,-1 0,1 1,0-1,-1 1,1-1,-1 0,1 0,0 1,-1-1,1 0,0 0,-1 0,1 0,0 0,0 0,0 0,-1-1,1 0,-1 1,0-1,0 0,0 0,0 0,0 0,0 0,0 0,0 0,0 0,0 0,0 0,-1 0,1 0,0 0,-1 1,1-1,-1-1,-17-39,-43-73,-37-33,19 28,76 115,-10-19,13 23,-1-1,1 0,0 1,-1-1,1 0,0 1,0-1,0 0,-1 0,1 1,0-1,0 0,0 0,0 1,0-1,0 0,1 1,-1-1,0 0,0 0,0 1,1-1,-1 0,0 1,1-2,0 1,0 1,-1 0,1 0,-1 0,1-1,0 1,-1 0,1 0,0 0,-1 0,1 0,0 0,-1 0,1 0,0 0,-1 0,1 0,0 1,-1-1,1 0,-1 0,1 1,0 0,15 7,0 1,0 0,-1 1,-1 1,18 17,-4-1,35 43,-80-88,-24-22,6 8,-13-17</inkml:trace>
+  <inkml:trace contextRef="#ctx0" brushRef="#br0">0 259,'0'-1,"0"0,1 0,-1 1,0-1,0 0,1 1,-1-1,0 0,1 1,-1-1,1 1,-1-1,1 0,-1 1,1-1,-1 1,1 0,-1-1,1 1,0-1,-1 1,1 0,0-1,-1 1,1 0,0 0,0-1,25-3,-22 3,164-8,-64 7,566-72,-6-41,-476 85,-109 21</inkml:trace>
 </inkml:ink>
 </file>
 
@@ -2277,16 +2276,16 @@
           <inkml:channelProperty channel="Y" name="resolution" value="1000" units="1/cm"/>
         </inkml:channelProperties>
       </inkml:inkSource>
-      <inkml:timestamp xml:id="ts0" timeString="2021-02-10T08:14:47.681"/>
+      <inkml:timestamp xml:id="ts0" timeString="2021-02-10T08:15:24.322"/>
     </inkml:context>
     <inkml:brush xml:id="br0">
       <inkml:brushProperty name="width" value="0.1" units="cm"/>
       <inkml:brushProperty name="height" value="0.1" units="cm"/>
-      <inkml:brushProperty name="color" value="#CC0066"/>
+      <inkml:brushProperty name="color" value="#66CC00"/>
       <inkml:brushProperty name="ignorePressure" value="1"/>
     </inkml:brush>
   </inkml:definitions>
-  <inkml:trace contextRef="#ctx0" brushRef="#br0">1 4141,'25'-31,"-1"0,38-66,-23 33,23-32,102-154,20 11,-62 102,253-221,-182 197,196-159,60-60,-164 134,-212 192,2 3,95-47,216-80,-207 100,71-45,-19 8,652-314,-763 372,2 5,2 5,148-34,-139 47,376-89,-223 77,-183 32,194-30,259-35,-394 62,0 7,242 16,-219 12,198 48,-328-58,-1-1,89-3,-7 0,503 6,-377-28,197-7,-244 29,361 51,205 91,-548-93,203 38,373 54,-678-117,316 73,-8 21,-268-62,271 138,-349-150,288 138,123 75,-258-127,36 21,163 148,-143-45,-116-96,-64-58,56 50,309 282,-293-223,-16 18,-95-121,8 14,-52-70</inkml:trace>
+  <inkml:trace contextRef="#ctx0" brushRef="#br0">0 252,'1'-1,"-1"0,0 0,0 0,1 1,-1-1,0 0,1 0,-1 1,1-1,-1 0,1 1,-1-1,1 0,-1 1,1-1,0 1,-1-1,1 1,0-1,-1 1,1-1,0 1,0 0,-1-1,1 1,0 0,0 0,1-1,29-3,-24 4,319-9,-122 7,396-56,-235-7,106-15,-352 69,-18 6</inkml:trace>
 </inkml:ink>
 </file>
 
@@ -2304,16 +2303,16 @@
           <inkml:channelProperty channel="Y" name="resolution" value="1000" units="1/cm"/>
         </inkml:channelProperties>
       </inkml:inkSource>
-      <inkml:timestamp xml:id="ts0" timeString="2021-02-10T08:14:48.689"/>
+      <inkml:timestamp xml:id="ts0" timeString="2021-02-10T08:15:24.953"/>
     </inkml:context>
     <inkml:brush xml:id="br0">
       <inkml:brushProperty name="width" value="0.1" units="cm"/>
       <inkml:brushProperty name="height" value="0.1" units="cm"/>
-      <inkml:brushProperty name="color" value="#CC0066"/>
+      <inkml:brushProperty name="color" value="#66CC00"/>
       <inkml:brushProperty name="ignorePressure" value="1"/>
     </inkml:brush>
   </inkml:definitions>
-  <inkml:trace contextRef="#ctx0" brushRef="#br0">385 17,'1'-9,"-1"2,-15 12,-8 7,1 1,1 1,0 1,1 1,1 1,-34 38,11-5,-55 85,90-124,0 1,0 0,1 1,1-1,0 1,0 0,-3 18,7-27,1 0,-1 0,1 0,0 0,0-1,0 1,1 0,-1 0,1 0,0 0,0-1,0 1,1 0,-1-1,1 1,0-1,0 1,0-1,0 0,1 0,-1 0,1 0,0-1,0 1,0-1,0 1,0-1,0 0,1 0,4 1,0 1,0-2,0 1,0-1,1 0,-1-1,0 0,1 0,-1-1,11-1,11-2,37-8,-56 9,88-19,-1-5,-1-4,129-59,-175 59,-65 36,0 1,0 0,0 1,1 1,1 0,-13 11,5-4,-25 19,2 3,1 1,-43 53,25-14</inkml:trace>
+  <inkml:trace contextRef="#ctx0" brushRef="#br0">0 6,'0'-4,"5"2,1 7,0 6,2 15,1 8,-1 16,-3 7,4 53,-1 17,3 35,0 3,-3 6,3-18,3-4,0-23,1-10,-1-25</inkml:trace>
 </inkml:ink>
 </file>
 
@@ -2331,16 +2330,16 @@
           <inkml:channelProperty channel="Y" name="resolution" value="1000" units="1/cm"/>
         </inkml:channelProperties>
       </inkml:inkSource>
-      <inkml:timestamp xml:id="ts0" timeString="2021-02-10T08:14:49.304"/>
+      <inkml:timestamp xml:id="ts0" timeString="2021-02-10T08:15:26.514"/>
     </inkml:context>
     <inkml:brush xml:id="br0">
       <inkml:brushProperty name="width" value="0.1" units="cm"/>
       <inkml:brushProperty name="height" value="0.1" units="cm"/>
-      <inkml:brushProperty name="color" value="#CC0066"/>
+      <inkml:brushProperty name="color" value="#66CC00"/>
       <inkml:brushProperty name="ignorePressure" value="1"/>
     </inkml:brush>
   </inkml:definitions>
-  <inkml:trace contextRef="#ctx0" brushRef="#br0">413 13,'5'0,"5"0,1-5,4-1,-1 5,-8 2,-9 6,-17 15,-10 8,-35 34,-11 12,-7 5,7-11,8-4,15-13</inkml:trace>
+  <inkml:trace contextRef="#ctx0" brushRef="#br0">1 0,'0'5,"0"1</inkml:trace>
 </inkml:ink>
 </file>
 
@@ -2358,16 +2357,16 @@
           <inkml:channelProperty channel="Y" name="resolution" value="1000" units="1/cm"/>
         </inkml:channelProperties>
       </inkml:inkSource>
-      <inkml:timestamp xml:id="ts0" timeString="2021-02-10T08:14:57.004"/>
+      <inkml:timestamp xml:id="ts0" timeString="2021-02-10T08:15:27.232"/>
     </inkml:context>
     <inkml:brush xml:id="br0">
       <inkml:brushProperty name="width" value="0.1" units="cm"/>
       <inkml:brushProperty name="height" value="0.1" units="cm"/>
-      <inkml:brushProperty name="color" value="#E71224"/>
+      <inkml:brushProperty name="color" value="#66CC00"/>
       <inkml:brushProperty name="ignorePressure" value="1"/>
     </inkml:brush>
   </inkml:definitions>
-  <inkml:trace contextRef="#ctx0" brushRef="#br0">0 1</inkml:trace>
+  <inkml:trace contextRef="#ctx0" brushRef="#br0">237 0,'0'4,"-5"11,-1 7,-4-1,-5 11,-5 3,-2 5,-3 0,-6 3,2-3,3-3,0-3,5-7</inkml:trace>
 </inkml:ink>
 </file>
 
@@ -2385,16 +2384,16 @@
           <inkml:channelProperty channel="Y" name="resolution" value="1000" units="1/cm"/>
         </inkml:channelProperties>
       </inkml:inkSource>
-      <inkml:timestamp xml:id="ts0" timeString="2021-02-10T08:14:58.192"/>
+      <inkml:timestamp xml:id="ts0" timeString="2021-02-10T08:15:27.596"/>
     </inkml:context>
     <inkml:brush xml:id="br0">
       <inkml:brushProperty name="width" value="0.1" units="cm"/>
       <inkml:brushProperty name="height" value="0.1" units="cm"/>
-      <inkml:brushProperty name="color" value="#E71224"/>
+      <inkml:brushProperty name="color" value="#66CC00"/>
       <inkml:brushProperty name="ignorePressure" value="1"/>
     </inkml:brush>
   </inkml:definitions>
-  <inkml:trace contextRef="#ctx0" brushRef="#br0">51 373,'-14'-14,"11"12,0-1,0 1,1-1,-1 0,1 0,0 0,0 0,0 0,0 0,0-1,-1-5,1 2,0 0,1 1,0-1,0 0,0 0,1 0,0 0,1 1,0-1,0 0,0 0,4-10,-1 7,0 1,0 0,1-1,1 2,-1-1,2 1,11-14,-3 8,-1 1,2 0,0 1,0 1,1 0,1 1,0 1,25-9,-20 12,1 1,0 0,1 2,-1 1,1 0,-1 2,45 6,-64-6,1 1,0 0,-1 1,1-1,-1 1,0 0,0 1,1-1,-2 1,1 0,0 0,0 1,-1-1,8 9,-7-6,0 0,-1 1,0 0,0-1,0 2,-1-1,0 0,-1 0,4 15,-4-6,0 0,0 0,-2 0,0 0,-1 0,0 0,-2 0,0-1,0 1,-7 16,-21 46,-4-1,-3-2,-95 138,130-208,-9 10,1 1,1 0,1 1,-12 28,20-41,-1 0,1 1,0-1,1 1,-1-1,1 1,0-1,0 1,0-1,2 9,-1-10,0 0,0 0,0 1,1-1,-1-1,1 1,0 0,0 0,0-1,0 1,1-1,-1 1,1-1,-1 0,1 0,4 2,0 0,1 0,0-1,0 0,0 0,0-1,1 0,-1 0,1-1,-1-1,1 1,-1-1,1 0,-1-1,15-3,8-3,-2-1,50-20,-54 18,0 0</inkml:trace>
+  <inkml:trace contextRef="#ctx0" brushRef="#br0">1 0,'4'5,"11"10,6 11,6 6,5 11,-1 3,6 11,7 4,0-3,-3-7,-5-8,-7-15,-10-13</inkml:trace>
 </inkml:ink>
 </file>
 
@@ -2412,16 +2411,16 @@
           <inkml:channelProperty channel="Y" name="resolution" value="1000" units="1/cm"/>
         </inkml:channelProperties>
       </inkml:inkSource>
-      <inkml:timestamp xml:id="ts0" timeString="2021-02-10T08:14:59.011"/>
+      <inkml:timestamp xml:id="ts0" timeString="2021-02-10T08:15:28.016"/>
     </inkml:context>
     <inkml:brush xml:id="br0">
       <inkml:brushProperty name="width" value="0.1" units="cm"/>
       <inkml:brushProperty name="height" value="0.1" units="cm"/>
-      <inkml:brushProperty name="color" value="#E71224"/>
+      <inkml:brushProperty name="color" value="#66CC00"/>
       <inkml:brushProperty name="ignorePressure" value="1"/>
     </inkml:brush>
   </inkml:definitions>
-  <inkml:trace contextRef="#ctx0" brushRef="#br0">61 32,'0'-1,"0"1,0 0,0-1,0 1,0-1,0 1,0 0,0-1,0 1,0 0,0-1,0 1,0 0,0-1,-1 1,1 0,0-1,0 1,0 0,0-1,-1 1,1 0,0-1,0 1,-1 0,1 0,0-1,0 1,-1 0,1 0,-1-1,-8 7,-8 17,11-9,1 0,0 0,1 0,-3 20,6-29,1 0,-1 1,1-1,0 0,0 0,0 0,1 0,0 1,0-1,0 0,1 0,0 0,-1-1,2 1,4 8,-6-12,0 1,0-1,0 0,1 1,-1-1,0 0,1 0,-1 0,1 0,0 0,-1-1,1 1,-1 0,1-1,0 1,0-1,-1 0,4 1,-1-1,0 0,-1-1,1 1,-1-1,1 0,0 0,-1 0,7-3,-1-1,1-1,-1 0,0 0,0-1,10-10,-9 7,-1 0,0-1,-1 0,8-15,-13 22,-1 0,1-1,-1 1,0 0,-1-1,1 1,-1-1,0 0,0 1,-1-1,1 0,-1 0,0 1,0-1,-2-9,1 12,0-1,-1 1,1-1,-1 1,1 0,-1 0,0 0,0 0,0 0,0 0,0 0,0 1,-1-1,1 1,0-1,-1 1,1 0,-1 0,0 0,1 0,-1 1,0-1,1 1,-1 0,0-1,-3 1,-1 0,0 0,0 0,0 1,0 0,0 0,0 0,1 1,-1 0,-7 3,10-2,0-1,0 1,0-1,1 1,-1 0,1 1,0-1,0 0,0 1,0 0,1 0,-4 6,5-8,0 0,0 0,0 0,0 1,1-1,-1 0,1 1,-1-1,1 1,0-1,0 0,0 1,0-1,0 1,0-1,1 0,-1 1,1-1,0 0,0 1,0-1,0 0,0 0,2 3,-3-4,0-1,1 0,-1 1,0-1,0 0,0 1,1-1,-1 0,0 1,0-1,1 0,-1 0,0 1,1-1,-1 0,0 0,1 1,-1-1,1 0,-1 0,0 0,1 0,-1 0,0 0,1 0,-1 1,1-1,-1 0,1 0,-1-1,0 1,1 0,-1 0,1 0,-1 0,0 0,1 0,-1 0,0-1,1 1,-1 0,0 0,1-1,-1 1,0 0,1 0,-1-1,0 1,0 0,1-1,-1 1,0 0,0-1,1 1,-1 0,0-1,0 0,4-13</inkml:trace>
+  <inkml:trace contextRef="#ctx0" brushRef="#br0">0 6,'0'-4,"5"3,5 5,6 4,9 3,0 5,10 4,2-1,9 1,1-4,10-4,1-4,-2-8,-5-4,10-6,-4-1</inkml:trace>
 </inkml:ink>
 </file>
 
@@ -2439,16 +2438,16 @@
           <inkml:channelProperty channel="Y" name="resolution" value="1000" units="1/cm"/>
         </inkml:channelProperties>
       </inkml:inkSource>
-      <inkml:timestamp xml:id="ts0" timeString="2021-02-10T08:15:01.534"/>
+      <inkml:timestamp xml:id="ts0" timeString="2021-02-10T08:15:28.661"/>
     </inkml:context>
     <inkml:brush xml:id="br0">
       <inkml:brushProperty name="width" value="0.1" units="cm"/>
       <inkml:brushProperty name="height" value="0.1" units="cm"/>
-      <inkml:brushProperty name="color" value="#E71224"/>
+      <inkml:brushProperty name="color" value="#66CC00"/>
       <inkml:brushProperty name="ignorePressure" value="1"/>
     </inkml:brush>
   </inkml:definitions>
-  <inkml:trace contextRef="#ctx0" brushRef="#br0">994 99,'0'-1,"0"0,-1 0,1 0,-1 0,1 0,-1 0,1 0,-1 0,1 0,-1 1,0-1,1 0,-1 0,0 1,0-1,0 0,1 1,-1-1,0 1,0-1,0 1,0 0,-2-1,-26-8,24 8,-6-2,-1 2,1-1,-1 2,0-1,1 2,-1 0,-13 2,1 2,0 0,-35 14,24-5,0 3,1 0,1 2,1 2,0 1,-38 36,36-27,1 2,2 1,2 1,1 2,-23 40,-4 14,21-40,3 2,2 1,-31 82,53-111,2 0,-6 51,3-11,3-36,-1 50,6-66,1 0,0 0,1 0,0-1,1 1,6 16,-1-5,2 0,1-1,0 0,2 0,1-1,0-1,2-1,0 0,1-1,38 32,37 29,-56-48,0-1,2-2,60 36,-64-47,71 35,-91-47,0-1,0-1,1-1,0 0,-1 0,17-1,9-1,-8 0,48 6,-60-3,1 0,0-2,0 0,0-2,1 0,-1-1,21-4,10-7,-1-2,0-2,69-33,10-4,13-7,-123 50,1-1,-2-1,0-1,0-1,-1-1,-1 0,0-1,23-30,-25 26,-2 4,-1-1,0 0,17-35,0-18,-3-1,-2-2,-4 0,-3-1,8-93,-21 133,-2 1,-2-1,-1 0,-2 1,-1-1,-1 1,-2 0,-1 1,-2-1,-26-58,-41-52,65 126,0 0,0 1,-2 1,0 0,-30-24,5 8,-2 2,0 3,-2 1,-50-22,50 31,-1 2,0 2,-1 1,-55-5,75 14,1 1,-1 1,1 1,-1 2,-27 5,-60 12</inkml:trace>
+  <inkml:trace contextRef="#ctx0" brushRef="#br0">17 0,'-5'5,"-1"9,0 4</inkml:trace>
 </inkml:ink>
 </file>
 
@@ -2466,7 +2465,7 @@
           <inkml:channelProperty channel="Y" name="resolution" value="1000" units="1/cm"/>
         </inkml:channelProperties>
       </inkml:inkSource>
-      <inkml:timestamp xml:id="ts0" timeString="2021-02-10T08:15:13.257"/>
+      <inkml:timestamp xml:id="ts0" timeString="2021-02-10T08:15:29.048"/>
     </inkml:context>
     <inkml:brush xml:id="br0">
       <inkml:brushProperty name="width" value="0.1" units="cm"/>
@@ -2475,7 +2474,8 @@
       <inkml:brushProperty name="ignorePressure" value="1"/>
     </inkml:brush>
   </inkml:definitions>
-  <inkml:trace contextRef="#ctx0" brushRef="#br0">4 2460,'0'0,"0"0,0 0,0 0,0 0,0 0,0 0,-1 0,1 0,0 0,0 0,0 0,0 0,0 0,0 0,-1 0,1 1,0-1,0 0,0 0,0 0,0 0,0 0,0 0,-1 0,1 0,0 1,0-1,0 0,0 0,0 0,0 0,0 0,0 0,0 1,0-1,0 0,0 0,0 0,0 0,0 0,0 1,0-1,0 0,0 0,0 0,0 0,0 0,0 0,0 1,6 10,10 9,-7-11,1 0,1 0,-1 0,1-2,1 1,-1-1,1-1,24 9,-6-5,0-2,54 8,-50-11,-1-1,39-2,-56-2,-1-2,1 0,-1 0,1-1,-1-1,27-11,-37 13,13-5,-1 0,0-2,0 0,0 0,-1-2,-1 0,28-26,-30 22,-1 0,0-1,-2-1,0 1,10-24,-4 3,16-61,-3-55,-25 125,6-113,-9 100,2 0,8-44,9-5,19-108,-33 137,-6-122,-2 86,2 39,15-111,12-19,-12 123,-8 37,-1 0,-2-1,2-29,-6 31,1-20,12-89,-2 83,-3 17,4-52,-12 76,-1 1,0-1,-1 1,-4-18,2 14,4 12,0 3,0-1,0 0,0 1,0-1,-1 0,1 1,0-1,0 1,0-1,0 0,-1 1,1-1,0 1,0-1,-1 1,1-1,-1 1,1-1,0 1,-1-1,1 1,-1 0,1-1,-1 1,1 0,-1-1,1 1,-1 0,0-1,-6 3</inkml:trace>
+  <inkml:trace contextRef="#ctx0" brushRef="#br0">27 0,'0'4,"0"2</inkml:trace>
+  <inkml:trace contextRef="#ctx0" brushRef="#br0" timeOffset="1">0 131,'0'4,"0"2</inkml:trace>
 </inkml:ink>
 </file>
 
@@ -2493,7 +2493,7 @@
           <inkml:channelProperty channel="Y" name="resolution" value="1000" units="1/cm"/>
         </inkml:channelProperties>
       </inkml:inkSource>
-      <inkml:timestamp xml:id="ts0" timeString="2021-02-10T08:15:14.419"/>
+      <inkml:timestamp xml:id="ts0" timeString="2021-02-10T08:15:29.426"/>
     </inkml:context>
     <inkml:brush xml:id="br0">
       <inkml:brushProperty name="width" value="0.1" units="cm"/>
@@ -2502,7 +2502,7 @@
       <inkml:brushProperty name="ignorePressure" value="1"/>
     </inkml:brush>
   </inkml:definitions>
-  <inkml:trace contextRef="#ctx0" brushRef="#br0">304 171,'0'-3,"-1"0,1 0,0 0,-1 1,0-1,0 0,0 1,0-1,0 1,0-1,-1 1,-1-3,2 4,1 0,-1 0,0 0,1 1,-1-1,0 0,0 1,0-1,1 0,-1 1,0-1,0 1,0-1,0 1,0 0,0-1,0 1,0 0,0 0,0 0,0 0,0 0,0 0,0 0,0 0,0 0,0 0,0 0,0 1,0-1,0 0,0 1,0-1,0 1,1-1,-2 1,-12 10,1 1,1 0,-22 26,-5 5,0-3,12-12,-49 38,73-66,7-8,9-12,237-280,-247 298,1-4,1 0,0 1,0-1,0 1,1 1,6-5,-11 8,1 0,-1 0,1 1,0-1,-1 1,1-1,0 1,-1 0,1-1,0 1,-1 0,1 0,0 0,0 1,-1-1,1 0,0 0,-1 1,1 0,0-1,-1 1,1 0,-1-1,1 1,-1 0,1 0,-1 0,0 0,1 1,1 1,39 44,-2 1,46 72,-75-104,15 24,-5-8,1-1,47 50,-56-69</inkml:trace>
+  <inkml:trace contextRef="#ctx0" brushRef="#br0">0 0,'0'4,"0"2</inkml:trace>
 </inkml:ink>
 </file>
 
@@ -2520,7 +2520,7 @@
           <inkml:channelProperty channel="Y" name="resolution" value="1000" units="1/cm"/>
         </inkml:channelProperties>
       </inkml:inkSource>
-      <inkml:timestamp xml:id="ts0" timeString="2021-02-10T08:15:36.225"/>
+      <inkml:timestamp xml:id="ts0" timeString="2021-02-10T08:15:29.967"/>
     </inkml:context>
     <inkml:brush xml:id="br0">
       <inkml:brushProperty name="width" value="0.1" units="cm"/>
@@ -2529,7 +2529,7 @@
       <inkml:brushProperty name="ignorePressure" value="1"/>
     </inkml:brush>
   </inkml:definitions>
-  <inkml:trace contextRef="#ctx0" brushRef="#br0">28 1,'5'8,"0"-1,-1 1,0 1,0-1,0 1,-1-1,-1 1,0 0,3 18,-4-22,30 182,-26-141,-1-1,-4 61,-17 92,9-115,4-34,-22 383,27 597,-14-839,0-17,12 397,3-269,-16-118,7-119,1 91,19-40,-8-85,-1 1,-2 0,-3 60,-23 263,38-162,1-1,-15-186,0 0,0-1,0 1,1-1,0 1,0-1,0 0,0 1,4 5,-4-7,1-1,0 1,0-1,1 1,-1-1,0 0,1 0,-1 0,1 0,0 0,0-1,0 1,-1-1,6 1,12 5,0-1,26 3,-2 0,65 10,-32-7,-47-7,52 0,-54-5,1 2,31 6,-9 0,-1-3,99-2,-131-4,4 1</inkml:trace>
+  <inkml:trace contextRef="#ctx0" brushRef="#br0">1 0,'0'5,"0"5,0 1</inkml:trace>
 </inkml:ink>
 </file>
 
@@ -2574,7 +2574,7 @@
           <inkml:channelProperty channel="Y" name="resolution" value="1000" units="1/cm"/>
         </inkml:channelProperties>
       </inkml:inkSource>
-      <inkml:timestamp xml:id="ts0" timeString="2021-02-10T08:15:20.981"/>
+      <inkml:timestamp xml:id="ts0" timeString="2021-02-10T08:15:30.407"/>
     </inkml:context>
     <inkml:brush xml:id="br0">
       <inkml:brushProperty name="width" value="0.1" units="cm"/>
@@ -2583,7 +2583,7 @@
       <inkml:brushProperty name="ignorePressure" value="1"/>
     </inkml:brush>
   </inkml:definitions>
-  <inkml:trace contextRef="#ctx0" brushRef="#br0">241 64,'-5'0,"-9"0,-4-4,-2-2,-8 0,2-3,-12-5,-10 1,4 2</inkml:trace>
+  <inkml:trace contextRef="#ctx0" brushRef="#br0">1 1,'0'0</inkml:trace>
 </inkml:ink>
 </file>
 
@@ -2601,7 +2601,7 @@
           <inkml:channelProperty channel="Y" name="resolution" value="1000" units="1/cm"/>
         </inkml:channelProperties>
       </inkml:inkSource>
-      <inkml:timestamp xml:id="ts0" timeString="2021-02-10T08:15:21.762"/>
+      <inkml:timestamp xml:id="ts0" timeString="2021-02-10T08:15:37.363"/>
     </inkml:context>
     <inkml:brush xml:id="br0">
       <inkml:brushProperty name="width" value="0.1" units="cm"/>
@@ -2610,7 +2610,7 @@
       <inkml:brushProperty name="ignorePressure" value="1"/>
     </inkml:brush>
   </inkml:definitions>
-  <inkml:trace contextRef="#ctx0" brushRef="#br0">222 35,'-5'0,"-6"0,-5 0,-9 0,0-4,-5-2,-1 0,-10-3,3 0</inkml:trace>
+  <inkml:trace contextRef="#ctx0" brushRef="#br0">75 34,'-3'-1,"0"1,-1-1,1 0,0 0,0 0,0 0,0-1,0 1,0-1,0 0,-4-3,5 3,-1 0,1 0,-1 1,0-1,1 1,-1 0,0 0,0 0,0 0,-3-1,6 3,0 0,1 0,-1 0,1 0,-1 0,1 0,-1 0,1 0,-1 0,1 0,0 0,-1-1,1 1,0 0,0-1,1 2,42 32,2-1,0-3,72 34,-84-46,-27-15,-1 1,1 0,-1 0,0 1,7 6,-11-10,-1 1,0-1,0 1,0-1,0 1,0-1,0 1,0 0,-1-1,1 1,0 0,-1 0,0-1,1 1,-1 0,0 0,0 0,0 0,0-1,0 1,0 0,-1 0,1 0,0 0,-1-1,-1 3,-1 4,-2 0,1-1,-1 0,0 0,-1 0,1-1,-1 0,-1 0,-9 7,-11 7,-31 16,57-36,-28 16,-1-2,0-1,-1-1,-42 9,63-18</inkml:trace>
 </inkml:ink>
 </file>
 
@@ -2628,7 +2628,7 @@
           <inkml:channelProperty channel="Y" name="resolution" value="1000" units="1/cm"/>
         </inkml:channelProperties>
       </inkml:inkSource>
-      <inkml:timestamp xml:id="ts0" timeString="2021-02-10T08:15:23.204"/>
+      <inkml:timestamp xml:id="ts0" timeString="2021-02-10T08:15:38.527"/>
     </inkml:context>
     <inkml:brush xml:id="br0">
       <inkml:brushProperty name="width" value="0.1" units="cm"/>
@@ -2637,7 +2637,7 @@
       <inkml:brushProperty name="ignorePressure" value="1"/>
     </inkml:brush>
   </inkml:definitions>
-  <inkml:trace contextRef="#ctx0" brushRef="#br0">104 7,'-4'-5,"-2"4,-4 1,0 14,1 10,-2 13,0 10,3 28,2 10,3 17,1 1,-3 13,-1-8,1 4,1-12,2-20,0-22</inkml:trace>
+  <inkml:trace contextRef="#ctx0" brushRef="#br0">11 0,'-4'0,"-2"0</inkml:trace>
 </inkml:ink>
 </file>
 
@@ -2655,7 +2655,7 @@
           <inkml:channelProperty channel="Y" name="resolution" value="1000" units="1/cm"/>
         </inkml:channelProperties>
       </inkml:inkSource>
-      <inkml:timestamp xml:id="ts0" timeString="2021-02-10T08:15:23.705"/>
+      <inkml:timestamp xml:id="ts0" timeString="2021-02-10T08:15:38.869"/>
     </inkml:context>
     <inkml:brush xml:id="br0">
       <inkml:brushProperty name="width" value="0.1" units="cm"/>
@@ -2664,7 +2664,8 @@
       <inkml:brushProperty name="ignorePressure" value="1"/>
     </inkml:brush>
   </inkml:definitions>
-  <inkml:trace contextRef="#ctx0" brushRef="#br0">0 259,'0'-1,"0"0,1 0,-1 1,0-1,0 0,1 1,-1-1,0 0,1 1,-1-1,1 1,-1-1,1 0,-1 1,1-1,-1 1,1 0,-1-1,1 1,0-1,-1 1,1 0,0-1,-1 1,1 0,0 0,0-1,25-3,-22 3,164-8,-64 7,566-72,-6-41,-476 85,-109 21</inkml:trace>
+  <inkml:trace contextRef="#ctx0" brushRef="#br0">10 1,'0'4,"-4"7,-2 1</inkml:trace>
+  <inkml:trace contextRef="#ctx0" brushRef="#br0" timeOffset="1">10 263,'0'5,"0"0</inkml:trace>
 </inkml:ink>
 </file>
 
@@ -2682,7 +2683,7 @@
           <inkml:channelProperty channel="Y" name="resolution" value="1000" units="1/cm"/>
         </inkml:channelProperties>
       </inkml:inkSource>
-      <inkml:timestamp xml:id="ts0" timeString="2021-02-10T08:15:24.322"/>
+      <inkml:timestamp xml:id="ts0" timeString="2021-02-10T08:15:39.214"/>
     </inkml:context>
     <inkml:brush xml:id="br0">
       <inkml:brushProperty name="width" value="0.1" units="cm"/>
@@ -2691,7 +2692,8 @@
       <inkml:brushProperty name="ignorePressure" value="1"/>
     </inkml:brush>
   </inkml:definitions>
-  <inkml:trace contextRef="#ctx0" brushRef="#br0">0 252,'1'-1,"-1"0,0 0,0 0,1 1,-1-1,0 0,1 0,-1 1,1-1,-1 0,1 1,-1-1,1 0,-1 1,1-1,0 1,-1-1,1 1,0-1,-1 1,1-1,0 1,0 0,-1-1,1 1,0 0,0 0,1-1,29-3,-24 4,319-9,-122 7,396-56,-235-7,106-15,-352 69,-18 6</inkml:trace>
+  <inkml:trace contextRef="#ctx0" brushRef="#br0">0 0,'0'5,"0"5,0 2</inkml:trace>
+  <inkml:trace contextRef="#ctx0" brushRef="#br0" timeOffset="1">131 838,'-5'4,"-5"7,-6 1,1-2</inkml:trace>
 </inkml:ink>
 </file>
 
@@ -2709,7 +2711,7 @@
           <inkml:channelProperty channel="Y" name="resolution" value="1000" units="1/cm"/>
         </inkml:channelProperties>
       </inkml:inkSource>
-      <inkml:timestamp xml:id="ts0" timeString="2021-02-10T08:15:24.953"/>
+      <inkml:timestamp xml:id="ts0" timeString="2021-02-10T08:15:39.595"/>
     </inkml:context>
     <inkml:brush xml:id="br0">
       <inkml:brushProperty name="width" value="0.1" units="cm"/>
@@ -2718,7 +2720,7 @@
       <inkml:brushProperty name="ignorePressure" value="1"/>
     </inkml:brush>
   </inkml:definitions>
-  <inkml:trace contextRef="#ctx0" brushRef="#br0">0 6,'0'-4,"5"2,1 7,0 6,2 15,1 8,-1 16,-3 7,4 53,-1 17,3 35,0 3,-3 6,3-18,3-4,0-23,1-10,-1-25</inkml:trace>
+  <inkml:trace contextRef="#ctx0" brushRef="#br0">11 0,'-4'0,"-2"0</inkml:trace>
 </inkml:ink>
 </file>
 
@@ -2736,7 +2738,7 @@
           <inkml:channelProperty channel="Y" name="resolution" value="1000" units="1/cm"/>
         </inkml:channelProperties>
       </inkml:inkSource>
-      <inkml:timestamp xml:id="ts0" timeString="2021-02-10T08:15:26.514"/>
+      <inkml:timestamp xml:id="ts0" timeString="2021-02-10T08:15:39.963"/>
     </inkml:context>
     <inkml:brush xml:id="br0">
       <inkml:brushProperty name="width" value="0.1" units="cm"/>
@@ -2745,7 +2747,9 @@
       <inkml:brushProperty name="ignorePressure" value="1"/>
     </inkml:brush>
   </inkml:definitions>
-  <inkml:trace contextRef="#ctx0" brushRef="#br0">1 0,'0'5,"0"1</inkml:trace>
+  <inkml:trace contextRef="#ctx0" brushRef="#br0">1 25,'0'5,"4"1,6 0,2-2</inkml:trace>
+  <inkml:trace contextRef="#ctx0" brushRef="#br0" timeOffset="1">341 52,'4'5,"6"1,11 4,1 0</inkml:trace>
+  <inkml:trace contextRef="#ctx0" brushRef="#br0" timeOffset="2">838 0,'4'0,"11"0,3 0</inkml:trace>
 </inkml:ink>
 </file>
 
@@ -2763,7 +2767,7 @@
           <inkml:channelProperty channel="Y" name="resolution" value="1000" units="1/cm"/>
         </inkml:channelProperties>
       </inkml:inkSource>
-      <inkml:timestamp xml:id="ts0" timeString="2021-02-10T08:15:27.232"/>
+      <inkml:timestamp xml:id="ts0" timeString="2021-02-10T08:15:40.313"/>
     </inkml:context>
     <inkml:brush xml:id="br0">
       <inkml:brushProperty name="width" value="0.1" units="cm"/>
@@ -2772,7 +2776,8 @@
       <inkml:brushProperty name="ignorePressure" value="1"/>
     </inkml:brush>
   </inkml:definitions>
-  <inkml:trace contextRef="#ctx0" brushRef="#br0">237 0,'0'4,"-5"11,-1 7,-4-1,-5 11,-5 3,-2 5,-3 0,-6 3,2-3,3-3,0-3,5-7</inkml:trace>
+  <inkml:trace contextRef="#ctx0" brushRef="#br0">1 0,'4'0,"6"0,15 0,3 0</inkml:trace>
+  <inkml:trace contextRef="#ctx0" brushRef="#br0" timeOffset="1">419 52,'5'0,"1"0</inkml:trace>
 </inkml:ink>
 </file>
 
@@ -2790,7 +2795,7 @@
           <inkml:channelProperty channel="Y" name="resolution" value="1000" units="1/cm"/>
         </inkml:channelProperties>
       </inkml:inkSource>
-      <inkml:timestamp xml:id="ts0" timeString="2021-02-10T08:15:27.596"/>
+      <inkml:timestamp xml:id="ts0" timeString="2021-02-10T08:15:40.665"/>
     </inkml:context>
     <inkml:brush xml:id="br0">
       <inkml:brushProperty name="width" value="0.1" units="cm"/>
@@ -2799,7 +2804,7 @@
       <inkml:brushProperty name="ignorePressure" value="1"/>
     </inkml:brush>
   </inkml:definitions>
-  <inkml:trace contextRef="#ctx0" brushRef="#br0">1 0,'4'5,"11"10,6 11,6 6,5 11,-1 3,6 11,7 4,0-3,-3-7,-5-8,-7-15,-10-13</inkml:trace>
+  <inkml:trace contextRef="#ctx0" brushRef="#br0">1 0,'4'5,"2"1</inkml:trace>
 </inkml:ink>
 </file>
 
@@ -2817,7 +2822,7 @@
           <inkml:channelProperty channel="Y" name="resolution" value="1000" units="1/cm"/>
         </inkml:channelProperties>
       </inkml:inkSource>
-      <inkml:timestamp xml:id="ts0" timeString="2021-02-10T08:15:28.016"/>
+      <inkml:timestamp xml:id="ts0" timeString="2021-02-10T08:15:41.055"/>
     </inkml:context>
     <inkml:brush xml:id="br0">
       <inkml:brushProperty name="width" value="0.1" units="cm"/>
@@ -2826,7 +2831,8 @@
       <inkml:brushProperty name="ignorePressure" value="1"/>
     </inkml:brush>
   </inkml:definitions>
-  <inkml:trace contextRef="#ctx0" brushRef="#br0">0 6,'0'-4,"5"3,5 5,6 4,9 3,0 5,10 4,2-1,9 1,1-4,10-4,1-4,-2-8,-5-4,10-6,-4-1</inkml:trace>
+  <inkml:trace contextRef="#ctx0" brushRef="#br0">58 1,'-5'0,"-5"0,-10 4,-2 2</inkml:trace>
+  <inkml:trace contextRef="#ctx0" brushRef="#br0" timeOffset="1">58 289,'0'4,"0"6,-5 11,0 1</inkml:trace>
 </inkml:ink>
 </file>
 
@@ -2871,7 +2877,7 @@
           <inkml:channelProperty channel="Y" name="resolution" value="1000" units="1/cm"/>
         </inkml:channelProperties>
       </inkml:inkSource>
-      <inkml:timestamp xml:id="ts0" timeString="2021-02-10T08:15:28.661"/>
+      <inkml:timestamp xml:id="ts0" timeString="2021-02-10T08:15:41.417"/>
     </inkml:context>
     <inkml:brush xml:id="br0">
       <inkml:brushProperty name="width" value="0.1" units="cm"/>
@@ -2880,7 +2886,8 @@
       <inkml:brushProperty name="ignorePressure" value="1"/>
     </inkml:brush>
   </inkml:definitions>
-  <inkml:trace contextRef="#ctx0" brushRef="#br0">17 0,'-5'5,"-1"9,0 4</inkml:trace>
+  <inkml:trace contextRef="#ctx0" brushRef="#br0">1 0,'0'5,"0"1</inkml:trace>
+  <inkml:trace contextRef="#ctx0" brushRef="#br0" timeOffset="1">54 157,'-4'0,"-2"0</inkml:trace>
 </inkml:ink>
 </file>
 
@@ -2898,7 +2905,7 @@
           <inkml:channelProperty channel="Y" name="resolution" value="1000" units="1/cm"/>
         </inkml:channelProperties>
       </inkml:inkSource>
-      <inkml:timestamp xml:id="ts0" timeString="2021-02-10T08:15:29.048"/>
+      <inkml:timestamp xml:id="ts0" timeString="2021-02-10T08:15:41.802"/>
     </inkml:context>
     <inkml:brush xml:id="br0">
       <inkml:brushProperty name="width" value="0.1" units="cm"/>
@@ -2907,8 +2914,9 @@
       <inkml:brushProperty name="ignorePressure" value="1"/>
     </inkml:brush>
   </inkml:definitions>
-  <inkml:trace contextRef="#ctx0" brushRef="#br0">27 0,'0'4,"0"2</inkml:trace>
-  <inkml:trace contextRef="#ctx0" brushRef="#br0" timeOffset="1">0 131,'0'4,"0"2</inkml:trace>
+  <inkml:trace contextRef="#ctx0" brushRef="#br0">806 131,'-4'4,"-6"2,-6-1,-5 0,2-2</inkml:trace>
+  <inkml:trace contextRef="#ctx0" brushRef="#br0" timeOffset="1">414 52,'-4'0,"-11"0,-3 0</inkml:trace>
+  <inkml:trace contextRef="#ctx0" brushRef="#br0" timeOffset="2">48 0,'-5'0,"-5"0,-6 4,0 2</inkml:trace>
 </inkml:ink>
 </file>
 
@@ -2926,7 +2934,7 @@
           <inkml:channelProperty channel="Y" name="resolution" value="1000" units="1/cm"/>
         </inkml:channelProperties>
       </inkml:inkSource>
-      <inkml:timestamp xml:id="ts0" timeString="2021-02-10T08:15:29.426"/>
+      <inkml:timestamp xml:id="ts0" timeString="2021-02-10T08:15:42.168"/>
     </inkml:context>
     <inkml:brush xml:id="br0">
       <inkml:brushProperty name="width" value="0.1" units="cm"/>
@@ -2935,7 +2943,9 @@
       <inkml:brushProperty name="ignorePressure" value="1"/>
     </inkml:brush>
   </inkml:definitions>
-  <inkml:trace contextRef="#ctx0" brushRef="#br0">0 0,'0'4,"0"2</inkml:trace>
+  <inkml:trace contextRef="#ctx0" brushRef="#br0">691 0,'-9'5,"-2"1</inkml:trace>
+  <inkml:trace contextRef="#ctx0" brushRef="#br0" timeOffset="1">351 27,'-4'0,"-7"4,-9-2,-2-2</inkml:trace>
+  <inkml:trace contextRef="#ctx0" brushRef="#br0" timeOffset="2">11 27,'-4'4,"-2"2</inkml:trace>
 </inkml:ink>
 </file>
 
@@ -2953,7 +2963,7 @@
           <inkml:channelProperty channel="Y" name="resolution" value="1000" units="1/cm"/>
         </inkml:channelProperties>
       </inkml:inkSource>
-      <inkml:timestamp xml:id="ts0" timeString="2021-02-10T08:15:29.967"/>
+      <inkml:timestamp xml:id="ts0" timeString="2021-02-10T08:15:42.503"/>
     </inkml:context>
     <inkml:brush xml:id="br0">
       <inkml:brushProperty name="width" value="0.1" units="cm"/>
@@ -2962,7 +2972,8 @@
       <inkml:brushProperty name="ignorePressure" value="1"/>
     </inkml:brush>
   </inkml:definitions>
-  <inkml:trace contextRef="#ctx0" brushRef="#br0">1 0,'0'5,"0"5,0 1</inkml:trace>
+  <inkml:trace contextRef="#ctx0" brushRef="#br0">28 26,'-5'0,"-5"0,-2 0</inkml:trace>
+  <inkml:trace contextRef="#ctx0" brushRef="#br0" timeOffset="1">1 0,'0'5,"0"0</inkml:trace>
 </inkml:ink>
 </file>
 
@@ -2980,16 +2991,16 @@
           <inkml:channelProperty channel="Y" name="resolution" value="1000" units="1/cm"/>
         </inkml:channelProperties>
       </inkml:inkSource>
-      <inkml:timestamp xml:id="ts0" timeString="2021-02-10T08:15:30.407"/>
+      <inkml:timestamp xml:id="ts0" timeString="2021-02-10T08:13:41.843"/>
     </inkml:context>
     <inkml:brush xml:id="br0">
-      <inkml:brushProperty name="width" value="0.1" units="cm"/>
-      <inkml:brushProperty name="height" value="0.1" units="cm"/>
+      <inkml:brushProperty name="width" value="0.05" units="cm"/>
+      <inkml:brushProperty name="height" value="0.05" units="cm"/>
       <inkml:brushProperty name="color" value="#66CC00"/>
       <inkml:brushProperty name="ignorePressure" value="1"/>
     </inkml:brush>
   </inkml:definitions>
-  <inkml:trace contextRef="#ctx0" brushRef="#br0">1 1,'0'0</inkml:trace>
+  <inkml:trace contextRef="#ctx0" brushRef="#br0">371 2338,'-3'-17,"2"-3,1 19,1 0,-1 1,0-1,1 0,-1 0,0 1,1-1,-1 0,1 1,-1-1,1 1,0-1,-1 0,1 1,0-1,-1 1,1 0,0-1,-1 1,1 0,0-1,0 1,0 0,0-1,14-2,0 1,1 0,-1 1,0 1,24 2,-1 0,112 7,-58-1,67-12,-111 1,89 5,-70 2,0-4,67-7,8 0,285-33,-255 18,57-6,227-23,269 33,-402 17,30-11,66 0,-253 10,257 5,-370 3,0 1,-1 3,60 20,-76-20,-6-4,0-1,1-1,0-1,-1-2,1-1,0-2,56-9,140-24,-30 10,-50 9,-138 15,-1 0,1-1,-1 0,0-1,0 0,0 0,0-1,0 0,-1 0,1 0,-1-1,0-1,-1 1,9-9,-3 1,1-1,-2 0,0 0,-1-1,16-30,-18 25,0 0,-1 0,-1-1,-1 0,-1-1,1-21,1-131,-6 130,-2-515,-2 488,-3 0,-21-90,24 141,-16-73,-5 1,-37-89,6 46,52 127,0-1,-1 0,0 1,0 0,-1 0,0 1,-1 0,1 0,-1 0,-1 1,1 0,-1 0,0 0,-1 1,1 1,-1 0,0 0,0 0,0 1,-11-2,-7-1,1 1,-1 1,0 1,-35 2,-108 12,68-1,-592 0,195-9,160 30,2 26,129-20,160-29,-279 39,-164-17,353-31,-212-27,198 6,-73-12,141 22,-116-1,50 6,-26-5,-315 19,129 36,191-8,118-21,0-3,-88 7,113-18,18 0,1 0,-1 0,1 1,-1 0,-10 3,17-3,0 1,0-1,1 0,-1 1,0-1,0 1,1 0,-1 0,1 0,-1 0,1 1,0-1,0 0,0 1,0 0,1-1,-1 1,1 0,-2 5,-2 4,2 0,0 0,0 1,1-1,0 17,3 67,0-49,9 125,34 177,-19-181,5 197,-17-190,0-5,-14-84,2 43,-1-125,0 0,1-1,-1 1,1 0,0 0,0 0,0-1,0 1,1-1,-1 1,1-1,0 1,0-1,0 0,1 0,-1 0,1 0,0-1,4 5,-1-4,0 0,0 0,0 0,0-1,0 0,1-1,-1 1,0-1,1 0,10 0,53-1</inkml:trace>
 </inkml:ink>
 </file>
 
@@ -3007,16 +3018,16 @@
           <inkml:channelProperty channel="Y" name="resolution" value="1000" units="1/cm"/>
         </inkml:channelProperties>
       </inkml:inkSource>
-      <inkml:timestamp xml:id="ts0" timeString="2021-02-10T08:15:37.363"/>
+      <inkml:timestamp xml:id="ts0" timeString="2021-02-10T08:13:47.759"/>
     </inkml:context>
     <inkml:brush xml:id="br0">
-      <inkml:brushProperty name="width" value="0.1" units="cm"/>
-      <inkml:brushProperty name="height" value="0.1" units="cm"/>
+      <inkml:brushProperty name="width" value="0.05" units="cm"/>
+      <inkml:brushProperty name="height" value="0.05" units="cm"/>
       <inkml:brushProperty name="color" value="#66CC00"/>
       <inkml:brushProperty name="ignorePressure" value="1"/>
     </inkml:brush>
   </inkml:definitions>
-  <inkml:trace contextRef="#ctx0" brushRef="#br0">75 34,'-3'-1,"0"1,-1-1,1 0,0 0,0 0,0 0,0-1,0 1,0-1,0 0,-4-3,5 3,-1 0,1 0,-1 1,0-1,1 1,-1 0,0 0,0 0,0 0,-3-1,6 3,0 0,1 0,-1 0,1 0,-1 0,1 0,-1 0,1 0,-1 0,1 0,0 0,-1-1,1 1,0 0,0-1,1 2,42 32,2-1,0-3,72 34,-84-46,-27-15,-1 1,1 0,-1 0,0 1,7 6,-11-10,-1 1,0-1,0 1,0-1,0 1,0-1,0 1,0 0,-1-1,1 1,0 0,-1 0,0-1,1 1,-1 0,0 0,0 0,0 0,0-1,0 1,0 0,-1 0,1 0,0 0,-1-1,-1 3,-1 4,-2 0,1-1,-1 0,0 0,-1 0,1-1,-1 0,-1 0,-9 7,-11 7,-31 16,57-36,-28 16,-1-2,0-1,-1-1,-42 9,63-18</inkml:trace>
+  <inkml:trace contextRef="#ctx0" brushRef="#br0">130 1,'0'4,"0"7,0 5,0 13,-4 11,-2 17,0 6,-8 34,-1 9,-7 22,0-7,3 4,6-16,5-22,7-20,6-19,5-21,1-15</inkml:trace>
 </inkml:ink>
 </file>
 
@@ -3034,16 +3045,16 @@
           <inkml:channelProperty channel="Y" name="resolution" value="1000" units="1/cm"/>
         </inkml:channelProperties>
       </inkml:inkSource>
-      <inkml:timestamp xml:id="ts0" timeString="2021-02-10T08:15:38.527"/>
+      <inkml:timestamp xml:id="ts0" timeString="2021-02-10T08:13:48.588"/>
     </inkml:context>
     <inkml:brush xml:id="br0">
-      <inkml:brushProperty name="width" value="0.1" units="cm"/>
-      <inkml:brushProperty name="height" value="0.1" units="cm"/>
+      <inkml:brushProperty name="width" value="0.05" units="cm"/>
+      <inkml:brushProperty name="height" value="0.05" units="cm"/>
       <inkml:brushProperty name="color" value="#66CC00"/>
       <inkml:brushProperty name="ignorePressure" value="1"/>
     </inkml:brush>
   </inkml:definitions>
-  <inkml:trace contextRef="#ctx0" brushRef="#br0">11 0,'-4'0,"-2"0</inkml:trace>
+  <inkml:trace contextRef="#ctx0" brushRef="#br0">63 42,'0'-4,"0"1,0 0,0 0,0 0,0-1,1 1,0 0,0 0,1-4,-1 6,-1 1,0-1,0 1,1 0,-1-1,1 1,-1 0,0-1,1 1,-1 0,1 0,-1-1,0 1,1 0,-1 0,1 0,-1 0,1-1,-1 1,1 0,-1 0,1 0,0 0,19 9,62 56,-19-13,-14-18,1-2,72 32,114 38,-177-78,-40-18,14 6,-31-11,0-1,0 1,-1 0,1 0,0 0,-1 0,1 0,-1 1,1-1,-1 0,0 1,0-1,2 2,-3-2,0 0,0 0,0 0,0-1,0 1,0 0,0 0,0 0,0 0,0-1,0 1,0 0,-1 0,1 0,0-1,-1 1,1 0,0 0,-1-1,1 1,-1 0,1-1,-1 1,0-1,1 1,-2 0,-20 16,16-12,-202 164,-44 33,207-171,-1-1,-2-3,-93 39,82-45</inkml:trace>
 </inkml:ink>
 </file>
 
@@ -3061,17 +3072,16 @@
           <inkml:channelProperty channel="Y" name="resolution" value="1000" units="1/cm"/>
         </inkml:channelProperties>
       </inkml:inkSource>
-      <inkml:timestamp xml:id="ts0" timeString="2021-02-10T08:15:38.869"/>
+      <inkml:timestamp xml:id="ts0" timeString="2021-02-10T08:13:49.927"/>
     </inkml:context>
     <inkml:brush xml:id="br0">
-      <inkml:brushProperty name="width" value="0.1" units="cm"/>
-      <inkml:brushProperty name="height" value="0.1" units="cm"/>
+      <inkml:brushProperty name="width" value="0.05" units="cm"/>
+      <inkml:brushProperty name="height" value="0.05" units="cm"/>
       <inkml:brushProperty name="color" value="#66CC00"/>
       <inkml:brushProperty name="ignorePressure" value="1"/>
     </inkml:brush>
   </inkml:definitions>
-  <inkml:trace contextRef="#ctx0" brushRef="#br0">10 1,'0'4,"-4"7,-2 1</inkml:trace>
-  <inkml:trace contextRef="#ctx0" brushRef="#br0" timeOffset="1">10 263,'0'5,"0"0</inkml:trace>
+  <inkml:trace contextRef="#ctx0" brushRef="#br0">0 1,'1'6,"0"0,1-1,0 1,0 0,0 0,1-1,0 1,6 8,2 6,-1 0,2 0,0 0,1-1,25 29,-29-38,1-1,1 0,-1 0,2-1,-1 0,1-1,0 0,0-1,16 5,201 53,-73-23,-70-8,-70-25,1-1,1-1,-1 0,1-1,0-1,25 3,167 17,-191-24,1-2,-1 0,0-2,0 0,22-8,-20 6,6 0,0 0,1 2,50-2,-50 6</inkml:trace>
 </inkml:ink>
 </file>
 
@@ -3089,17 +3099,16 @@
           <inkml:channelProperty channel="Y" name="resolution" value="1000" units="1/cm"/>
         </inkml:channelProperties>
       </inkml:inkSource>
-      <inkml:timestamp xml:id="ts0" timeString="2021-02-10T08:15:39.214"/>
+      <inkml:timestamp xml:id="ts0" timeString="2021-02-10T08:13:51.168"/>
     </inkml:context>
     <inkml:brush xml:id="br0">
-      <inkml:brushProperty name="width" value="0.1" units="cm"/>
-      <inkml:brushProperty name="height" value="0.1" units="cm"/>
+      <inkml:brushProperty name="width" value="0.05" units="cm"/>
+      <inkml:brushProperty name="height" value="0.05" units="cm"/>
       <inkml:brushProperty name="color" value="#66CC00"/>
       <inkml:brushProperty name="ignorePressure" value="1"/>
     </inkml:brush>
   </inkml:definitions>
-  <inkml:trace contextRef="#ctx0" brushRef="#br0">0 0,'0'5,"0"5,0 2</inkml:trace>
-  <inkml:trace contextRef="#ctx0" brushRef="#br0" timeOffset="1">131 838,'-5'4,"-5"7,-6 1,1-2</inkml:trace>
+  <inkml:trace contextRef="#ctx0" brushRef="#br0">1195 0,'-23'1,"0"1,0 1,1 1,-33 9,13 1,-55 26,67-27,0 2,2 2,-1 0,2 2,0 1,2 1,0 2,-39 45,-45 58,-10 14,10-11,68-83,-49 68,-56 150,146-263,-10 20</inkml:trace>
 </inkml:ink>
 </file>
 
@@ -3117,16 +3126,16 @@
           <inkml:channelProperty channel="Y" name="resolution" value="1000" units="1/cm"/>
         </inkml:channelProperties>
       </inkml:inkSource>
-      <inkml:timestamp xml:id="ts0" timeString="2021-02-10T08:15:39.595"/>
+      <inkml:timestamp xml:id="ts0" timeString="2021-02-10T08:13:52.455"/>
     </inkml:context>
     <inkml:brush xml:id="br0">
-      <inkml:brushProperty name="width" value="0.1" units="cm"/>
-      <inkml:brushProperty name="height" value="0.1" units="cm"/>
+      <inkml:brushProperty name="width" value="0.05" units="cm"/>
+      <inkml:brushProperty name="height" value="0.05" units="cm"/>
       <inkml:brushProperty name="color" value="#66CC00"/>
       <inkml:brushProperty name="ignorePressure" value="1"/>
     </inkml:brush>
   </inkml:definitions>
-  <inkml:trace contextRef="#ctx0" brushRef="#br0">11 0,'-4'0,"-2"0</inkml:trace>
+  <inkml:trace contextRef="#ctx0" brushRef="#br0">101 95,'0'-5,"-4"-1,-2-4,-5-1,1-2,-4 1,-3-3,-3 2,1 3</inkml:trace>
 </inkml:ink>
 </file>
 
@@ -3205,18 +3214,16 @@
           <inkml:channelProperty channel="Y" name="resolution" value="1000" units="1/cm"/>
         </inkml:channelProperties>
       </inkml:inkSource>
-      <inkml:timestamp xml:id="ts0" timeString="2021-02-10T08:15:39.963"/>
+      <inkml:timestamp xml:id="ts0" timeString="2021-02-10T08:13:52.839"/>
     </inkml:context>
     <inkml:brush xml:id="br0">
-      <inkml:brushProperty name="width" value="0.1" units="cm"/>
-      <inkml:brushProperty name="height" value="0.1" units="cm"/>
+      <inkml:brushProperty name="width" value="0.05" units="cm"/>
+      <inkml:brushProperty name="height" value="0.05" units="cm"/>
       <inkml:brushProperty name="color" value="#66CC00"/>
       <inkml:brushProperty name="ignorePressure" value="1"/>
     </inkml:brush>
   </inkml:definitions>
-  <inkml:trace contextRef="#ctx0" brushRef="#br0">1 25,'0'5,"4"1,6 0,2-2</inkml:trace>
-  <inkml:trace contextRef="#ctx0" brushRef="#br0" timeOffset="1">341 52,'4'5,"6"1,11 4,1 0</inkml:trace>
-  <inkml:trace contextRef="#ctx0" brushRef="#br0" timeOffset="2">838 0,'4'0,"11"0,3 0</inkml:trace>
+  <inkml:trace contextRef="#ctx0" brushRef="#br0">0 27,'0'-5,"0"-5,0-2</inkml:trace>
 </inkml:ink>
 </file>
 
@@ -3234,17 +3241,16 @@
           <inkml:channelProperty channel="Y" name="resolution" value="1000" units="1/cm"/>
         </inkml:channelProperties>
       </inkml:inkSource>
-      <inkml:timestamp xml:id="ts0" timeString="2021-02-10T08:15:40.313"/>
+      <inkml:timestamp xml:id="ts0" timeString="2021-02-10T08:13:53.902"/>
     </inkml:context>
     <inkml:brush xml:id="br0">
-      <inkml:brushProperty name="width" value="0.1" units="cm"/>
-      <inkml:brushProperty name="height" value="0.1" units="cm"/>
+      <inkml:brushProperty name="width" value="0.05" units="cm"/>
+      <inkml:brushProperty name="height" value="0.05" units="cm"/>
       <inkml:brushProperty name="color" value="#66CC00"/>
       <inkml:brushProperty name="ignorePressure" value="1"/>
     </inkml:brush>
   </inkml:definitions>
-  <inkml:trace contextRef="#ctx0" brushRef="#br0">1 0,'4'0,"6"0,15 0,3 0</inkml:trace>
-  <inkml:trace contextRef="#ctx0" brushRef="#br0" timeOffset="1">419 52,'5'0,"1"0</inkml:trace>
+  <inkml:trace contextRef="#ctx0" brushRef="#br0">242 40,'-1'0,"1"1,0-1,-1 0,1 0,0 0,-1 0,1 0,-1 0,1-1,0 1,-1 0,1 0,-1 0,1 0,0 0,-1 0,1-1,0 1,-1 0,1 0,0-1,-1 1,1 0,0 0,0-1,-1 1,1 0,0-1,0 1,0 0,-1-1,1 1,0 0,0-1,0 1,0-1,0 1,0 0,0-1,0 1,0-1,0 1,0 0,0-1,7-19,-3 11,-7 10,0 0,0 0,0 0,0 0,0 1,0-1,-4 4,-4 2,1 1,-14 13,23-18,7-4,9-5,12-11,-17 10,-1 1,19-9,-56 40,10-7,-12 7,5-7,2 2,0 0,2 2,0 1,-18 25,39-48,1 0,-1 0,0 0,0 0,1 0,-1 0,0 0,0 0,1 0,-1 0,0 0,0 0,1 0,-1 0,0 0,0 0,1 0,-1 0,0 0,0 0,0 0,1 1,-1-1,0 0,0 0,0 0,1 0,-1 1,0-1,0 0,0 0,0 0,0 1,0-1,1 0,-1 0,0 1,0-1,0 0,0 0,0 1,0-1,0 0,0 0,0 1,0-1,0 0,0 0,0 1,0-1,0 0,0 0,-1 1,1-1,0 0,0 0,0 0,0 1,-1-1,24-9,-22 8,19-10,37-27,-39 25,35-19,-53 31,0 1,0 0,0 0,0 0,0 0,0 0,0 0,0-1,0 1,0 0,1 0,-1 0,0 0,0 0,0 0,0 0,0 0,0 0,1-1,-1 1,0 0,0 0,0 0,0 0,0 0,1 0,-1 0,0 0,0 0,0 0,0 0,1 0,-1 0,0 0,0 0,0 0,0 1,0-1,1 0,-1 0,0 0,0 0,0 0,0 0,0 0,0 0,0 0,1 1,-1-1,0 0,0 0,0 0,0 0,0 0,0 0,0 1,0-1,0 0,-6 12,-17 17,-19 17,15-17,1 0,1 2,-35 56,59-84,-1 0,1 0,0 0,0 1,0-1,0 0,0 1,0 3,1-6,0-1,0 1,0 0,1-1,-1 1,0 0,0-1,0 1,0 0,1-1,-1 1,0 0,1-1,-1 1,0-1,1 1,-1-1,1 1,-1-1,1 1,-1-1,1 1,-1-1,1 0,-1 1,1-1,-1 0,1 0,0 1,-1-1,1 0,0 0,-1 0,1 0,0 1,-1-1,1 0,0 0,-1 0,1-1,0 1,-1 0,1 0,0 0,-1 0,2-1,9-2,0 0,0-1,-1 0,1-1,16-10,50-37,-66 44,76-57,-164 122,37-28,1 1,-38 38,56-39,21-29,0 0,0-1,1 1,-1 0,0 0,0 0,1 0,-1 0,0 0,0 0,1 0,-1 0,0 0,0 0,1 0,-1 0,0 0,1 0,-1 0,0 0,0 0,1 0,-1 0,0 0,0 1,1-1,-1 0,0 0,0 0,0 0,1 1,-1-1,0 0,0 0,0 0,0 1,1-1,-1 0,0 0,0 1,0-1,0 0,0 0,0 1,0-1,0 0,0 0,0 1,0-1,0 0,0 1,0-1,0 0,0 0,0 1,0-1,0 0,0 0,0 1,0-1,0 0,-1 0,1 1,0-1,0 0,0 0,0 0,-1 1,25-11,-22 9,52-29,0-3,59-48,-90 57,-42 34,1 0,0 2,-21 16,-50 48,67-58,10-8,0 1,1-1,0 2,0 0,-9 15,19-27,1 0,0 0,0 0,-1 0,1 1,0-1,0 0,-1 0,1 1,0-1,0 0,0 0,0 1,-1-1,1 0,0 0,0 1,0-1,0 0,0 1,0-1,0 0,0 0,0 1,0-1,0 0,0 1,0-1,0 0,0 0,0 1,0-1,0 0,0 1,1-1,-1 0,0 0,0 1,0-1,0 0,1 0,-1 1,0-1,0 0,0 0,1 0,-1 0,0 1,0-1,1 0,-1 0,0 0,1 0,-1 0,0 0,0 0,1 1,-1-1,0 0,1 0,-1 0,0 0,0 0,1 0,-1-1,0 1,1 0,23-7,13-14,0-2,57-47,-53 38,-7 7,-9 7,0-1,-2 0,28-31,-50 49,0-1,0 1,0 0,0 0,-1 0,1 0,0-1,-1 1,1 0,-1-1,1-1,-1 2,0 1,0 0,0-1,0 1,0 0,0-1,0 1,0 0,0-1,0 1,-1 0,1-1,0 1,0 0,0-1,-1 1,1 0,0 0,0-1,-1 1,1 0,0 0,-1-1,1 1,0 0,-1 0,1 0,-1-1,-3 0,-1 1,1-1,0 0,-1 1,1 0,-6 1,8-1,-1 0,0 0,0 0,0 0,0 0,0 0,0-1,1 0,-6-1,7 1,1 1,-1-1,1 0,0 1,-1-1,1 0,0 0,-1 1,1-1,0 0,0 0,-1 1,1-1,0 0,0 0,0 0,0 0,0 1,1-1,-1 0,0 0,0 1,0-1,1 0,-1 0,0 0,1 1,-1-1,0 0,1 1,0-2,20-24,-12 16,-7 5,-7 6,-11 9,-5 7,0 1,1 0,1 2,-33 42,49-58,0 1,1-1,0 1,0-1,-2 7,3-10,1 0,0-1,0 1,0 0,-1-1,1 1,0 0,0 0,0-1,0 1,0 0,0 0,0-1,1 1,-1 0,0-1,0 1,1 0,-1 0,0-1,1 1,-1-1,0 1,1 0,-1-1,1 1,-1-1,1 1,-1-1,1 1,-1-1,1 1,0-1,-1 0,1 1,0-1,-1 0,1 0,0 1,-1-1,1 0,0 0,0 0,-1 0,1 0,0 0,1 0,6-1,1 1,-1-2,1 1,-1-1,0 0,0-1,16-7,56-32,-63 31,17-8,-89 67,-14 6</inkml:trace>
 </inkml:ink>
 </file>
 
@@ -3262,16 +3268,16 @@
           <inkml:channelProperty channel="Y" name="resolution" value="1000" units="1/cm"/>
         </inkml:channelProperties>
       </inkml:inkSource>
-      <inkml:timestamp xml:id="ts0" timeString="2021-02-10T08:15:40.665"/>
+      <inkml:timestamp xml:id="ts0" timeString="2021-02-10T08:13:55.282"/>
     </inkml:context>
     <inkml:brush xml:id="br0">
-      <inkml:brushProperty name="width" value="0.1" units="cm"/>
-      <inkml:brushProperty name="height" value="0.1" units="cm"/>
+      <inkml:brushProperty name="width" value="0.05" units="cm"/>
+      <inkml:brushProperty name="height" value="0.05" units="cm"/>
       <inkml:brushProperty name="color" value="#66CC00"/>
       <inkml:brushProperty name="ignorePressure" value="1"/>
     </inkml:brush>
   </inkml:definitions>
-  <inkml:trace contextRef="#ctx0" brushRef="#br0">1 0,'4'5,"2"1</inkml:trace>
+  <inkml:trace contextRef="#ctx0" brushRef="#br0">0 1,'1'0,"0"0,0 0,-1 0,1 0,0 1,-1-1,1 0,0 1,-1-1,1 1,0-1,-1 0,1 1,-1 0,1-1,-1 1,1-1,-1 1,1-1,-1 1,0 0,1 0,8 20,-5-10,-2-7,0 0,0 0,0 0,1 0,0 0,0 0,0-1,0 1,1-1,-1 0,1 0,0 0,-1 0,10 3,-8-4,1 0,-1-1,1 1,0-1,0-1,0 1,-1-1,1 0,0 0,0-1,11-2,-1-1,0-2,-1 1,1-2,-1 0,18-12,19-8,-33 22,-19 5,0 0,0 0,0 0,1 0,-1 0,0 0,0 1,1-1,-1 0,0 0,0 0,0 0,0 0,1 1,-1-1,0 0,0 0,0 0,0 1,0-1,0 0,0 0,1 0,-1 1,0-1,0 0,0 0,0 1,0-1,0 0,0 0,0 0,0 1,0-1,0 0,0 0,0 1,0-1,-1 0,0 4,0-1,-1 1,0-1,0 0,0 0,0 1,-4 3,-41 47,21-26,-42 60,66-86,1 1,0-1,-1 1,1 0,0 0,0-1,0 1,1 0,-1 0,1 0,-1 0,1 4,0-6,1 0,-1-1,0 1,1 0,-1 0,0 0,1 0,-1 0,1 0,0 0,-1-1,1 1,0 0,-1-1,1 1,0 0,0-1,0 1,-1-1,1 1,0-1,0 1,0-1,0 0,0 1,0-1,0 0,0 0,0 0,0 0,0 0,0 0,0 0,0 0,0 0,0 0,0 0,0-1,1 1,18-5,-1 0,1-1,-1-1,0-1,28-16,22-9,-68 32,1 0,-1 1,0-1,1 0,-1 1,1-1,-1 1,1 0,-1-1,1 1,-1 0,1 0,-1 0,4 0,-5 2,0-1,0 0,-1 0,1 1,0-1,0 0,-1 0,1 0,0 0,-1 1,1-1,-1 0,0 0,1 0,-1 0,0 0,1 0,-1 0,-1 1,-81 99,57-72,1 1,-21 35,43-62,2 1,-1-1,0 0,1 1,-1 0,1-1,0 1,0 0,0 5,1-9,0 1,0-1,0 1,0-1,0 1,0-1,1 1,-1-1,0 1,0-1,0 1,1 0,-1-1,0 0,0 1,1-1,-1 1,0-1,1 1,-1-1,1 0,-1 1,1-1,-1 0,1 1,0-1,1 1,-1-1,1 0,-1 0,1 0,-1 0,1 0,-1 0,1 0,-1 0,0-1,1 1,-1-1,2 0,17-7,0 0,-1-2,-1 0,19-14,71-57,-84 62,61-48,-125 110,25-28,-272 290,240-241,45-62,1 0,0-1,0 1,0 0,0 0,0 0,0 0,0 0,0 0,1 0,-1 0,1 0,0 0,-1 3,2-4,-1-1,1 0,-1 1,1-1,-1 0,1 1,-1-1,1 0,-1 0,1 0,-1 1,1-1,-1 0,1 0,0 0,-1 0,1 0,-1 0,1 0,-1 0,1 0,0 0,-1 0,1-1,-1 1,1 0,-1 0,1 0,-1-1,1 1,0-1,13-6,-1 0,23-16,272-235,-203 164,-282 271,112-108,-105 118,160-175,1 0,-10 20,9-3</inkml:trace>
 </inkml:ink>
 </file>
 
@@ -3289,17 +3295,16 @@
           <inkml:channelProperty channel="Y" name="resolution" value="1000" units="1/cm"/>
         </inkml:channelProperties>
       </inkml:inkSource>
-      <inkml:timestamp xml:id="ts0" timeString="2021-02-10T08:15:41.055"/>
+      <inkml:timestamp xml:id="ts0" timeString="2021-02-10T08:13:55.637"/>
     </inkml:context>
     <inkml:brush xml:id="br0">
-      <inkml:brushProperty name="width" value="0.1" units="cm"/>
-      <inkml:brushProperty name="height" value="0.1" units="cm"/>
+      <inkml:brushProperty name="width" value="0.05" units="cm"/>
+      <inkml:brushProperty name="height" value="0.05" units="cm"/>
       <inkml:brushProperty name="color" value="#66CC00"/>
       <inkml:brushProperty name="ignorePressure" value="1"/>
     </inkml:brush>
   </inkml:definitions>
-  <inkml:trace contextRef="#ctx0" brushRef="#br0">58 1,'-5'0,"-5"0,-10 4,-2 2</inkml:trace>
-  <inkml:trace contextRef="#ctx0" brushRef="#br0" timeOffset="1">58 289,'0'4,"0"6,-5 11,0 1</inkml:trace>
+  <inkml:trace contextRef="#ctx0" brushRef="#br0">599 28,'0'-9,"4"-3,-2 5,-16 13,-9 9,-6 7,-29 36,-8 16,-25 36,-2 8,3 11,16-12,29-22,23-27</inkml:trace>
 </inkml:ink>
 </file>
 
@@ -3317,17 +3322,16 @@
           <inkml:channelProperty channel="Y" name="resolution" value="1000" units="1/cm"/>
         </inkml:channelProperties>
       </inkml:inkSource>
-      <inkml:timestamp xml:id="ts0" timeString="2021-02-10T08:15:41.417"/>
+      <inkml:timestamp xml:id="ts0" timeString="2021-02-10T08:13:59.660"/>
     </inkml:context>
     <inkml:brush xml:id="br0">
-      <inkml:brushProperty name="width" value="0.1" units="cm"/>
-      <inkml:brushProperty name="height" value="0.1" units="cm"/>
+      <inkml:brushProperty name="width" value="0.05" units="cm"/>
+      <inkml:brushProperty name="height" value="0.05" units="cm"/>
       <inkml:brushProperty name="color" value="#66CC00"/>
       <inkml:brushProperty name="ignorePressure" value="1"/>
     </inkml:brush>
   </inkml:definitions>
-  <inkml:trace contextRef="#ctx0" brushRef="#br0">1 0,'0'5,"0"1</inkml:trace>
-  <inkml:trace contextRef="#ctx0" brushRef="#br0" timeOffset="1">54 157,'-4'0,"-2"0</inkml:trace>
+  <inkml:trace contextRef="#ctx0" brushRef="#br0">544 912,'-31'19,"1"1,1 1,1 2,-40 40,41-37,-56 54,-97 121,174-194,0 1,1-1,-9 16,14-22,0-1,0 0,0 1,-1-1,1 0,0 1,0-1,0 0,0 1,0-1,0 1,0-1,0 0,-1 1,2-1,-1 1,0-1,0 1,0-1,0 0,0 1,0-1,0 0,0 1,1-1,-1 1,0-1,0 0,0 1,1-1,-1 0,0 0,0 1,1-1,-1 0,0 1,1-1,-1 0,0 0,1 0,-1 1,1-1,-1 0,0 0,1 0,-1 0,1 0,-1 0,0 0,1 0,-1 0,1 0,-1 0,1 0,3 0,1-1,-1 0,0 0,0 0,0 0,0-1,0 0,0 0,0 0,4-3,41-31,-35 24,80-67,-3-5,-4-4,99-129,-183 213,17-20,-2-1,30-52,-45 63,-3 13,0 1,0 0,-1 0,1 0,0-1,0 1,0 0,0 0,-1 0,1 0,0-1,0 1,0 0,-1 0,1 0,0 0,0 0,-1 0,1 0,0 0,0 0,0 0,-1 0,1 0,0 0,0 0,-1 0,1 0,0 0,-1 0,-20 9,-72 52,248-193,-110 98,-1-3,74-81,-33 22,-71 83,0 0,1 0,0 1,25-14,-35 24,-4 4,-9 9,-17 15,12-13,2-3,1-1,1 1,0 1,0 0,-10 17,19-27,-1-1,1 1,-1-1,1 1,0 0,-1-1,1 1,0 0,-1-1,1 1,0 0,0-1,0 1,0 0,0 0,0-1,0 1,0 0,0-1,0 1,0 0,0-1,1 1,-1 0,0 0,0-1,1 1,-1-1,1 2,0-1,1-1,-1 1,0-1,0 1,1-1,-1 0,0 0,0 0,1 1,-1-1,0 0,1-1,-1 1,0 0,2 0,9-3,0 0,17-8,-27 11,32-14,-20 7,0 1,0 0,1 2,0-1,0 2,0 0,19-1,-33 4,-1-1,1 1,0 0,-1 0,1 0,-1 0,1 0,-1 0,1 0,-1 0,1 1,-1-1,1 0,0 0,-1 0,1 0,-1 1,1-1,-1 0,0 1,1-1,-1 0,1 1,-1-1,1 1,-1-1,0 0,1 2,-1-2,0 1,-1 0,1 0,0-1,0 1,-1 0,1 0,-1-1,1 1,-1 0,1-1,-1 1,1-1,-1 1,1-1,-2 2,-32 21,32-22,-55 30,-1-3,-1-2,-113 32,153-52,0-2,-1 0,1-1,-1-1,-25-1,31-2,0 0,0-1,0-1,0 0,1 0,-1-2,1 0,-16-8,-37-29,53 33,1 1,-1 0,-1 0,1 1,-1 1,-26-8,20 11,0 0,-1 2,0 1,1 0,-1 1,-22 5,6-2,33-3,0-1,-1 1,1-1,0 0,-1-1,-4 0,8 1,1 0,-1-1,1 1,-1 0,0-1,1 1,-1 0,1-1,-1 1,1-1,-1 1,1 0,-1-1,1 1,0-1,-1 0,1 1,0-1,-1 1,1-1,0 0,0 1,-1-1,1 1,0-1,0 0,0 1,0-1,0 0,0 1,0-1,0 0,0 1,0-1,0 0,1 1,-1-1,0 0,0 1,1-1,-1 1,0-1,1 1,-1-1,0 1,1-2,2-2,8-23,-11 27,0 0,0-1,0 1,0 0,0 0,0-1,0 1,0 0,0-1,0 1,0 0,0 0,0-1,0 1,0 0,0 0,-1-1,1 1,0 0,0 0,0-1,0 1,0 0,-1 0,1 0,0-1,0 1,0 0,-1 0,1-1,-15 5,5 2,1 1,0 0,0 0,1 1,0 0,0 0,1 1,0 0,0 0,-8 17,14-24,0 0,0 0,0 0,0 0,1 0,-1 0,1 0,-1 0,1 0,0 0,0 1,0-1,0 0,0 0,0 0,0 0,2 4,-1-4,0 0,0-1,0 1,0-1,0 1,0-1,1 1,-1-1,0 0,1 0,-1 1,1-1,0 0,-1 0,1-1,2 2,2 0,1 0,-1-1,1 1,-1-1,1-1,0 1,-1-1,1-1,0 1,7-2,1-2,-10 3,-1 0,0-1,1 2,-1-1,0 0,1 1,-1 0,1 0,7 1,-12 0,1-1,-1 0,1 1,-1-1,1 0,-1 1,1-1,-1 0,0 1,1-1,-1 1,0-1,1 1,-1-1,0 1,0-1,1 1,-1 0,0-1,0 1,0-1,0 1,0-1,0 1,0 0,0-1,0 1,0-1,0 1,0 0,0-1,0 1,0-1,-1 1,1-1,0 1,-13 24,12-23,-97 132,18-28,68-87,1 0,0 0,-14 36,24-50,-1-1,1 1,0 0,0-1,1 1,-1 0,1 6,0-10,0 0,0 0,0 0,1-1,-1 1,0 0,0 0,1 0,-1 0,0 0,1-1,-1 1,1 0,-1 0,1 0,-1-1,1 1,-1 0,1-1,0 1,0-1,-1 1,1-1,0 1,0-1,-1 1,1-1,0 0,0 1,0-1,0 0,0 0,0 0,-1 1,1-1,0 0,0 0,0 0,0-1,0 1,0 0,0 0,0 0,1-1,6-2,1 0,-1 0,0-1,-1 0,1-1,12-9,43-38,-63 51,93-89,-103 98,-16 17,-29 34,43-43,-15 27,23-37,1 0,0 0,0 1,1 0,0-1,0 1,1 0,-1 8,2-13,0 0,0-1,0 1,0 0,0-1,0 1,1 0,-1-1,0 1,1-1,1 3,-2-3,1-1,-1 1,1-1,-1 1,1-1,0 1,-1-1,1 1,0-1,-1 0,1 0,0 1,0-1,-1 0,1 0,0 0,0 0,-1 1,1-1,0 0,0 0,-1-1,1 1,0 0,0 0,-1 0,1 0,0-1,-1 1,1 0,0-1,0 0,13-5,-1-1,0-1,0 0,-1-1,13-12,58-58,-65 61,86-92,111-151,-209 253,1 0,0 0,1 1,0-1,0 2,0-1,1 1,0 1,0-1,1 1,-1 1,1 0,0 0,0 1,12-2,-12 3,2-1,-1 0,1-1,20-9,-30 12,0 1,-1-1,1 0,-1 0,1 0,-1 0,0 0,1 0,-1 0,0 0,0-1,0 1,1 0,-1-1,-1 1,1-1,0 1,0-1,-1 1,1-1,0 0,-1 1,0-1,1 0,-1 0,0 1,0-1,0 0,0 1,0-1,0 0,-1 0,1 1,-2-4,0 1,0 1,0-1,-1 1,1 0,-1-1,0 1,0 1,0-1,0 0,-1 1,1-1,-1 1,1 0,-1 0,0 1,0-1,0 1,0 0,0 0,0 0,-5 0,-11-2,0 1,-39 1,55 1,-8 0,1 0,-1 0,1 2,0-1,-1 1,1 1,-17 6,27-9,1 0,0 0,0 0,-1 0,1 0,0 0,0 1,-1-1,1 0,0 0,0 0,-1 0,1 0,0 0,0 0,0 1,-1-1,1 0,0 0,0 0,0 1,-1-1,1 0,0 0,0 0,0 1,0-1,0 0,0 0,0 1,0-1,0 0,-1 0,1 1,10 1,22-3,41-8,143-14,-159 20,106 8,-120 0,130 8,-155-9,-18-4,0 0,0 0,1 0,-1 1,0-1,0 0,1 0,-1 1,0-1,0 0,1 0,-1 1,0-1,0 0,0 1,0-1,0 0,0 1,1-1,-1 0,0 1,0-1,0 0,0 1,0-1,0 0,0 1,-2 2,1 0,0 0,-1 0,0 0,1 0,-1 0,-4 3,4-2,-33 37,25-30,-1 1,2 0,-1 1,-8 17,17-29,1-1,0 1,-1 0,1-1,0 1,0-1,-1 1,1 0,0-1,0 1,0 0,0-1,0 1,0 0,0-1,0 1,0 0,0-1,0 1,0 0,0-1,0 1,1 1,0-2,-1 0,1 1,-1-1,1 0,0 1,-1-1,1 0,0 0,-1 1,1-1,0 0,-1 0,1 0,0 0,-1 0,1 0,0 0,0 0,0-1,40-12,-37 12,204-102,-182 89,1-2,-27 16,0 0,0 0,0 0,0 0,0 0,-1 0,1 0,0 0,0 0,0 0,0 0,0-1,0 1,0 0,-1 0,1 0,0 0,0 0,0 0,0 0,0 0,0 0,0 0,0-1,0 1,0 0,0 0,-1 0,1 0,0 0,0 0,0 0,0-1,0 1,0 0,0 0,0 0,0 0,0 0,0 0,0-1,0 1,0 0,0 0,1 0,-1 0,0 0,0 0,0 0,0-1,0 1,0 0,0 0,0 0,0 0,0 0,-6 1,-1 0,1 0,-1 1,1 0,0 0,0 1,-11 6,-2 0,-44 19,1 4,1 2,-74 55,134-88,-1 0,1 0,-1 0,1 0,0 0,-1 1,1-1,0 0,0 1,0-1,0 1,-1 2,3-4,-1 0,0 1,0-1,0 0,0 0,0 1,0-1,1 0,-1 1,0-1,0 0,0 0,1 1,-1-1,0 0,0 0,1 0,-1 1,0-1,0 0,1 0,-1 0,0 0,1 0,-1 0,0 1,1-1,-1 0,0 0,1 0,-1 0,0 0,1 0,-1 0,0 0,0-1,1 1,7 0,-1-1,1-1,-1 1,15-6,62-27,-36 14,76-22,-122 42,0-1,1 0,-1 1,0-1,1 1,-1 0,1 0,-1 0,0 0,1 0,-1 1,3 0,-4-1,-1 0,0 0,0 1,1-1,-1 0,0 0,0 1,1-1,-1 0,0 0,0 1,0-1,0 0,1 1,-1-1,0 0,0 0,0 1,0-1,0 0,0 1,0-1,0 0,0 1,0-1,0 0,0 1,0 0,-9 15,-50 52,45-55,1 0,1 1,1 0,0 1,0 1,-9 19,20-35,-1 1,1-1,0 1,0 0,-1-1,1 1,0-1,0 1,0-1,0 1,0 0,-1-1,1 1,0 0,0-1,1 1,-1-1,0 1,0 0,0-1,0 1,0-1,1 1,-1-1,0 1,0 0,1 0,0-1,0 0,0 1,0-1,-1 0,1 0,0 0,0 0,0 0,0 0,0 0,0 0,-1 0,1 0,0 0,0 0,0-1,0 1,1-1,20-8,0-2,-1 0,31-23,-1 2,-49 32,-8 6,-22 16,9-7,-30 17,49-32,-1 0,1 1,0-1,0 0,0 0,0 0,0 0,0 0,0 0,-1 0,1 0,0 0,0 0,0 0,0 0,0 0,-1 0,1 0,0 1,0-1,0 0,0-1,0 1,-1 0,1 0,0 0,0 0,0 0,0 0,0 0,-1 0,1 0,0 0,0 0,0 0,0 0,0 0,0 0,0-1,-1 1,1 0,0 0,0 0,0 0,2-10,11-18,-9 21,-2 2,15-28,20-57,-34 80,0 0,0 0,-1 0,-1 0,0-1,0 1,-1 0,0-1,0 1,-2 0,-1-11,1 16,1 0,-1 0,0 0,-1 1,1-1,-1 1,0 0,0-1,0 1,-7-6,-1 1,0 0,-18-10,19 13,0-1,1 0,0 0,-14-14,23 20,-1 0,0 1,0-1,0 0,1 0,-1 0,0 0,1 0,-1 0,1 0,-1 0,1 0,-1 0,1-1,0 1,0 0,-1 0,1 0,0 0,0-1,0 1,0 0,1 0,-1 0,0 0,0-1,2-1,-1 2,0 0,0 0,0 0,0 0,0 0,1 0,-1 1,0-1,1 0,-1 1,1-1,-1 1,1-1,-1 1,1 0,-1-1,1 1,-1 0,1 0,2 0,23 3,0 0,35 10,0-1,48 9,-174-53,16 12,10 5,-65-36,98 48,0 0,0 0,1 0,0-1,0 0,0 0,0 0,-4-7,7 9,-1 0,1 0,0-1,0 1,0-1,0 1,1 0,-1-1,1 1,-1-1,1 0,0 1,0-1,0 1,0-1,1 1,-1-1,1 1,1-6,1-1,9-23,-12 31,1 0,-1 0,1 0,-1 0,1 0,0 0,-1 0,1 0,0 1,0-1,0 0,0 0,0 1,-1-1,1 0,1 1,-1-1,0 1,0-1,0 1,0 0,2-1,4 2,1 1,-1 0,0 0,0 0,0 1,0 0,0 0,11 9,-1-3,-7-4,8 4,-1 1,25 18,-42-28,0 0,0 0,0 0,0 0,0 0,0 0,0 0,-1 0,1 0,0 0,0 0,0 0,0 0,0 0,0 0,0 0,0 0,0 0,0 1,0-1,0 0,0 0,0 0,0 0,0 0,0 0,0 0,0 0,0 0,0 0,0 0,0 0,0 0,0 0,0 0,0 0,0 1,0-1,0 0,0 0,0 0,0 0,0 0,0 0,0 0,0 0,0 0,0 0,0 0,0 0,0 0,0 0,-11-2,-16-6,-84-34,-47-15,145 55,13 6,22 10,51 29,255 162,-324-201,0-1,1 0,-1 0,1 0,0-1,0 1,0-1,0 0,0-1,0 1,0-1,1 0,-1 0,11 0,-16-2,0 1,0 0,1 0,-1 0,0 0,0 0,1 0,-1 0,0 0,1 0,-1 0,0 0,0 1,1-1,-1 0,0 0,0 0,1 0,-1 0,0 0,0 1,0-1,1 0,-1 0,0 0,0 1,0-1,1 0,-1 0,0 0,0 1,0-1,0 1,-3 9,-15 15,-25 24,-72 62,-56 29,162-133,-7 7,20-16,28-19,-30 19,209-126,-209 127,-120 67,-146 84,251-141,19-10,21-12,-5 1</inkml:trace>
 </inkml:ink>
 </file>
 
@@ -3345,18 +3349,16 @@
           <inkml:channelProperty channel="Y" name="resolution" value="1000" units="1/cm"/>
         </inkml:channelProperties>
       </inkml:inkSource>
-      <inkml:timestamp xml:id="ts0" timeString="2021-02-10T08:15:41.802"/>
+      <inkml:timestamp xml:id="ts0" timeString="2021-02-10T08:14:00.015"/>
     </inkml:context>
     <inkml:brush xml:id="br0">
-      <inkml:brushProperty name="width" value="0.1" units="cm"/>
-      <inkml:brushProperty name="height" value="0.1" units="cm"/>
+      <inkml:brushProperty name="width" value="0.05" units="cm"/>
+      <inkml:brushProperty name="height" value="0.05" units="cm"/>
       <inkml:brushProperty name="color" value="#66CC00"/>
       <inkml:brushProperty name="ignorePressure" value="1"/>
     </inkml:brush>
   </inkml:definitions>
-  <inkml:trace contextRef="#ctx0" brushRef="#br0">806 131,'-4'4,"-6"2,-6-1,-5 0,2-2</inkml:trace>
-  <inkml:trace contextRef="#ctx0" brushRef="#br0" timeOffset="1">414 52,'-4'0,"-11"0,-3 0</inkml:trace>
-  <inkml:trace contextRef="#ctx0" brushRef="#br0" timeOffset="2">48 0,'-5'0,"-5"0,-6 4,0 2</inkml:trace>
+  <inkml:trace contextRef="#ctx0" brushRef="#br0">27 48,'-4'0,"-7"-5,4-14,3-4</inkml:trace>
 </inkml:ink>
 </file>
 
@@ -3374,18 +3376,16 @@
           <inkml:channelProperty channel="Y" name="resolution" value="1000" units="1/cm"/>
         </inkml:channelProperties>
       </inkml:inkSource>
-      <inkml:timestamp xml:id="ts0" timeString="2021-02-10T08:15:42.168"/>
+      <inkml:timestamp xml:id="ts0" timeString="2021-02-10T08:14:01.097"/>
     </inkml:context>
     <inkml:brush xml:id="br0">
-      <inkml:brushProperty name="width" value="0.1" units="cm"/>
-      <inkml:brushProperty name="height" value="0.1" units="cm"/>
+      <inkml:brushProperty name="width" value="0.05" units="cm"/>
+      <inkml:brushProperty name="height" value="0.05" units="cm"/>
       <inkml:brushProperty name="color" value="#66CC00"/>
       <inkml:brushProperty name="ignorePressure" value="1"/>
     </inkml:brush>
   </inkml:definitions>
-  <inkml:trace contextRef="#ctx0" brushRef="#br0">691 0,'-9'5,"-2"1</inkml:trace>
-  <inkml:trace contextRef="#ctx0" brushRef="#br0" timeOffset="1">351 27,'-4'0,"-7"4,-9-2,-2-2</inkml:trace>
-  <inkml:trace contextRef="#ctx0" brushRef="#br0" timeOffset="2">11 27,'-4'4,"-2"2</inkml:trace>
+  <inkml:trace contextRef="#ctx0" brushRef="#br0">1184 222,'0'-2,"0"0,0-1,-1 1,1 0,-1-1,1 1,-1 0,0 0,0 0,1-1,-2 1,1 0,0 0,0 0,-1 1,1-1,-3-2,0 1,1 0,0 1,-1 0,0 0,1 0,-1 0,0 1,0-1,-5 0,-4-1,0 1,0 1,-1 0,1 0,-15 3,-23 3,1 2,0 3,1 2,0 2,-72 30,95-32,-1-2,0 0,-32 5,49-13,-1-1,1 0,0-1,-1 0,1 0,0-1,-1 0,1-1,0 0,0-1,0 0,-11-6,-72-39,58 28,-61-25,50 27,-62-13,173 54,-5-6,1-4,0-2,1-2,73 0,-100-13,-34 4,-1 0,1 0,-1 0,0 0,1 0,-1 0,1 0,-1 0,0-1,1 1,-1 0,1 0,-1 0,0-1,1 1,-1 0,0 0,1-1,-1 1,0 0,0-1,1 1,-1 0,0-1,0 1,0 0,1-1,-1 1,0-1,0 1,0 0,0-1,0 1,0-1,0 1,0 0,0-1,0 1,0-1,0 0,-13-13,-7 2,0 1,-1 1,0 1,-1 0,-37-8,13 3,-104-29,126 34,24 9,-1 0,1 0,0 0,0 0,0 0,-1-1,1 1,0 0,0 0,0 0,0 0,-1 0,1 0,0-1,0 1,0 0,0 0,0 0,0-1,-1 1,1 0,0 0,0 0,0 0,0-1,0 1,0 0,0 0,0-1,0 1,0 0,0 0,0 0,0-1,0 1,0 0,0 0,0 0,0-1,0 1,0 0,1 0,-1 0,0-1,0 1,0 0,0 0,0 0,0 0,1 0,-1-1,0 1,0 0,0 0,0 0,1 0,-1 0,0 0,0 0,0 0,1-1,15-3,43-2,0 2,0 4,71 7,-90-5,-16-1,0 0,0 2,0 0,-1 2,33 10,-47-9,-21-7,-24-5,15 1,-36-10,52 14,0-1,0 0,0 0,0 0,1-1,-1 0,1 0,-5-3,32 9,60 35,-63-27,1-1,0-1,1-1,24 6,-45-15,-8-3,-13-4,12 7,1-1,-1 1,1 0,-1 1,0 0,0 0,1 1,-1 0,0 0,1 1,-13 4,9-1,0 0,1 0,-1 1,1 0,1 1,-18 16,5-1,2 1,0 1,2 1,0 0,-13 29,-3 10,3 2,-31 96,61-158,-6 13,1 0,1 1,1-1,0 1,-2 36,6-52,0 0,0-1,1 1,-1-1,0 1,0-1,1 1,-1-1,1 1,-1-1,1 1,0-1,0 1,1 1,-2-3,1 1,0-1,-1 0,1 1,0-1,-1 0,1 0,0 0,-1 0,1 0,0 1,-1-1,1 0,0 0,-1-1,1 1,0 0,-1 0,1 0,0 0,-1-1,1 1,0 0,-1 0,1-1,-1 1,1-1,-1 1,1 0,0-2,21-17</inkml:trace>
 </inkml:ink>
 </file>
 
@@ -3403,17 +3403,16 @@
           <inkml:channelProperty channel="Y" name="resolution" value="1000" units="1/cm"/>
         </inkml:channelProperties>
       </inkml:inkSource>
-      <inkml:timestamp xml:id="ts0" timeString="2021-02-10T08:15:42.503"/>
+      <inkml:timestamp xml:id="ts0" timeString="2021-02-10T08:21:36.950"/>
     </inkml:context>
     <inkml:brush xml:id="br0">
       <inkml:brushProperty name="width" value="0.1" units="cm"/>
       <inkml:brushProperty name="height" value="0.1" units="cm"/>
-      <inkml:brushProperty name="color" value="#66CC00"/>
+      <inkml:brushProperty name="color" value="#E71224"/>
       <inkml:brushProperty name="ignorePressure" value="1"/>
     </inkml:brush>
   </inkml:definitions>
-  <inkml:trace contextRef="#ctx0" brushRef="#br0">28 26,'-5'0,"-5"0,-2 0</inkml:trace>
-  <inkml:trace contextRef="#ctx0" brushRef="#br0" timeOffset="1">1 0,'0'5,"0"0</inkml:trace>
+  <inkml:trace contextRef="#ctx0" brushRef="#br0">12 0,'-5'6,"-2"1</inkml:trace>
 </inkml:ink>
 </file>
 
@@ -3431,16 +3430,16 @@
           <inkml:channelProperty channel="Y" name="resolution" value="1000" units="1/cm"/>
         </inkml:channelProperties>
       </inkml:inkSource>
-      <inkml:timestamp xml:id="ts0" timeString="2021-02-10T08:13:41.843"/>
+      <inkml:timestamp xml:id="ts0" timeString="2021-02-10T08:21:52.033"/>
     </inkml:context>
     <inkml:brush xml:id="br0">
-      <inkml:brushProperty name="width" value="0.05" units="cm"/>
-      <inkml:brushProperty name="height" value="0.05" units="cm"/>
-      <inkml:brushProperty name="color" value="#66CC00"/>
+      <inkml:brushProperty name="width" value="0.1" units="cm"/>
+      <inkml:brushProperty name="height" value="0.1" units="cm"/>
+      <inkml:brushProperty name="color" value="#E71224"/>
       <inkml:brushProperty name="ignorePressure" value="1"/>
     </inkml:brush>
   </inkml:definitions>
-  <inkml:trace contextRef="#ctx0" brushRef="#br0">371 2338,'-3'-17,"2"-3,1 19,1 0,-1 1,0-1,1 0,-1 0,0 1,1-1,-1 0,1 1,-1-1,1 1,0-1,-1 0,1 1,0-1,-1 1,1 0,0-1,-1 1,1 0,0-1,0 1,0 0,0-1,14-2,0 1,1 0,-1 1,0 1,24 2,-1 0,112 7,-58-1,67-12,-111 1,89 5,-70 2,0-4,67-7,8 0,285-33,-255 18,57-6,227-23,269 33,-402 17,30-11,66 0,-253 10,257 5,-370 3,0 1,-1 3,60 20,-76-20,-6-4,0-1,1-1,0-1,-1-2,1-1,0-2,56-9,140-24,-30 10,-50 9,-138 15,-1 0,1-1,-1 0,0-1,0 0,0 0,0-1,0 0,-1 0,1 0,-1-1,0-1,-1 1,9-9,-3 1,1-1,-2 0,0 0,-1-1,16-30,-18 25,0 0,-1 0,-1-1,-1 0,-1-1,1-21,1-131,-6 130,-2-515,-2 488,-3 0,-21-90,24 141,-16-73,-5 1,-37-89,6 46,52 127,0-1,-1 0,0 1,0 0,-1 0,0 1,-1 0,1 0,-1 0,-1 1,1 0,-1 0,0 0,-1 1,1 1,-1 0,0 0,0 0,0 1,-11-2,-7-1,1 1,-1 1,0 1,-35 2,-108 12,68-1,-592 0,195-9,160 30,2 26,129-20,160-29,-279 39,-164-17,353-31,-212-27,198 6,-73-12,141 22,-116-1,50 6,-26-5,-315 19,129 36,191-8,118-21,0-3,-88 7,113-18,18 0,1 0,-1 0,1 1,-1 0,-10 3,17-3,0 1,0-1,1 0,-1 1,0-1,0 1,1 0,-1 0,1 0,-1 0,1 1,0-1,0 0,0 1,0 0,1-1,-1 1,1 0,-2 5,-2 4,2 0,0 0,0 1,1-1,0 17,3 67,0-49,9 125,34 177,-19-181,5 197,-17-190,0-5,-14-84,2 43,-1-125,0 0,1-1,-1 1,1 0,0 0,0 0,0-1,0 1,1-1,-1 1,1-1,0 1,0-1,0 0,1 0,-1 0,1 0,0-1,4 5,-1-4,0 0,0 0,0 0,0-1,0 0,1-1,-1 1,0-1,1 0,10 0,53-1</inkml:trace>
+  <inkml:trace contextRef="#ctx0" brushRef="#br0">0 351,'0'-1,"1"0,-1 1,0-1,0 0,0 1,1-1,-1 1,0-1,1 0,-1 1,1-1,-1 1,0-1,1 1,-1-1,1 1,-1-1,1 1,0 0,-1-1,1 1,-1 0,1-1,0 1,-1 0,1 0,0 0,-1-1,1 1,0 0,-1 0,1 0,0 0,-1 0,1 0,1 1,33 3,-22-1,5-2,1-1,0 0,0-1,-1-1,37-8,88-37,-108 34,0 0,0 3,1 1,55-7,43 12,56-6,-114 2,114-16,-2-3,13-3,-138 19,0 2,0 4,125 4,-81 17,-71-9,48 3,-6-8,-27-2,75 11,-38 0,0-3,174-9,-135-12,226-54,-32 4,-257 55,-1 2,1 3,75 7,115 23,-195-18,-1 4,74 25,-107-30,1-1,0-1,0-1,0-1,1-2,-1 0,1-2,49-6,56-9,193-18,-280 30,0 2,63 7,-91-5,-1 2,0 0,1 1,-1 1,-1 0,1 1,-1 1,0 0,26 17,-34-18,-1 0,1 1,-1-1,0 1,0 0,-1 1,6 8,25 60,-28-56,0-1,2-1,21 32,97 93,-87-102,-3 2,46 64,-61-72,-1 0,-2 2,-2 0,-1 1,-2 1,20 77,-17-2,5 160,-20 114,-4-294,-7 33,8-127,0 1,1-1,-1 0,0 1,0-1,0 1,0-1,0 1,0-1,0 1,1-1,-1 0,0 1,0-1,1 1,-1-1,0 0,0 1,1-1,-1 0,0 0,1 1,-1-1,1 0,-1 0,0 1,1-1,-1 0,1 0,-1 0,1 0,-1 1,0-1,1 0,-1 0,1 0,0 0,24-2,-6 0,177 21,58 1,-224-19,-15 0,-1-1,1 0,-1-1,0-1,17-3,-30 5,0-1,0 1,0 0,0-1,0 1,0-1,0 1,0-1,-1 1,1-1,0 1,0-1,0 0,-1 0,1 1,-1-1,1 0,0 0,-1 0,1 0,-1 0,0 1,1-1,-1 0,0 0,1 0,-1 0,0 0,0 0,0 0,0 0,0 0,0 0,0 0,0 0,-1 0,1 0,0 0,-1 0,1 0,0 0,-1-1,-3-6,0 1,-1-1,1 1,-8-8,5 5,-58-70,16 22,48 57,0 0,1 0,-1 0,0 0,1 0,-1 0,0 0,1 0,-1 0,1 0,0 0,-1 0,1-3,0 4,0 0,0 0,0-1,1 1,-1 0,0 0,0 0,0 0,1-1,-1 1,0 0,0 0,1 0,-1 0,0 0,0 0,1-1,-1 1,0 0,1 0,-1 0,0 0,0 0,1 0,-1 0,0 0,1 0,-1 1,0-1,0 0,1 0,-1 0,1 0,32 13,4 6,0 2,0 1,-2 2,58 52,-89-72,1 0,-1 0,0 0,-1 1,1 0,3 6,-6-10,-1 0,1 1,-1-1,1 0,-1 0,0 1,1-1,-1 0,0 0,0 1,0-1,0 0,0 1,0-1,-1 0,1 1,0-1,-1 0,1 0,-1 1,1-1,-1 0,1 0,-1 0,0 0,0 0,0 0,1 0,-1 0,0 0,0 0,0 0,0 0,-1-1,-1 2,-21 11,-1 0,0-2,-1-1,-31 8,34-12,0 2,0 0,0 1,1 2,1 0,-27 19,35-16,12-14,1 0,0 0,0 1,0-1,0 0,0 0,0 0,0 1,0-1,0 0,0 0,0 1,0-1,0 0,0 0,0 0,0 1,0-1,0 0,0 0,0 0,0 1,1-1,-1 0,0 0,0 0,0 0,0 1,0-1,0 0,1 0,-1 0,0 0,0 0,0 1,0-1,1 0,-1 0,0 0,2 0,1 1,-1-1,0 0,0 0,0 0,0-1,0 1,0 0,0-1,0 0,0 1,0-1,3-1,18-10,0-2,-1 0,22-18,22-15,-61 43,-1 1,1-1,-1-1,0 1,0 0,0-1,-1 0,1 0,-1 0,0 0,-1-1,1 1,-1-1,0 1,0-1,1-10,-2 7,1 0,-2 0,1 0,-1 0,-1 0,0-1,0 1,0 0,-2 0,-2-10,4 17,1 1,-1-1,0 1,1-1,-1 1,0-1,0 1,0 0,0-1,0 1,0 0,0 0,-1 0,1 0,0 0,0 0,-1 0,1 0,-1 0,-2 0,3 1,0 0,0 0,0 0,0 0,0 0,0 1,0-1,0 0,0 1,0-1,0 1,0-1,0 1,0-1,0 1,1 0,-1-1,0 1,0 0,1 0,-1-1,0 1,1 0,-1 0,1 0,-1 0,1 0,-1 0,1 0,0 0,-1 2,-2 6,1 1,0 0,0-1,1 13,-2 13</inkml:trace>
 </inkml:ink>
 </file>
 
@@ -3458,16 +3457,16 @@
           <inkml:channelProperty channel="Y" name="resolution" value="1000" units="1/cm"/>
         </inkml:channelProperties>
       </inkml:inkSource>
-      <inkml:timestamp xml:id="ts0" timeString="2021-02-10T08:13:47.759"/>
+      <inkml:timestamp xml:id="ts0" timeString="2021-02-10T08:21:56.719"/>
     </inkml:context>
     <inkml:brush xml:id="br0">
-      <inkml:brushProperty name="width" value="0.05" units="cm"/>
-      <inkml:brushProperty name="height" value="0.05" units="cm"/>
-      <inkml:brushProperty name="color" value="#66CC00"/>
+      <inkml:brushProperty name="width" value="0.1" units="cm"/>
+      <inkml:brushProperty name="height" value="0.1" units="cm"/>
+      <inkml:brushProperty name="color" value="#E71224"/>
       <inkml:brushProperty name="ignorePressure" value="1"/>
     </inkml:brush>
   </inkml:definitions>
-  <inkml:trace contextRef="#ctx0" brushRef="#br0">130 1,'0'4,"0"7,0 5,0 13,-4 11,-2 17,0 6,-8 34,-1 9,-7 22,0-7,3 4,6-16,5-22,7-20,6-19,5-21,1-15</inkml:trace>
+  <inkml:trace contextRef="#ctx0" brushRef="#br0">1 241,'56'0,"19"-1,125 15,-157-10,1-1,-1-2,0-2,0-2,0-2,71-17,15-7,2 6,222-12,-52 7,-69 2,237 18,-324 24,27 2,-118-18,88-13,52-20,49-6,68 13,-254 22,111 7,56 21,-99-8,-69-13,-41-3,0 0,-1 1,1 1,28 7,-41-8,1 0,-1 0,0 0,1 0,-1 1,0-1,0 1,0 0,0-1,0 1,0 0,-1 0,1 0,0 0,-1 1,0-1,1 0,-1 1,0-1,1 5,0 3,0 0,0 0,-1 0,-1 12,3 17,12 31,2-1,46 116,-51-153,65 211,-54-165,28 117,-7 2,20 235,35 250,-83-571,-5 1,-5 152,-6-240,0 0,8 42,-7-57,1-1,0 0,1-1,0 1,0 0,1-1,0 1,0-1,1 0,0-1,9 12,10 3,0-1,1 0,1-2,0-1,30 13,152 61,-196-85,118 40,1-6,1-6,197 26,371-7,297-90,-709 11,774-57,83 67,-870 18,123 11,90-2,-123-22,187-2,-116-2,-66 1,856 11,-614 5,427-21,-346-15,-551 27,135-11,432-74,-543 68,4 0,-129 16,189-34,-158 32,88 0,-45 12,74-3,-180 0,-1 0,1-1,0 0,-1 0,0-1,1 0,-1 0,0-1,-1 0,1-1,10-8,-8 5,-1-1,0 0,-1 0,0-1,-1 0,1 0,6-16,-1 0,-2-1,-1-1,-1 0,-1 0,-2-1,4-35,-5 14,-1-1,-4-58,0 91,-2 0,-1 0,0 0,-1 1,0-1,-2 1,0 0,-1 0,-14-23,17 33,0 1,-1-1,0 1,0-1,-1 2,0-1,0 0,-11-7,5 8</inkml:trace>
 </inkml:ink>
 </file>
 
@@ -3513,16 +3512,16 @@
           <inkml:channelProperty channel="Y" name="resolution" value="1000" units="1/cm"/>
         </inkml:channelProperties>
       </inkml:inkSource>
-      <inkml:timestamp xml:id="ts0" timeString="2021-02-10T08:13:48.588"/>
+      <inkml:timestamp xml:id="ts0" timeString="2021-02-10T08:21:58.407"/>
     </inkml:context>
     <inkml:brush xml:id="br0">
-      <inkml:brushProperty name="width" value="0.05" units="cm"/>
-      <inkml:brushProperty name="height" value="0.05" units="cm"/>
-      <inkml:brushProperty name="color" value="#66CC00"/>
+      <inkml:brushProperty name="width" value="0.1" units="cm"/>
+      <inkml:brushProperty name="height" value="0.1" units="cm"/>
+      <inkml:brushProperty name="color" value="#E71224"/>
       <inkml:brushProperty name="ignorePressure" value="1"/>
     </inkml:brush>
   </inkml:definitions>
-  <inkml:trace contextRef="#ctx0" brushRef="#br0">63 42,'0'-4,"0"1,0 0,0 0,0 0,0-1,1 1,0 0,0 0,1-4,-1 6,-1 1,0-1,0 1,1 0,-1-1,1 1,-1 0,0-1,1 1,-1 0,1 0,-1-1,0 1,1 0,-1 0,1 0,-1 0,1-1,-1 1,1 0,-1 0,1 0,0 0,19 9,62 56,-19-13,-14-18,1-2,72 32,114 38,-177-78,-40-18,14 6,-31-11,0-1,0 1,-1 0,1 0,0 0,-1 0,1 0,-1 1,1-1,-1 0,0 1,0-1,2 2,-3-2,0 0,0 0,0 0,0-1,0 1,0 0,0 0,0 0,0 0,0-1,0 1,0 0,-1 0,1 0,0-1,-1 1,1 0,0 0,-1-1,1 1,-1 0,1-1,-1 1,0-1,1 1,-2 0,-20 16,16-12,-202 164,-44 33,207-171,-1-1,-2-3,-93 39,82-45</inkml:trace>
+  <inkml:trace contextRef="#ctx0" brushRef="#br0">186 160,'-58'43,"22"-8,24-25,0 0,1 1,0 1,1 0,0 0,-13 23,21-27,8-11,12-18,183-243,-195 256,-2 2,0 0,1 0,-1 1,1-1,1 1,-1 0,9-5,-13 9,0 1,0 0,0-1,0 1,0 0,0 0,0 0,0 0,0 0,1 0,-1 0,0 0,0 0,0 1,0-1,0 0,0 1,0-1,0 1,0-1,0 1,-1-1,1 1,0 0,0-1,0 1,-1 0,1 0,0 0,-1 0,1-1,0 2,19 35,-17-31,52 114,-52-116,-2 0,1 1,0-1,-1 0,0 0,0 1,0-1,0 1,-1-1,0 6,0-9,0 1,-1-1,1 1,-1-1,1 0,-1 1,0-1,0 0,0 1,0-1,0 0,0 0,0 0,0 0,0 0,0 0,0 0,-1 0,1 0,0 0,-1-1,1 1,-1 0,1-1,-1 0,1 1,-1-1,1 0,-1 0,1 0,-1 0,-1 0,-16 0,0 0,-1-2,1 0,0-2,-36-10,55 14,-1 0,1 0,-1 0,1 0,-1 0,1 0,0 0,-1 0,1-1,-1 1,1 0,-1 0,1 0,0 0,-1-1,1 1,0 0,-1 0,1-1,0 1,-1 0,1-1,0 1,-1 0,1-1,0 1,0 0,-1-1,1 1,0 0,0-1,0 1,0-1,0 1,-1-1,1 1,0 0,0-1,0 1,0-1,0 1,0-1,1 1,-1 0,0-1,0 1,0-1,0 1,0 0,1-1,-1 1,0-1,23-19,-11 11,-3-1,0 0,-1-1,0 0,-1 0,0-1,-1 0,0 0,6-20,-12 30,1 1,-1-1,1 0,0 0,-1 1,1-1,0 1,0-1,0 1,0-1,1 1,-1 0,0-1,0 1,1 0,-1 0,3-2,-2 3,-1 1,0-1,0 0,0 0,0 0,1 1,-1-1,0 1,0-1,0 1,0-1,0 1,0 0,0-1,0 1,0 0,-1 0,1-1,0 1,0 0,-1 0,1 0,0 0,-1 0,1 0,-1 0,1 3,178 265,-179-269,0 0,0 0,0 0,0 0,0 0,0 0,0 0,0 0,0 0,0 0,-1 0,1 0,0 1,0-1,0 0,0 0,0 0,0 0,0 0,0 0,0 0,0 0,0 0,0 0,0 1,0-1,0 0,0 0,0 0,0 0,0 0,0 0,0 0,0 0,0 1,-17-13,-21-21,12 3,-42-61,39 50,14 20,-17-31,33 50,3 5,12 11,20 21,131 156,-138-155</inkml:trace>
 </inkml:ink>
 </file>
 
@@ -3540,16 +3539,16 @@
           <inkml:channelProperty channel="Y" name="resolution" value="1000" units="1/cm"/>
         </inkml:channelProperties>
       </inkml:inkSource>
-      <inkml:timestamp xml:id="ts0" timeString="2021-02-10T08:13:49.927"/>
+      <inkml:timestamp xml:id="ts0" timeString="2021-02-10T08:22:02.032"/>
     </inkml:context>
     <inkml:brush xml:id="br0">
-      <inkml:brushProperty name="width" value="0.05" units="cm"/>
-      <inkml:brushProperty name="height" value="0.05" units="cm"/>
-      <inkml:brushProperty name="color" value="#66CC00"/>
+      <inkml:brushProperty name="width" value="0.1" units="cm"/>
+      <inkml:brushProperty name="height" value="0.1" units="cm"/>
+      <inkml:brushProperty name="color" value="#E71224"/>
       <inkml:brushProperty name="ignorePressure" value="1"/>
     </inkml:brush>
   </inkml:definitions>
-  <inkml:trace contextRef="#ctx0" brushRef="#br0">0 1,'1'6,"0"0,1-1,0 1,0 0,0 0,1-1,0 1,6 8,2 6,-1 0,2 0,0 0,1-1,25 29,-29-38,1-1,1 0,-1 0,2-1,-1 0,1-1,0 0,0-1,16 5,201 53,-73-23,-70-8,-70-25,1-1,1-1,-1 0,1-1,0-1,25 3,167 17,-191-24,1-2,-1 0,0-2,0 0,22-8,-20 6,6 0,0 0,1 2,50-2,-50 6</inkml:trace>
+  <inkml:trace contextRef="#ctx0" brushRef="#br0">19 846,'-13'-4,"8"2,13 8,7 1,1 0,1-1,-1 0,1-2,27 5,-24-5,148 17,-39-8,-49-2,2-4,-1-3,92-8,-33-20,-109 18,25-8,-36 9,0 0,0 1,22-1,100-11,-62 5,21-1,168-14,-115 13,-24 2,23 6,-64 4,0-4,90-17,-14-11,150-28,-214 44,255-41,3 28,-330 31,0 1,56 13,-59-10,1 0,-1-2,44 1,-50-7,0-1,1 0,-2-1,1-1,22-11,-29 12,-8 3,0 1,-1-1,1-1,-1 1,1-1,-1 0,0 0,0 0,0 0,0-1,-1 0,1 0,-1 0,0 0,0 0,0 0,-1-1,0 0,0 1,0-1,0 0,-1 0,1 0,-1 0,-1 0,1 0,-1-8,-3-177,-1 76,1 74,1 31,1-1,0 0,2-15,-1 24,0 0,0 0,1 0,-1 0,0 0,1 0,-1 0,1 0,-1 0,1 0,-1 0,1 1,0-1,-1 0,1 0,0 0,0 1,-1-1,1 1,0-1,0 0,0 1,0-1,0 1,0 0,0-1,0 1,0 0,0 0,0 0,0 0,0-1,0 1,0 1,0-1,0 0,1 0,0 1,6 0,0 1,1 0,13 5,-15-4,9 3,0-1,0-1,0-1,1 0,-1-1,1 0,-1-2,1 0,0-1,-1 0,1-1,29-9,40-17,-52 16</inkml:trace>
 </inkml:ink>
 </file>
 
@@ -3567,16 +3566,16 @@
           <inkml:channelProperty channel="Y" name="resolution" value="1000" units="1/cm"/>
         </inkml:channelProperties>
       </inkml:inkSource>
-      <inkml:timestamp xml:id="ts0" timeString="2021-02-10T08:13:51.168"/>
+      <inkml:timestamp xml:id="ts0" timeString="2021-02-10T08:22:03.722"/>
     </inkml:context>
     <inkml:brush xml:id="br0">
-      <inkml:brushProperty name="width" value="0.05" units="cm"/>
-      <inkml:brushProperty name="height" value="0.05" units="cm"/>
-      <inkml:brushProperty name="color" value="#66CC00"/>
+      <inkml:brushProperty name="width" value="0.1" units="cm"/>
+      <inkml:brushProperty name="height" value="0.1" units="cm"/>
+      <inkml:brushProperty name="color" value="#E71224"/>
       <inkml:brushProperty name="ignorePressure" value="1"/>
     </inkml:brush>
   </inkml:definitions>
-  <inkml:trace contextRef="#ctx0" brushRef="#br0">1195 0,'-23'1,"0"1,0 1,1 1,-33 9,13 1,-55 26,67-27,0 2,2 2,-1 0,2 2,0 1,2 1,0 2,-39 45,-45 58,-10 14,10-11,68-83,-49 68,-56 150,146-263,-10 20</inkml:trace>
+  <inkml:trace contextRef="#ctx0" brushRef="#br0">65 124,'-1'0,"1"0,-1 0,0 1,0-1,0 0,0 0,1 1,-1-1,0 0,0 1,0-1,1 1,-1-1,0 1,1 0,-1-1,0 1,1 0,-1-1,1 1,-1 0,1-1,0 1,-1 0,1 0,-1 1,-5 25,4-19,-13 86,-6 182,19-224,16-170,1-6,-12 80,-2-1,-3 0,-1 0,-11-55,11 85,1 7,0-1,0 0,1 0,0-12,1 21,0-1,0 1,0 0,0 0,0 0,0 0,0 0,0 0,0-1,0 1,0 0,0 0,0 0,0 0,0 0,0 0,0 0,0-1,0 1,0 0,1 0,-1 0,0 0,0 0,0 0,0 0,0 0,0 0,0 0,0 0,1-1,-1 1,0 0,0 0,0 0,0 0,0 0,0 0,0 0,1 0,-1 0,0 0,0 0,0 0,0 0,0 0,0 0,1 0,-1 0,0 1,0-1,0 0,0 0,0 0,0 0,10 7,5 11,28 32,-28-35,-1 1,-1 1,0 0,-1 1,-1 0,10 23,-20-38,0 0,0 0,0-1,0 1,-1 0,1 0,-1 0,0 0,0 0,0 0,0 0,0 0,-1 0,1 0,-1 0,0 0,0 0,0 0,0-1,0 1,-3 3,-1 0,0 0,-1-1,1 1,-1-1,-1 0,-8 5,5-4,1 1,-17 16,-18 23,96-107,-40 44,2-1,17-33,-28 47,-1 0,0 0,-1 0,1 0,-1-1,0 1,0 0,0-1,0 1,-1-1,0 1,1-1,-2 1,0-8,1 11,0-1,-1 1,1 0,0 0,-1 0,1-1,-1 1,1 0,-1 0,1 0,-1 0,0 0,0 0,1 0,-1 0,0 0,0 0,0 1,0-1,0 0,0 1,0-1,0 0,-1 1,1 0,0-1,0 1,0 0,0-1,-1 1,1 0,0 0,0 0,-1 0,1 0,0 0,0 0,-1 1,1-1,0 0,0 1,0-1,0 0,0 1,-1 0,1-1,0 1,0 0,-1 0,-4 3,1 0,-1 1,1-1,0 1,0 0,1 0,-6 8,-4 10</inkml:trace>
 </inkml:ink>
 </file>
 
@@ -3594,16 +3593,16 @@
           <inkml:channelProperty channel="Y" name="resolution" value="1000" units="1/cm"/>
         </inkml:channelProperties>
       </inkml:inkSource>
-      <inkml:timestamp xml:id="ts0" timeString="2021-02-10T08:13:52.455"/>
+      <inkml:timestamp xml:id="ts0" timeString="2021-02-10T08:22:06.893"/>
     </inkml:context>
     <inkml:brush xml:id="br0">
-      <inkml:brushProperty name="width" value="0.05" units="cm"/>
-      <inkml:brushProperty name="height" value="0.05" units="cm"/>
-      <inkml:brushProperty name="color" value="#66CC00"/>
+      <inkml:brushProperty name="width" value="0.1" units="cm"/>
+      <inkml:brushProperty name="height" value="0.1" units="cm"/>
+      <inkml:brushProperty name="color" value="#E71224"/>
       <inkml:brushProperty name="ignorePressure" value="1"/>
     </inkml:brush>
   </inkml:definitions>
-  <inkml:trace contextRef="#ctx0" brushRef="#br0">101 95,'0'-5,"-4"-1,-2-4,-5-1,1-2,-4 1,-3-3,-3 2,1 3</inkml:trace>
+  <inkml:trace contextRef="#ctx0" brushRef="#br0">22 37,'-1'0,"0"0,0-1,0 1,0 0,0-1,0 1,0-1,0 0,0 1,0-1,0 0,1 1,-1-1,0 0,0 0,1 0,-1 0,1 0,-1 0,1 0,-1-1,0 2,1-1,0 0,-1 1,1-1,0 1,-1-1,1 0,0 1,0-1,0 0,0 1,-1-1,1 0,0 1,0-1,0 0,1 1,-1-1,0 0,0 1,0-1,0 0,1 1,-1-1,0 0,1 1,-1-1,0 1,1-1,-1 1,1-2,0 3,0-1,-1 1,1-1,0 1,-1-1,1 1,-1 0,1-1,-1 1,1 0,-1-1,0 1,1 0,-1 0,0-1,0 1,1 0,-1 0,0 0,0-1,0 3,5 39,-1 0,-4 70,0-51,0-24,11 443,5-112,-11-221,9 53,1 11,-14-188,4 65,-4-78,0 0,1 0,1-1,0 1,0 0,6 11,-7-18,0 0,1 0,-1 0,1 0,0 0,0 0,0-1,0 1,0-1,0 0,1 0,-1 0,1 0,-1-1,1 0,0 1,5 0,9 1,0 0,29 0,-12 0,232 47,-113-18,80 6,2-11,332-3,88-59,-321 12,103-8,114-6,1113-55,-1600 89,907-32,-783 35,381-10,623-113,-1003 97,277-31,-18 26,111-10,372 13,-660 44,-44-1,208-30,-81-1,-91 0,-42 1,-87 13,1 5,165 26,45 2,2-29,-252-2,169-16,-33 2,261 12,-265 3,-174-3,0-2,76-16,-122 19,-1-1,-1 0,1 0,0-1,0 1,10-7,-14 7,0-1,0 1,0 0,-1-1,1 0,-1 1,1-1,-1 0,0 0,0-1,0 1,-1 0,1-1,-1 1,2-5,1-17,-1 1,0-1,-2 0,-4-41,2 28,0-42,1 22,-2 0,-14-81,9 106</inkml:trace>
 </inkml:ink>
 </file>
 
@@ -3621,16 +3620,16 @@
           <inkml:channelProperty channel="Y" name="resolution" value="1000" units="1/cm"/>
         </inkml:channelProperties>
       </inkml:inkSource>
-      <inkml:timestamp xml:id="ts0" timeString="2021-02-10T08:13:52.839"/>
+      <inkml:timestamp xml:id="ts0" timeString="2021-02-10T08:22:17.204"/>
     </inkml:context>
     <inkml:brush xml:id="br0">
-      <inkml:brushProperty name="width" value="0.05" units="cm"/>
-      <inkml:brushProperty name="height" value="0.05" units="cm"/>
-      <inkml:brushProperty name="color" value="#66CC00"/>
+      <inkml:brushProperty name="width" value="0.1" units="cm"/>
+      <inkml:brushProperty name="height" value="0.1" units="cm"/>
+      <inkml:brushProperty name="color" value="#F6630D"/>
       <inkml:brushProperty name="ignorePressure" value="1"/>
     </inkml:brush>
   </inkml:definitions>
-  <inkml:trace contextRef="#ctx0" brushRef="#br0">0 27,'0'-5,"0"-5,0-2</inkml:trace>
+  <inkml:trace contextRef="#ctx0" brushRef="#br0">267 65,'-7'5,"0"0,2 0,-2 0,1 1,1-1,-5 11,-8 6,-85 116,24-31,60-88,33-43,-12 21,215-275,-207 268,1 0,-1 0,2 1,1 0,15-9,-23 15,-2 1,3-1,-1 1,0 0,-1 0,1 0,2 1,-2-1,0 1,0 0,1 0,1 0,-2 0,2 0,-2 1,2-1,-2 1,2 0,-1 0,1 0,5 1,4 2,1 0,-1 1,0 0,-1 1,-1 0,2 0,-2 1,0 0,21 12,7 6,58 42,3 16,109 113,-160-143,-171-166,74 73</inkml:trace>
 </inkml:ink>
 </file>
 
@@ -3648,16 +3647,16 @@
           <inkml:channelProperty channel="Y" name="resolution" value="1000" units="1/cm"/>
         </inkml:channelProperties>
       </inkml:inkSource>
-      <inkml:timestamp xml:id="ts0" timeString="2021-02-10T08:13:53.902"/>
+      <inkml:timestamp xml:id="ts0" timeString="2021-02-10T08:22:19.832"/>
     </inkml:context>
     <inkml:brush xml:id="br0">
-      <inkml:brushProperty name="width" value="0.05" units="cm"/>
-      <inkml:brushProperty name="height" value="0.05" units="cm"/>
-      <inkml:brushProperty name="color" value="#66CC00"/>
+      <inkml:brushProperty name="width" value="0.1" units="cm"/>
+      <inkml:brushProperty name="height" value="0.1" units="cm"/>
+      <inkml:brushProperty name="color" value="#F6630D"/>
       <inkml:brushProperty name="ignorePressure" value="1"/>
     </inkml:brush>
   </inkml:definitions>
-  <inkml:trace contextRef="#ctx0" brushRef="#br0">242 40,'-1'0,"1"1,0-1,-1 0,1 0,0 0,-1 0,1 0,-1 0,1-1,0 1,-1 0,1 0,-1 0,1 0,0 0,-1 0,1-1,0 1,-1 0,1 0,0-1,-1 1,1 0,0 0,0-1,-1 1,1 0,0-1,0 1,0 0,-1-1,1 1,0 0,0-1,0 1,0-1,0 1,0 0,0-1,0 1,0-1,0 1,0 0,0-1,7-19,-3 11,-7 10,0 0,0 0,0 0,0 0,0 1,0-1,-4 4,-4 2,1 1,-14 13,23-18,7-4,9-5,12-11,-17 10,-1 1,19-9,-56 40,10-7,-12 7,5-7,2 2,0 0,2 2,0 1,-18 25,39-48,1 0,-1 0,0 0,0 0,1 0,-1 0,0 0,0 0,1 0,-1 0,0 0,0 0,1 0,-1 0,0 0,0 0,1 0,-1 0,0 0,0 0,0 0,1 1,-1-1,0 0,0 0,0 0,1 0,-1 1,0-1,0 0,0 0,0 0,0 1,0-1,1 0,-1 0,0 1,0-1,0 0,0 0,0 1,0-1,0 0,0 0,0 1,0-1,0 0,0 0,0 1,0-1,0 0,0 0,-1 1,1-1,0 0,0 0,0 0,0 1,-1-1,24-9,-22 8,19-10,37-27,-39 25,35-19,-53 31,0 1,0 0,0 0,0 0,0 0,0 0,0 0,0-1,0 1,0 0,1 0,-1 0,0 0,0 0,0 0,0 0,0 0,0 0,1-1,-1 1,0 0,0 0,0 0,0 0,0 0,1 0,-1 0,0 0,0 0,0 0,0 0,1 0,-1 0,0 0,0 0,0 0,0 1,0-1,1 0,-1 0,0 0,0 0,0 0,0 0,0 0,0 0,0 0,1 1,-1-1,0 0,0 0,0 0,0 0,0 0,0 0,0 1,0-1,0 0,-6 12,-17 17,-19 17,15-17,1 0,1 2,-35 56,59-84,-1 0,1 0,0 0,0 1,0-1,0 0,0 1,0 3,1-6,0-1,0 1,0 0,1-1,-1 1,0 0,0-1,0 1,0 0,1-1,-1 1,0 0,1-1,-1 1,0-1,1 1,-1-1,1 1,-1-1,1 1,-1-1,1 1,-1-1,1 0,-1 1,1-1,-1 0,1 0,0 1,-1-1,1 0,0 0,-1 0,1 0,0 1,-1-1,1 0,0 0,-1 0,1-1,0 1,-1 0,1 0,0 0,-1 0,2-1,9-2,0 0,0-1,-1 0,1-1,16-10,50-37,-66 44,76-57,-164 122,37-28,1 1,-38 38,56-39,21-29,0 0,0-1,1 1,-1 0,0 0,0 0,1 0,-1 0,0 0,0 0,1 0,-1 0,0 0,0 0,1 0,-1 0,0 0,1 0,-1 0,0 0,0 0,1 0,-1 0,0 0,0 1,1-1,-1 0,0 0,0 0,0 0,1 1,-1-1,0 0,0 0,0 0,0 1,1-1,-1 0,0 0,0 1,0-1,0 0,0 0,0 1,0-1,0 0,0 0,0 1,0-1,0 0,0 1,0-1,0 0,0 0,0 1,0-1,0 0,0 0,0 1,0-1,0 0,-1 0,1 1,0-1,0 0,0 0,0 0,-1 1,25-11,-22 9,52-29,0-3,59-48,-90 57,-42 34,1 0,0 2,-21 16,-50 48,67-58,10-8,0 1,1-1,0 2,0 0,-9 15,19-27,1 0,0 0,0 0,-1 0,1 1,0-1,0 0,-1 0,1 1,0-1,0 0,0 0,0 1,-1-1,1 0,0 0,0 1,0-1,0 0,0 1,0-1,0 0,0 0,0 1,0-1,0 0,0 1,0-1,0 0,0 0,0 1,0-1,0 0,0 1,1-1,-1 0,0 0,0 1,0-1,0 0,1 0,-1 1,0-1,0 0,0 0,1 0,-1 0,0 1,0-1,1 0,-1 0,0 0,1 0,-1 0,0 0,0 0,1 1,-1-1,0 0,1 0,-1 0,0 0,0 0,1 0,-1-1,0 1,1 0,23-7,13-14,0-2,57-47,-53 38,-7 7,-9 7,0-1,-2 0,28-31,-50 49,0-1,0 1,0 0,0 0,-1 0,1 0,0-1,-1 1,1 0,-1-1,1-1,-1 2,0 1,0 0,0-1,0 1,0 0,0-1,0 1,0 0,0-1,0 1,-1 0,1-1,0 1,0 0,0-1,-1 1,1 0,0 0,0-1,-1 1,1 0,0 0,-1-1,1 1,0 0,-1 0,1 0,-1-1,-3 0,-1 1,1-1,0 0,-1 1,1 0,-6 1,8-1,-1 0,0 0,0 0,0 0,0 0,0 0,0-1,1 0,-6-1,7 1,1 1,-1-1,1 0,0 1,-1-1,1 0,0 0,-1 1,1-1,0 0,0 0,-1 1,1-1,0 0,0 0,0 0,0 0,0 1,1-1,-1 0,0 0,0 1,0-1,1 0,-1 0,0 0,1 1,-1-1,0 0,1 1,0-2,20-24,-12 16,-7 5,-7 6,-11 9,-5 7,0 1,1 0,1 2,-33 42,49-58,0 1,1-1,0 1,0-1,-2 7,3-10,1 0,0-1,0 1,0 0,-1-1,1 1,0 0,0 0,0-1,0 1,0 0,0 0,0-1,1 1,-1 0,0-1,0 1,1 0,-1 0,0-1,1 1,-1-1,0 1,1 0,-1-1,1 1,-1-1,1 1,-1-1,1 1,-1-1,1 1,0-1,-1 0,1 1,0-1,-1 0,1 0,0 1,-1-1,1 0,0 0,0 0,-1 0,1 0,0 0,1 0,6-1,1 1,-1-2,1 1,-1-1,0 0,0-1,16-7,56-32,-63 31,17-8,-89 67,-14 6</inkml:trace>
+  <inkml:trace contextRef="#ctx0" brushRef="#br0">1888 0,'-2'0,"0"0,1 0,-1 1,0-1,0 0,2 0,-1 1,-1-1,0 1,0-1,2 1,-1-1,-1 1,2-1,-2 1,0 0,2-1,-1 1,1 0,-2-1,2 1,-2 0,2 0,0-1,-2 1,2 0,0 0,0 0,-1 0,1 0,0-1,0 1,0 0,0 2,5 34,-5-33,19 131,-8-46,15 0,-16-58,6 40,-14-1,-28 131,1-52,-3 45,-5 123,33-251,3 25,-27 129,1-80,11 193,9-288,-22 73,-1 14,22-88,4 1,6 0,11 47,-6-49,-4-1,-4 57,-24 86,4-30,13-99,-17 128,0-74,5 130,-3 24,-166 471,159-649,-39 176,-12 40,24-114,13 2,7 284,-2-158,19-227,-7 20,-4 24,25-109,2-1,2 1,10 38,-5-42,-4-13,1 0,-3 1,1-1,0 0,0 8,-2-13,-2 0,2-1,0 1,0-1,-2 1,2-1,-2 1,2-1,-1 1,-1-1,0 1,2-1,-1 0,-1 0,0 1,0-1,-1 0,1 0,0 0,1 0,-3 0,2 0,1 0,-3-1,2 1,-1 0,1-1,-5 1,-49 7,-80 6,5-2,54-3,8-1,3 0,-86 20,-156 52,304-79,1 0,-1 0,-1 0,2 0,-1 0,1 0,-1 1,1-1,-1 1,1-1,-4 5,5-6,2 0,0 0,0 1,0-1,0 0,0 1,0-1,0 0,0 1,0-1,0 0,0 1,0-1,0 0,0 0,0 1,0-1,0 0,0 1,0-1,0 0,2 1,-2-1,0 0,0 0,0 1,1-1,-1 0,0 0,2 1,30 7,31 1,1 0,111 4,-145-12,1-1,1-1,-1 0,1-2,-2 0,1 0,55-13,-9 1,-42 9,0-1,-2-1,33-10,-57 16,-2-1,2 0,-2 0,0-1,0 1,0-1,-2 0,2 1,-2-2,1 1,-1 0,0-1,-1 1,1-1,-2 0,6-9,-5 3,-1-1,1-21,-3 7</inkml:trace>
 </inkml:ink>
 </file>
 
@@ -3675,16 +3674,16 @@
           <inkml:channelProperty channel="Y" name="resolution" value="1000" units="1/cm"/>
         </inkml:channelProperties>
       </inkml:inkSource>
-      <inkml:timestamp xml:id="ts0" timeString="2021-02-10T08:13:55.282"/>
+      <inkml:timestamp xml:id="ts0" timeString="2021-02-10T08:19:37.679"/>
     </inkml:context>
     <inkml:brush xml:id="br0">
-      <inkml:brushProperty name="width" value="0.05" units="cm"/>
-      <inkml:brushProperty name="height" value="0.05" units="cm"/>
+      <inkml:brushProperty name="width" value="0.1" units="cm"/>
+      <inkml:brushProperty name="height" value="0.1" units="cm"/>
       <inkml:brushProperty name="color" value="#66CC00"/>
       <inkml:brushProperty name="ignorePressure" value="1"/>
     </inkml:brush>
   </inkml:definitions>
-  <inkml:trace contextRef="#ctx0" brushRef="#br0">0 1,'1'0,"0"0,0 0,-1 0,1 0,0 1,-1-1,1 0,0 1,-1-1,1 1,0-1,-1 0,1 1,-1 0,1-1,-1 1,1-1,-1 1,1-1,-1 1,0 0,1 0,8 20,-5-10,-2-7,0 0,0 0,0 0,1 0,0 0,0 0,0-1,0 1,1-1,-1 0,1 0,0 0,-1 0,10 3,-8-4,1 0,-1-1,1 1,0-1,0-1,0 1,-1-1,1 0,0 0,0-1,11-2,-1-1,0-2,-1 1,1-2,-1 0,18-12,19-8,-33 22,-19 5,0 0,0 0,0 0,1 0,-1 0,0 0,0 1,1-1,-1 0,0 0,0 0,0 0,0 0,1 1,-1-1,0 0,0 0,0 0,0 1,0-1,0 0,0 0,1 0,-1 1,0-1,0 0,0 0,0 1,0-1,0 0,0 0,0 0,0 1,0-1,0 0,0 0,0 1,0-1,-1 0,0 4,0-1,-1 1,0-1,0 0,0 0,0 1,-4 3,-41 47,21-26,-42 60,66-86,1 1,0-1,-1 1,1 0,0 0,0-1,0 1,1 0,-1 0,1 0,-1 0,1 4,0-6,1 0,-1-1,0 1,1 0,-1 0,0 0,1 0,-1 0,1 0,0 0,-1-1,1 1,0 0,-1-1,1 1,0 0,0-1,0 1,-1-1,1 1,0-1,0 1,0-1,0 0,0 1,0-1,0 0,0 0,0 0,0 0,0 0,0 0,0 0,0 0,0 0,0 0,0 0,0-1,1 1,18-5,-1 0,1-1,-1-1,0-1,28-16,22-9,-68 32,1 0,-1 1,0-1,1 0,-1 1,1-1,-1 1,1 0,-1-1,1 1,-1 0,1 0,-1 0,4 0,-5 2,0-1,0 0,-1 0,1 1,0-1,0 0,-1 0,1 0,0 0,-1 1,1-1,-1 0,0 0,1 0,-1 0,0 0,1 0,-1 0,-1 1,-81 99,57-72,1 1,-21 35,43-62,2 1,-1-1,0 0,1 1,-1 0,1-1,0 1,0 0,0 5,1-9,0 1,0-1,0 1,0-1,0 1,0-1,1 1,-1-1,0 1,0-1,0 1,1 0,-1-1,0 0,0 1,1-1,-1 1,0-1,1 1,-1-1,1 0,-1 1,1-1,-1 0,1 1,0-1,1 1,-1-1,1 0,-1 0,1 0,-1 0,1 0,-1 0,1 0,-1 0,0-1,1 1,-1-1,2 0,17-7,0 0,-1-2,-1 0,19-14,71-57,-84 62,61-48,-125 110,25-28,-272 290,240-241,45-62,1 0,0-1,0 1,0 0,0 0,0 0,0 0,0 0,0 0,1 0,-1 0,1 0,0 0,-1 3,2-4,-1-1,1 0,-1 1,1-1,-1 0,1 1,-1-1,1 0,-1 0,1 0,-1 1,1-1,-1 0,1 0,0 0,-1 0,1 0,-1 0,1 0,-1 0,1 0,0 0,-1 0,1-1,-1 1,1 0,-1 0,1 0,-1-1,1 1,0-1,13-6,-1 0,23-16,272-235,-203 164,-282 271,112-108,-105 118,160-175,1 0,-10 20,9-3</inkml:trace>
+  <inkml:trace contextRef="#ctx0" brushRef="#br0">132 1,'-6'0,"0"0,-1 0,1 1,0 0,0 0,-1 1,1-1,-10 6,13-5,-1 0,1 0,0 0,0 1,0-1,0 1,0 0,1 0,-1 0,1 0,0 1,0-1,0 0,0 1,-2 6,-2 12,1 1,1 0,1 0,1 0,1 0,2 29,-1-12,26 759,68-2,-35-519,-29-172</inkml:trace>
 </inkml:ink>
 </file>
 
@@ -3702,16 +3701,16 @@
           <inkml:channelProperty channel="Y" name="resolution" value="1000" units="1/cm"/>
         </inkml:channelProperties>
       </inkml:inkSource>
-      <inkml:timestamp xml:id="ts0" timeString="2021-02-10T08:13:55.637"/>
+      <inkml:timestamp xml:id="ts0" timeString="2021-02-10T08:19:39.883"/>
     </inkml:context>
     <inkml:brush xml:id="br0">
-      <inkml:brushProperty name="width" value="0.05" units="cm"/>
-      <inkml:brushProperty name="height" value="0.05" units="cm"/>
+      <inkml:brushProperty name="width" value="0.1" units="cm"/>
+      <inkml:brushProperty name="height" value="0.1" units="cm"/>
       <inkml:brushProperty name="color" value="#66CC00"/>
       <inkml:brushProperty name="ignorePressure" value="1"/>
     </inkml:brush>
   </inkml:definitions>
-  <inkml:trace contextRef="#ctx0" brushRef="#br0">599 28,'0'-9,"4"-3,-2 5,-16 13,-9 9,-6 7,-29 36,-8 16,-25 36,-2 8,3 11,16-12,29-22,23-27</inkml:trace>
+  <inkml:trace contextRef="#ctx0" brushRef="#br0">154 902,'1'0,"0"-1,0 1,1 0,-1-1,0 1,0-1,0 1,0-1,0 1,0-1,0 0,0 0,0 1,0-1,0 0,1-1,7-6,7-3,0 0,1 2,0 0,1 1,-1 1,2 0,29-6,143-16,-191 29,142-14,184-26,125-60,-53 10,59 16,-7 2,-269 34,116-20,-205 44,118-2,-61 15,158-8,-273 6,217-31,-108 1,88-17,-160 38,95-4,28 2,-33 1,-138 13,0 1,0 1,0 0,-1 2,1 1,42 16,-56-19,0 1,0-1,0-1,0 0,1 0,-1-1,0 0,0 0,1-1,-1-1,0 1,16-6,3-4,0 0,42-26,23-9,-91 45,0 0,0 0,0 0,1 1,-1-1,0 1,0-1,1 1,-1 0,0 0,0 0,1 0,-1 0,0 1,0-1,0 1,3 0,-3 0,-1 0,0 0,0 1,1-1,-1 0,0 0,0 1,0-1,0 0,-1 1,1-1,0 1,-1-1,1 1,0 0,-1-1,0 1,1-1,-1 1,0 0,0-1,0 1,0 0,-1 3,-23 174,4-48,6 59,10 195,21-60,1 54,-19-172,2 116,12-154,1 12,-22 286,-6-259,-14 134,26-314,-3 0,0 0,-1-1,-2 0,-13 32,17-50,-1 0,0 0,0-1,-1 1,0-1,0-1,-1 1,1-1,-2 0,1-1,-1 1,0-2,-1 1,1-1,-1 0,0-1,0 0,-12 3,-33 6,-1-3,-93 6,63-8,-1182 92,745-110,146-4,288 15,-2 1,-125-15,22-21,-90-10,87 25,-361-13,356 37,-205 3,374-9,-34-6,42 3,0 1,-1 2,-26 1,-45 13,52-6,-44 1,67-8,0-1,0 0,0-1,0-2,0 0,1-1,0-1,0-1,-27-13,34 13,0 0,1-2,-1 1,2-2,-1 1,1-2,1 1,0-2,0 1,1-1,1-1,0 1,0-1,-5-15,5 6,0-1,2 0,0-1,2 1,0-1,1-27,0-56</inkml:trace>
 </inkml:ink>
 </file>
 
@@ -3729,16 +3728,16 @@
           <inkml:channelProperty channel="Y" name="resolution" value="1000" units="1/cm"/>
         </inkml:channelProperties>
       </inkml:inkSource>
-      <inkml:timestamp xml:id="ts0" timeString="2021-02-10T08:13:59.660"/>
+      <inkml:timestamp xml:id="ts0" timeString="2021-02-10T08:19:41.782"/>
     </inkml:context>
     <inkml:brush xml:id="br0">
-      <inkml:brushProperty name="width" value="0.05" units="cm"/>
-      <inkml:brushProperty name="height" value="0.05" units="cm"/>
+      <inkml:brushProperty name="width" value="0.1" units="cm"/>
+      <inkml:brushProperty name="height" value="0.1" units="cm"/>
       <inkml:brushProperty name="color" value="#66CC00"/>
       <inkml:brushProperty name="ignorePressure" value="1"/>
     </inkml:brush>
   </inkml:definitions>
-  <inkml:trace contextRef="#ctx0" brushRef="#br0">544 912,'-31'19,"1"1,1 1,1 2,-40 40,41-37,-56 54,-97 121,174-194,0 1,1-1,-9 16,14-22,0-1,0 0,0 1,-1-1,1 0,0 1,0-1,0 0,0 1,0-1,0 1,0-1,0 0,-1 1,2-1,-1 1,0-1,0 1,0-1,0 0,0 1,0-1,0 0,0 1,1-1,-1 1,0-1,0 0,0 1,1-1,-1 0,0 0,0 1,1-1,-1 0,0 1,1-1,-1 0,0 0,1 0,-1 1,1-1,-1 0,0 0,1 0,-1 0,1 0,-1 0,0 0,1 0,-1 0,1 0,-1 0,1 0,3 0,1-1,-1 0,0 0,0 0,0 0,0-1,0 0,0 0,0 0,4-3,41-31,-35 24,80-67,-3-5,-4-4,99-129,-183 213,17-20,-2-1,30-52,-45 63,-3 13,0 1,0 0,-1 0,1 0,0-1,0 1,0 0,0 0,-1 0,1 0,0-1,0 1,0 0,-1 0,1 0,0 0,0 0,-1 0,1 0,0 0,0 0,0 0,-1 0,1 0,0 0,0 0,-1 0,1 0,0 0,-1 0,-20 9,-72 52,248-193,-110 98,-1-3,74-81,-33 22,-71 83,0 0,1 0,0 1,25-14,-35 24,-4 4,-9 9,-17 15,12-13,2-3,1-1,1 1,0 1,0 0,-10 17,19-27,-1-1,1 1,-1-1,1 1,0 0,-1-1,1 1,0 0,-1-1,1 1,0 0,0-1,0 1,0 0,0 0,0-1,0 1,0 0,0-1,0 1,0 0,0-1,1 1,-1 0,0 0,0-1,1 1,-1-1,1 2,0-1,1-1,-1 1,0-1,0 1,1-1,-1 0,0 0,0 0,1 1,-1-1,0 0,1-1,-1 1,0 0,2 0,9-3,0 0,17-8,-27 11,32-14,-20 7,0 1,0 0,1 2,0-1,0 2,0 0,19-1,-33 4,-1-1,1 1,0 0,-1 0,1 0,-1 0,1 0,-1 0,1 0,-1 0,1 1,-1-1,1 0,0 0,-1 0,1 0,-1 1,1-1,-1 0,0 1,1-1,-1 0,1 1,-1-1,1 1,-1-1,0 0,1 2,-1-2,0 1,-1 0,1 0,0-1,0 1,-1 0,1 0,-1-1,1 1,-1 0,1-1,-1 1,1-1,-1 1,1-1,-2 2,-32 21,32-22,-55 30,-1-3,-1-2,-113 32,153-52,0-2,-1 0,1-1,-1-1,-25-1,31-2,0 0,0-1,0-1,0 0,1 0,-1-2,1 0,-16-8,-37-29,53 33,1 1,-1 0,-1 0,1 1,-1 1,-26-8,20 11,0 0,-1 2,0 1,1 0,-1 1,-22 5,6-2,33-3,0-1,-1 1,1-1,0 0,-1-1,-4 0,8 1,1 0,-1-1,1 1,-1 0,0-1,1 1,-1 0,1-1,-1 1,1-1,-1 1,1 0,-1-1,1 1,0-1,-1 0,1 1,0-1,-1 1,1-1,0 0,0 1,-1-1,1 1,0-1,0 0,0 1,0-1,0 0,0 1,0-1,0 0,0 1,0-1,0 0,1 1,-1-1,0 0,0 1,1-1,-1 1,0-1,1 1,-1-1,0 1,1-2,2-2,8-23,-11 27,0 0,0-1,0 1,0 0,0 0,0-1,0 1,0 0,0-1,0 1,0 0,0 0,0-1,0 1,0 0,0 0,-1-1,1 1,0 0,0 0,0-1,0 1,0 0,-1 0,1 0,0-1,0 1,0 0,-1 0,1-1,-15 5,5 2,1 1,0 0,0 0,1 1,0 0,0 0,1 1,0 0,0 0,-8 17,14-24,0 0,0 0,0 0,0 0,1 0,-1 0,1 0,-1 0,1 0,0 0,0 1,0-1,0 0,0 0,0 0,0 0,2 4,-1-4,0 0,0-1,0 1,0-1,0 1,0-1,1 1,-1-1,0 0,1 0,-1 1,1-1,0 0,-1 0,1-1,2 2,2 0,1 0,-1-1,1 1,-1-1,1-1,0 1,-1-1,1-1,0 1,7-2,1-2,-10 3,-1 0,0-1,1 2,-1-1,0 0,1 1,-1 0,1 0,7 1,-12 0,1-1,-1 0,1 1,-1-1,1 0,-1 1,1-1,-1 0,0 1,1-1,-1 1,0-1,1 1,-1-1,0 1,0-1,1 1,-1 0,0-1,0 1,0-1,0 1,0-1,0 1,0 0,0-1,0 1,0-1,0 1,0 0,0-1,0 1,0-1,-1 1,1-1,0 1,-13 24,12-23,-97 132,18-28,68-87,1 0,0 0,-14 36,24-50,-1-1,1 1,0 0,0-1,1 1,-1 0,1 6,0-10,0 0,0 0,0 0,1-1,-1 1,0 0,0 0,1 0,-1 0,0 0,1-1,-1 1,1 0,-1 0,1 0,-1-1,1 1,-1 0,1-1,0 1,0-1,-1 1,1-1,0 1,0-1,-1 1,1-1,0 0,0 1,0-1,0 0,0 0,0 0,-1 1,1-1,0 0,0 0,0 0,0-1,0 1,0 0,0 0,0 0,1-1,6-2,1 0,-1 0,0-1,-1 0,1-1,12-9,43-38,-63 51,93-89,-103 98,-16 17,-29 34,43-43,-15 27,23-37,1 0,0 0,0 1,1 0,0-1,0 1,1 0,-1 8,2-13,0 0,0-1,0 1,0 0,0-1,0 1,1 0,-1-1,0 1,1-1,1 3,-2-3,1-1,-1 1,1-1,-1 1,1-1,0 1,-1-1,1 1,0-1,-1 0,1 0,0 1,0-1,-1 0,1 0,0 0,0 0,-1 1,1-1,0 0,0 0,-1-1,1 1,0 0,0 0,-1 0,1 0,0-1,-1 1,1 0,0-1,0 0,13-5,-1-1,0-1,0 0,-1-1,13-12,58-58,-65 61,86-92,111-151,-209 253,1 0,0 0,1 1,0-1,0 2,0-1,1 1,0 1,0-1,1 1,-1 1,1 0,0 0,0 1,12-2,-12 3,2-1,-1 0,1-1,20-9,-30 12,0 1,-1-1,1 0,-1 0,1 0,-1 0,0 0,1 0,-1 0,0 0,0-1,0 1,1 0,-1-1,-1 1,1-1,0 1,0-1,-1 1,1-1,0 0,-1 1,0-1,1 0,-1 0,0 1,0-1,0 0,0 1,0-1,0 0,-1 0,1 1,-2-4,0 1,0 1,0-1,-1 1,1 0,-1-1,0 1,0 1,0-1,0 0,-1 1,1-1,-1 1,1 0,-1 0,0 1,0-1,0 1,0 0,0 0,0 0,-5 0,-11-2,0 1,-39 1,55 1,-8 0,1 0,-1 0,1 2,0-1,-1 1,1 1,-17 6,27-9,1 0,0 0,0 0,-1 0,1 0,0 0,0 1,-1-1,1 0,0 0,0 0,-1 0,1 0,0 0,0 0,0 1,-1-1,1 0,0 0,0 0,0 1,-1-1,1 0,0 0,0 0,0 1,0-1,0 0,0 0,0 1,0-1,0 0,-1 0,1 1,10 1,22-3,41-8,143-14,-159 20,106 8,-120 0,130 8,-155-9,-18-4,0 0,0 0,1 0,-1 1,0-1,0 0,1 0,-1 1,0-1,0 0,1 0,-1 1,0-1,0 0,0 1,0-1,0 0,0 1,1-1,-1 0,0 1,0-1,0 0,0 1,0-1,0 0,0 1,-2 2,1 0,0 0,-1 0,0 0,1 0,-1 0,-4 3,4-2,-33 37,25-30,-1 1,2 0,-1 1,-8 17,17-29,1-1,0 1,-1 0,1-1,0 1,0-1,-1 1,1 0,0-1,0 1,0 0,0-1,0 1,0 0,0-1,0 1,0 0,0-1,0 1,0 0,0-1,0 1,1 1,0-2,-1 0,1 1,-1-1,1 0,0 1,-1-1,1 0,0 0,-1 1,1-1,0 0,-1 0,1 0,0 0,-1 0,1 0,0 0,0 0,0-1,40-12,-37 12,204-102,-182 89,1-2,-27 16,0 0,0 0,0 0,0 0,0 0,-1 0,1 0,0 0,0 0,0 0,0 0,0-1,0 1,0 0,-1 0,1 0,0 0,0 0,0 0,0 0,0 0,0 0,0 0,0-1,0 1,0 0,0 0,-1 0,1 0,0 0,0 0,0 0,0-1,0 1,0 0,0 0,0 0,0 0,0 0,0 0,0-1,0 1,0 0,0 0,1 0,-1 0,0 0,0 0,0 0,0-1,0 1,0 0,0 0,0 0,0 0,0 0,-6 1,-1 0,1 0,-1 1,1 0,0 0,0 1,-11 6,-2 0,-44 19,1 4,1 2,-74 55,134-88,-1 0,1 0,-1 0,1 0,0 0,-1 1,1-1,0 0,0 1,0-1,0 1,-1 2,3-4,-1 0,0 1,0-1,0 0,0 0,0 1,0-1,1 0,-1 1,0-1,0 0,0 0,1 1,-1-1,0 0,0 0,1 0,-1 1,0-1,0 0,1 0,-1 0,0 0,1 0,-1 0,0 1,1-1,-1 0,0 0,1 0,-1 0,0 0,1 0,-1 0,0 0,0-1,1 1,7 0,-1-1,1-1,-1 1,15-6,62-27,-36 14,76-22,-122 42,0-1,1 0,-1 1,0-1,1 1,-1 0,1 0,-1 0,0 0,1 0,-1 1,3 0,-4-1,-1 0,0 0,0 1,1-1,-1 0,0 0,0 1,1-1,-1 0,0 0,0 1,0-1,0 0,1 1,-1-1,0 0,0 0,0 1,0-1,0 0,0 1,0-1,0 0,0 1,0-1,0 0,0 1,0 0,-9 15,-50 52,45-55,1 0,1 1,1 0,0 1,0 1,-9 19,20-35,-1 1,1-1,0 1,0 0,-1-1,1 1,0-1,0 1,0-1,0 1,0 0,-1-1,1 1,0 0,0-1,1 1,-1-1,0 1,0 0,0-1,0 1,0-1,1 1,-1-1,0 1,0 0,1 0,0-1,0 0,0 1,0-1,-1 0,1 0,0 0,0 0,0 0,0 0,0 0,0 0,-1 0,1 0,0 0,0 0,0-1,0 1,1-1,20-8,0-2,-1 0,31-23,-1 2,-49 32,-8 6,-22 16,9-7,-30 17,49-32,-1 0,1 1,0-1,0 0,0 0,0 0,0 0,0 0,0 0,-1 0,1 0,0 0,0 0,0 0,0 0,0 0,-1 0,1 0,0 1,0-1,0 0,0-1,0 1,-1 0,1 0,0 0,0 0,0 0,0 0,0 0,-1 0,1 0,0 0,0 0,0 0,0 0,0 0,0 0,0-1,-1 1,1 0,0 0,0 0,0 0,2-10,11-18,-9 21,-2 2,15-28,20-57,-34 80,0 0,0 0,-1 0,-1 0,0-1,0 1,-1 0,0-1,0 1,-2 0,-1-11,1 16,1 0,-1 0,0 0,-1 1,1-1,-1 1,0 0,0-1,0 1,-7-6,-1 1,0 0,-18-10,19 13,0-1,1 0,0 0,-14-14,23 20,-1 0,0 1,0-1,0 0,1 0,-1 0,0 0,1 0,-1 0,1 0,-1 0,1 0,-1 0,1-1,0 1,0 0,-1 0,1 0,0 0,0-1,0 1,0 0,1 0,-1 0,0 0,0-1,2-1,-1 2,0 0,0 0,0 0,0 0,0 0,1 0,-1 1,0-1,1 0,-1 1,1-1,-1 1,1-1,-1 1,1 0,-1-1,1 1,-1 0,1 0,2 0,23 3,0 0,35 10,0-1,48 9,-174-53,16 12,10 5,-65-36,98 48,0 0,0 0,1 0,0-1,0 0,0 0,0 0,-4-7,7 9,-1 0,1 0,0-1,0 1,0-1,0 1,1 0,-1-1,1 1,-1-1,1 0,0 1,0-1,0 1,0-1,1 1,-1-1,1 1,1-6,1-1,9-23,-12 31,1 0,-1 0,1 0,-1 0,1 0,0 0,-1 0,1 0,0 1,0-1,0 0,0 0,0 1,-1-1,1 0,1 1,-1-1,0 1,0-1,0 1,0 0,2-1,4 2,1 1,-1 0,0 0,0 0,0 1,0 0,0 0,11 9,-1-3,-7-4,8 4,-1 1,25 18,-42-28,0 0,0 0,0 0,0 0,0 0,0 0,0 0,-1 0,1 0,0 0,0 0,0 0,0 0,0 0,0 0,0 0,0 0,0 0,0 1,0-1,0 0,0 0,0 0,0 0,0 0,0 0,0 0,0 0,0 0,0 0,0 0,0 0,0 0,0 0,0 0,0 0,0 1,0-1,0 0,0 0,0 0,0 0,0 0,0 0,0 0,0 0,0 0,0 0,0 0,0 0,0 0,0 0,-11-2,-16-6,-84-34,-47-15,145 55,13 6,22 10,51 29,255 162,-324-201,0-1,1 0,-1 0,1 0,0-1,0 1,0-1,0 0,0-1,0 1,0-1,1 0,-1 0,11 0,-16-2,0 1,0 0,1 0,-1 0,0 0,0 0,1 0,-1 0,0 0,1 0,-1 0,0 0,0 1,1-1,-1 0,0 0,0 0,1 0,-1 0,0 0,0 1,0-1,1 0,-1 0,0 0,0 1,0-1,1 0,-1 0,0 0,0 1,0-1,0 1,-3 9,-15 15,-25 24,-72 62,-56 29,162-133,-7 7,20-16,28-19,-30 19,209-126,-209 127,-120 67,-146 84,251-141,19-10,21-12,-5 1</inkml:trace>
+  <inkml:trace contextRef="#ctx0" brushRef="#br0">1 479,'271'1,"310"-3,-163-26,3-21,-414 48,200-28,160-17,-205 33,214-10,43-9,-64 2,-150 13,37 0,-5 3,-72 0,66-10,-17-18,126-19,-141 55,-27 2,422-24,-543 29</inkml:trace>
 </inkml:ink>
 </file>
 
@@ -3756,16 +3755,16 @@
           <inkml:channelProperty channel="Y" name="resolution" value="1000" units="1/cm"/>
         </inkml:channelProperties>
       </inkml:inkSource>
-      <inkml:timestamp xml:id="ts0" timeString="2021-02-10T08:14:00.015"/>
+      <inkml:timestamp xml:id="ts0" timeString="2021-02-10T08:19:42.438"/>
     </inkml:context>
     <inkml:brush xml:id="br0">
-      <inkml:brushProperty name="width" value="0.05" units="cm"/>
-      <inkml:brushProperty name="height" value="0.05" units="cm"/>
+      <inkml:brushProperty name="width" value="0.1" units="cm"/>
+      <inkml:brushProperty name="height" value="0.1" units="cm"/>
       <inkml:brushProperty name="color" value="#66CC00"/>
       <inkml:brushProperty name="ignorePressure" value="1"/>
     </inkml:brush>
   </inkml:definitions>
-  <inkml:trace contextRef="#ctx0" brushRef="#br0">27 48,'-4'0,"-7"-5,4-14,3-4</inkml:trace>
+  <inkml:trace contextRef="#ctx0" brushRef="#br0">1 565,'5'0,"7"0,8-11,5-3,25-27,15-11,13-19,4-8,4-7,-7 7,-12 10,-22 23,-25 29,-21 41,-15 20,-6 30,13 30,7-3</inkml:trace>
 </inkml:ink>
 </file>
 
@@ -3811,16 +3810,16 @@
           <inkml:channelProperty channel="Y" name="resolution" value="1000" units="1/cm"/>
         </inkml:channelProperties>
       </inkml:inkSource>
-      <inkml:timestamp xml:id="ts0" timeString="2021-02-10T08:14:01.097"/>
+      <inkml:timestamp xml:id="ts0" timeString="2021-02-10T08:19:42.782"/>
     </inkml:context>
     <inkml:brush xml:id="br0">
-      <inkml:brushProperty name="width" value="0.05" units="cm"/>
-      <inkml:brushProperty name="height" value="0.05" units="cm"/>
+      <inkml:brushProperty name="width" value="0.1" units="cm"/>
+      <inkml:brushProperty name="height" value="0.1" units="cm"/>
       <inkml:brushProperty name="color" value="#66CC00"/>
       <inkml:brushProperty name="ignorePressure" value="1"/>
     </inkml:brush>
   </inkml:definitions>
-  <inkml:trace contextRef="#ctx0" brushRef="#br0">1184 222,'0'-2,"0"0,0-1,-1 1,1 0,-1-1,1 1,-1 0,0 0,0 0,1-1,-2 1,1 0,0 0,0 0,-1 1,1-1,-3-2,0 1,1 0,0 1,-1 0,0 0,1 0,-1 0,0 1,0-1,-5 0,-4-1,0 1,0 1,-1 0,1 0,-15 3,-23 3,1 2,0 3,1 2,0 2,-72 30,95-32,-1-2,0 0,-32 5,49-13,-1-1,1 0,0-1,-1 0,1 0,0-1,-1 0,1-1,0 0,0-1,0 0,-11-6,-72-39,58 28,-61-25,50 27,-62-13,173 54,-5-6,1-4,0-2,1-2,73 0,-100-13,-34 4,-1 0,1 0,-1 0,0 0,1 0,-1 0,1 0,-1 0,0-1,1 1,-1 0,1 0,-1 0,0-1,1 1,-1 0,0 0,1-1,-1 1,0 0,0-1,1 1,-1 0,0-1,0 1,0 0,1-1,-1 1,0-1,0 1,0 0,0-1,0 1,0-1,0 1,0 0,0-1,0 1,0-1,0 0,-13-13,-7 2,0 1,-1 1,0 1,-1 0,-37-8,13 3,-104-29,126 34,24 9,-1 0,1 0,0 0,0 0,0 0,-1-1,1 1,0 0,0 0,0 0,0 0,-1 0,1 0,0-1,0 1,0 0,0 0,0 0,0-1,-1 1,1 0,0 0,0 0,0 0,0-1,0 1,0 0,0 0,0-1,0 1,0 0,0 0,0 0,0-1,0 1,0 0,0 0,0 0,0-1,0 1,0 0,1 0,-1 0,0-1,0 1,0 0,0 0,0 0,0 0,1 0,-1-1,0 1,0 0,0 0,0 0,1 0,-1 0,0 0,0 0,0 0,1-1,15-3,43-2,0 2,0 4,71 7,-90-5,-16-1,0 0,0 2,0 0,-1 2,33 10,-47-9,-21-7,-24-5,15 1,-36-10,52 14,0-1,0 0,0 0,0 0,1-1,-1 0,1 0,-5-3,32 9,60 35,-63-27,1-1,0-1,1-1,24 6,-45-15,-8-3,-13-4,12 7,1-1,-1 1,1 0,-1 1,0 0,0 0,1 1,-1 0,0 0,1 1,-13 4,9-1,0 0,1 0,-1 1,1 0,1 1,-18 16,5-1,2 1,0 1,2 1,0 0,-13 29,-3 10,3 2,-31 96,61-158,-6 13,1 0,1 1,1-1,0 1,-2 36,6-52,0 0,0-1,1 1,-1-1,0 1,0-1,1 1,-1-1,1 1,-1-1,1 1,0-1,0 1,1 1,-2-3,1 1,0-1,-1 0,1 1,0-1,-1 0,1 0,0 0,-1 0,1 0,0 1,-1-1,1 0,0 0,-1-1,1 1,0 0,-1 0,1 0,0 0,-1-1,1 1,0 0,-1 0,1-1,-1 1,1-1,-1 1,1 0,0-2,21-17</inkml:trace>
+  <inkml:trace contextRef="#ctx0" brushRef="#br0">358 19,'-6'0,"0"-1,0 0,0 0,1-1,-10-2,10 2,0 0,0 1,0-1,0 1,0 1,0-1,-8 1,0 1,-1 2,1 0,0 0,1 1,-1 0,1 2,-1-1,1 1,1 1,-1 0,1 1,1 0,-12 10,14-10,1-1,-1 1,1 0,1 1,0-1,0 1,0 1,1-1,1 1,-1 0,2 0,-1 0,1 0,1 1,0-1,-1 17,3-21,0-1,1 1,-1-1,1 1,0-1,1 1,-1-1,1 0,0 0,0 1,5 6,-5-9,1 1,0-1,0 0,0 0,0 0,0 0,1-1,-1 1,1-1,0 0,0 0,0 0,0-1,0 1,6 1,3-1,1 0,-1-1,0 0,1-1,-1-1,1 0,-1 0,1-1,20-7,-9 1,-1-1,0-1,0 0,23-16,-41 22,0 1,0-1,0 0,0 0,-1 0,0-1,0 0,0 0,0 0,-1-1,0 0,0 0,5-9,-9 14,1-1,-1 1,0-1,1 1,-1-1,0 1,0-1,0 1,0-1,0 0,0 1,0-1,-1 1,1-1,0 1,-1-1,1 1,-1-1,0 1,1 0,-1-1,0 1,0 0,-2-2,-1-1,0 1,0-1,-1 1,1 1,-10-5,-42-17</inkml:trace>
 </inkml:ink>
 </file>
 
@@ -3838,16 +3837,16 @@
           <inkml:channelProperty channel="Y" name="resolution" value="1000" units="1/cm"/>
         </inkml:channelProperties>
       </inkml:inkSource>
-      <inkml:timestamp xml:id="ts0" timeString="2021-02-10T08:21:36.950"/>
+      <inkml:timestamp xml:id="ts0" timeString="2021-02-10T08:19:51.705"/>
     </inkml:context>
     <inkml:brush xml:id="br0">
       <inkml:brushProperty name="width" value="0.1" units="cm"/>
       <inkml:brushProperty name="height" value="0.1" units="cm"/>
-      <inkml:brushProperty name="color" value="#E71224"/>
+      <inkml:brushProperty name="color" value="#66CC00"/>
       <inkml:brushProperty name="ignorePressure" value="1"/>
     </inkml:brush>
   </inkml:definitions>
-  <inkml:trace contextRef="#ctx0" brushRef="#br0">12 0,'-5'6,"-2"1</inkml:trace>
+  <inkml:trace contextRef="#ctx0" brushRef="#br0">127 255,'0'-1,"-1"1,1 0,-1-1,1 1,0-1,-1 1,1 0,-1 0,1-1,-1 1,1 0,-1 0,1-1,-1 1,1 0,-1 0,1 0,-1 0,1 0,-1 0,1 0,-1 0,1 0,-1 0,1 0,-1 0,0 1,-11 11,-3 26,15-36,-21 83,5 2,-10 143,23-197,-10 126,7 1,15 163,15 214,-24 3,-3-197,3-324,-1-9,1-1,0 1,1 0,2 12,-2-20,-1 0,1 0,0 1,-1-1,1 0,1 0,-1 0,0 0,0 0,1 0,-1 0,1-1,-1 1,1 0,0-1,0 1,0-1,-1 0,1 1,1-1,-1 0,4 1,12 2,0-1,0-1,1 0,-1-2,0 0,19-2,10 0,-14 1,106-1,179-26,-260 18,330-46,-290 45,153-14,-144 17,19-1,159 7,-54 26,67 3,-223-25,146 9,22 8,-63-6,141 31,223 52,-187-46,-298-47,0-3,97-11,118-35,-74 12,-104 19,-1-1,182-7,-184 24,413-12,-427 4,-20 4,-1-4,101-23,-150 28,1-1,-1 0,0-1,0 0,0 0,-1-1,1 0,-1-1,0 0,-1 0,0-1,0 0,0 0,0 0,-1-1,-1 0,1 0,-1 0,-1-1,1 0,-2 0,1 0,3-14,8-50,-3 0,4-91,-10-144,-6 231,-4-95,-38-262,6 185,-51-298,75 486,-3-23,-4 0,-31-84,48 163,1 0,-2 0,1 0,0 1,-1-1,0 1,0 0,0-1,-1 1,1 1,-1-1,0 1,0-1,0 1,-1 0,1 0,-1 1,1-1,-1 1,0 0,0 1,0-1,0 1,0 0,0 0,-1 0,1 1,-10 0,-228 5,74-1,-568-21,346-9,-195 8,265 15,152-7,-86 0,40 19,-178 5,240-15,-298 14,331-2,1-5,-187-15,101-9,-237-28,317 33,-202 5,293 8,-19 3,-55 10,-22 1,-196-9,273-6,5 1</inkml:trace>
 </inkml:ink>
 </file>
 
@@ -3865,16 +3864,16 @@
           <inkml:channelProperty channel="Y" name="resolution" value="1000" units="1/cm"/>
         </inkml:channelProperties>
       </inkml:inkSource>
-      <inkml:timestamp xml:id="ts0" timeString="2021-02-10T08:21:52.033"/>
+      <inkml:timestamp xml:id="ts0" timeString="2021-02-10T08:19:52.684"/>
     </inkml:context>
     <inkml:brush xml:id="br0">
       <inkml:brushProperty name="width" value="0.1" units="cm"/>
       <inkml:brushProperty name="height" value="0.1" units="cm"/>
-      <inkml:brushProperty name="color" value="#E71224"/>
+      <inkml:brushProperty name="color" value="#66CC00"/>
       <inkml:brushProperty name="ignorePressure" value="1"/>
     </inkml:brush>
   </inkml:definitions>
-  <inkml:trace contextRef="#ctx0" brushRef="#br0">0 351,'0'-1,"1"0,-1 1,0-1,0 0,0 1,1-1,-1 1,0-1,1 0,-1 1,1-1,-1 1,0-1,1 1,-1-1,1 1,-1-1,1 1,0 0,-1-1,1 1,-1 0,1-1,0 1,-1 0,1 0,0 0,-1-1,1 1,0 0,-1 0,1 0,0 0,-1 0,1 0,1 1,33 3,-22-1,5-2,1-1,0 0,0-1,-1-1,37-8,88-37,-108 34,0 0,0 3,1 1,55-7,43 12,56-6,-114 2,114-16,-2-3,13-3,-138 19,0 2,0 4,125 4,-81 17,-71-9,48 3,-6-8,-27-2,75 11,-38 0,0-3,174-9,-135-12,226-54,-32 4,-257 55,-1 2,1 3,75 7,115 23,-195-18,-1 4,74 25,-107-30,1-1,0-1,0-1,0-1,1-2,-1 0,1-2,49-6,56-9,193-18,-280 30,0 2,63 7,-91-5,-1 2,0 0,1 1,-1 1,-1 0,1 1,-1 1,0 0,26 17,-34-18,-1 0,1 1,-1-1,0 1,0 0,-1 1,6 8,25 60,-28-56,0-1,2-1,21 32,97 93,-87-102,-3 2,46 64,-61-72,-1 0,-2 2,-2 0,-1 1,-2 1,20 77,-17-2,5 160,-20 114,-4-294,-7 33,8-127,0 1,1-1,-1 0,0 1,0-1,0 1,0-1,0 1,0-1,0 1,1-1,-1 0,0 1,0-1,1 1,-1-1,0 0,0 1,1-1,-1 0,0 0,1 1,-1-1,1 0,-1 0,0 1,1-1,-1 0,1 0,-1 0,1 0,-1 1,0-1,1 0,-1 0,1 0,0 0,24-2,-6 0,177 21,58 1,-224-19,-15 0,-1-1,1 0,-1-1,0-1,17-3,-30 5,0-1,0 1,0 0,0-1,0 1,0-1,0 1,0-1,-1 1,1-1,0 1,0-1,0 0,-1 0,1 1,-1-1,1 0,0 0,-1 0,1 0,-1 0,0 1,1-1,-1 0,0 0,1 0,-1 0,0 0,0 0,0 0,0 0,0 0,0 0,0 0,0 0,-1 0,1 0,0 0,-1 0,1 0,0 0,-1-1,-3-6,0 1,-1-1,1 1,-8-8,5 5,-58-70,16 22,48 57,0 0,1 0,-1 0,0 0,1 0,-1 0,0 0,1 0,-1 0,1 0,0 0,-1 0,1-3,0 4,0 0,0 0,0-1,1 1,-1 0,0 0,0 0,0 0,1-1,-1 1,0 0,0 0,1 0,-1 0,0 0,0 0,1-1,-1 1,0 0,1 0,-1 0,0 0,0 0,1 0,-1 0,0 0,1 0,-1 1,0-1,0 0,1 0,-1 0,1 0,32 13,4 6,0 2,0 1,-2 2,58 52,-89-72,1 0,-1 0,0 0,-1 1,1 0,3 6,-6-10,-1 0,1 1,-1-1,1 0,-1 0,0 1,1-1,-1 0,0 0,0 1,0-1,0 0,0 1,0-1,-1 0,1 1,0-1,-1 0,1 0,-1 1,1-1,-1 0,1 0,-1 0,0 0,0 0,0 0,1 0,-1 0,0 0,0 0,0 0,0 0,-1-1,-1 2,-21 11,-1 0,0-2,-1-1,-31 8,34-12,0 2,0 0,0 1,1 2,1 0,-27 19,35-16,12-14,1 0,0 0,0 1,0-1,0 0,0 0,0 0,0 1,0-1,0 0,0 0,0 1,0-1,0 0,0 0,0 0,0 1,0-1,0 0,0 0,0 0,0 1,1-1,-1 0,0 0,0 0,0 0,0 1,0-1,0 0,1 0,-1 0,0 0,0 0,0 1,0-1,1 0,-1 0,0 0,2 0,1 1,-1-1,0 0,0 0,0 0,0-1,0 1,0 0,0-1,0 0,0 1,0-1,3-1,18-10,0-2,-1 0,22-18,22-15,-61 43,-1 1,1-1,-1-1,0 1,0 0,0-1,-1 0,1 0,-1 0,0 0,-1-1,1 1,-1-1,0 1,0-1,1-10,-2 7,1 0,-2 0,1 0,-1 0,-1 0,0-1,0 1,0 0,-2 0,-2-10,4 17,1 1,-1-1,0 1,1-1,-1 1,0-1,0 1,0 0,0-1,0 1,0 0,0 0,-1 0,1 0,0 0,0 0,-1 0,1 0,-1 0,-2 0,3 1,0 0,0 0,0 0,0 0,0 0,0 1,0-1,0 0,0 1,0-1,0 1,0-1,0 1,0-1,0 1,1 0,-1-1,0 1,0 0,1 0,-1-1,0 1,1 0,-1 0,1 0,-1 0,1 0,-1 0,1 0,0 0,-1 2,-2 6,1 1,0 0,0-1,1 13,-2 13</inkml:trace>
+  <inkml:trace contextRef="#ctx0" brushRef="#br0">365 32,'0'-5,"5"-2,3-5,-1 4,-7 16,-9 10,-13 25,-9 10,-20 39,-7 15,-5 11,3-10,12-17,20-35,14-27</inkml:trace>
 </inkml:ink>
 </file>
 
@@ -3892,16 +3891,16 @@
           <inkml:channelProperty channel="Y" name="resolution" value="1000" units="1/cm"/>
         </inkml:channelProperties>
       </inkml:inkSource>
-      <inkml:timestamp xml:id="ts0" timeString="2021-02-10T08:21:56.719"/>
+      <inkml:timestamp xml:id="ts0" timeString="2021-02-10T08:19:53.282"/>
     </inkml:context>
     <inkml:brush xml:id="br0">
       <inkml:brushProperty name="width" value="0.1" units="cm"/>
       <inkml:brushProperty name="height" value="0.1" units="cm"/>
-      <inkml:brushProperty name="color" value="#E71224"/>
+      <inkml:brushProperty name="color" value="#66CC00"/>
       <inkml:brushProperty name="ignorePressure" value="1"/>
     </inkml:brush>
   </inkml:definitions>
-  <inkml:trace contextRef="#ctx0" brushRef="#br0">1 241,'56'0,"19"-1,125 15,-157-10,1-1,-1-2,0-2,0-2,0-2,71-17,15-7,2 6,222-12,-52 7,-69 2,237 18,-324 24,27 2,-118-18,88-13,52-20,49-6,68 13,-254 22,111 7,56 21,-99-8,-69-13,-41-3,0 0,-1 1,1 1,28 7,-41-8,1 0,-1 0,0 0,1 0,-1 1,0-1,0 1,0 0,0-1,0 1,0 0,-1 0,1 0,0 0,-1 1,0-1,1 0,-1 1,0-1,1 5,0 3,0 0,0 0,-1 0,-1 12,3 17,12 31,2-1,46 116,-51-153,65 211,-54-165,28 117,-7 2,20 235,35 250,-83-571,-5 1,-5 152,-6-240,0 0,8 42,-7-57,1-1,0 0,1-1,0 1,0 0,1-1,0 1,0-1,1 0,0-1,9 12,10 3,0-1,1 0,1-2,0-1,30 13,152 61,-196-85,118 40,1-6,1-6,197 26,371-7,297-90,-709 11,774-57,83 67,-870 18,123 11,90-2,-123-22,187-2,-116-2,-66 1,856 11,-614 5,427-21,-346-15,-551 27,135-11,432-74,-543 68,4 0,-129 16,189-34,-158 32,88 0,-45 12,74-3,-180 0,-1 0,1-1,0 0,-1 0,0-1,1 0,-1 0,0-1,-1 0,1-1,10-8,-8 5,-1-1,0 0,-1 0,0-1,-1 0,1 0,6-16,-1 0,-2-1,-1-1,-1 0,-1 0,-2-1,4-35,-5 14,-1-1,-4-58,0 91,-2 0,-1 0,0 0,-1 1,0-1,-2 1,0 0,-1 0,-14-23,17 33,0 1,-1-1,0 1,0-1,-1 2,0-1,0 0,-11-7,5 8</inkml:trace>
+  <inkml:trace contextRef="#ctx0" brushRef="#br0">536 230,'0'-5,"1"1,0-1,0 0,0 1,0-1,4-5,3-14,31-134,-36 149,0 14,2 27,-2-10,7 22,2 0,2 0,2-2,2 0,2 0,1-2,2-1,2 0,2-2,1-1,34 34,16 7,-34-35,39 49,-80-88,-1 0,1 0,-1 0,0 1,0-1,0 1,0-1,0 1,-1 0,0 0,0 0,0 0,0 0,0 0,-1 0,0 0,0 0,0 0,0 0,0 0,-1 0,0 0,0 0,0 0,0-1,-1 1,0 0,1-1,-1 1,-1-1,1 1,0-1,-1 0,-4 5,-3 1,0-1,0 0,0-1,-1 0,0 0,-1-1,0-1,0 0,0 0,0-1,-14 2,-21 3,-81 6,10-11,0-5,0-5,-123-22,227 25,-104-10,90 14,28-1,-1 0,1 0,0 0,0 0,-1 0,1 0,0 0,0 0,0 0,-1 1,1-1,0 0,0 0,-1 0,1 0,0 0,0 0,0 0,0 1,-1-1,1 0,0 0,0 0,0 0,0 1,-1-1,1 0,0 0,0 0,0 1,0-1,0 0,0 0,0 0,0 1,0-1,0 0,0 0,0 1,0-1,0 0,0 0,0 0,0 1,0-1,0 0,0 0,0 1,0-1,0 0,0 0,0 0,1 1,-1-1,0 0,0 0,1 1,16 8,19 2,0-2,66 9,89-5,173-19,-313 4,84-3</inkml:trace>
 </inkml:ink>
 </file>
 
@@ -3919,16 +3918,16 @@
           <inkml:channelProperty channel="Y" name="resolution" value="1000" units="1/cm"/>
         </inkml:channelProperties>
       </inkml:inkSource>
-      <inkml:timestamp xml:id="ts0" timeString="2021-02-10T08:21:58.407"/>
+      <inkml:timestamp xml:id="ts0" timeString="2021-02-10T08:19:54.850"/>
     </inkml:context>
     <inkml:brush xml:id="br0">
       <inkml:brushProperty name="width" value="0.1" units="cm"/>
       <inkml:brushProperty name="height" value="0.1" units="cm"/>
-      <inkml:brushProperty name="color" value="#E71224"/>
+      <inkml:brushProperty name="color" value="#66CC00"/>
       <inkml:brushProperty name="ignorePressure" value="1"/>
     </inkml:brush>
   </inkml:definitions>
-  <inkml:trace contextRef="#ctx0" brushRef="#br0">186 160,'-58'43,"22"-8,24-25,0 0,1 1,0 1,1 0,0 0,-13 23,21-27,8-11,12-18,183-243,-195 256,-2 2,0 0,1 0,-1 1,1-1,1 1,-1 0,9-5,-13 9,0 1,0 0,0-1,0 1,0 0,0 0,0 0,0 0,0 0,1 0,-1 0,0 0,0 0,0 1,0-1,0 0,0 1,0-1,0 1,0-1,0 1,-1-1,1 1,0 0,0-1,0 1,-1 0,1 0,0 0,-1 0,1-1,0 2,19 35,-17-31,52 114,-52-116,-2 0,1 1,0-1,-1 0,0 0,0 1,0-1,0 1,-1-1,0 6,0-9,0 1,-1-1,1 1,-1-1,1 0,-1 1,0-1,0 0,0 1,0-1,0 0,0 0,0 0,0 0,0 0,0 0,0 0,-1 0,1 0,0 0,-1-1,1 1,-1 0,1-1,-1 0,1 1,-1-1,1 0,-1 0,1 0,-1 0,-1 0,-16 0,0 0,-1-2,1 0,0-2,-36-10,55 14,-1 0,1 0,-1 0,1 0,-1 0,1 0,0 0,-1 0,1-1,-1 1,1 0,-1 0,1 0,0 0,-1-1,1 1,0 0,-1 0,1-1,0 1,-1 0,1-1,0 1,-1 0,1-1,0 1,0 0,-1-1,1 1,0 0,0-1,0 1,0-1,0 1,-1-1,1 1,0 0,0-1,0 1,0-1,0 1,0-1,1 1,-1 0,0-1,0 1,0-1,0 1,0 0,1-1,-1 1,0-1,23-19,-11 11,-3-1,0 0,-1-1,0 0,-1 0,0-1,-1 0,0 0,6-20,-12 30,1 1,-1-1,1 0,0 0,-1 1,1-1,0 1,0-1,0 1,0-1,1 1,-1 0,0-1,0 1,1 0,-1 0,3-2,-2 3,-1 1,0-1,0 0,0 0,0 0,1 1,-1-1,0 1,0-1,0 1,0-1,0 1,0 0,0-1,0 1,0 0,-1 0,1-1,0 1,0 0,-1 0,1 0,0 0,-1 0,1 0,-1 0,1 3,178 265,-179-269,0 0,0 0,0 0,0 0,0 0,0 0,0 0,0 0,0 0,0 0,-1 0,1 0,0 1,0-1,0 0,0 0,0 0,0 0,0 0,0 0,0 0,0 0,0 0,0 0,0 1,0-1,0 0,0 0,0 0,0 0,0 0,0 0,0 0,0 0,0 1,-17-13,-21-21,12 3,-42-61,39 50,14 20,-17-31,33 50,3 5,12 11,20 21,131 156,-138-155</inkml:trace>
+  <inkml:trace contextRef="#ctx0" brushRef="#br0">5118 0,'0'11,"2"0,-1 0,5 15,3 26,-7 12,-11 92,0-26,10-42,18 132,-17-201,0-10,-1 1,-1 0,0-1,0 1,-1 0,-1-1,-1 10,1-14,1-1,-1 1,0-1,0 0,0 0,-1 0,1 0,-1 0,0-1,0 1,0-1,-1 0,1 1,-1-2,0 1,-7 4,-6 1,0-1,0 0,0-1,-1-1,0-1,0-1,-23 2,-136-2,59-4,-190 32,178-14,-413 38,2-31,-503-26,580-14,158 3,-246-18,490 25,-85-19,97 9,39 11,-1 1,0 1,-22-4,15 6,0 1,1 1,-1 1,1 1,-1 1,1 0,-29 11,-48 10,87-23,-1-1,1 1,-1 1,1-1,0 1,-15 8,19-8,0 0,1 0,-1 0,1 1,0-1,0 1,0 0,0-1,1 1,-1 1,1-1,0 0,1 0,-3 9,-3 11,2 0,1-1,-2 43,7 77,1-76,-1 60,0-74</inkml:trace>
 </inkml:ink>
 </file>
 
@@ -3946,16 +3945,17 @@
           <inkml:channelProperty channel="Y" name="resolution" value="1000" units="1/cm"/>
         </inkml:channelProperties>
       </inkml:inkSource>
-      <inkml:timestamp xml:id="ts0" timeString="2021-02-10T08:22:02.032"/>
+      <inkml:timestamp xml:id="ts0" timeString="2021-03-25T08:44:11.104"/>
     </inkml:context>
     <inkml:brush xml:id="br0">
       <inkml:brushProperty name="width" value="0.1" units="cm"/>
       <inkml:brushProperty name="height" value="0.1" units="cm"/>
-      <inkml:brushProperty name="color" value="#E71224"/>
+      <inkml:brushProperty name="color" value="#66CC00"/>
       <inkml:brushProperty name="ignorePressure" value="1"/>
     </inkml:brush>
   </inkml:definitions>
-  <inkml:trace contextRef="#ctx0" brushRef="#br0">19 846,'-13'-4,"8"2,13 8,7 1,1 0,1-1,-1 0,1-2,27 5,-24-5,148 17,-39-8,-49-2,2-4,-1-3,92-8,-33-20,-109 18,25-8,-36 9,0 0,0 1,22-1,100-11,-62 5,21-1,168-14,-115 13,-24 2,23 6,-64 4,0-4,90-17,-14-11,150-28,-214 44,255-41,3 28,-330 31,0 1,56 13,-59-10,1 0,-1-2,44 1,-50-7,0-1,1 0,-2-1,1-1,22-11,-29 12,-8 3,0 1,-1-1,1-1,-1 1,1-1,-1 0,0 0,0 0,0 0,0-1,-1 0,1 0,-1 0,0 0,0 0,0 0,-1-1,0 0,0 1,0-1,0 0,-1 0,1 0,-1 0,-1 0,1 0,-1-8,-3-177,-1 76,1 74,1 31,1-1,0 0,2-15,-1 24,0 0,0 0,1 0,-1 0,0 0,1 0,-1 0,1 0,-1 0,1 0,-1 0,1 1,0-1,-1 0,1 0,0 0,0 1,-1-1,1 1,0-1,0 0,0 1,0-1,0 1,0 0,0-1,0 1,0 0,0 0,0 0,0 0,0-1,0 1,0 1,0-1,0 0,1 0,0 1,6 0,0 1,1 0,13 5,-15-4,9 3,0-1,0-1,0-1,1 0,-1-1,1 0,-1-2,1 0,0-1,-1 0,1-1,29-9,40-17,-52 16</inkml:trace>
+  <inkml:trace contextRef="#ctx0" brushRef="#br0">9202 601,'7'-2,"80"-30,-65 22,-10 4,0 1,0 0,1 0,19-3,-29 7,0 1,0-1,-1 1,1 0,0 0,0 0,-1 0,1 1,0-1,0 1,-1 0,1 0,-1 0,1 0,-1 0,1 0,-1 1,1-1,-1 1,0-1,0 1,0 0,0 0,0 0,0 0,-1 0,3 4,1 6,0 0,-1 1,0-1,-1 1,0 0,-1-1,0 15,1-6,18 394,-21-380,-1 41,-3 1,-4-1,-3-1,-24 89,-166 620,170-654,7 1,-13 195,7 314,26-582,-2-1,-14 58,13-85,-2-1,0 0,-2-1,-1 0,-24 40,33-63,0-1,0 1,-1-1,1 0,-1 0,0 0,0 0,0-1,-1 0,1 1,-1-2,0 1,0 0,0-1,-9 3,5-3,0-1,-1 0,1 0,-1-1,1 0,-1-1,1 0,-11-2,-73-18,-30-5,13 16,-122 6,-6 0,-397-53,187 24,-2 33,207 2,175-2,-365-13,156-6,199 18,-124 13,172-8,-96 9,104-12,-1-1,1-1,-36-6,1-2,-1 3,0 2,0 3,-109 11,-270 15,214-16,-572 29,216-37,29-41,445 34,-190 17,156 0,-213-9,316-6,-1-3,-51-14,6 0,-6-2,0-3,-101-46,174 65,-1-1,1 0,1-1,-1-1,2 0,-1-1,1 0,1-1,-21-26,21 20,0 0,1-1,1 0,1-1,0 0,2 0,-8-30,-7-51,5-1,-8-184,-24-183,1-17,48 173,1 197,-2 79,-11-63,1 17,-5-32,9 81,2-1,1 0,3-70,54-242,-17 136,-35 210,17-98,-15 88,0 0,1 0,0 1,0 0,1 0,11-17,-11 22,-1 0,1 0,0 1,0 0,0 0,0 1,1-1,5-2,52-20,-33 14,318-112,-283 106,1 4,0 2,99-4,-82 12,-18 1,88 5,-81 4,1-3,0-3,74-11,196-29,-164 27,-150 13,0 1,1 2,-1 0,30 9,-1 3,0-3,0-3,109 4,-132-13,27 2,0-4,0-2,68-13,-58 1,2 3,0 4,79 0,-61 10,-23 1,-1-4,71-9,-37-1,186 4,-268 9,0 1,-1 1,28 8,9 2,-16-5,11 2,52 3,187 22,-124-11,112 23,-74-10,81 19,-258-51,3 0,0-2,0-1,34-2,24 1,428 9,-481-10,209 16,-21-1,-135-15,-45-1,1 1,-1 3,46 8,-32-3,1-1,104-3,37 2,-162-3</inkml:trace>
+  <inkml:trace contextRef="#ctx0" brushRef="#br0" timeOffset="-1">8179 381,'30'1,"187"-12,-196 8,0 2,0 0,0 1,0 2,0 0,0 1,26 7,-2 0,1-1,1-3,-1-1,67-3,-84-1,-1 2,38 7,25 3,-46-10,-6-2</inkml:trace>
 </inkml:ink>
 </file>
 
@@ -3973,16 +3973,16 @@
           <inkml:channelProperty channel="Y" name="resolution" value="1000" units="1/cm"/>
         </inkml:channelProperties>
       </inkml:inkSource>
-      <inkml:timestamp xml:id="ts0" timeString="2021-02-10T08:22:03.722"/>
+      <inkml:timestamp xml:id="ts0" timeString="2021-02-10T08:20:28.111"/>
     </inkml:context>
     <inkml:brush xml:id="br0">
       <inkml:brushProperty name="width" value="0.1" units="cm"/>
       <inkml:brushProperty name="height" value="0.1" units="cm"/>
-      <inkml:brushProperty name="color" value="#E71224"/>
+      <inkml:brushProperty name="color" value="#66CC00"/>
       <inkml:brushProperty name="ignorePressure" value="1"/>
     </inkml:brush>
   </inkml:definitions>
-  <inkml:trace contextRef="#ctx0" brushRef="#br0">65 124,'-1'0,"1"0,-1 0,0 1,0-1,0 0,0 0,1 1,-1-1,0 0,0 1,0-1,1 1,-1-1,0 1,1 0,-1-1,0 1,1 0,-1-1,1 1,-1 0,1-1,0 1,-1 0,1 0,-1 1,-5 25,4-19,-13 86,-6 182,19-224,16-170,1-6,-12 80,-2-1,-3 0,-1 0,-11-55,11 85,1 7,0-1,0 0,1 0,0-12,1 21,0-1,0 1,0 0,0 0,0 0,0 0,0 0,0 0,0-1,0 1,0 0,0 0,0 0,0 0,0 0,0 0,0 0,0-1,0 1,0 0,1 0,-1 0,0 0,0 0,0 0,0 0,0 0,0 0,0 0,0 0,1-1,-1 1,0 0,0 0,0 0,0 0,0 0,0 0,0 0,1 0,-1 0,0 0,0 0,0 0,0 0,0 0,0 0,1 0,-1 0,0 1,0-1,0 0,0 0,0 0,0 0,10 7,5 11,28 32,-28-35,-1 1,-1 1,0 0,-1 1,-1 0,10 23,-20-38,0 0,0 0,0-1,0 1,-1 0,1 0,-1 0,0 0,0 0,0 0,0 0,0 0,-1 0,1 0,-1 0,0 0,0 0,0 0,0-1,0 1,-3 3,-1 0,0 0,-1-1,1 1,-1-1,-1 0,-8 5,5-4,1 1,-17 16,-18 23,96-107,-40 44,2-1,17-33,-28 47,-1 0,0 0,-1 0,1 0,-1-1,0 1,0 0,0-1,0 1,-1-1,0 1,1-1,-2 1,0-8,1 11,0-1,-1 1,1 0,0 0,-1 0,1-1,-1 1,1 0,-1 0,1 0,-1 0,0 0,0 0,1 0,-1 0,0 0,0 0,0 1,0-1,0 0,0 1,0-1,0 0,-1 1,1 0,0-1,0 1,0 0,0-1,-1 1,1 0,0 0,0 0,-1 0,1 0,0 0,0 0,-1 1,1-1,0 0,0 1,0-1,0 0,0 1,-1 0,1-1,0 1,0 0,-1 0,-4 3,1 0,-1 1,1-1,0 1,0 0,1 0,-6 8,-4 10</inkml:trace>
+  <inkml:trace contextRef="#ctx0" brushRef="#br0">0 71,'628'25,"275"16,-849-41,261-11,-270 6,0-1,0-3,-2-1,86-33,-105 33,40-12,-55 20,0 0,1 1,-1-1,0 2,1 0,-1 0,18 3,-1 1,24 5,61 3,-97-11,-1-1,1-1,0 0,0-1,0 0,-1-1,1 0,-1-1,17-8,-28 11,2-1,0 0,0 0,0 0,0 1,0-1,0 1,7-1,-10 2,0 0,1 1,-1-1,0 0,0 1,0-1,0 0,0 1,0-1,0 1,0 0,0-1,0 1,0 0,0 0,-1-1,1 1,0 0,0 0,-1 0,1 0,-1 0,1 0,-1 0,1 0,-1 0,1 0,-1 1,0-1,0 0,0 0,0 0,0 2,5 32,-3 1,-1 0,-1 0,-6 36,4-40,-6 76</inkml:trace>
 </inkml:ink>
 </file>
 
@@ -4000,16 +4000,16 @@
           <inkml:channelProperty channel="Y" name="resolution" value="1000" units="1/cm"/>
         </inkml:channelProperties>
       </inkml:inkSource>
-      <inkml:timestamp xml:id="ts0" timeString="2021-02-10T08:22:06.893"/>
+      <inkml:timestamp xml:id="ts0" timeString="2021-02-10T08:20:48.641"/>
     </inkml:context>
     <inkml:brush xml:id="br0">
       <inkml:brushProperty name="width" value="0.1" units="cm"/>
       <inkml:brushProperty name="height" value="0.1" units="cm"/>
-      <inkml:brushProperty name="color" value="#E71224"/>
+      <inkml:brushProperty name="color" value="#66CC00"/>
       <inkml:brushProperty name="ignorePressure" value="1"/>
     </inkml:brush>
   </inkml:definitions>
-  <inkml:trace contextRef="#ctx0" brushRef="#br0">22 37,'-1'0,"0"0,0-1,0 1,0 0,0-1,0 1,0-1,0 0,0 1,0-1,0 0,1 1,-1-1,0 0,0 0,1 0,-1 0,1 0,-1 0,1 0,-1-1,0 2,1-1,0 0,-1 1,1-1,0 1,-1-1,1 0,0 1,0-1,0 0,0 1,-1-1,1 0,0 1,0-1,0 0,1 1,-1-1,0 0,0 1,0-1,0 0,1 1,-1-1,0 0,1 1,-1-1,0 1,1-1,-1 1,1-2,0 3,0-1,-1 1,1-1,0 1,-1-1,1 1,-1 0,1-1,-1 1,1 0,-1-1,0 1,1 0,-1 0,0-1,0 1,1 0,-1 0,0 0,0-1,0 3,5 39,-1 0,-4 70,0-51,0-24,11 443,5-112,-11-221,9 53,1 11,-14-188,4 65,-4-78,0 0,1 0,1-1,0 1,0 0,6 11,-7-18,0 0,1 0,-1 0,1 0,0 0,0 0,0-1,0 1,0-1,0 0,1 0,-1 0,1 0,-1-1,1 0,0 1,5 0,9 1,0 0,29 0,-12 0,232 47,-113-18,80 6,2-11,332-3,88-59,-321 12,103-8,114-6,1113-55,-1600 89,907-32,-783 35,381-10,623-113,-1003 97,277-31,-18 26,111-10,372 13,-660 44,-44-1,208-30,-81-1,-91 0,-42 1,-87 13,1 5,165 26,45 2,2-29,-252-2,169-16,-33 2,261 12,-265 3,-174-3,0-2,76-16,-122 19,-1-1,-1 0,1 0,0-1,0 1,10-7,-14 7,0-1,0 1,0 0,-1-1,1 0,-1 1,1-1,-1 0,0 0,0-1,0 1,-1 0,1-1,-1 1,2-5,1-17,-1 1,0-1,-2 0,-4-41,2 28,0-42,1 22,-2 0,-14-81,9 106</inkml:trace>
+  <inkml:trace contextRef="#ctx0" brushRef="#br0">97 35,'0'-2,"0"-1,1 1,-1 0,0 0,1-1,-1 1,1 0,0 0,0 0,0-1,0 1,2-3,-3 5,0 0,0 0,1 0,-1-1,0 1,0 0,0 0,0 0,1 0,-1-1,0 1,0 0,0 0,1 0,-1 0,0 0,0 0,1 0,-1 0,0 0,0 0,1 0,-1 0,0 0,0 0,1 0,-1 0,0 0,0 0,1 0,-1 0,0 0,0 0,0 0,1 0,-1 1,1 0,0 0,0 0,-1 0,1 1,0-1,-1 0,1 0,-1 1,1-1,-1 0,1 3,1 20,0 0,-1 0,-1 1,-7 42,4-36,-14 139,-12 155,16-117,-13 388,26-537,-18 422,3 77,17-370,-1-156,2-1,1 1,2-1,0 0,3 0,13 34,-20-61,0 0,0 0,0 0,0 0,1 0,-1-1,1 1,0-1,0 0,0 0,1 0,-1 0,1 0,-1-1,1 1,0-1,0 0,0-1,0 1,1-1,-1 1,8 0,7 1,0-2,0 0,0-1,20-2,-4 0,108-12,-7-1,-85 16,70 9,-78-5,0-2,73-3,-55-8,69-19,-106 23,0 2,1 0,-1 1,1 1,42 7,-42-4,1-1,0-1,-1-1,1-1,26-5,120-18,-85 15,93-6,192 10,-258 6,226 16,-30 0,-101-2,-147-7,1-3,0-3,79-7,7-16,208-17,-210 23,-103 8,87-2,-94 12,47 9,26 3,39-13,-129-3,0-1,-1-2,1 0,0-1,26-10,-34 10,0 0,0 1,1 1,-1 0,1 0,0 1,-1 1,1 0,0 1,0 1,17 2,-20-2,0-1,0 0,0 0,16-3,-17 2,-1 0,1 0,-1 1,1 0,-1 0,9 2,2 4</inkml:trace>
 </inkml:ink>
 </file>
 
@@ -4027,43 +4027,16 @@
           <inkml:channelProperty channel="Y" name="resolution" value="1000" units="1/cm"/>
         </inkml:channelProperties>
       </inkml:inkSource>
-      <inkml:timestamp xml:id="ts0" timeString="2021-02-10T08:22:17.204"/>
+      <inkml:timestamp xml:id="ts0" timeString="2021-02-10T08:20:51.907"/>
     </inkml:context>
     <inkml:brush xml:id="br0">
       <inkml:brushProperty name="width" value="0.1" units="cm"/>
       <inkml:brushProperty name="height" value="0.1" units="cm"/>
-      <inkml:brushProperty name="color" value="#F6630D"/>
+      <inkml:brushProperty name="color" value="#66CC00"/>
       <inkml:brushProperty name="ignorePressure" value="1"/>
     </inkml:brush>
   </inkml:definitions>
-  <inkml:trace contextRef="#ctx0" brushRef="#br0">267 65,'-7'5,"0"0,2 0,-2 0,1 1,1-1,-5 11,-8 6,-85 116,24-31,60-88,33-43,-12 21,215-275,-207 268,1 0,-1 0,2 1,1 0,15-9,-23 15,-2 1,3-1,-1 1,0 0,-1 0,1 0,2 1,-2-1,0 1,0 0,1 0,1 0,-2 0,2 0,-2 1,2-1,-2 1,2 0,-1 0,1 0,5 1,4 2,1 0,-1 1,0 0,-1 1,-1 0,2 0,-2 1,0 0,21 12,7 6,58 42,3 16,109 113,-160-143,-171-166,74 73</inkml:trace>
-</inkml:ink>
-</file>
-
-<file path=ppt/ink/ink229.xml><?xml version="1.0" encoding="utf-8"?>
-<inkml:ink xmlns:inkml="http://www.w3.org/2003/InkML">
-  <inkml:definitions>
-    <inkml:context xml:id="ctx0">
-      <inkml:inkSource xml:id="inkSrc0">
-        <inkml:traceFormat>
-          <inkml:channel name="X" type="integer" min="-2.14748E9" max="2.14748E9" units="cm"/>
-          <inkml:channel name="Y" type="integer" min="-2.14748E9" max="2.14748E9" units="cm"/>
-        </inkml:traceFormat>
-        <inkml:channelProperties>
-          <inkml:channelProperty channel="X" name="resolution" value="1000" units="1/cm"/>
-          <inkml:channelProperty channel="Y" name="resolution" value="1000" units="1/cm"/>
-        </inkml:channelProperties>
-      </inkml:inkSource>
-      <inkml:timestamp xml:id="ts0" timeString="2021-02-10T08:22:19.832"/>
-    </inkml:context>
-    <inkml:brush xml:id="br0">
-      <inkml:brushProperty name="width" value="0.1" units="cm"/>
-      <inkml:brushProperty name="height" value="0.1" units="cm"/>
-      <inkml:brushProperty name="color" value="#F6630D"/>
-      <inkml:brushProperty name="ignorePressure" value="1"/>
-    </inkml:brush>
-  </inkml:definitions>
-  <inkml:trace contextRef="#ctx0" brushRef="#br0">1888 0,'-2'0,"0"0,1 0,-1 1,0-1,0 0,2 0,-1 1,-1-1,0 1,0-1,2 1,-1-1,-1 1,2-1,-2 1,0 0,2-1,-1 1,1 0,-2-1,2 1,-2 0,2 0,0-1,-2 1,2 0,0 0,0 0,-1 0,1 0,0-1,0 1,0 0,0 2,5 34,-5-33,19 131,-8-46,15 0,-16-58,6 40,-14-1,-28 131,1-52,-3 45,-5 123,33-251,3 25,-27 129,1-80,11 193,9-288,-22 73,-1 14,22-88,4 1,6 0,11 47,-6-49,-4-1,-4 57,-24 86,4-30,13-99,-17 128,0-74,5 130,-3 24,-166 471,159-649,-39 176,-12 40,24-114,13 2,7 284,-2-158,19-227,-7 20,-4 24,25-109,2-1,2 1,10 38,-5-42,-4-13,1 0,-3 1,1-1,0 0,0 8,-2-13,-2 0,2-1,0 1,0-1,-2 1,2-1,-2 1,2-1,-1 1,-1-1,0 1,2-1,-1 0,-1 0,0 1,0-1,-1 0,1 0,0 0,1 0,-3 0,2 0,1 0,-3-1,2 1,-1 0,1-1,-5 1,-49 7,-80 6,5-2,54-3,8-1,3 0,-86 20,-156 52,304-79,1 0,-1 0,-1 0,2 0,-1 0,1 0,-1 1,1-1,-1 1,1-1,-4 5,5-6,2 0,0 0,0 1,0-1,0 0,0 1,0-1,0 0,0 1,0-1,0 0,0 1,0-1,0 0,0 0,0 1,0-1,0 0,0 1,0-1,0 0,2 1,-2-1,0 0,0 0,0 1,1-1,-1 0,0 0,2 1,30 7,31 1,1 0,111 4,-145-12,1-1,1-1,-1 0,1-2,-2 0,1 0,55-13,-9 1,-42 9,0-1,-2-1,33-10,-57 16,-2-1,2 0,-2 0,0-1,0 1,0-1,-2 0,2 1,-2-2,1 1,-1 0,0-1,-1 1,1-1,-2 0,6-9,-5 3,-1-1,1-21,-3 7</inkml:trace>
+  <inkml:trace contextRef="#ctx0" brushRef="#br0">1 254,'18'-18,"0"2,2 0,28-17,-35 27,-1-1,1 1,1 1,-1 1,1 0,-1 0,23-2,66-1,142 9,-105 1,274-15,116-9,-463 18,-1-3,1-3,83-22,-98 23,-1 2,2 3,90 5,-58 0,75-3,113 3,-150 11,11 1,215-12,-221-16,-71 6,63-1,82-7,-131 8,106 1,-30 23,-92-8,62 1,-95-8,22 0,70-8,-110 6,-1 0,1 1,0-1,-1 1,1 0,0 0,-1 0,1 0,0 1,-1-1,1 1,0-1,-1 1,1 0,-1 0,1 0,-1 0,0 1,5 2,-5-1,0 0,0 1,0-1,0 0,-1 0,0 1,0-1,1 1,-2 0,1-1,0 1,-1-1,0 1,0 4,0 26,-2-1,-10 56,1-2,3 26,-7 62,-3 342,18-452,2-35,2 0,1-1,1 1,1-1,18 43,-14-41,0 2,-3-1,10 65,-17-11,-1-58,0 0,2-1,7 34,0-3,-2-1,-3 1,-4 80,-1-75,7 7,-3-50,-2 0,1 23,-6 52,-6 72,-20 6,18-123,3 1,-3 63,-2 66,3-52,8-65</inkml:trace>
 </inkml:ink>
 </file>
 
@@ -4094,277 +4067,6 @@
 </inkml:ink>
 </file>
 
-<file path=ppt/ink/ink230.xml><?xml version="1.0" encoding="utf-8"?>
-<inkml:ink xmlns:inkml="http://www.w3.org/2003/InkML">
-  <inkml:definitions>
-    <inkml:context xml:id="ctx0">
-      <inkml:inkSource xml:id="inkSrc0">
-        <inkml:traceFormat>
-          <inkml:channel name="X" type="integer" min="-2.14748E9" max="2.14748E9" units="cm"/>
-          <inkml:channel name="Y" type="integer" min="-2.14748E9" max="2.14748E9" units="cm"/>
-        </inkml:traceFormat>
-        <inkml:channelProperties>
-          <inkml:channelProperty channel="X" name="resolution" value="1000" units="1/cm"/>
-          <inkml:channelProperty channel="Y" name="resolution" value="1000" units="1/cm"/>
-        </inkml:channelProperties>
-      </inkml:inkSource>
-      <inkml:timestamp xml:id="ts0" timeString="2021-02-10T08:19:37.679"/>
-    </inkml:context>
-    <inkml:brush xml:id="br0">
-      <inkml:brushProperty name="width" value="0.1" units="cm"/>
-      <inkml:brushProperty name="height" value="0.1" units="cm"/>
-      <inkml:brushProperty name="color" value="#66CC00"/>
-      <inkml:brushProperty name="ignorePressure" value="1"/>
-    </inkml:brush>
-  </inkml:definitions>
-  <inkml:trace contextRef="#ctx0" brushRef="#br0">132 1,'-6'0,"0"0,-1 0,1 1,0 0,0 0,-1 1,1-1,-10 6,13-5,-1 0,1 0,0 0,0 1,0-1,0 1,0 0,1 0,-1 0,1 0,0 1,0-1,0 0,0 1,-2 6,-2 12,1 1,1 0,1 0,1 0,1 0,2 29,-1-12,26 759,68-2,-35-519,-29-172</inkml:trace>
-</inkml:ink>
-</file>
-
-<file path=ppt/ink/ink231.xml><?xml version="1.0" encoding="utf-8"?>
-<inkml:ink xmlns:inkml="http://www.w3.org/2003/InkML">
-  <inkml:definitions>
-    <inkml:context xml:id="ctx0">
-      <inkml:inkSource xml:id="inkSrc0">
-        <inkml:traceFormat>
-          <inkml:channel name="X" type="integer" min="-2.14748E9" max="2.14748E9" units="cm"/>
-          <inkml:channel name="Y" type="integer" min="-2.14748E9" max="2.14748E9" units="cm"/>
-        </inkml:traceFormat>
-        <inkml:channelProperties>
-          <inkml:channelProperty channel="X" name="resolution" value="1000" units="1/cm"/>
-          <inkml:channelProperty channel="Y" name="resolution" value="1000" units="1/cm"/>
-        </inkml:channelProperties>
-      </inkml:inkSource>
-      <inkml:timestamp xml:id="ts0" timeString="2021-02-10T08:19:39.883"/>
-    </inkml:context>
-    <inkml:brush xml:id="br0">
-      <inkml:brushProperty name="width" value="0.1" units="cm"/>
-      <inkml:brushProperty name="height" value="0.1" units="cm"/>
-      <inkml:brushProperty name="color" value="#66CC00"/>
-      <inkml:brushProperty name="ignorePressure" value="1"/>
-    </inkml:brush>
-  </inkml:definitions>
-  <inkml:trace contextRef="#ctx0" brushRef="#br0">154 902,'1'0,"0"-1,0 1,1 0,-1-1,0 1,0-1,0 1,0-1,0 1,0-1,0 0,0 0,0 1,0-1,0 0,1-1,7-6,7-3,0 0,1 2,0 0,1 1,-1 1,2 0,29-6,143-16,-191 29,142-14,184-26,125-60,-53 10,59 16,-7 2,-269 34,116-20,-205 44,118-2,-61 15,158-8,-273 6,217-31,-108 1,88-17,-160 38,95-4,28 2,-33 1,-138 13,0 1,0 1,0 0,-1 2,1 1,42 16,-56-19,0 1,0-1,0-1,0 0,1 0,-1-1,0 0,0 0,1-1,-1-1,0 1,16-6,3-4,0 0,42-26,23-9,-91 45,0 0,0 0,0 0,1 1,-1-1,0 1,0-1,1 1,-1 0,0 0,0 0,1 0,-1 0,0 1,0-1,0 1,3 0,-3 0,-1 0,0 0,0 1,1-1,-1 0,0 0,0 1,0-1,0 0,-1 1,1-1,0 1,-1-1,1 1,0 0,-1-1,0 1,1-1,-1 1,0 0,0-1,0 1,0 0,-1 3,-23 174,4-48,6 59,10 195,21-60,1 54,-19-172,2 116,12-154,1 12,-22 286,-6-259,-14 134,26-314,-3 0,0 0,-1-1,-2 0,-13 32,17-50,-1 0,0 0,0-1,-1 1,0-1,0-1,-1 1,1-1,-2 0,1-1,-1 1,0-2,-1 1,1-1,-1 0,0-1,0 0,-12 3,-33 6,-1-3,-93 6,63-8,-1182 92,745-110,146-4,288 15,-2 1,-125-15,22-21,-90-10,87 25,-361-13,356 37,-205 3,374-9,-34-6,42 3,0 1,-1 2,-26 1,-45 13,52-6,-44 1,67-8,0-1,0 0,0-1,0-2,0 0,1-1,0-1,0-1,-27-13,34 13,0 0,1-2,-1 1,2-2,-1 1,1-2,1 1,0-2,0 1,1-1,1-1,0 1,0-1,-5-15,5 6,0-1,2 0,0-1,2 1,0-1,1-27,0-56</inkml:trace>
-</inkml:ink>
-</file>
-
-<file path=ppt/ink/ink232.xml><?xml version="1.0" encoding="utf-8"?>
-<inkml:ink xmlns:inkml="http://www.w3.org/2003/InkML">
-  <inkml:definitions>
-    <inkml:context xml:id="ctx0">
-      <inkml:inkSource xml:id="inkSrc0">
-        <inkml:traceFormat>
-          <inkml:channel name="X" type="integer" min="-2.14748E9" max="2.14748E9" units="cm"/>
-          <inkml:channel name="Y" type="integer" min="-2.14748E9" max="2.14748E9" units="cm"/>
-        </inkml:traceFormat>
-        <inkml:channelProperties>
-          <inkml:channelProperty channel="X" name="resolution" value="1000" units="1/cm"/>
-          <inkml:channelProperty channel="Y" name="resolution" value="1000" units="1/cm"/>
-        </inkml:channelProperties>
-      </inkml:inkSource>
-      <inkml:timestamp xml:id="ts0" timeString="2021-02-10T08:19:41.782"/>
-    </inkml:context>
-    <inkml:brush xml:id="br0">
-      <inkml:brushProperty name="width" value="0.1" units="cm"/>
-      <inkml:brushProperty name="height" value="0.1" units="cm"/>
-      <inkml:brushProperty name="color" value="#66CC00"/>
-      <inkml:brushProperty name="ignorePressure" value="1"/>
-    </inkml:brush>
-  </inkml:definitions>
-  <inkml:trace contextRef="#ctx0" brushRef="#br0">1 479,'271'1,"310"-3,-163-26,3-21,-414 48,200-28,160-17,-205 33,214-10,43-9,-64 2,-150 13,37 0,-5 3,-72 0,66-10,-17-18,126-19,-141 55,-27 2,422-24,-543 29</inkml:trace>
-</inkml:ink>
-</file>
-
-<file path=ppt/ink/ink233.xml><?xml version="1.0" encoding="utf-8"?>
-<inkml:ink xmlns:inkml="http://www.w3.org/2003/InkML">
-  <inkml:definitions>
-    <inkml:context xml:id="ctx0">
-      <inkml:inkSource xml:id="inkSrc0">
-        <inkml:traceFormat>
-          <inkml:channel name="X" type="integer" min="-2.14748E9" max="2.14748E9" units="cm"/>
-          <inkml:channel name="Y" type="integer" min="-2.14748E9" max="2.14748E9" units="cm"/>
-        </inkml:traceFormat>
-        <inkml:channelProperties>
-          <inkml:channelProperty channel="X" name="resolution" value="1000" units="1/cm"/>
-          <inkml:channelProperty channel="Y" name="resolution" value="1000" units="1/cm"/>
-        </inkml:channelProperties>
-      </inkml:inkSource>
-      <inkml:timestamp xml:id="ts0" timeString="2021-02-10T08:19:42.438"/>
-    </inkml:context>
-    <inkml:brush xml:id="br0">
-      <inkml:brushProperty name="width" value="0.1" units="cm"/>
-      <inkml:brushProperty name="height" value="0.1" units="cm"/>
-      <inkml:brushProperty name="color" value="#66CC00"/>
-      <inkml:brushProperty name="ignorePressure" value="1"/>
-    </inkml:brush>
-  </inkml:definitions>
-  <inkml:trace contextRef="#ctx0" brushRef="#br0">1 565,'5'0,"7"0,8-11,5-3,25-27,15-11,13-19,4-8,4-7,-7 7,-12 10,-22 23,-25 29,-21 41,-15 20,-6 30,13 30,7-3</inkml:trace>
-</inkml:ink>
-</file>
-
-<file path=ppt/ink/ink234.xml><?xml version="1.0" encoding="utf-8"?>
-<inkml:ink xmlns:inkml="http://www.w3.org/2003/InkML">
-  <inkml:definitions>
-    <inkml:context xml:id="ctx0">
-      <inkml:inkSource xml:id="inkSrc0">
-        <inkml:traceFormat>
-          <inkml:channel name="X" type="integer" min="-2.14748E9" max="2.14748E9" units="cm"/>
-          <inkml:channel name="Y" type="integer" min="-2.14748E9" max="2.14748E9" units="cm"/>
-        </inkml:traceFormat>
-        <inkml:channelProperties>
-          <inkml:channelProperty channel="X" name="resolution" value="1000" units="1/cm"/>
-          <inkml:channelProperty channel="Y" name="resolution" value="1000" units="1/cm"/>
-        </inkml:channelProperties>
-      </inkml:inkSource>
-      <inkml:timestamp xml:id="ts0" timeString="2021-02-10T08:19:42.782"/>
-    </inkml:context>
-    <inkml:brush xml:id="br0">
-      <inkml:brushProperty name="width" value="0.1" units="cm"/>
-      <inkml:brushProperty name="height" value="0.1" units="cm"/>
-      <inkml:brushProperty name="color" value="#66CC00"/>
-      <inkml:brushProperty name="ignorePressure" value="1"/>
-    </inkml:brush>
-  </inkml:definitions>
-  <inkml:trace contextRef="#ctx0" brushRef="#br0">358 19,'-6'0,"0"-1,0 0,0 0,1-1,-10-2,10 2,0 0,0 1,0-1,0 1,0 1,0-1,-8 1,0 1,-1 2,1 0,0 0,1 1,-1 0,1 2,-1-1,1 1,1 1,-1 0,1 1,1 0,-12 10,14-10,1-1,-1 1,1 0,1 1,0-1,0 1,0 1,1-1,1 1,-1 0,2 0,-1 0,1 0,1 1,0-1,-1 17,3-21,0-1,1 1,-1-1,1 1,0-1,1 1,-1-1,1 0,0 0,0 1,5 6,-5-9,1 1,0-1,0 0,0 0,0 0,0 0,1-1,-1 1,1-1,0 0,0 0,0 0,0-1,0 1,6 1,3-1,1 0,-1-1,0 0,1-1,-1-1,1 0,-1 0,1-1,20-7,-9 1,-1-1,0-1,0 0,23-16,-41 22,0 1,0-1,0 0,0 0,-1 0,0-1,0 0,0 0,0 0,-1-1,0 0,0 0,5-9,-9 14,1-1,-1 1,0-1,1 1,-1-1,0 1,0-1,0 1,0-1,0 0,0 1,0-1,-1 1,1-1,0 1,-1-1,1 1,-1-1,0 1,1 0,-1-1,0 1,0 0,-2-2,-1-1,0 1,0-1,-1 1,1 1,-10-5,-42-17</inkml:trace>
-</inkml:ink>
-</file>
-
-<file path=ppt/ink/ink235.xml><?xml version="1.0" encoding="utf-8"?>
-<inkml:ink xmlns:inkml="http://www.w3.org/2003/InkML">
-  <inkml:definitions>
-    <inkml:context xml:id="ctx0">
-      <inkml:inkSource xml:id="inkSrc0">
-        <inkml:traceFormat>
-          <inkml:channel name="X" type="integer" min="-2.14748E9" max="2.14748E9" units="cm"/>
-          <inkml:channel name="Y" type="integer" min="-2.14748E9" max="2.14748E9" units="cm"/>
-        </inkml:traceFormat>
-        <inkml:channelProperties>
-          <inkml:channelProperty channel="X" name="resolution" value="1000" units="1/cm"/>
-          <inkml:channelProperty channel="Y" name="resolution" value="1000" units="1/cm"/>
-        </inkml:channelProperties>
-      </inkml:inkSource>
-      <inkml:timestamp xml:id="ts0" timeString="2021-02-10T08:19:51.705"/>
-    </inkml:context>
-    <inkml:brush xml:id="br0">
-      <inkml:brushProperty name="width" value="0.1" units="cm"/>
-      <inkml:brushProperty name="height" value="0.1" units="cm"/>
-      <inkml:brushProperty name="color" value="#66CC00"/>
-      <inkml:brushProperty name="ignorePressure" value="1"/>
-    </inkml:brush>
-  </inkml:definitions>
-  <inkml:trace contextRef="#ctx0" brushRef="#br0">127 255,'0'-1,"-1"1,1 0,-1-1,1 1,0-1,-1 1,1 0,-1 0,1-1,-1 1,1 0,-1 0,1-1,-1 1,1 0,-1 0,1 0,-1 0,1 0,-1 0,1 0,-1 0,1 0,-1 0,1 0,-1 0,0 1,-11 11,-3 26,15-36,-21 83,5 2,-10 143,23-197,-10 126,7 1,15 163,15 214,-24 3,-3-197,3-324,-1-9,1-1,0 1,1 0,2 12,-2-20,-1 0,1 0,0 1,-1-1,1 0,1 0,-1 0,0 0,0 0,1 0,-1 0,1-1,-1 1,1 0,0-1,0 1,0-1,-1 0,1 1,1-1,-1 0,4 1,12 2,0-1,0-1,1 0,-1-2,0 0,19-2,10 0,-14 1,106-1,179-26,-260 18,330-46,-290 45,153-14,-144 17,19-1,159 7,-54 26,67 3,-223-25,146 9,22 8,-63-6,141 31,223 52,-187-46,-298-47,0-3,97-11,118-35,-74 12,-104 19,-1-1,182-7,-184 24,413-12,-427 4,-20 4,-1-4,101-23,-150 28,1-1,-1 0,0-1,0 0,0 0,-1-1,1 0,-1-1,0 0,-1 0,0-1,0 0,0 0,0 0,-1-1,-1 0,1 0,-1 0,-1-1,1 0,-2 0,1 0,3-14,8-50,-3 0,4-91,-10-144,-6 231,-4-95,-38-262,6 185,-51-298,75 486,-3-23,-4 0,-31-84,48 163,1 0,-2 0,1 0,0 1,-1-1,0 1,0 0,0-1,-1 1,1 1,-1-1,0 1,0-1,0 1,-1 0,1 0,-1 1,1-1,-1 1,0 0,0 1,0-1,0 1,0 0,0 0,-1 0,1 1,-10 0,-228 5,74-1,-568-21,346-9,-195 8,265 15,152-7,-86 0,40 19,-178 5,240-15,-298 14,331-2,1-5,-187-15,101-9,-237-28,317 33,-202 5,293 8,-19 3,-55 10,-22 1,-196-9,273-6,5 1</inkml:trace>
-</inkml:ink>
-</file>
-
-<file path=ppt/ink/ink236.xml><?xml version="1.0" encoding="utf-8"?>
-<inkml:ink xmlns:inkml="http://www.w3.org/2003/InkML">
-  <inkml:definitions>
-    <inkml:context xml:id="ctx0">
-      <inkml:inkSource xml:id="inkSrc0">
-        <inkml:traceFormat>
-          <inkml:channel name="X" type="integer" min="-2.14748E9" max="2.14748E9" units="cm"/>
-          <inkml:channel name="Y" type="integer" min="-2.14748E9" max="2.14748E9" units="cm"/>
-        </inkml:traceFormat>
-        <inkml:channelProperties>
-          <inkml:channelProperty channel="X" name="resolution" value="1000" units="1/cm"/>
-          <inkml:channelProperty channel="Y" name="resolution" value="1000" units="1/cm"/>
-        </inkml:channelProperties>
-      </inkml:inkSource>
-      <inkml:timestamp xml:id="ts0" timeString="2021-02-10T08:19:52.684"/>
-    </inkml:context>
-    <inkml:brush xml:id="br0">
-      <inkml:brushProperty name="width" value="0.1" units="cm"/>
-      <inkml:brushProperty name="height" value="0.1" units="cm"/>
-      <inkml:brushProperty name="color" value="#66CC00"/>
-      <inkml:brushProperty name="ignorePressure" value="1"/>
-    </inkml:brush>
-  </inkml:definitions>
-  <inkml:trace contextRef="#ctx0" brushRef="#br0">365 32,'0'-5,"5"-2,3-5,-1 4,-7 16,-9 10,-13 25,-9 10,-20 39,-7 15,-5 11,3-10,12-17,20-35,14-27</inkml:trace>
-</inkml:ink>
-</file>
-
-<file path=ppt/ink/ink237.xml><?xml version="1.0" encoding="utf-8"?>
-<inkml:ink xmlns:inkml="http://www.w3.org/2003/InkML">
-  <inkml:definitions>
-    <inkml:context xml:id="ctx0">
-      <inkml:inkSource xml:id="inkSrc0">
-        <inkml:traceFormat>
-          <inkml:channel name="X" type="integer" min="-2.14748E9" max="2.14748E9" units="cm"/>
-          <inkml:channel name="Y" type="integer" min="-2.14748E9" max="2.14748E9" units="cm"/>
-        </inkml:traceFormat>
-        <inkml:channelProperties>
-          <inkml:channelProperty channel="X" name="resolution" value="1000" units="1/cm"/>
-          <inkml:channelProperty channel="Y" name="resolution" value="1000" units="1/cm"/>
-        </inkml:channelProperties>
-      </inkml:inkSource>
-      <inkml:timestamp xml:id="ts0" timeString="2021-02-10T08:19:53.282"/>
-    </inkml:context>
-    <inkml:brush xml:id="br0">
-      <inkml:brushProperty name="width" value="0.1" units="cm"/>
-      <inkml:brushProperty name="height" value="0.1" units="cm"/>
-      <inkml:brushProperty name="color" value="#66CC00"/>
-      <inkml:brushProperty name="ignorePressure" value="1"/>
-    </inkml:brush>
-  </inkml:definitions>
-  <inkml:trace contextRef="#ctx0" brushRef="#br0">536 230,'0'-5,"1"1,0-1,0 0,0 1,0-1,4-5,3-14,31-134,-36 149,0 14,2 27,-2-10,7 22,2 0,2 0,2-2,2 0,2 0,1-2,2-1,2 0,2-2,1-1,34 34,16 7,-34-35,39 49,-80-88,-1 0,1 0,-1 0,0 1,0-1,0 1,0-1,0 1,-1 0,0 0,0 0,0 0,0 0,0 0,-1 0,0 0,0 0,0 0,0 0,0 0,-1 0,0 0,0 0,0 0,0-1,-1 1,0 0,1-1,-1 1,-1-1,1 1,0-1,-1 0,-4 5,-3 1,0-1,0 0,0-1,-1 0,0 0,-1-1,0-1,0 0,0 0,0-1,-14 2,-21 3,-81 6,10-11,0-5,0-5,-123-22,227 25,-104-10,90 14,28-1,-1 0,1 0,0 0,0 0,-1 0,1 0,0 0,0 0,0 0,-1 1,1-1,0 0,0 0,-1 0,1 0,0 0,0 0,0 0,0 1,-1-1,1 0,0 0,0 0,0 0,0 1,-1-1,1 0,0 0,0 0,0 1,0-1,0 0,0 0,0 0,0 1,0-1,0 0,0 0,0 1,0-1,0 0,0 0,0 0,0 1,0-1,0 0,0 0,0 1,0-1,0 0,0 0,0 0,1 1,-1-1,0 0,0 0,1 1,16 8,19 2,0-2,66 9,89-5,173-19,-313 4,84-3</inkml:trace>
-</inkml:ink>
-</file>
-
-<file path=ppt/ink/ink238.xml><?xml version="1.0" encoding="utf-8"?>
-<inkml:ink xmlns:inkml="http://www.w3.org/2003/InkML">
-  <inkml:definitions>
-    <inkml:context xml:id="ctx0">
-      <inkml:inkSource xml:id="inkSrc0">
-        <inkml:traceFormat>
-          <inkml:channel name="X" type="integer" min="-2.14748E9" max="2.14748E9" units="cm"/>
-          <inkml:channel name="Y" type="integer" min="-2.14748E9" max="2.14748E9" units="cm"/>
-        </inkml:traceFormat>
-        <inkml:channelProperties>
-          <inkml:channelProperty channel="X" name="resolution" value="1000" units="1/cm"/>
-          <inkml:channelProperty channel="Y" name="resolution" value="1000" units="1/cm"/>
-        </inkml:channelProperties>
-      </inkml:inkSource>
-      <inkml:timestamp xml:id="ts0" timeString="2021-02-10T08:19:54.850"/>
-    </inkml:context>
-    <inkml:brush xml:id="br0">
-      <inkml:brushProperty name="width" value="0.1" units="cm"/>
-      <inkml:brushProperty name="height" value="0.1" units="cm"/>
-      <inkml:brushProperty name="color" value="#66CC00"/>
-      <inkml:brushProperty name="ignorePressure" value="1"/>
-    </inkml:brush>
-  </inkml:definitions>
-  <inkml:trace contextRef="#ctx0" brushRef="#br0">5118 0,'0'11,"2"0,-1 0,5 15,3 26,-7 12,-11 92,0-26,10-42,18 132,-17-201,0-10,-1 1,-1 0,0-1,0 1,-1 0,-1-1,-1 10,1-14,1-1,-1 1,0-1,0 0,0 0,-1 0,1 0,-1 0,0-1,0 1,0-1,-1 0,1 1,-1-2,0 1,-7 4,-6 1,0-1,0 0,0-1,-1-1,0-1,0-1,-23 2,-136-2,59-4,-190 32,178-14,-413 38,2-31,-503-26,580-14,158 3,-246-18,490 25,-85-19,97 9,39 11,-1 1,0 1,-22-4,15 6,0 1,1 1,-1 1,1 1,-1 1,1 0,-29 11,-48 10,87-23,-1-1,1 1,-1 1,1-1,0 1,-15 8,19-8,0 0,1 0,-1 0,1 1,0-1,0 1,0 0,0-1,1 1,-1 1,1-1,0 0,1 0,-3 9,-3 11,2 0,1-1,-2 43,7 77,1-76,-1 60,0-74</inkml:trace>
-</inkml:ink>
-</file>
-
-<file path=ppt/ink/ink239.xml><?xml version="1.0" encoding="utf-8"?>
-<inkml:ink xmlns:inkml="http://www.w3.org/2003/InkML">
-  <inkml:definitions>
-    <inkml:context xml:id="ctx0">
-      <inkml:inkSource xml:id="inkSrc0">
-        <inkml:traceFormat>
-          <inkml:channel name="X" type="integer" min="-2.14748E9" max="2.14748E9" units="cm"/>
-          <inkml:channel name="Y" type="integer" min="-2.14748E9" max="2.14748E9" units="cm"/>
-        </inkml:traceFormat>
-        <inkml:channelProperties>
-          <inkml:channelProperty channel="X" name="resolution" value="1000" units="1/cm"/>
-          <inkml:channelProperty channel="Y" name="resolution" value="1000" units="1/cm"/>
-        </inkml:channelProperties>
-      </inkml:inkSource>
-      <inkml:timestamp xml:id="ts0" timeString="2021-03-25T08:44:11.104"/>
-    </inkml:context>
-    <inkml:brush xml:id="br0">
-      <inkml:brushProperty name="width" value="0.1" units="cm"/>
-      <inkml:brushProperty name="height" value="0.1" units="cm"/>
-      <inkml:brushProperty name="color" value="#66CC00"/>
-      <inkml:brushProperty name="ignorePressure" value="1"/>
-    </inkml:brush>
-  </inkml:definitions>
-  <inkml:trace contextRef="#ctx0" brushRef="#br0">9202 601,'7'-2,"80"-30,-65 22,-10 4,0 1,0 0,1 0,19-3,-29 7,0 1,0-1,-1 1,1 0,0 0,0 0,-1 0,1 1,0-1,0 1,-1 0,1 0,-1 0,1 0,-1 0,1 0,-1 1,1-1,-1 1,0-1,0 1,0 0,0 0,0 0,0 0,-1 0,3 4,1 6,0 0,-1 1,0-1,-1 1,0 0,-1-1,0 15,1-6,18 394,-21-380,-1 41,-3 1,-4-1,-3-1,-24 89,-166 620,170-654,7 1,-13 195,7 314,26-582,-2-1,-14 58,13-85,-2-1,0 0,-2-1,-1 0,-24 40,33-63,0-1,0 1,-1-1,1 0,-1 0,0 0,0 0,0-1,-1 0,1 1,-1-2,0 1,0 0,0-1,-9 3,5-3,0-1,-1 0,1 0,-1-1,1 0,-1-1,1 0,-11-2,-73-18,-30-5,13 16,-122 6,-6 0,-397-53,187 24,-2 33,207 2,175-2,-365-13,156-6,199 18,-124 13,172-8,-96 9,104-12,-1-1,1-1,-36-6,1-2,-1 3,0 2,0 3,-109 11,-270 15,214-16,-572 29,216-37,29-41,445 34,-190 17,156 0,-213-9,316-6,-1-3,-51-14,6 0,-6-2,0-3,-101-46,174 65,-1-1,1 0,1-1,-1-1,2 0,-1-1,1 0,1-1,-21-26,21 20,0 0,1-1,1 0,1-1,0 0,2 0,-8-30,-7-51,5-1,-8-184,-24-183,1-17,48 173,1 197,-2 79,-11-63,1 17,-5-32,9 81,2-1,1 0,3-70,54-242,-17 136,-35 210,17-98,-15 88,0 0,1 0,0 1,0 0,1 0,11-17,-11 22,-1 0,1 0,0 1,0 0,0 0,0 1,1-1,5-2,52-20,-33 14,318-112,-283 106,1 4,0 2,99-4,-82 12,-18 1,88 5,-81 4,1-3,0-3,74-11,196-29,-164 27,-150 13,0 1,1 2,-1 0,30 9,-1 3,0-3,0-3,109 4,-132-13,27 2,0-4,0-2,68-13,-58 1,2 3,0 4,79 0,-61 10,-23 1,-1-4,71-9,-37-1,186 4,-268 9,0 1,-1 1,28 8,9 2,-16-5,11 2,52 3,187 22,-124-11,112 23,-74-10,81 19,-258-51,3 0,0-2,0-1,34-2,24 1,428 9,-481-10,209 16,-21-1,-135-15,-45-1,1 1,-1 3,46 8,-32-3,1-1,104-3,37 2,-162-3</inkml:trace>
-  <inkml:trace contextRef="#ctx0" brushRef="#br0" timeOffset="-1">8179 381,'30'1,"187"-12,-196 8,0 2,0 0,0 1,0 2,0 0,0 1,26 7,-2 0,1-1,1-3,-1-1,67-3,-84-1,-1 2,38 7,25 3,-46-10,-6-2</inkml:trace>
-</inkml:ink>
-</file>
-
 <file path=ppt/ink/ink24.xml><?xml version="1.0" encoding="utf-8"?>
 <inkml:ink xmlns:inkml="http://www.w3.org/2003/InkML">
   <inkml:definitions>
@@ -4389,87 +4091,6 @@
     </inkml:brush>
   </inkml:definitions>
   <inkml:trace contextRef="#ctx0" brushRef="#br0">109 138,'-2'13,"1"-12,1 1,0-1,-1 0,1 1,0-1,0 1,0-1,0 1,0-1,0 1,0-1,1 2,2 6,0 0,1-1,0 0,1 0,0 0,0 0,1-1,0 0,0 0,1 0,-1-1,9 6,15 10,56 30,-41-25,3-1,95 38,170 51,-282-106,2 0,-1-2,1-2,0-1,0-2,38-1,-30-1,-17 1,0-1,0-1,38-7,-44 5,-1 0,20 1,27-5,91-16,-96 5,-48 14,0 0,0 0,1 1,-1 0,15 0,36-4,-37 4,29-1,-27 4,0-2,35-7,39-3,-59 3,-16 4,42-14,28-10,6-2,-33 1,-47 19,1 1,0 1,0 1,28-5,-7 3,0-1,0-3,69-31,-92 34,37-26,-6 4,-7 9,53-19,31-15,-104 44,-21 10,-18 9,-110 59,35-16,24-12,-68 50,91-58,-94 49,61-37,-11 4,-25 15,84-43,0-2,-1-1,0-1,-60 16,30-11,37-11,0 0,0-1,-1-1,0 0,-25-1,27-2,-31 5,-19 0,-283-6,336-1,-30-5,-16-1,29 5,-45-7,-48-5,72 11,39 2,0 0,-30-5,-18-8,47 12,1 0,-1-2,1 0,0-1,0-1,1 0,-1-1,-24-16,-37-30,-27-19,-67-42,132 89,13 8,-1 2,-1 0,0 2,-50-18,-41-9,31 14,89 26,-1 0,0 0,0 0,0 0,0 0,0 0,0 0,0 0,0 0,0 1,0-1,0 0,0 0,0 0,0 0,0 0,0 0,0 0,0 0,0 0,0 0,0 0,0 1,0-1,0 0,0 0,0 0,0 0,0 0,0 0,0 0,0 0,0 0,0 0,0 0,0 0,0 1,0-1,0 0,-1 0,1 0,0 0,0 0,0 0,0 0,0 0,0 0,0 0,0 0,0 0,0 0,0 0,0 0,-1 0,1 0,0 0,0 0,0 0,0 0,0 0,0 0,0 0,0 0,0 0,8 10,12 9,13 1,1 0,40 15,-51-26,46 12,-7-4,-15 2,68 36,-82-38,20 8,91 29,-102-43,-1-1,60 7,-82-14,-1 1,30 10,22 6,-19-10,-22-4,0-1,60 3,-66-8,-2 0,-1-1,1 0,27-6,-31 4,0 1,-1 1,24 0,-23 2,-1-2,1 0,26-5,-23 2,0 2,0 0,36 1,-34 2,0-1,39-7,178-49,-194 47,-14 3,57-18,29-14,20-8,9 1,-140 43,8-1,6-2,0-1,0 0,0-2,22-11,-15 5,34-12,-34 16,39-22,-41 19,0 1,50-15,0 0,30-20,-71 32</inkml:trace>
-</inkml:ink>
-</file>
-
-<file path=ppt/ink/ink240.xml><?xml version="1.0" encoding="utf-8"?>
-<inkml:ink xmlns:inkml="http://www.w3.org/2003/InkML">
-  <inkml:definitions>
-    <inkml:context xml:id="ctx0">
-      <inkml:inkSource xml:id="inkSrc0">
-        <inkml:traceFormat>
-          <inkml:channel name="X" type="integer" min="-2.14748E9" max="2.14748E9" units="cm"/>
-          <inkml:channel name="Y" type="integer" min="-2.14748E9" max="2.14748E9" units="cm"/>
-        </inkml:traceFormat>
-        <inkml:channelProperties>
-          <inkml:channelProperty channel="X" name="resolution" value="1000" units="1/cm"/>
-          <inkml:channelProperty channel="Y" name="resolution" value="1000" units="1/cm"/>
-        </inkml:channelProperties>
-      </inkml:inkSource>
-      <inkml:timestamp xml:id="ts0" timeString="2021-02-10T08:20:28.111"/>
-    </inkml:context>
-    <inkml:brush xml:id="br0">
-      <inkml:brushProperty name="width" value="0.1" units="cm"/>
-      <inkml:brushProperty name="height" value="0.1" units="cm"/>
-      <inkml:brushProperty name="color" value="#66CC00"/>
-      <inkml:brushProperty name="ignorePressure" value="1"/>
-    </inkml:brush>
-  </inkml:definitions>
-  <inkml:trace contextRef="#ctx0" brushRef="#br0">0 71,'628'25,"275"16,-849-41,261-11,-270 6,0-1,0-3,-2-1,86-33,-105 33,40-12,-55 20,0 0,1 1,-1-1,0 2,1 0,-1 0,18 3,-1 1,24 5,61 3,-97-11,-1-1,1-1,0 0,0-1,0 0,-1-1,1 0,-1-1,17-8,-28 11,2-1,0 0,0 0,0 0,0 1,0-1,0 1,7-1,-10 2,0 0,1 1,-1-1,0 0,0 1,0-1,0 0,0 1,0-1,0 1,0 0,0-1,0 1,0 0,0 0,-1-1,1 1,0 0,0 0,-1 0,1 0,-1 0,1 0,-1 0,1 0,-1 0,1 0,-1 1,0-1,0 0,0 0,0 0,0 2,5 32,-3 1,-1 0,-1 0,-6 36,4-40,-6 76</inkml:trace>
-</inkml:ink>
-</file>
-
-<file path=ppt/ink/ink241.xml><?xml version="1.0" encoding="utf-8"?>
-<inkml:ink xmlns:inkml="http://www.w3.org/2003/InkML">
-  <inkml:definitions>
-    <inkml:context xml:id="ctx0">
-      <inkml:inkSource xml:id="inkSrc0">
-        <inkml:traceFormat>
-          <inkml:channel name="X" type="integer" min="-2.14748E9" max="2.14748E9" units="cm"/>
-          <inkml:channel name="Y" type="integer" min="-2.14748E9" max="2.14748E9" units="cm"/>
-        </inkml:traceFormat>
-        <inkml:channelProperties>
-          <inkml:channelProperty channel="X" name="resolution" value="1000" units="1/cm"/>
-          <inkml:channelProperty channel="Y" name="resolution" value="1000" units="1/cm"/>
-        </inkml:channelProperties>
-      </inkml:inkSource>
-      <inkml:timestamp xml:id="ts0" timeString="2021-02-10T08:20:48.641"/>
-    </inkml:context>
-    <inkml:brush xml:id="br0">
-      <inkml:brushProperty name="width" value="0.1" units="cm"/>
-      <inkml:brushProperty name="height" value="0.1" units="cm"/>
-      <inkml:brushProperty name="color" value="#66CC00"/>
-      <inkml:brushProperty name="ignorePressure" value="1"/>
-    </inkml:brush>
-  </inkml:definitions>
-  <inkml:trace contextRef="#ctx0" brushRef="#br0">97 35,'0'-2,"0"-1,1 1,-1 0,0 0,1-1,-1 1,1 0,0 0,0 0,0-1,0 1,2-3,-3 5,0 0,0 0,1 0,-1-1,0 1,0 0,0 0,0 0,1 0,-1-1,0 1,0 0,0 0,1 0,-1 0,0 0,0 0,1 0,-1 0,0 0,0 0,1 0,-1 0,0 0,0 0,1 0,-1 0,0 0,0 0,1 0,-1 0,0 0,0 0,0 0,1 0,-1 1,1 0,0 0,0 0,-1 0,1 1,0-1,-1 0,1 0,-1 1,1-1,-1 0,1 3,1 20,0 0,-1 0,-1 1,-7 42,4-36,-14 139,-12 155,16-117,-13 388,26-537,-18 422,3 77,17-370,-1-156,2-1,1 1,2-1,0 0,3 0,13 34,-20-61,0 0,0 0,0 0,0 0,1 0,-1-1,1 1,0-1,0 0,0 0,1 0,-1 0,1 0,-1-1,1 1,0-1,0 0,0-1,0 1,1-1,-1 1,8 0,7 1,0-2,0 0,0-1,20-2,-4 0,108-12,-7-1,-85 16,70 9,-78-5,0-2,73-3,-55-8,69-19,-106 23,0 2,1 0,-1 1,1 1,42 7,-42-4,1-1,0-1,-1-1,1-1,26-5,120-18,-85 15,93-6,192 10,-258 6,226 16,-30 0,-101-2,-147-7,1-3,0-3,79-7,7-16,208-17,-210 23,-103 8,87-2,-94 12,47 9,26 3,39-13,-129-3,0-1,-1-2,1 0,0-1,26-10,-34 10,0 0,0 1,1 1,-1 0,1 0,0 1,-1 1,1 0,0 1,0 1,17 2,-20-2,0-1,0 0,0 0,16-3,-17 2,-1 0,1 0,-1 1,1 0,-1 0,9 2,2 4</inkml:trace>
-</inkml:ink>
-</file>
-
-<file path=ppt/ink/ink242.xml><?xml version="1.0" encoding="utf-8"?>
-<inkml:ink xmlns:inkml="http://www.w3.org/2003/InkML">
-  <inkml:definitions>
-    <inkml:context xml:id="ctx0">
-      <inkml:inkSource xml:id="inkSrc0">
-        <inkml:traceFormat>
-          <inkml:channel name="X" type="integer" min="-2.14748E9" max="2.14748E9" units="cm"/>
-          <inkml:channel name="Y" type="integer" min="-2.14748E9" max="2.14748E9" units="cm"/>
-        </inkml:traceFormat>
-        <inkml:channelProperties>
-          <inkml:channelProperty channel="X" name="resolution" value="1000" units="1/cm"/>
-          <inkml:channelProperty channel="Y" name="resolution" value="1000" units="1/cm"/>
-        </inkml:channelProperties>
-      </inkml:inkSource>
-      <inkml:timestamp xml:id="ts0" timeString="2021-02-10T08:20:51.907"/>
-    </inkml:context>
-    <inkml:brush xml:id="br0">
-      <inkml:brushProperty name="width" value="0.1" units="cm"/>
-      <inkml:brushProperty name="height" value="0.1" units="cm"/>
-      <inkml:brushProperty name="color" value="#66CC00"/>
-      <inkml:brushProperty name="ignorePressure" value="1"/>
-    </inkml:brush>
-  </inkml:definitions>
-  <inkml:trace contextRef="#ctx0" brushRef="#br0">1 254,'18'-18,"0"2,2 0,28-17,-35 27,-1-1,1 1,1 1,-1 1,1 0,-1 0,23-2,66-1,142 9,-105 1,274-15,116-9,-463 18,-1-3,1-3,83-22,-98 23,-1 2,2 3,90 5,-58 0,75-3,113 3,-150 11,11 1,215-12,-221-16,-71 6,63-1,82-7,-131 8,106 1,-30 23,-92-8,62 1,-95-8,22 0,70-8,-110 6,-1 0,1 1,0-1,-1 1,1 0,0 0,-1 0,1 0,0 1,-1-1,1 1,0-1,-1 1,1 0,-1 0,1 0,-1 0,0 1,5 2,-5-1,0 0,0 1,0-1,0 0,-1 0,0 1,0-1,1 1,-2 0,1-1,0 1,-1-1,0 1,0 4,0 26,-2-1,-10 56,1-2,3 26,-7 62,-3 342,18-452,2-35,2 0,1-1,1 1,1-1,18 43,-14-41,0 2,-3-1,10 65,-17-11,-1-58,0 0,2-1,7 34,0-3,-2-1,-3 1,-4 80,-1-75,7 7,-3-50,-2 0,1 23,-6 52,-6 72,-20 6,18-123,3 1,-3 63,-2 66,3-52,8-65</inkml:trace>
 </inkml:ink>
 </file>
 
@@ -5272,16 +4893,16 @@
           <inkml:channelProperty channel="Y" name="resolution" value="1000" units="1/cm"/>
         </inkml:channelProperties>
       </inkml:inkSource>
-      <inkml:timestamp xml:id="ts0" timeString="2021-03-24T12:13:48.650"/>
+      <inkml:timestamp xml:id="ts0" timeString="2021-02-10T08:04:44.059"/>
     </inkml:context>
     <inkml:brush xml:id="br0">
-      <inkml:brushProperty name="width" value="0.05" units="cm"/>
-      <inkml:brushProperty name="height" value="0.05" units="cm"/>
-      <inkml:brushProperty name="color" value="#FFFF00"/>
+      <inkml:brushProperty name="width" value="0.1" units="cm"/>
+      <inkml:brushProperty name="height" value="0.1" units="cm"/>
+      <inkml:brushProperty name="color" value="#E71224"/>
       <inkml:brushProperty name="ignorePressure" value="1"/>
     </inkml:brush>
   </inkml:definitions>
-  <inkml:trace contextRef="#ctx0" brushRef="#br0">34 1,'-1'0,"0"0,0 0,-1 0,1 0,0 0,0 0,-1 0,1 0,0 0,0 1,-1-1,1 1,0-1,0 0,0 1,0 0,0-1,0 1,0 0,0 0,0-1,0 1,0 0,0 0,0 0,1 0,-1 0,0 0,1 0,-1 1,1-1,-1 2,0 1,1 1,0-1,0 1,1-1,-1 1,1-1,0 1,1 3,14 44,23 50,-20-55,18 67,-5 21,-5-18,1 12,-17-70,-4-25,-1 1,1 39,-6-53,2-1,6 28,-4-25,2 34,-5-10,-3 0,-1 1,-12 60,11-93,-8 61,10-68,1-1,0 1,0 0,1-1,-1 1,2-1,2 12,2-7</inkml:trace>
+  <inkml:trace contextRef="#ctx0" brushRef="#br0">129 516,'1'-9,"-1"-17,0 25,0 0,0 0,0 1,0-1,0 0,0 0,0 0,0 1,-1-1,1 0,0 0,0 1,-1-1,1 0,0 1,-1-1,1 0,-1 1,1-1,-1 1,0-2,0 3,0-1,0 1,1 0,-1-1,0 1,0 0,1 0,-1 0,0-1,1 1,-1 0,1 0,-1 0,1 0,-1 0,1 0,0 0,-1 0,1 0,0 0,0 0,0 2,-6 34,1 1,1 65,1-13,-3-9,-5 103,10-137,10 85,-9-129,1 1,-1-1,1 1,0-1,0 0,0 1,0-1,1 0,3 6,-5-9,1 1,0 0,0-1,0 1,0 0,0-1,0 1,0-1,0 0,0 1,0-1,0 0,0 1,0-1,0 0,0 0,0 0,0 0,0 0,0 0,1 0,-1-1,0 1,0 0,0 0,0-1,0 1,0-1,0 1,0-1,0 1,0-2,42-21,-24 12,0 0,1 1,1 1,0 1,0 1,26-5,37 3,1 3,86 6,-125 1,409 31,-424-29,241 32,173 11,-154-32,107 1,-329-14,543-3,192-52,-748 49,438-53,-136 14,355-24,-222 22,694-36,-483 28,-368 24,-268 24,530-27,-221 19,-25 0,220-1,-388 9,702 10,-613 10,739 21,-742-37,172 1,0 24,602 114,-775-85,105 18,485 22,-445-60,385 15,-317-34,82 1,-100 3,-221-8,-71-5,-142-1,28 6,-39-6,0 0,0 0,1-2,-1 0,33-3,-47 2,0-1,0 0,0 0,0 0,-1 0,1 0,0 0,-1-1,1 0,-1 1,1-1,-1 0,0 0,0 0,0 0,0-1,0 1,0 0,0-1,-1 1,0-1,1 0,-1 1,0-1,0 0,0-4,2-7,-1-1,-1 1,0-1,-2-20,2-18,20-97,7-106,11-210,-38 459,6-32,-2 1,-1-73,-4 109,0-1,0 1,-1-1,1 1,-1 0,0-1,1 1,-1 0,0-1,-1 1,1 0,0 0,-1 0,1 0,-1 0,1 0,-1 0,0 1,0-1,0 1,0-1,0 1,0 0,0-1,-1 1,1 0,0 1,-1-1,-2 0,-8-2,1 1,-1 1,1 1,-22 1,14-1,-309 16,14-1,-581 23,531-14,-294 21,415-32,-14 1,-22 2,122-9,-211 7,-442-39,-183-43,0 50,255 58,535-26,-1244 46,1404-60,-521-5,5-39,15-17,-410 27,144 53,533-10,-479 20,485-18,-276 7,461-17,-520-2,100-25,-347 22,517 5,-537 40,427 2,-469 107,861-139,-377 73,416-80,0-2,0 0,0-1,-1 0,1-1,0-1,0-1,0 0,0-1,0-1,-22-8,31 9,0 0,-1 0,-15-2,7 4</inkml:trace>
 </inkml:ink>
 </file>
 
@@ -5299,16 +4920,16 @@
           <inkml:channelProperty channel="Y" name="resolution" value="1000" units="1/cm"/>
         </inkml:channelProperties>
       </inkml:inkSource>
-      <inkml:timestamp xml:id="ts0" timeString="2021-03-24T12:13:49.452"/>
+      <inkml:timestamp xml:id="ts0" timeString="2021-02-10T08:04:44.828"/>
     </inkml:context>
     <inkml:brush xml:id="br0">
-      <inkml:brushProperty name="width" value="0.05" units="cm"/>
-      <inkml:brushProperty name="height" value="0.05" units="cm"/>
-      <inkml:brushProperty name="color" value="#FFFF00"/>
+      <inkml:brushProperty name="width" value="0.1" units="cm"/>
+      <inkml:brushProperty name="height" value="0.1" units="cm"/>
+      <inkml:brushProperty name="color" value="#E71224"/>
       <inkml:brushProperty name="ignorePressure" value="1"/>
     </inkml:brush>
   </inkml:definitions>
-  <inkml:trace contextRef="#ctx0" brushRef="#br0">0 78,'5'5,"1"6,6 1,-1 9,3 5,0 3,1 1,4 1,3-10,-3-18,2-10,0-18,-2-9,0-9,-3-2,0 3,-2 2,-3 9</inkml:trace>
+  <inkml:trace contextRef="#ctx0" brushRef="#br0">138 1,'-5'0,"-2"5,1 11,-4 7,1 20,-4 11,-5 35,2 17,-2 25,2-2,4 17,5-17</inkml:trace>
 </inkml:ink>
 </file>
 
@@ -5326,16 +4947,16 @@
           <inkml:channelProperty channel="Y" name="resolution" value="1000" units="1/cm"/>
         </inkml:channelProperties>
       </inkml:inkSource>
-      <inkml:timestamp xml:id="ts0" timeString="2021-03-24T12:13:51.356"/>
+      <inkml:timestamp xml:id="ts0" timeString="2021-02-10T08:04:45.283"/>
     </inkml:context>
     <inkml:brush xml:id="br0">
-      <inkml:brushProperty name="width" value="0.05" units="cm"/>
-      <inkml:brushProperty name="height" value="0.05" units="cm"/>
-      <inkml:brushProperty name="color" value="#FFFF00"/>
+      <inkml:brushProperty name="width" value="0.1" units="cm"/>
+      <inkml:brushProperty name="height" value="0.1" units="cm"/>
+      <inkml:brushProperty name="color" value="#E71224"/>
       <inkml:brushProperty name="ignorePressure" value="1"/>
     </inkml:brush>
   </inkml:definitions>
-  <inkml:trace contextRef="#ctx0" brushRef="#br0">11 47,'-6'-17,"6"15,-1 1,0-1,1 1,-1-1,1 1,-1-1,1 1,0-1,0 1,0-4,0 5,0-1,1 0,-1 1,1-1,-1 1,1-1,-1 1,1-1,-1 1,1-1,-1 1,1-1,0 1,-1 0,1-1,0 1,-1 0,1-1,0 1,0 0,-1 0,1 0,0 0,0 0,-1 0,1 0,0 0,0 0,1 0,17 2,0 0,-1 1,1 1,23 7,18 5,-37-12,0 2,-1 0,0 2,0 0,-1 1,0 2,-1 0,0 1,0 1,-1 0,32 33,-28-22,-2 1,-1 1,-2 0,0 2,-2 0,0 1,14 43,-6-13,37 108,8 107,-61-233,13 82,-19-107,-2 1,0-1,0 1,-2-1,-5 28,1-16,5-20,0 0,-1 0,0 0,-1-1,1 1,-1 0,-7 10,10-17,-1 0,1 0,-1-1,0 1,1 0,-1 0,0-1,1 1,-1-1,0 1,0 0,0-1,0 1,1-1,-1 0,0 1,0-1,0 0,0 0,0 1,0-1,0 0,0 0,0 0,0 0,0 0,0 0,-1-1,-2 0,0-1,0 0,1 0,-1 0,-5-4,-15-8,24 14,0 0,-1 0,1 0,-1 0,1 0,-1-1,1 1,0 0,-1 0,1 0,-1 0,1 0,-1 0,1 1,-1-1,1 0,0 0,-1 0,1 0,-1 0,1 1,0-1,-1 0,1 0,-1 1,1-1,0 0,-1 1,1-1,0 0,-1 1,0 16,11 19,-10-36,6 14,0 0,1 0,0-1,1 0,1 0,0-1,0 0,14 13,-19-22,-1 0,1 0,-1 0,1-1,0 1,0-1,0 0,1 0,-1-1,0 1,1-1,-1 0,8 1,-8-2,0 0,-1-1,1 1,0-1,-1 0,1 0,-1 0,1-1,-1 1,1-1,-1 0,0 0,0 0,0 0,0-1,0 1,0-1,-1 1,3-5,5-5,-1-1,0-1,-1 1,10-23,-7 8</inkml:trace>
+  <inkml:trace contextRef="#ctx0" brushRef="#br0">29 1,'0'5,"-5"11,-1 8,-1 38,2 18,2 29,1 5,10 47,5-5</inkml:trace>
 </inkml:ink>
 </file>
 
@@ -5353,16 +4974,16 @@
           <inkml:channelProperty channel="Y" name="resolution" value="1000" units="1/cm"/>
         </inkml:channelProperties>
       </inkml:inkSource>
-      <inkml:timestamp xml:id="ts0" timeString="2021-03-24T12:13:52.944"/>
+      <inkml:timestamp xml:id="ts0" timeString="2021-02-10T08:04:45.848"/>
     </inkml:context>
     <inkml:brush xml:id="br0">
-      <inkml:brushProperty name="width" value="0.05" units="cm"/>
-      <inkml:brushProperty name="height" value="0.05" units="cm"/>
-      <inkml:brushProperty name="color" value="#FFFF00"/>
+      <inkml:brushProperty name="width" value="0.1" units="cm"/>
+      <inkml:brushProperty name="height" value="0.1" units="cm"/>
+      <inkml:brushProperty name="color" value="#E71224"/>
       <inkml:brushProperty name="ignorePressure" value="1"/>
     </inkml:brush>
   </inkml:definitions>
-  <inkml:trace contextRef="#ctx0" brushRef="#br0">1 0,'52'2,"0"2,-1 3,1 1,-1 3,58 20,-1 9,128 64,-218-94,-1 0,-1 0,0 2,25 22,50 62,-23-23,101 100,-154-156,0 0,-2 2,0-1,-1 2,-1-1,-1 2,12 32,37 157,-40-131,-9-38,1 3,24 63,-29-89,-1-1,-1 1,4 28,1 5,-5-27,-2-11,1-1,5 18,1-11</inkml:trace>
+  <inkml:trace contextRef="#ctx0" brushRef="#br0">94 0,'-5'5,"-1"16,-4 14,-7 54,-3 21,0 93,5 11</inkml:trace>
 </inkml:ink>
 </file>
 
@@ -5380,16 +5001,16 @@
           <inkml:channelProperty channel="Y" name="resolution" value="1000" units="1/cm"/>
         </inkml:channelProperties>
       </inkml:inkSource>
-      <inkml:timestamp xml:id="ts0" timeString="2021-03-24T12:13:53.461"/>
+      <inkml:timestamp xml:id="ts0" timeString="2021-02-10T08:04:46.266"/>
     </inkml:context>
     <inkml:brush xml:id="br0">
-      <inkml:brushProperty name="width" value="0.05" units="cm"/>
-      <inkml:brushProperty name="height" value="0.05" units="cm"/>
-      <inkml:brushProperty name="color" value="#FFFF00"/>
+      <inkml:brushProperty name="width" value="0.1" units="cm"/>
+      <inkml:brushProperty name="height" value="0.1" units="cm"/>
+      <inkml:brushProperty name="color" value="#E71224"/>
       <inkml:brushProperty name="ignorePressure" value="1"/>
     </inkml:brush>
   </inkml:definitions>
-  <inkml:trace contextRef="#ctx0" brushRef="#br0">78 195,'0'-1,"0"-1,-1 1,1-1,0 0,-1 1,1-1,-1 1,0-1,0 1,1-1,-1 1,0 0,0-1,0 1,0 0,-1 0,1 0,0 0,0 0,-1 0,1 0,0 0,-1 0,1 1,-1-1,1 0,-1 1,0 0,1-1,-1 1,1 0,-1 0,0 0,1 0,-1 0,0 0,1 0,-1 0,1 1,-1-1,0 1,1-1,-1 1,1-1,-1 1,1 0,0 0,-1 0,1 0,0 0,0 0,-1 0,0 2,0 1,1-1,-1 1,1 0,0 0,0-1,0 1,0 0,1 0,-1 0,1 0,0 0,0 0,1 0,-1 0,1 0,0 0,0 0,0 0,1 0,-1-1,1 1,2 3,-1 0,1 0,0-1,0 0,1 1,-1-1,2-1,-1 1,0-1,1 0,12 8,-15-11,0-1,0 0,0 0,1 0,-1 0,0-1,0 1,1-1,-1 0,0 0,1 0,-1-1,0 1,1-1,-1 1,0-1,0 0,0 0,0-1,0 1,0-1,5-3,5-3,-1-2,0 1,16-18,-26 25,126-141,-38 40,-62 73</inkml:trace>
+  <inkml:trace contextRef="#ctx0" brushRef="#br0">56 0,'0'5,"0"6,0 16,0 13,-5 28,-1 17,-14 119,-4 25</inkml:trace>
 </inkml:ink>
 </file>
 
@@ -5407,16 +5028,16 @@
           <inkml:channelProperty channel="Y" name="resolution" value="1000" units="1/cm"/>
         </inkml:channelProperties>
       </inkml:inkSource>
-      <inkml:timestamp xml:id="ts0" timeString="2021-03-24T12:13:57.824"/>
+      <inkml:timestamp xml:id="ts0" timeString="2021-02-10T08:04:46.887"/>
     </inkml:context>
     <inkml:brush xml:id="br0">
-      <inkml:brushProperty name="width" value="0.05" units="cm"/>
-      <inkml:brushProperty name="height" value="0.05" units="cm"/>
-      <inkml:brushProperty name="color" value="#FFFF00"/>
+      <inkml:brushProperty name="width" value="0.1" units="cm"/>
+      <inkml:brushProperty name="height" value="0.1" units="cm"/>
+      <inkml:brushProperty name="color" value="#E71224"/>
       <inkml:brushProperty name="ignorePressure" value="1"/>
     </inkml:brush>
   </inkml:definitions>
-  <inkml:trace contextRef="#ctx0" brushRef="#br0">108 91,'-4'1,"-1"-1,0 1,1 0,-1 1,1-1,-1 1,1-1,-1 1,1 0,0 1,0-1,0 1,0 0,1 0,-1 0,1 1,0-1,0 1,0-1,0 1,1 0,-4 7,3-6,1-1,0 1,0-1,0 1,1-1,0 1,0 0,0 0,0 0,1 0,0 0,0 0,0-1,1 1,-1 0,1 0,0 0,1 0,-1-1,1 1,4 7,0-4,0 0,0-1,1 0,0 0,0-1,1 0,0 0,0-1,0 0,13 6,10 3,51 15,-57-23,0 0,27 1,18 4,-57-9,0 0,1-1,-1-1,1 0,-1-1,0-1,0 0,21-5,10-7,45-19,-82 30,40-17,-25 9,1 2,0 1,39-9,-57 16,0 0,0 0,1 1,-1 0,1 0,-1 1,0 0,1-1,-1 2,0-1,0 1,0-1,0 1,0 1,0-1,-1 1,1 0,-1 0,1 0,-1 1,0-1,-1 1,1 0,4 6,-2-2,-1 1,0 0,-1 0,0 0,0 0,-1 0,0 1,0 0,-1-1,-1 1,0 0,0 11,13-53,-3 2,-10 26,1 0,0 1,0-1,0 0,0 1,1-1,-1 1,1 0,0 0,0 0,0 0,0 1,1-1,-1 1,1 0,-1 0,1 0,0 0,0 0,0 1,0 0,0 0,0 0,0 0,0 1,5 0,7 1,0 0,0 2,0 0,0 1,22 8,13 3,-24-9,0-1,0-1,0-1,34-1,-42-3,-1-1,0-1,0 0,0-1,0-1,-1-1,23-10,-5-1,0-1,-1-2,38-28,-68 44,0 1,-1-1,1 1,-1-1,1 0,-1 0,0-1,-1 1,1-1,-1 1,3-9,-2 3,-1-1,0 1,0-1,-1-17,-2-76,1 71</inkml:trace>
+  <inkml:trace contextRef="#ctx0" brushRef="#br0">94 1,'-5'0,"-1"5,-4 6,-7 21,-3 14,0 90,5 23</inkml:trace>
 </inkml:ink>
 </file>
 
@@ -5434,16 +5055,16 @@
           <inkml:channelProperty channel="Y" name="resolution" value="1000" units="1/cm"/>
         </inkml:channelProperties>
       </inkml:inkSource>
-      <inkml:timestamp xml:id="ts0" timeString="2021-03-24T12:14:00.961"/>
+      <inkml:timestamp xml:id="ts0" timeString="2021-02-10T08:04:47.334"/>
     </inkml:context>
     <inkml:brush xml:id="br0">
-      <inkml:brushProperty name="width" value="0.05" units="cm"/>
-      <inkml:brushProperty name="height" value="0.05" units="cm"/>
-      <inkml:brushProperty name="color" value="#FFFF00"/>
+      <inkml:brushProperty name="width" value="0.1" units="cm"/>
+      <inkml:brushProperty name="height" value="0.1" units="cm"/>
+      <inkml:brushProperty name="color" value="#E71224"/>
       <inkml:brushProperty name="ignorePressure" value="1"/>
     </inkml:brush>
   </inkml:definitions>
-  <inkml:trace contextRef="#ctx0" brushRef="#br0">2 0,'0'15,"-1"6,1 1,1-1,1 0,0 0,2 0,10 33,-2-22,2-1,0-1,3 0,0-1,25 32,-29-46,0 1,2-2,0 1,0-2,1 0,1-1,0-1,1-1,33 16,4-6,59 13,45 15,-151-45,49 19,0 2,-2 2,64 42,-9-6,-9-6,-88-47,0 0,0 1,-1 1,-1-1,13 17,-15-17,-1 0,0 1,0 0,-2 0,1 1,-1 0,-1 0,0 1,-1-1,0 1,-1 0,-1 0,0 0,1 15,-4 139,-1-79,1-66,-1 1,-10 36,5-23,6-34,1 0,0 1,0-1,-1 0,1 0,-1 0,0 0,0 0,0 0,0 0,0 0,-2 2,-4 2</inkml:trace>
+  <inkml:trace contextRef="#ctx0" brushRef="#br0">1 0,'0'5,"0"16,0 14,0 39,0 17,0 75,0 8</inkml:trace>
 </inkml:ink>
 </file>
 
@@ -5461,16 +5082,16 @@
           <inkml:channelProperty channel="Y" name="resolution" value="1000" units="1/cm"/>
         </inkml:channelProperties>
       </inkml:inkSource>
-      <inkml:timestamp xml:id="ts0" timeString="2021-03-24T12:14:02.564"/>
+      <inkml:timestamp xml:id="ts0" timeString="2021-02-10T08:04:48.004"/>
     </inkml:context>
     <inkml:brush xml:id="br0">
-      <inkml:brushProperty name="width" value="0.05" units="cm"/>
-      <inkml:brushProperty name="height" value="0.05" units="cm"/>
-      <inkml:brushProperty name="color" value="#FFFF00"/>
+      <inkml:brushProperty name="width" value="0.1" units="cm"/>
+      <inkml:brushProperty name="height" value="0.1" units="cm"/>
+      <inkml:brushProperty name="color" value="#E71224"/>
       <inkml:brushProperty name="ignorePressure" value="1"/>
     </inkml:brush>
   </inkml:definitions>
-  <inkml:trace contextRef="#ctx0" brushRef="#br0">41 147,'1'-33,"-1"26,-2 28,-1 15,-1 0,-19 68,16-86,4-13,4-12,17-49,24-53,-19 53,-15 35,-3 6,0 1,2 0,8-14,-15 27,1 1,-1-1,1 0,-1 1,1-1,0 1,-1 0,1-1,0 1,0 0,-1-1,1 1,0 0,0 0,-1 0,1-1,0 1,0 0,-1 0,1 0,0 0,0 0,0 1,-1-1,1 0,0 0,0 0,-1 1,1-1,0 0,0 1,1 0,27 18,-22-13,37 25,1-2,1-3,71 31,-66-37</inkml:trace>
+  <inkml:trace contextRef="#ctx0" brushRef="#br0">124 0,'-5'0,"-1"5,-5 6,0 7,-4 28,-3 16,-4 32,2 71,5 8</inkml:trace>
 </inkml:ink>
 </file>
 
@@ -5488,16 +5109,16 @@
           <inkml:channelProperty channel="Y" name="resolution" value="1000" units="1/cm"/>
         </inkml:channelProperties>
       </inkml:inkSource>
-      <inkml:timestamp xml:id="ts0" timeString="2021-03-24T12:14:07.376"/>
+      <inkml:timestamp xml:id="ts0" timeString="2021-02-10T08:04:48.434"/>
     </inkml:context>
     <inkml:brush xml:id="br0">
-      <inkml:brushProperty name="width" value="0.05" units="cm"/>
-      <inkml:brushProperty name="height" value="0.05" units="cm"/>
-      <inkml:brushProperty name="color" value="#FFFF00"/>
+      <inkml:brushProperty name="width" value="0.1" units="cm"/>
+      <inkml:brushProperty name="height" value="0.1" units="cm"/>
+      <inkml:brushProperty name="color" value="#E71224"/>
       <inkml:brushProperty name="ignorePressure" value="1"/>
     </inkml:brush>
   </inkml:definitions>
-  <inkml:trace contextRef="#ctx0" brushRef="#br0">228 0,'-2'0,"1"1,-1-1,1 1,0 0,-1-1,1 1,0 0,0 0,0 0,0 0,0 0,-1 0,2 0,-1 0,0 0,0 0,-1 2,-13 24,14-26,-4 11,0 1,1 0,1 0,0 0,-2 26,-3 9,-8 21,7-36,-7 59,-1 26,6-48,-16 65,17-94,1 0,3 1,-2 54,6-52,-10 54,6-52,-1 48,7 588,1-292,0-371,1-1,1 0,4 19,-2-16,4 36,5 48,-7-72,2 54,-8-67,2 0,7 29,-5-27,3 37,0 30,-9-82</inkml:trace>
+  <inkml:trace contextRef="#ctx0" brushRef="#br0">1 0,'0'5,"0"6,0 20,0 15,5 28,1 12,9 67,2 8</inkml:trace>
 </inkml:ink>
 </file>
 
@@ -5542,16 +5163,16 @@
           <inkml:channelProperty channel="Y" name="resolution" value="1000" units="1/cm"/>
         </inkml:channelProperties>
       </inkml:inkSource>
-      <inkml:timestamp xml:id="ts0" timeString="2021-03-24T12:14:07.963"/>
+      <inkml:timestamp xml:id="ts0" timeString="2021-02-10T08:04:50.342"/>
     </inkml:context>
     <inkml:brush xml:id="br0">
-      <inkml:brushProperty name="width" value="0.05" units="cm"/>
-      <inkml:brushProperty name="height" value="0.05" units="cm"/>
-      <inkml:brushProperty name="color" value="#FFFF00"/>
+      <inkml:brushProperty name="width" value="0.1" units="cm"/>
+      <inkml:brushProperty name="height" value="0.1" units="cm"/>
+      <inkml:brushProperty name="color" value="#E71224"/>
       <inkml:brushProperty name="ignorePressure" value="1"/>
     </inkml:brush>
   </inkml:definitions>
-  <inkml:trace contextRef="#ctx0" brushRef="#br0">0 5,'2'0,"-1"0,0 1,1-1,-1 0,0 1,1 0,-1-1,0 1,0 0,0-1,0 1,0 0,1 0,-2 0,1 0,0 0,1 2,16 24,-9-13,1 0,1-1,-1 0,2-1,0 0,0 0,1-2,1 1,15 8,-28-18,1-1,-1 1,1-1,-1 1,1-1,-1 1,1-1,-1 0,1 1,0-1,-1 0,1 0,-1 0,1-1,0 1,-1 0,1-1,-1 1,3-1,-2-1,1 1,-1-1,1 0,-1 1,0-1,0 0,0 0,0 0,0-1,1-2,4-8,0 1,-1-1,7-23,-9 22,9-20,-2 2</inkml:trace>
+  <inkml:trace contextRef="#ctx0" brushRef="#br0">0 0,'0'5,"0"6,0 6,0 15,0 6,0 36,0 14,10 50,2 2</inkml:trace>
 </inkml:ink>
 </file>
 
@@ -5569,16 +5190,16 @@
           <inkml:channelProperty channel="Y" name="resolution" value="1000" units="1/cm"/>
         </inkml:channelProperties>
       </inkml:inkSource>
-      <inkml:timestamp xml:id="ts0" timeString="2021-03-24T12:14:09.997"/>
+      <inkml:timestamp xml:id="ts0" timeString="2021-02-10T08:04:50.822"/>
     </inkml:context>
     <inkml:brush xml:id="br0">
-      <inkml:brushProperty name="width" value="0.05" units="cm"/>
-      <inkml:brushProperty name="height" value="0.05" units="cm"/>
-      <inkml:brushProperty name="color" value="#FFFF00"/>
+      <inkml:brushProperty name="width" value="0.1" units="cm"/>
+      <inkml:brushProperty name="height" value="0.1" units="cm"/>
+      <inkml:brushProperty name="color" value="#E71224"/>
       <inkml:brushProperty name="ignorePressure" value="1"/>
     </inkml:brush>
   </inkml:definitions>
-  <inkml:trace contextRef="#ctx0" brushRef="#br0">2017 1,'-15'1,"1"0,-1 1,1 1,-1 0,1 1,0 1,1 0,-1 1,-16 9,-13 11,-54 42,77-53,-27 22,2 3,1 1,2 3,-48 63,-121 210,139-195,-77 121,-61 84,32-14,111-156,15-28,-79 128,55-113,36-72,-11 21,-3 11,-6 16,44-83,-25 68,41-105,-1 3,0-1,1 1,-1-1,0 0,0 0,0 1,0-1,0 0,-1 0,-2 3,-4 1</inkml:trace>
+  <inkml:trace contextRef="#ctx0" brushRef="#br0">18 0,'0'5,"0"6,0 17,0 7,-5 31,-2 63,1 9</inkml:trace>
 </inkml:ink>
 </file>
 
@@ -5596,16 +5217,16 @@
           <inkml:channelProperty channel="Y" name="resolution" value="1000" units="1/cm"/>
         </inkml:channelProperties>
       </inkml:inkSource>
-      <inkml:timestamp xml:id="ts0" timeString="2021-03-24T12:14:10.350"/>
+      <inkml:timestamp xml:id="ts0" timeString="2021-02-10T08:04:51.523"/>
     </inkml:context>
     <inkml:brush xml:id="br0">
-      <inkml:brushProperty name="width" value="0.05" units="cm"/>
-      <inkml:brushProperty name="height" value="0.05" units="cm"/>
-      <inkml:brushProperty name="color" value="#FFFF00"/>
+      <inkml:brushProperty name="width" value="0.1" units="cm"/>
+      <inkml:brushProperty name="height" value="0.1" units="cm"/>
+      <inkml:brushProperty name="color" value="#E71224"/>
       <inkml:brushProperty name="ignorePressure" value="1"/>
     </inkml:brush>
   </inkml:definitions>
-  <inkml:trace contextRef="#ctx0" brushRef="#br0">24 32,'0'-2,"-1"-1,1 0,-1 0,1 1,-1-1,0 0,0 1,-1-4,2 6,-1 0,1 0,0-1,0 1,0 0,0 0,0-1,-1 1,1 0,0 0,0 0,0-1,-1 1,1 0,0 0,0 0,0 0,-1-1,1 1,0 0,0 0,-1 0,1 0,0 0,-1 0,1 0,0 0,0 0,-1 0,1 0,-1 0,1 1,-1 0,0-1,1 1,-1 0,1-1,-1 1,1 0,0-1,-1 1,1 0,0 0,-1-1,1 1,0 0,0 1,-1 4,0 1,0-1,1 0,0 1,1-1,-1 0,1 1,0-1,1 0,-1 0,1 0,1 0,-1 0,1 0,3 6,-3-7,0 0,0-1,0 1,1-1,0 1,0-1,0 0,0 0,0-1,1 1,0-1,0 0,0 0,0 0,0-1,0 0,7 2,-3-3,0 0,0-1,0 0,0 0,0-1,0 0,0 0,0-1,13-5,-3 0,-1 0,0-2,23-14,-5 0</inkml:trace>
+  <inkml:trace contextRef="#ctx0" brushRef="#br0">1 1,'5'0,"1"4,0 12,-1 8,-1 19,-2 11,-1 40,0 19,-1 42,0-4</inkml:trace>
 </inkml:ink>
 </file>
 
@@ -5623,16 +5244,16 @@
           <inkml:channelProperty channel="Y" name="resolution" value="1000" units="1/cm"/>
         </inkml:channelProperties>
       </inkml:inkSource>
-      <inkml:timestamp xml:id="ts0" timeString="2021-03-24T12:14:12.455"/>
+      <inkml:timestamp xml:id="ts0" timeString="2021-02-10T08:04:51.982"/>
     </inkml:context>
     <inkml:brush xml:id="br0">
-      <inkml:brushProperty name="width" value="0.05" units="cm"/>
-      <inkml:brushProperty name="height" value="0.05" units="cm"/>
-      <inkml:brushProperty name="color" value="#FFFF00"/>
+      <inkml:brushProperty name="width" value="0.1" units="cm"/>
+      <inkml:brushProperty name="height" value="0.1" units="cm"/>
+      <inkml:brushProperty name="color" value="#E71224"/>
       <inkml:brushProperty name="ignorePressure" value="1"/>
     </inkml:brush>
   </inkml:definitions>
-  <inkml:trace contextRef="#ctx0" brushRef="#br0">1616 0,'-1'11,"-1"-1,1 0,-2 0,1 0,-5 11,-4 12,-9 51,-57 190,65-246,-1 0,-1-1,-2-1,0-1,-2 0,-1-1,0-1,-2 0,-1-2,-1-1,-47 34,27-28,-2-2,-78 30,109-48,-50 19,-1-2,-1-4,-1-3,-1-2,0-3,-81 1,125-12,-1-2,-46-9,-5-1,38 9,-1-3,1-1,0-1,-61-23,91 27</inkml:trace>
+  <inkml:trace contextRef="#ctx0" brushRef="#br0">0 0,'5'0,"2"5,-1 11,-1 8,-2 19,0 11,-12 93,-3 22</inkml:trace>
 </inkml:ink>
 </file>
 
@@ -5650,16 +5271,16 @@
           <inkml:channelProperty channel="Y" name="resolution" value="1000" units="1/cm"/>
         </inkml:channelProperties>
       </inkml:inkSource>
-      <inkml:timestamp xml:id="ts0" timeString="2021-03-24T12:14:12.903"/>
+      <inkml:timestamp xml:id="ts0" timeString="2021-02-10T08:04:52.782"/>
     </inkml:context>
     <inkml:brush xml:id="br0">
-      <inkml:brushProperty name="width" value="0.05" units="cm"/>
-      <inkml:brushProperty name="height" value="0.05" units="cm"/>
-      <inkml:brushProperty name="color" value="#FFFF00"/>
+      <inkml:brushProperty name="width" value="0.1" units="cm"/>
+      <inkml:brushProperty name="height" value="0.1" units="cm"/>
+      <inkml:brushProperty name="color" value="#E71224"/>
       <inkml:brushProperty name="ignorePressure" value="1"/>
     </inkml:brush>
   </inkml:definitions>
-  <inkml:trace contextRef="#ctx0" brushRef="#br0">240 1,'-9'1,"-1"1,0 0,1 0,-1 1,1 1,0 0,0 0,0 0,-9 8,-23 9,30-16,0 0,0 1,0 0,1 0,-11 10,19-15,1 1,-1-1,0 1,1 0,-1 0,1 0,-1 0,1 0,0 0,0 0,0 0,0 0,0 1,0-1,1 0,-1 0,1 1,-1-1,1 1,0-1,0 0,0 1,1-1,-1 1,0-1,1 0,0 1,-1-1,1 0,0 0,0 0,0 0,3 4,0 1,1-1,0 0,0 0,1-1,0 1,0-1,0-1,0 1,10 4,9 4,35 12,6 3,-28-7</inkml:trace>
+  <inkml:trace contextRef="#ctx0" brushRef="#br0">61 1,'-5'4,"-1"8,-5 29,0 18,-4 37,7 55,4 1</inkml:trace>
 </inkml:ink>
 </file>
 
@@ -5677,7 +5298,7 @@
           <inkml:channelProperty channel="Y" name="resolution" value="1000" units="1/cm"/>
         </inkml:channelProperties>
       </inkml:inkSource>
-      <inkml:timestamp xml:id="ts0" timeString="2021-02-10T08:04:44.059"/>
+      <inkml:timestamp xml:id="ts0" timeString="2021-02-10T08:04:53.283"/>
     </inkml:context>
     <inkml:brush xml:id="br0">
       <inkml:brushProperty name="width" value="0.1" units="cm"/>
@@ -5686,7 +5307,7 @@
       <inkml:brushProperty name="ignorePressure" value="1"/>
     </inkml:brush>
   </inkml:definitions>
-  <inkml:trace contextRef="#ctx0" brushRef="#br0">129 516,'1'-9,"-1"-17,0 25,0 0,0 0,0 1,0-1,0 0,0 0,0 0,0 1,-1-1,1 0,0 0,0 1,-1-1,1 0,0 1,-1-1,1 0,-1 1,1-1,-1 1,0-2,0 3,0-1,0 1,1 0,-1-1,0 1,0 0,1 0,-1 0,0-1,1 1,-1 0,1 0,-1 0,1 0,-1 0,1 0,0 0,-1 0,1 0,0 0,0 0,0 2,-6 34,1 1,1 65,1-13,-3-9,-5 103,10-137,10 85,-9-129,1 1,-1-1,1 1,0-1,0 0,0 1,0-1,1 0,3 6,-5-9,1 1,0 0,0-1,0 1,0 0,0-1,0 1,0-1,0 0,0 1,0-1,0 0,0 1,0-1,0 0,0 0,0 0,0 0,0 0,0 0,1 0,-1-1,0 1,0 0,0 0,0-1,0 1,0-1,0 1,0-1,0 1,0-2,42-21,-24 12,0 0,1 1,1 1,0 1,0 1,26-5,37 3,1 3,86 6,-125 1,409 31,-424-29,241 32,173 11,-154-32,107 1,-329-14,543-3,192-52,-748 49,438-53,-136 14,355-24,-222 22,694-36,-483 28,-368 24,-268 24,530-27,-221 19,-25 0,220-1,-388 9,702 10,-613 10,739 21,-742-37,172 1,0 24,602 114,-775-85,105 18,485 22,-445-60,385 15,-317-34,82 1,-100 3,-221-8,-71-5,-142-1,28 6,-39-6,0 0,0 0,1-2,-1 0,33-3,-47 2,0-1,0 0,0 0,0 0,-1 0,1 0,0 0,-1-1,1 0,-1 1,1-1,-1 0,0 0,0 0,0 0,0-1,0 1,0 0,0-1,-1 1,0-1,1 0,-1 1,0-1,0 0,0-4,2-7,-1-1,-1 1,0-1,-2-20,2-18,20-97,7-106,11-210,-38 459,6-32,-2 1,-1-73,-4 109,0-1,0 1,-1-1,1 1,-1 0,0-1,1 1,-1 0,0-1,-1 1,1 0,0 0,-1 0,1 0,-1 0,1 0,-1 0,0 1,0-1,0 1,0-1,0 1,0 0,0-1,-1 1,1 0,0 1,-1-1,-2 0,-8-2,1 1,-1 1,1 1,-22 1,14-1,-309 16,14-1,-581 23,531-14,-294 21,415-32,-14 1,-22 2,122-9,-211 7,-442-39,-183-43,0 50,255 58,535-26,-1244 46,1404-60,-521-5,5-39,15-17,-410 27,144 53,533-10,-479 20,485-18,-276 7,461-17,-520-2,100-25,-347 22,517 5,-537 40,427 2,-469 107,861-139,-377 73,416-80,0-2,0 0,0-1,-1 0,1-1,0-1,0-1,0 0,0-1,0-1,-22-8,31 9,0 0,-1 0,-15-2,7 4</inkml:trace>
+  <inkml:trace contextRef="#ctx0" brushRef="#br0">67 0,'0'5,"0"7,0 5,-4 20,-3 8,-4 34,-5 15,0 33,3 5,13 28,7-13</inkml:trace>
 </inkml:ink>
 </file>
 
@@ -5704,7 +5325,7 @@
           <inkml:channelProperty channel="Y" name="resolution" value="1000" units="1/cm"/>
         </inkml:channelProperties>
       </inkml:inkSource>
-      <inkml:timestamp xml:id="ts0" timeString="2021-02-10T08:04:44.828"/>
+      <inkml:timestamp xml:id="ts0" timeString="2021-02-10T08:04:54.330"/>
     </inkml:context>
     <inkml:brush xml:id="br0">
       <inkml:brushProperty name="width" value="0.1" units="cm"/>
@@ -5713,7 +5334,7 @@
       <inkml:brushProperty name="ignorePressure" value="1"/>
     </inkml:brush>
   </inkml:definitions>
-  <inkml:trace contextRef="#ctx0" brushRef="#br0">138 1,'-5'0,"-2"5,1 11,-4 7,1 20,-4 11,-5 35,2 17,-2 25,2-2,4 17,5-17</inkml:trace>
+  <inkml:trace contextRef="#ctx0" brushRef="#br0">8 0,'5'0,"1"10,0 7,-1 31,-7 15,-2 42,0 16,-6 51,1-5</inkml:trace>
 </inkml:ink>
 </file>
 
@@ -5731,7 +5352,7 @@
           <inkml:channelProperty channel="Y" name="resolution" value="1000" units="1/cm"/>
         </inkml:channelProperties>
       </inkml:inkSource>
-      <inkml:timestamp xml:id="ts0" timeString="2021-02-10T08:04:45.283"/>
+      <inkml:timestamp xml:id="ts0" timeString="2021-02-10T08:05:07.598"/>
     </inkml:context>
     <inkml:brush xml:id="br0">
       <inkml:brushProperty name="width" value="0.1" units="cm"/>
@@ -5740,7 +5361,7 @@
       <inkml:brushProperty name="ignorePressure" value="1"/>
     </inkml:brush>
   </inkml:definitions>
-  <inkml:trace contextRef="#ctx0" brushRef="#br0">29 1,'0'5,"-5"11,-1 8,-1 38,2 18,2 29,1 5,10 47,5-5</inkml:trace>
+  <inkml:trace contextRef="#ctx0" brushRef="#br0">0 1271,'4'-76,"14"-86,-6 68,-1 7,24-310,-33 337,-4 1,-1 0,-4 0,-23-98,21 121,4 12</inkml:trace>
 </inkml:ink>
 </file>
 
@@ -5758,7 +5379,7 @@
           <inkml:channelProperty channel="Y" name="resolution" value="1000" units="1/cm"/>
         </inkml:channelProperties>
       </inkml:inkSource>
-      <inkml:timestamp xml:id="ts0" timeString="2021-02-10T08:04:45.848"/>
+      <inkml:timestamp xml:id="ts0" timeString="2021-02-10T08:05:08.364"/>
     </inkml:context>
     <inkml:brush xml:id="br0">
       <inkml:brushProperty name="width" value="0.1" units="cm"/>
@@ -5767,7 +5388,7 @@
       <inkml:brushProperty name="ignorePressure" value="1"/>
     </inkml:brush>
   </inkml:definitions>
-  <inkml:trace contextRef="#ctx0" brushRef="#br0">94 0,'-5'5,"-1"16,-4 14,-7 54,-3 21,0 93,5 11</inkml:trace>
+  <inkml:trace contextRef="#ctx0" brushRef="#br0">33 119,'-1'0,"0"1,-1-1,1 1,-1 0,1-1,0 1,0 0,0 0,-1 0,1 0,0 0,0 0,0 1,0-1,1 0,-1 0,0 1,-1 1,-2 4,-2-3,6-9,4-12,-3 15,-1 0,1 0,0 1,0-1,0 0,0 1,0-1,0 1,0-1,0 1,1 0,-1-1,0 1,1 0,0 0,-1 0,1 0,-1 0,1 0,0 0,0 1,-1-1,1 1,0-1,0 1,0 0,0-1,-1 1,1 0,0 0,0 0,0 1,0-1,0 0,0 1,-1-1,1 1,0 0,0 0,-1-1,1 1,-1 0,1 0,0 1,-1-1,0 0,1 0,-1 1,0-1,0 1,0-1,2 2,5 11,-7-11,1 1,0-1,1 0,-1 1,0-1,5 3,-7-6,0 1,0-1,1 0,-1 0,1 0,-1 1,0-1,1 0,-1 0,0 0,1 0,-1 0,1 0,-1 0,0 0,1 0,-1 0,1 0,-1 0,0 0,1 0,-1 0,1 0,-1 0,1 0,0-1,0 0,0 0,-1 0,1 0,0 1,0-1,0 0,-1 0,1 0,-1-1,1 1,0-2,38-109,-39 109,0 1,1 0,0 0,0 0,0-1,0 1,0 0,0 0,0 1,0-1,1 0,1-2,-2 4,0-1,1 1,-1-1,0 1,0 0,1-1,-1 1,0 0,0 0,1 0,-1 0,0 0,1 0,-1 0,0 0,0 1,1-1,-1 0,0 1,0-1,0 1,0-1,2 2,20 10,-1 2,-1 0,35 30,-3-3,23 15,-49-34</inkml:trace>
 </inkml:ink>
 </file>
 
@@ -5785,7 +5406,7 @@
           <inkml:channelProperty channel="Y" name="resolution" value="1000" units="1/cm"/>
         </inkml:channelProperties>
       </inkml:inkSource>
-      <inkml:timestamp xml:id="ts0" timeString="2021-02-10T08:04:46.266"/>
+      <inkml:timestamp xml:id="ts0" timeString="2021-02-10T08:05:08.722"/>
     </inkml:context>
     <inkml:brush xml:id="br0">
       <inkml:brushProperty name="width" value="0.1" units="cm"/>
@@ -5794,7 +5415,7 @@
       <inkml:brushProperty name="ignorePressure" value="1"/>
     </inkml:brush>
   </inkml:definitions>
-  <inkml:trace contextRef="#ctx0" brushRef="#br0">56 0,'0'5,"0"6,0 16,0 13,-5 28,-1 17,-14 119,-4 25</inkml:trace>
+  <inkml:trace contextRef="#ctx0" brushRef="#br0">264 0,'-5'0,"-7"5,-5 6,-5 2,1 2,-10 9,0 6,-4 6,-1 2,5 0,9-7</inkml:trace>
 </inkml:ink>
 </file>
 
@@ -5839,7 +5460,7 @@
           <inkml:channelProperty channel="Y" name="resolution" value="1000" units="1/cm"/>
         </inkml:channelProperties>
       </inkml:inkSource>
-      <inkml:timestamp xml:id="ts0" timeString="2021-02-10T08:04:46.887"/>
+      <inkml:timestamp xml:id="ts0" timeString="2021-02-10T08:04:49.171"/>
     </inkml:context>
     <inkml:brush xml:id="br0">
       <inkml:brushProperty name="width" value="0.1" units="cm"/>
@@ -5848,7 +5469,7 @@
       <inkml:brushProperty name="ignorePressure" value="1"/>
     </inkml:brush>
   </inkml:definitions>
-  <inkml:trace contextRef="#ctx0" brushRef="#br0">94 1,'-5'0,"-1"5,-4 6,-7 21,-3 14,0 90,5 23</inkml:trace>
+  <inkml:trace contextRef="#ctx0" brushRef="#br0">31 0,'-5'0,"-2"5,1 11,1 13,2 5,0 8,2 0,1 4,9 75,4 17</inkml:trace>
 </inkml:ink>
 </file>
 
@@ -5866,7 +5487,7 @@
           <inkml:channelProperty channel="Y" name="resolution" value="1000" units="1/cm"/>
         </inkml:channelProperties>
       </inkml:inkSource>
-      <inkml:timestamp xml:id="ts0" timeString="2021-02-10T08:04:47.334"/>
+      <inkml:timestamp xml:id="ts0" timeString="2021-02-10T08:04:49.574"/>
     </inkml:context>
     <inkml:brush xml:id="br0">
       <inkml:brushProperty name="width" value="0.1" units="cm"/>
@@ -5875,7 +5496,7 @@
       <inkml:brushProperty name="ignorePressure" value="1"/>
     </inkml:brush>
   </inkml:definitions>
-  <inkml:trace contextRef="#ctx0" brushRef="#br0">1 0,'0'5,"0"16,0 14,0 39,0 17,0 75,0 8</inkml:trace>
+  <inkml:trace contextRef="#ctx0" brushRef="#br0">0 1,'0'4,"0"8,5 5,2 5,-1 18,-1 12,-1 78,-2 18</inkml:trace>
 </inkml:ink>
 </file>
 
@@ -5893,7 +5514,7 @@
           <inkml:channelProperty channel="Y" name="resolution" value="1000" units="1/cm"/>
         </inkml:channelProperties>
       </inkml:inkSource>
-      <inkml:timestamp xml:id="ts0" timeString="2021-02-10T08:04:48.004"/>
+      <inkml:timestamp xml:id="ts0" timeString="2021-02-10T08:05:10.892"/>
     </inkml:context>
     <inkml:brush xml:id="br0">
       <inkml:brushProperty name="width" value="0.1" units="cm"/>
@@ -5902,7 +5523,7 @@
       <inkml:brushProperty name="ignorePressure" value="1"/>
     </inkml:brush>
   </inkml:definitions>
-  <inkml:trace contextRef="#ctx0" brushRef="#br0">124 0,'-5'0,"-1"5,-5 6,0 7,-4 28,-3 16,-4 32,2 71,5 8</inkml:trace>
+  <inkml:trace contextRef="#ctx0" brushRef="#br0">317 43,'0'-2,"0"1,-1-1,1 0,-1 0,1 1,-1-1,1 0,-1 1,0-1,0 0,0 1,0-1,0 1,0 0,-1-1,1 1,0 0,-1 0,1 0,-1 0,1 0,-1 0,-2-1,1 0,0 1,1 0,-1 0,0 0,0 1,0-1,1 1,-1-1,0 1,0 0,0 0,0 0,-5 2,3-1,1 1,0 0,0 1,0-1,0 1,0-1,0 1,1 0,-1 1,1-1,0 1,-3 3,-6 10,-14 27,15-25,-97 188,81-154,18-33,10-18,6-10,11-16</inkml:trace>
 </inkml:ink>
 </file>
 
@@ -5920,7 +5541,7 @@
           <inkml:channelProperty channel="Y" name="resolution" value="1000" units="1/cm"/>
         </inkml:channelProperties>
       </inkml:inkSource>
-      <inkml:timestamp xml:id="ts0" timeString="2021-02-10T08:04:48.434"/>
+      <inkml:timestamp xml:id="ts0" timeString="2021-02-10T08:05:11.748"/>
     </inkml:context>
     <inkml:brush xml:id="br0">
       <inkml:brushProperty name="width" value="0.1" units="cm"/>
@@ -5929,7 +5550,7 @@
       <inkml:brushProperty name="ignorePressure" value="1"/>
     </inkml:brush>
   </inkml:definitions>
-  <inkml:trace contextRef="#ctx0" brushRef="#br0">1 0,'0'5,"0"6,0 20,0 15,5 28,1 12,9 67,2 8</inkml:trace>
+  <inkml:trace contextRef="#ctx0" brushRef="#br0">167 54,'-12'13,"1"2,1-1,0 1,-12 25,5-9,-1-1,2 2,1-1,-16 50,30-77,0 1,0-1,0 1,1 0,-1-1,2 10,-1-14,0 1,0-1,0 1,0-1,0 0,0 1,0-1,0 1,1-1,-1 1,0-1,0 0,1 1,-1-1,0 0,0 1,1-1,-1 0,0 1,1-1,-1 0,1 0,-1 1,0-1,1 0,0 0,0 0,0 0,0 0,1 0,-1 0,0-1,0 1,0 0,0-1,0 1,0-1,0 1,0-1,0 0,0 1,2-2,10-11,0 0,0 0,-1-1,-1-1,18-29,0 0,12-13,61-94,-130 194,-20 34,43-68,1-1,0 1,0 0,1 1,0-1,-3 18,6-26,0-1,0 1,0 0,0-1,0 1,0 0,0 0,0-1,0 1,0 0,0 0,0-1,1 1,-1 0,0-1,0 1,1 0,-1-1,0 1,1-1,-1 1,1 0,-1-1,2 1,-2 0,1-1,0 0,0 0,0 0,0 0,0 0,-1 0,1 0,0 0,0 0,0 0,0 0,-1 0,1-1,0 1,0 0,0-1,-1 1,1 0,1-2,8-5,0 0,-1-1,0-1,0 0,-1 0,-1 0,14-22,-11 17,0 1,1 0,14-14,-29 33,0 0,1 0,0 0,1 0,-3 7,1-1,1-6,1-1,1 1,-1-1,1 1,-1 6,2-11,0 0,0-1,0 1,0 0,0-1,0 1,0 0,0-1,0 1,0 0,0-1,1 1,-1 0,0-1,1 1,-1-1,0 1,1-1,-1 1,1-1,0 2,0-2,0 0,-1 0,1 1,0-1,0 0,0 0,0 0,0 0,0 0,0 0,0 0,0 0,0 0,0-1,0 1,0 0,0-1,0 1,1-1,14-7,-14 6,1 0,0 0,0 1,0-1,1 1,-1 0,0 0,1 0,-1 0,0 0,7 1,-9 0,0 0,-1 0,1 1,-1-1,1 0,0 1,-1-1,1 0,-1 1,1-1,-1 1,1-1,-1 1,0-1,1 1,-1-1,1 1,-1 0,0-1,0 1,1-1,-1 1,0 0,0-1,0 1,0 0,0-1,0 1,1 0,-2 0,0 24,0-20,1-1,-1 36,1-39,0-1,0 1,0 0,0-1,0 1,0-1,0 1,0-1,0 1,0-1,1 1,-1-1,0 1,0-1,0 1,1-1,-1 1,0-1,1 1,-1-1,0 1,1-1,-1 0,1 1,-1-1,1 0,-1 1,1-1,-1 0,1 1,-1-1,1 0,-1 0,1 0,-1 0,1 0,-1 1,1-1,-1 0,1 0,0 0,-1 0,1-1,-1 1,1 0,-1 0,1 0,-1 0,1 0,-1-1,1 1,-1 0,1 0,-1-1,1 1,-1-1,1 1,-1 0,0-1,1 0,3-2,-1 0,0 0,0 0,-1-1,1 0,-1 1,1-1,-1 0,0 0,0 0,-1 0,0-1,2-6,-3 11,0 1,0-1,0 0,0 0,0 0,0 0,0 0,-1 0,1 0,0 0,0 0,0 0,0 0,0 0,0 0,0 0,0 0,-1 0,1 0,0 0,0 0,0 0,0 0,0 0,0 0,0 0,0 0,-1 0,1 0,0 0,0 0,0 0,0 0,0 0,0 0,0-1,0 1,0 0,0 0,0 0,-1 0,1 0,0 0,0 0,-12 16,1-1,8-12,2-5,3-21,0 3,0-1,-1 1,-4-38,2 53,0-1,0 1,0-1,-1 1,0-1,0 1,-1 0,1 0,-1 0,0 0,0 1,-1-1,0 1,1 0,-1 0,-1 0,1 0,-8-4,8 5,-1 1,0 0,1 1,-1-1,0 1,0 0,0 0,0 0,0 1,0 0,0 0,0 0,0 1,0-1,0 1,0 0,0 1,-6 2,-8 3,2 1,-1 0,-21 15,29-17,-83 47,53-34</inkml:trace>
 </inkml:ink>
 </file>
 
@@ -5947,7 +5568,7 @@
           <inkml:channelProperty channel="Y" name="resolution" value="1000" units="1/cm"/>
         </inkml:channelProperties>
       </inkml:inkSource>
-      <inkml:timestamp xml:id="ts0" timeString="2021-02-10T08:04:50.342"/>
+      <inkml:timestamp xml:id="ts0" timeString="2021-02-10T08:05:12.095"/>
     </inkml:context>
     <inkml:brush xml:id="br0">
       <inkml:brushProperty name="width" value="0.1" units="cm"/>
@@ -5956,7 +5577,8 @@
       <inkml:brushProperty name="ignorePressure" value="1"/>
     </inkml:brush>
   </inkml:definitions>
-  <inkml:trace contextRef="#ctx0" brushRef="#br0">0 0,'0'5,"0"6,0 6,0 15,0 6,0 36,0 14,10 50,2 2</inkml:trace>
+  <inkml:trace contextRef="#ctx0" brushRef="#br0">283 69,'-5'0,"-6"0,-6 0,-5 5,-9 6,-3 6,-6 10,-1 0,2 1,12 0,11-10,23-17,10-9</inkml:trace>
+  <inkml:trace contextRef="#ctx0" brushRef="#br0" timeOffset="0.05">198 13,'0'-5,"-5"-1,-1 4,0 8,-8 18,-3 8,-2 15,2 3,3 3,5-3,33-15,11-12</inkml:trace>
 </inkml:ink>
 </file>
 
@@ -5974,7 +5596,7 @@
           <inkml:channelProperty channel="Y" name="resolution" value="1000" units="1/cm"/>
         </inkml:channelProperties>
       </inkml:inkSource>
-      <inkml:timestamp xml:id="ts0" timeString="2021-02-10T08:04:50.822"/>
+      <inkml:timestamp xml:id="ts0" timeString="2021-02-10T08:05:12.450"/>
     </inkml:context>
     <inkml:brush xml:id="br0">
       <inkml:brushProperty name="width" value="0.1" units="cm"/>
@@ -5983,7 +5605,7 @@
       <inkml:brushProperty name="ignorePressure" value="1"/>
     </inkml:brush>
   </inkml:definitions>
-  <inkml:trace contextRef="#ctx0" brushRef="#br0">18 0,'0'5,"0"6,0 17,0 7,-5 31,-2 63,1 9</inkml:trace>
+  <inkml:trace contextRef="#ctx0" brushRef="#br0">121 0,'-1'5,"0"1,0-1,0 0,-1 0,0 0,0 0,-5 7,1 1,-20 41,-20 46,41-86,0 1,1-1,0 1,-3 28,7-41,0 0,0 0,0 0,0 0,0 0,0 0,1 0,-1 0,1 0,-1 0,1 0,1 2,-2-4,1 1,-1 0,1-1,-1 1,1-1,-1 1,1-1,-1 0,1 1,0-1,-1 1,1-1,-1 0,1 0,0 1,0-1,-1 0,1 0,0 0,-1 0,1 0,1 0,2 0,0-1,0 0,0-1,-1 1,1-1,0 1,-1-1,1 0,5-5,23-18,0-3,41-45,22-21,-78 84,-17 10,0 0,0 0,1 0,-1 0,0 1,0-1,0 0,1 0,-1 0,0 0,0 0,0 0,0 0,1 0,-1 0,0 1,0-1,0 0,0 0,0 0,1 0,-1 0,0 1,0-1,0 0,0 0,0 0,0 1,0-1,0 0,0 0,0 0,0 1,0-1,0 0,0 0,0 0,0 1,0-1,0 0,0 0,-8 32,6-28,-40 97,13-38,28-60,0-1,0 1,1-1,-1 1,0-1,1 1,0-1,-1 5,1-7,0 1,0-1,0 0,1 1,-1-1,0 0,0 0,0 1,0-1,0 0,1 0,-1 1,0-1,0 0,0 0,1 1,-1-1,0 0,0 0,1 0,-1 1,0-1,1 0,-1 0,0 0,0 0,1 0,-1 0</inkml:trace>
 </inkml:ink>
 </file>
 
@@ -6001,7 +5623,7 @@
           <inkml:channelProperty channel="Y" name="resolution" value="1000" units="1/cm"/>
         </inkml:channelProperties>
       </inkml:inkSource>
-      <inkml:timestamp xml:id="ts0" timeString="2021-02-10T08:04:51.523"/>
+      <inkml:timestamp xml:id="ts0" timeString="2021-02-10T08:05:12.814"/>
     </inkml:context>
     <inkml:brush xml:id="br0">
       <inkml:brushProperty name="width" value="0.1" units="cm"/>
@@ -6010,7 +5632,7 @@
       <inkml:brushProperty name="ignorePressure" value="1"/>
     </inkml:brush>
   </inkml:definitions>
-  <inkml:trace contextRef="#ctx0" brushRef="#br0">1 1,'5'0,"1"4,0 12,-1 8,-1 19,-2 11,-1 40,0 19,-1 42,0-4</inkml:trace>
+  <inkml:trace contextRef="#ctx0" brushRef="#br0">122 0,'-5'0,"-1"10,-5 12,-5 7,0 5,-17 33,-2 7</inkml:trace>
 </inkml:ink>
 </file>
 
@@ -6028,7 +5650,7 @@
           <inkml:channelProperty channel="Y" name="resolution" value="1000" units="1/cm"/>
         </inkml:channelProperties>
       </inkml:inkSource>
-      <inkml:timestamp xml:id="ts0" timeString="2021-02-10T08:04:51.982"/>
+      <inkml:timestamp xml:id="ts0" timeString="2021-02-10T08:05:13.882"/>
     </inkml:context>
     <inkml:brush xml:id="br0">
       <inkml:brushProperty name="width" value="0.1" units="cm"/>
@@ -6037,7 +5659,7 @@
       <inkml:brushProperty name="ignorePressure" value="1"/>
     </inkml:brush>
   </inkml:definitions>
-  <inkml:trace contextRef="#ctx0" brushRef="#br0">0 0,'5'0,"2"5,-1 11,-1 8,-2 19,0 11,-12 93,-3 22</inkml:trace>
+  <inkml:trace contextRef="#ctx0" brushRef="#br0">0 0,'0'5,"0"11,0 17,0 8,5 69,6 30,6 35,5 1,9 15,-2-21,5-20,-4-35</inkml:trace>
 </inkml:ink>
 </file>
 
@@ -6055,7 +5677,7 @@
           <inkml:channelProperty channel="Y" name="resolution" value="1000" units="1/cm"/>
         </inkml:channelProperties>
       </inkml:inkSource>
-      <inkml:timestamp xml:id="ts0" timeString="2021-02-10T08:04:52.782"/>
+      <inkml:timestamp xml:id="ts0" timeString="2021-02-10T08:05:14.246"/>
     </inkml:context>
     <inkml:brush xml:id="br0">
       <inkml:brushProperty name="width" value="0.1" units="cm"/>
@@ -6064,7 +5686,7 @@
       <inkml:brushProperty name="ignorePressure" value="1"/>
     </inkml:brush>
   </inkml:definitions>
-  <inkml:trace contextRef="#ctx0" brushRef="#br0">61 1,'-5'4,"-1"8,-5 29,0 18,-4 37,7 55,4 1</inkml:trace>
+  <inkml:trace contextRef="#ctx0" brushRef="#br0">7 395,'-4'0,"2"0,7-4,2-8,5-14,6-9,8-22,6-7,1-1,0 5,0 13,3 24,-4 21,-3 15,18 59,0 17</inkml:trace>
 </inkml:ink>
 </file>
 
@@ -6082,7 +5704,7 @@
           <inkml:channelProperty channel="Y" name="resolution" value="1000" units="1/cm"/>
         </inkml:channelProperties>
       </inkml:inkSource>
-      <inkml:timestamp xml:id="ts0" timeString="2021-02-10T08:04:53.283"/>
+      <inkml:timestamp xml:id="ts0" timeString="2021-02-10T08:04:54.849"/>
     </inkml:context>
     <inkml:brush xml:id="br0">
       <inkml:brushProperty name="width" value="0.1" units="cm"/>
@@ -6091,7 +5713,7 @@
       <inkml:brushProperty name="ignorePressure" value="1"/>
     </inkml:brush>
   </inkml:definitions>
-  <inkml:trace contextRef="#ctx0" brushRef="#br0">67 0,'0'5,"0"7,0 5,-4 20,-3 8,-4 34,-5 15,0 33,3 5,13 28,7-13</inkml:trace>
+  <inkml:trace contextRef="#ctx0" brushRef="#br0">1 0,'4'5,"3"6,-1 11,-1 7,3 17,1 11,-2 28,-2 11,-11 89,-5 13</inkml:trace>
 </inkml:ink>
 </file>
 
@@ -6136,7 +5758,7 @@
           <inkml:channelProperty channel="Y" name="resolution" value="1000" units="1/cm"/>
         </inkml:channelProperties>
       </inkml:inkSource>
-      <inkml:timestamp xml:id="ts0" timeString="2021-02-10T08:04:54.330"/>
+      <inkml:timestamp xml:id="ts0" timeString="2021-02-10T08:04:56.737"/>
     </inkml:context>
     <inkml:brush xml:id="br0">
       <inkml:brushProperty name="width" value="0.1" units="cm"/>
@@ -6145,7 +5767,7 @@
       <inkml:brushProperty name="ignorePressure" value="1"/>
     </inkml:brush>
   </inkml:definitions>
-  <inkml:trace contextRef="#ctx0" brushRef="#br0">8 0,'5'0,"1"10,0 7,-1 31,-7 15,-2 42,0 16,-6 51,1-5</inkml:trace>
+  <inkml:trace contextRef="#ctx0" brushRef="#br0">110 0,'0'5,"0"11,-5 26,-2 17,-8 46,-3 19,-3 41,-2 56,3-11</inkml:trace>
 </inkml:ink>
 </file>
 
@@ -6163,7 +5785,7 @@
           <inkml:channelProperty channel="Y" name="resolution" value="1000" units="1/cm"/>
         </inkml:channelProperties>
       </inkml:inkSource>
-      <inkml:timestamp xml:id="ts0" timeString="2021-02-10T08:05:07.598"/>
+      <inkml:timestamp xml:id="ts0" timeString="2021-02-10T08:04:58.500"/>
     </inkml:context>
     <inkml:brush xml:id="br0">
       <inkml:brushProperty name="width" value="0.1" units="cm"/>
@@ -6172,7 +5794,7 @@
       <inkml:brushProperty name="ignorePressure" value="1"/>
     </inkml:brush>
   </inkml:definitions>
-  <inkml:trace contextRef="#ctx0" brushRef="#br0">0 1271,'4'-76,"14"-86,-6 68,-1 7,24-310,-33 337,-4 1,-1 0,-4 0,-23-98,21 121,4 12</inkml:trace>
+  <inkml:trace contextRef="#ctx0" brushRef="#br0">83 0,'0'5,"-5"2,-1 8,-5 8,0 9,-3 3,-5 21,2 0</inkml:trace>
 </inkml:ink>
 </file>
 
@@ -6190,7 +5812,7 @@
           <inkml:channelProperty channel="Y" name="resolution" value="1000" units="1/cm"/>
         </inkml:channelProperties>
       </inkml:inkSource>
-      <inkml:timestamp xml:id="ts0" timeString="2021-02-10T08:05:08.364"/>
+      <inkml:timestamp xml:id="ts0" timeString="2021-02-10T08:04:56.235"/>
     </inkml:context>
     <inkml:brush xml:id="br0">
       <inkml:brushProperty name="width" value="0.1" units="cm"/>
@@ -6199,7 +5821,7 @@
       <inkml:brushProperty name="ignorePressure" value="1"/>
     </inkml:brush>
   </inkml:definitions>
-  <inkml:trace contextRef="#ctx0" brushRef="#br0">33 119,'-1'0,"0"1,-1-1,1 1,-1 0,1-1,0 1,0 0,0 0,-1 0,1 0,0 0,0 0,0 1,0-1,1 0,-1 0,0 1,-1 1,-2 4,-2-3,6-9,4-12,-3 15,-1 0,1 0,0 1,0-1,0 0,0 1,0-1,0 1,0-1,0 1,1 0,-1-1,0 1,1 0,0 0,-1 0,1 0,-1 0,1 0,0 0,0 1,-1-1,1 1,0-1,0 1,0 0,0-1,-1 1,1 0,0 0,0 0,0 1,0-1,0 0,0 1,-1-1,1 1,0 0,0 0,-1-1,1 1,-1 0,1 0,0 1,-1-1,0 0,1 0,-1 1,0-1,0 1,0-1,2 2,5 11,-7-11,1 1,0-1,1 0,-1 1,0-1,5 3,-7-6,0 1,0-1,1 0,-1 0,1 0,-1 1,0-1,1 0,-1 0,0 0,1 0,-1 0,1 0,-1 0,0 0,1 0,-1 0,1 0,-1 0,0 0,1 0,-1 0,1 0,-1 0,1 0,0-1,0 0,0 0,-1 0,1 0,0 1,0-1,0 0,-1 0,1 0,-1-1,1 1,0-2,38-109,-39 109,0 1,1 0,0 0,0 0,0-1,0 1,0 0,0 0,0 1,0-1,1 0,1-2,-2 4,0-1,1 1,-1-1,0 1,0 0,1-1,-1 1,0 0,0 0,1 0,-1 0,0 0,1 0,-1 0,0 0,0 1,1-1,-1 0,0 1,0-1,0 1,0-1,2 2,20 10,-1 2,-1 0,35 30,-3-3,23 15,-49-34</inkml:trace>
+  <inkml:trace contextRef="#ctx0" brushRef="#br0">57 0,'0'5,"0"7,-5 10,-1 7,-1 26,-3 15,0 28,2 7,2 44,2-4</inkml:trace>
 </inkml:ink>
 </file>
 
@@ -6217,7 +5839,7 @@
           <inkml:channelProperty channel="Y" name="resolution" value="1000" units="1/cm"/>
         </inkml:channelProperties>
       </inkml:inkSource>
-      <inkml:timestamp xml:id="ts0" timeString="2021-02-10T08:05:08.722"/>
+      <inkml:timestamp xml:id="ts0" timeString="2021-02-10T08:04:57.697"/>
     </inkml:context>
     <inkml:brush xml:id="br0">
       <inkml:brushProperty name="width" value="0.1" units="cm"/>
@@ -6226,7 +5848,7 @@
       <inkml:brushProperty name="ignorePressure" value="1"/>
     </inkml:brush>
   </inkml:definitions>
-  <inkml:trace contextRef="#ctx0" brushRef="#br0">264 0,'-5'0,"-7"5,-5 6,-5 2,1 2,-10 9,0 6,-4 6,-1 2,5 0,9-7</inkml:trace>
+  <inkml:trace contextRef="#ctx0" brushRef="#br0">101 0,'0'5,"0"6,0 6,0 5,-5 18,-1 7,-5 33,0 19,-8 39,-6 31,2-14</inkml:trace>
 </inkml:ink>
 </file>
 
@@ -6244,7 +5866,7 @@
           <inkml:channelProperty channel="Y" name="resolution" value="1000" units="1/cm"/>
         </inkml:channelProperties>
       </inkml:inkSource>
-      <inkml:timestamp xml:id="ts0" timeString="2021-02-10T08:04:49.171"/>
+      <inkml:timestamp xml:id="ts0" timeString="2021-02-10T08:04:58.965"/>
     </inkml:context>
     <inkml:brush xml:id="br0">
       <inkml:brushProperty name="width" value="0.1" units="cm"/>
@@ -6253,7 +5875,7 @@
       <inkml:brushProperty name="ignorePressure" value="1"/>
     </inkml:brush>
   </inkml:definitions>
-  <inkml:trace contextRef="#ctx0" brushRef="#br0">31 0,'-5'0,"-2"5,1 11,1 13,2 5,0 8,2 0,1 4,9 75,4 17</inkml:trace>
+  <inkml:trace contextRef="#ctx0" brushRef="#br0">55 0,'0'5,"0"7,-4 5,-2 5,-15 33,-3 6</inkml:trace>
 </inkml:ink>
 </file>
 
@@ -6271,7 +5893,7 @@
           <inkml:channelProperty channel="Y" name="resolution" value="1000" units="1/cm"/>
         </inkml:channelProperties>
       </inkml:inkSource>
-      <inkml:timestamp xml:id="ts0" timeString="2021-02-10T08:04:49.574"/>
+      <inkml:timestamp xml:id="ts0" timeString="2021-02-10T08:05:16.787"/>
     </inkml:context>
     <inkml:brush xml:id="br0">
       <inkml:brushProperty name="width" value="0.1" units="cm"/>
@@ -6280,7 +5902,7 @@
       <inkml:brushProperty name="ignorePressure" value="1"/>
     </inkml:brush>
   </inkml:definitions>
-  <inkml:trace contextRef="#ctx0" brushRef="#br0">0 1,'0'4,"0"8,5 5,2 5,-1 18,-1 12,-1 78,-2 18</inkml:trace>
+  <inkml:trace contextRef="#ctx0" brushRef="#br0">25 7,'-5'0,"-1"-5,0 4,2 6,0 7,7 21,2 15,10 46,3 22,2 35,-1 5,0 6,-3-20,-3-15,-6-24,-7-30,-4-28</inkml:trace>
 </inkml:ink>
 </file>
 
@@ -6298,7 +5920,7 @@
           <inkml:channelProperty channel="Y" name="resolution" value="1000" units="1/cm"/>
         </inkml:channelProperties>
       </inkml:inkSource>
-      <inkml:timestamp xml:id="ts0" timeString="2021-02-10T08:05:10.892"/>
+      <inkml:timestamp xml:id="ts0" timeString="2021-02-10T08:05:17.155"/>
     </inkml:context>
     <inkml:brush xml:id="br0">
       <inkml:brushProperty name="width" value="0.1" units="cm"/>
@@ -6307,7 +5929,7 @@
       <inkml:brushProperty name="ignorePressure" value="1"/>
     </inkml:brush>
   </inkml:definitions>
-  <inkml:trace contextRef="#ctx0" brushRef="#br0">317 43,'0'-2,"0"1,-1-1,1 0,-1 0,1 1,-1-1,1 0,-1 1,0-1,0 0,0 1,0-1,0 1,0 0,-1-1,1 1,0 0,-1 0,1 0,-1 0,1 0,-1 0,-2-1,1 0,0 1,1 0,-1 0,0 0,0 1,0-1,1 1,-1-1,0 1,0 0,0 0,0 0,-5 2,3-1,1 1,0 0,0 1,0-1,0 1,0-1,0 1,1 0,-1 1,1-1,0 1,-3 3,-6 10,-14 27,15-25,-97 188,81-154,18-33,10-18,6-10,11-16</inkml:trace>
+  <inkml:trace contextRef="#ctx0" brushRef="#br0">0 309,'0'-5,"5"-11,6-3,11-8,16-14,6-4,11-4,5 1,-3 8,-7 22,-11 18,-7 28,-5 57,-7 15</inkml:trace>
 </inkml:ink>
 </file>
 
@@ -6325,7 +5947,7 @@
           <inkml:channelProperty channel="Y" name="resolution" value="1000" units="1/cm"/>
         </inkml:channelProperties>
       </inkml:inkSource>
-      <inkml:timestamp xml:id="ts0" timeString="2021-02-10T08:05:11.748"/>
+      <inkml:timestamp xml:id="ts0" timeString="2021-02-10T08:05:17.615"/>
     </inkml:context>
     <inkml:brush xml:id="br0">
       <inkml:brushProperty name="width" value="0.1" units="cm"/>
@@ -6334,7 +5956,7 @@
       <inkml:brushProperty name="ignorePressure" value="1"/>
     </inkml:brush>
   </inkml:definitions>
-  <inkml:trace contextRef="#ctx0" brushRef="#br0">167 54,'-12'13,"1"2,1-1,0 1,-12 25,5-9,-1-1,2 2,1-1,-16 50,30-77,0 1,0-1,0 1,1 0,-1-1,2 10,-1-14,0 1,0-1,0 1,0-1,0 0,0 1,0-1,0 1,1-1,-1 1,0-1,0 0,1 1,-1-1,0 0,0 1,1-1,-1 0,0 1,1-1,-1 0,1 0,-1 1,0-1,1 0,0 0,0 0,0 0,0 0,1 0,-1 0,0-1,0 1,0 0,0-1,0 1,0-1,0 1,0-1,0 0,0 1,2-2,10-11,0 0,0 0,-1-1,-1-1,18-29,0 0,12-13,61-94,-130 194,-20 34,43-68,1-1,0 1,0 0,1 1,0-1,-3 18,6-26,0-1,0 1,0 0,0-1,0 1,0 0,0 0,0-1,0 1,0 0,0 0,0-1,1 1,-1 0,0-1,0 1,1 0,-1-1,0 1,1-1,-1 1,1 0,-1-1,2 1,-2 0,1-1,0 0,0 0,0 0,0 0,0 0,-1 0,1 0,0 0,0 0,0 0,0 0,-1 0,1-1,0 1,0 0,0-1,-1 1,1 0,1-2,8-5,0 0,-1-1,0-1,0 0,-1 0,-1 0,14-22,-11 17,0 1,1 0,14-14,-29 33,0 0,1 0,0 0,1 0,-3 7,1-1,1-6,1-1,1 1,-1-1,1 1,-1 6,2-11,0 0,0-1,0 1,0 0,0-1,0 1,0 0,0-1,0 1,0 0,0-1,1 1,-1 0,0-1,1 1,-1-1,0 1,1-1,-1 1,1-1,0 2,0-2,0 0,-1 0,1 1,0-1,0 0,0 0,0 0,0 0,0 0,0 0,0 0,0 0,0 0,0-1,0 1,0 0,0-1,0 1,1-1,14-7,-14 6,1 0,0 0,0 1,0-1,1 1,-1 0,0 0,1 0,-1 0,0 0,7 1,-9 0,0 0,-1 0,1 1,-1-1,1 0,0 1,-1-1,1 0,-1 1,1-1,-1 1,1-1,-1 1,0-1,1 1,-1-1,1 1,-1 0,0-1,0 1,1-1,-1 1,0 0,0-1,0 1,0 0,0-1,0 1,1 0,-2 0,0 24,0-20,1-1,-1 36,1-39,0-1,0 1,0 0,0-1,0 1,0-1,0 1,0-1,0 1,0-1,1 1,-1-1,0 1,0-1,0 1,1-1,-1 1,0-1,1 1,-1-1,0 1,1-1,-1 0,1 1,-1-1,1 0,-1 1,1-1,-1 0,1 1,-1-1,1 0,-1 0,1 0,-1 0,1 0,-1 1,1-1,-1 0,1 0,0 0,-1 0,1-1,-1 1,1 0,-1 0,1 0,-1 0,1 0,-1-1,1 1,-1 0,1 0,-1-1,1 1,-1-1,1 1,-1 0,0-1,1 0,3-2,-1 0,0 0,0 0,-1-1,1 0,-1 1,1-1,-1 0,0 0,0 0,-1 0,0-1,2-6,-3 11,0 1,0-1,0 0,0 0,0 0,0 0,0 0,-1 0,1 0,0 0,0 0,0 0,0 0,0 0,0 0,0 0,0 0,-1 0,1 0,0 0,0 0,0 0,0 0,0 0,0 0,0 0,0 0,-1 0,1 0,0 0,0 0,0 0,0 0,0 0,0 0,0-1,0 1,0 0,0 0,0 0,-1 0,1 0,0 0,0 0,-12 16,1-1,8-12,2-5,3-21,0 3,0-1,-1 1,-4-38,2 53,0-1,0 1,0-1,-1 1,0-1,0 1,-1 0,1 0,-1 0,0 0,0 1,-1-1,0 1,1 0,-1 0,-1 0,1 0,-8-4,8 5,-1 1,0 0,1 1,-1-1,0 1,0 0,0 0,0 0,0 1,0 0,0 0,0 0,0 1,0-1,0 1,0 0,0 1,-6 2,-8 3,2 1,-1 0,-21 15,29-17,-83 47,53-34</inkml:trace>
+  <inkml:trace contextRef="#ctx0" brushRef="#br0">1 0,'0'5,"0"7,5 24,1 17,5 32,5 12,5 18,-1-6,5 12,-1-5,4 7,-2-18</inkml:trace>
 </inkml:ink>
 </file>
 
@@ -6352,7 +5974,7 @@
           <inkml:channelProperty channel="Y" name="resolution" value="1000" units="1/cm"/>
         </inkml:channelProperties>
       </inkml:inkSource>
-      <inkml:timestamp xml:id="ts0" timeString="2021-02-10T08:05:12.095"/>
+      <inkml:timestamp xml:id="ts0" timeString="2021-02-10T08:05:18.002"/>
     </inkml:context>
     <inkml:brush xml:id="br0">
       <inkml:brushProperty name="width" value="0.1" units="cm"/>
@@ -6361,8 +5983,7 @@
       <inkml:brushProperty name="ignorePressure" value="1"/>
     </inkml:brush>
   </inkml:definitions>
-  <inkml:trace contextRef="#ctx0" brushRef="#br0">283 69,'-5'0,"-6"0,-6 0,-5 5,-9 6,-3 6,-6 10,-1 0,2 1,12 0,11-10,23-17,10-9</inkml:trace>
-  <inkml:trace contextRef="#ctx0" brushRef="#br0" timeOffset="0.05">198 13,'0'-5,"-5"-1,-1 4,0 8,-8 18,-3 8,-2 15,2 3,3 3,5-3,33-15,11-12</inkml:trace>
+  <inkml:trace contextRef="#ctx0" brushRef="#br0">1 259,'0'-10,"4"-7,7-16,7-2,4-10,3-2,3 8,-3 14,-2 17,-5 29,0 15,2 50,-3 10</inkml:trace>
 </inkml:ink>
 </file>
 
@@ -6380,7 +6001,7 @@
           <inkml:channelProperty channel="Y" name="resolution" value="1000" units="1/cm"/>
         </inkml:channelProperties>
       </inkml:inkSource>
-      <inkml:timestamp xml:id="ts0" timeString="2021-02-10T08:05:12.450"/>
+      <inkml:timestamp xml:id="ts0" timeString="2021-02-10T08:05:18.413"/>
     </inkml:context>
     <inkml:brush xml:id="br0">
       <inkml:brushProperty name="width" value="0.1" units="cm"/>
@@ -6389,7 +6010,7 @@
       <inkml:brushProperty name="ignorePressure" value="1"/>
     </inkml:brush>
   </inkml:definitions>
-  <inkml:trace contextRef="#ctx0" brushRef="#br0">121 0,'-1'5,"0"1,0-1,0 0,-1 0,0 0,0 0,-5 7,1 1,-20 41,-20 46,41-86,0 1,1-1,0 1,-3 28,7-41,0 0,0 0,0 0,0 0,0 0,0 0,1 0,-1 0,1 0,-1 0,1 0,1 2,-2-4,1 1,-1 0,1-1,-1 1,1-1,-1 1,1-1,-1 0,1 1,0-1,-1 1,1-1,-1 0,1 0,0 1,0-1,-1 0,1 0,0 0,-1 0,1 0,1 0,2 0,0-1,0 0,0-1,-1 1,1-1,0 1,-1-1,1 0,5-5,23-18,0-3,41-45,22-21,-78 84,-17 10,0 0,0 0,1 0,-1 0,0 1,0-1,0 0,1 0,-1 0,0 0,0 0,0 0,0 0,1 0,-1 0,0 1,0-1,0 0,0 0,0 0,1 0,-1 0,0 1,0-1,0 0,0 0,0 0,0 1,0-1,0 0,0 0,0 0,0 1,0-1,0 0,0 0,0 0,0 1,0-1,0 0,0 0,-8 32,6-28,-40 97,13-38,28-60,0-1,0 1,1-1,-1 1,0-1,1 1,0-1,-1 5,1-7,0 1,0-1,0 0,1 1,-1-1,0 0,0 0,0 1,0-1,0 0,1 0,-1 1,0-1,0 0,0 0,1 1,-1-1,0 0,0 0,1 0,-1 1,0-1,1 0,-1 0,0 0,0 0,1 0,-1 0</inkml:trace>
+  <inkml:trace contextRef="#ctx0" brushRef="#br0">1 0,'0'10,"0"7,0 11,4 25,2 8,0 3,4 19,5 6,9 26,1 2,15 40,2-7</inkml:trace>
 </inkml:ink>
 </file>
 
@@ -6434,7 +6055,7 @@
           <inkml:channelProperty channel="Y" name="resolution" value="1000" units="1/cm"/>
         </inkml:channelProperties>
       </inkml:inkSource>
-      <inkml:timestamp xml:id="ts0" timeString="2021-02-10T08:05:12.814"/>
+      <inkml:timestamp xml:id="ts0" timeString="2021-02-10T08:05:18.834"/>
     </inkml:context>
     <inkml:brush xml:id="br0">
       <inkml:brushProperty name="width" value="0.1" units="cm"/>
@@ -6443,7 +6064,7 @@
       <inkml:brushProperty name="ignorePressure" value="1"/>
     </inkml:brush>
   </inkml:definitions>
-  <inkml:trace contextRef="#ctx0" brushRef="#br0">122 0,'-5'0,"-1"10,-5 12,-5 7,0 5,-17 33,-2 7</inkml:trace>
+  <inkml:trace contextRef="#ctx0" brushRef="#br0">1 385,'0'-5,"5"-6,1-12,5-5,5-19,5-5,8-3,0 2,3 1,3 10,3 25,-3 22,5 47,-3 16</inkml:trace>
 </inkml:ink>
 </file>
 
@@ -6461,7 +6082,7 @@
           <inkml:channelProperty channel="Y" name="resolution" value="1000" units="1/cm"/>
         </inkml:channelProperties>
       </inkml:inkSource>
-      <inkml:timestamp xml:id="ts0" timeString="2021-02-10T08:05:13.882"/>
+      <inkml:timestamp xml:id="ts0" timeString="2021-02-10T08:05:20.501"/>
     </inkml:context>
     <inkml:brush xml:id="br0">
       <inkml:brushProperty name="width" value="0.1" units="cm"/>
@@ -6470,7 +6091,7 @@
       <inkml:brushProperty name="ignorePressure" value="1"/>
     </inkml:brush>
   </inkml:definitions>
-  <inkml:trace contextRef="#ctx0" brushRef="#br0">0 0,'0'5,"0"11,0 17,0 8,5 69,6 30,6 35,5 1,9 15,-2-21,5-20,-4-35</inkml:trace>
+  <inkml:trace contextRef="#ctx0" brushRef="#br0">54 23,'-4'0,"-2"-4,0-7,1 3,2 18,-4 17,-1 32,1 16,2 28,2 7,6 18,3-7,9-7,3-21</inkml:trace>
 </inkml:ink>
 </file>
 
@@ -6488,7 +6109,7 @@
           <inkml:channelProperty channel="Y" name="resolution" value="1000" units="1/cm"/>
         </inkml:channelProperties>
       </inkml:inkSource>
-      <inkml:timestamp xml:id="ts0" timeString="2021-02-10T08:05:14.246"/>
+      <inkml:timestamp xml:id="ts0" timeString="2021-02-10T08:05:22.464"/>
     </inkml:context>
     <inkml:brush xml:id="br0">
       <inkml:brushProperty name="width" value="0.1" units="cm"/>
@@ -6497,7 +6118,7 @@
       <inkml:brushProperty name="ignorePressure" value="1"/>
     </inkml:brush>
   </inkml:definitions>
-  <inkml:trace contextRef="#ctx0" brushRef="#br0">7 395,'-4'0,"2"0,7-4,2-8,5-14,6-9,8-22,6-7,1-1,0 5,0 13,3 24,-4 21,-3 15,18 59,0 17</inkml:trace>
+  <inkml:trace contextRef="#ctx0" brushRef="#br0">15 1239,'-2'-5,"-1"-1,1 1,0-1,1 0,-1 0,1 1,0-1,1 0,-1 0,1-7,1 10,-1-1,1 1,-1-1,1 1,0-1,1 1,-1 0,1 0,-1 0,1 0,0 0,0 0,0 0,0 0,1 1,-1-1,1 1,5-4,1 0,1 1,0 0,0 1,0 0,1 0,0 1,-1 0,23-2,95 0,-111 5,48 0,32 1,102-14,-123 1,88-27,71-34,59-16,-106 45,3 8,1 8,285-4,-276 32,272-9,646-130,-449 57,-669 82,482-23,1 24,-216 1,6-1,386-3,233-67,-524 33,-251 25,755-44,27 94,-55-29,190-86,-156-41,-460 55,465-8,-439 84,-1 45,-395-51,589 105,-413-70,1-10,305 6,639 27,-1079-58,1-3,0-5,107-12,-167 8,1 1,-1 2,1 1,-1 2,43 7,-47-4,-4-1</inkml:trace>
 </inkml:ink>
 </file>
 
@@ -6515,7 +6136,7 @@
           <inkml:channelProperty channel="Y" name="resolution" value="1000" units="1/cm"/>
         </inkml:channelProperties>
       </inkml:inkSource>
-      <inkml:timestamp xml:id="ts0" timeString="2021-02-10T08:04:54.849"/>
+      <inkml:timestamp xml:id="ts0" timeString="2021-02-10T08:05:25.417"/>
     </inkml:context>
     <inkml:brush xml:id="br0">
       <inkml:brushProperty name="width" value="0.1" units="cm"/>
@@ -6524,7 +6145,7 @@
       <inkml:brushProperty name="ignorePressure" value="1"/>
     </inkml:brush>
   </inkml:definitions>
-  <inkml:trace contextRef="#ctx0" brushRef="#br0">1 0,'4'5,"3"6,-1 11,-1 7,3 17,1 11,-2 28,-2 11,-11 89,-5 13</inkml:trace>
+  <inkml:trace contextRef="#ctx0" brushRef="#br0">19076 99,'301'-14,"-45"1,-165 11,-1-4,0-4,172-42,-249 50,-16 9,-24 17,16-15,1 1,1 0,1 0,-1 1,2 0,0 0,0 1,1-1,0 2,1-1,0 0,1 1,1 0,0 0,1 0,-1 20,2 3,1-1,2 0,2 0,14 61,-10-61,-1 1,-2 0,0 56,-5-81,0 0,-1 0,0 0,-1-1,0 1,-1-1,0 1,0-1,-1 0,-1 0,0-1,0 1,-1-1,0 0,0 0,-11 10,13-16,0 0,0 0,0 0,-1-1,1 1,-1-1,1 0,-1-1,1 1,-6 0,-51 6,38-6,-128 12,-169 24,213-18,-140 9,82-19,-291 54,-297 91,56-64,182-68,-1-25,179-1,-613 22,762-8,-650 14,645-32,-785-13,814 20,-421 13,182 6,167-9,-489 4,393-11,-191 14,333-9,-570 22,-124 15,235-8,-64-6,414-19,-216 5,370-16,-339 9,-427 24,-321-21,789-15,-821 2,874-20,261 11,-113-19,21 1,186 25</inkml:trace>
 </inkml:ink>
 </file>
 
@@ -6542,7 +6163,7 @@
           <inkml:channelProperty channel="Y" name="resolution" value="1000" units="1/cm"/>
         </inkml:channelProperties>
       </inkml:inkSource>
-      <inkml:timestamp xml:id="ts0" timeString="2021-02-10T08:04:56.737"/>
+      <inkml:timestamp xml:id="ts0" timeString="2021-02-10T08:05:26.039"/>
     </inkml:context>
     <inkml:brush xml:id="br0">
       <inkml:brushProperty name="width" value="0.1" units="cm"/>
@@ -6551,7 +6172,7 @@
       <inkml:brushProperty name="ignorePressure" value="1"/>
     </inkml:brush>
   </inkml:definitions>
-  <inkml:trace contextRef="#ctx0" brushRef="#br0">110 0,'0'5,"0"11,-5 26,-2 17,-8 46,-3 19,-3 41,-2 56,3-11</inkml:trace>
+  <inkml:trace contextRef="#ctx0" brushRef="#br0">1 0,'0'10,"0"8,0 19,0 9,5 45,1 20,5 31,10 44,2-10</inkml:trace>
 </inkml:ink>
 </file>
 
@@ -6569,7 +6190,7 @@
           <inkml:channelProperty channel="Y" name="resolution" value="1000" units="1/cm"/>
         </inkml:channelProperties>
       </inkml:inkSource>
-      <inkml:timestamp xml:id="ts0" timeString="2021-02-10T08:04:58.500"/>
+      <inkml:timestamp xml:id="ts0" timeString="2021-02-10T08:05:26.879"/>
     </inkml:context>
     <inkml:brush xml:id="br0">
       <inkml:brushProperty name="width" value="0.1" units="cm"/>
@@ -6578,7 +6199,7 @@
       <inkml:brushProperty name="ignorePressure" value="1"/>
     </inkml:brush>
   </inkml:definitions>
-  <inkml:trace contextRef="#ctx0" brushRef="#br0">83 0,'0'5,"-5"2,-1 8,-5 8,0 9,-3 3,-5 21,2 0</inkml:trace>
+  <inkml:trace contextRef="#ctx0" brushRef="#br0">0 0,'0'5,"0"6,0 12,0 5,0 18,0 11,5 58,2 18,3 22,11 26,2-17</inkml:trace>
 </inkml:ink>
 </file>
 
@@ -6596,7 +6217,7 @@
           <inkml:channelProperty channel="Y" name="resolution" value="1000" units="1/cm"/>
         </inkml:channelProperties>
       </inkml:inkSource>
-      <inkml:timestamp xml:id="ts0" timeString="2021-02-10T08:04:56.235"/>
+      <inkml:timestamp xml:id="ts0" timeString="2021-02-10T08:05:27.499"/>
     </inkml:context>
     <inkml:brush xml:id="br0">
       <inkml:brushProperty name="width" value="0.1" units="cm"/>
@@ -6605,7 +6226,7 @@
       <inkml:brushProperty name="ignorePressure" value="1"/>
     </inkml:brush>
   </inkml:definitions>
-  <inkml:trace contextRef="#ctx0" brushRef="#br0">57 0,'0'5,"0"7,-5 10,-1 7,-1 26,-3 15,0 28,2 7,2 44,2-4</inkml:trace>
+  <inkml:trace contextRef="#ctx0" brushRef="#br0">0 1,'0'4,"0"7,0 6,5 10,1 10,0 32,4 19,0 28,3 3,4 26,-1-3,12 3,0-22</inkml:trace>
 </inkml:ink>
 </file>
 
@@ -6623,7 +6244,7 @@
           <inkml:channelProperty channel="Y" name="resolution" value="1000" units="1/cm"/>
         </inkml:channelProperties>
       </inkml:inkSource>
-      <inkml:timestamp xml:id="ts0" timeString="2021-02-10T08:04:57.697"/>
+      <inkml:timestamp xml:id="ts0" timeString="2021-02-10T08:05:29.468"/>
     </inkml:context>
     <inkml:brush xml:id="br0">
       <inkml:brushProperty name="width" value="0.1" units="cm"/>
@@ -6632,7 +6253,7 @@
       <inkml:brushProperty name="ignorePressure" value="1"/>
     </inkml:brush>
   </inkml:definitions>
-  <inkml:trace contextRef="#ctx0" brushRef="#br0">101 0,'0'5,"0"6,0 6,0 5,-5 18,-1 7,-5 33,0 19,-8 39,-6 31,2-14</inkml:trace>
+  <inkml:trace contextRef="#ctx0" brushRef="#br0">1 1,'0'4,"0"8,0 5,0 15,0 6,0 31,0 13,5 59,1 21,10 50,1-11</inkml:trace>
 </inkml:ink>
 </file>
 
@@ -6650,7 +6271,7 @@
           <inkml:channelProperty channel="Y" name="resolution" value="1000" units="1/cm"/>
         </inkml:channelProperties>
       </inkml:inkSource>
-      <inkml:timestamp xml:id="ts0" timeString="2021-02-10T08:04:58.965"/>
+      <inkml:timestamp xml:id="ts0" timeString="2021-02-10T08:05:30.033"/>
     </inkml:context>
     <inkml:brush xml:id="br0">
       <inkml:brushProperty name="width" value="0.1" units="cm"/>
@@ -6659,7 +6280,7 @@
       <inkml:brushProperty name="ignorePressure" value="1"/>
     </inkml:brush>
   </inkml:definitions>
-  <inkml:trace contextRef="#ctx0" brushRef="#br0">55 0,'0'5,"0"7,-4 5,-2 5,-15 33,-3 6</inkml:trace>
+  <inkml:trace contextRef="#ctx0" brushRef="#br0">202 0,'-5'14,"-2"10,-8 34,-8 17,-9 34,2 8,-5 33,4-1,8-10,26-44,13-38</inkml:trace>
 </inkml:ink>
 </file>
 
@@ -6677,7 +6298,7 @@
           <inkml:channelProperty channel="Y" name="resolution" value="1000" units="1/cm"/>
         </inkml:channelProperties>
       </inkml:inkSource>
-      <inkml:timestamp xml:id="ts0" timeString="2021-02-10T08:05:16.787"/>
+      <inkml:timestamp xml:id="ts0" timeString="2021-02-10T08:05:30.371"/>
     </inkml:context>
     <inkml:brush xml:id="br0">
       <inkml:brushProperty name="width" value="0.1" units="cm"/>
@@ -6686,7 +6307,8 @@
       <inkml:brushProperty name="ignorePressure" value="1"/>
     </inkml:brush>
   </inkml:definitions>
-  <inkml:trace contextRef="#ctx0" brushRef="#br0">25 7,'-5'0,"-1"-5,0 4,2 6,0 7,7 21,2 15,10 46,3 22,2 35,-1 5,0 6,-3-20,-3-15,-6-24,-7-30,-4-28</inkml:trace>
+  <inkml:trace contextRef="#ctx0" brushRef="#br0">353 222,'5'-5,"1"3,-4 3,-8 14,-8 15,-25 36,-11 22,-21 33,-3 6,6 1,24-36,58-86,27-45</inkml:trace>
+  <inkml:trace contextRef="#ctx0" brushRef="#br0" timeOffset="1">663 25,'5'-5,"7"-6,1 3,-7 8,-19 33,-16 20,-23 35,-11 17,-25 43,-2 6,9 1,20-26</inkml:trace>
 </inkml:ink>
 </file>
 
@@ -18888,804 +18510,6 @@
           </a:p>
         </p:txBody>
       </p:sp>
-      <p:grpSp>
-        <p:nvGrpSpPr>
-          <p:cNvPr id="37" name="Group 36">
-            <a:extLst>
-              <a:ext uri="{FF2B5EF4-FFF2-40B4-BE49-F238E27FC236}">
-                <a16:creationId xmlns:a16="http://schemas.microsoft.com/office/drawing/2014/main" id="{1F80D7EF-E4BC-46AF-855C-FEA9EA085D7E}"/>
-              </a:ext>
-            </a:extLst>
-          </p:cNvPr>
-          <p:cNvGrpSpPr/>
-          <p:nvPr/>
-        </p:nvGrpSpPr>
-        <p:grpSpPr>
-          <a:xfrm>
-            <a:off x="7292440" y="2397280"/>
-            <a:ext cx="875160" cy="637200"/>
-            <a:chOff x="7292440" y="2397280"/>
-            <a:chExt cx="875160" cy="637200"/>
-          </a:xfrm>
-        </p:grpSpPr>
-        <mc:AlternateContent xmlns:mc="http://schemas.openxmlformats.org/markup-compatibility/2006" xmlns:p14="http://schemas.microsoft.com/office/powerpoint/2010/main">
-          <mc:Choice Requires="p14">
-            <p:contentPart p14:bwMode="auto" r:id="rId5">
-              <p14:nvContentPartPr>
-                <p14:cNvPr id="32" name="Ink 31">
-                  <a:extLst>
-                    <a:ext uri="{FF2B5EF4-FFF2-40B4-BE49-F238E27FC236}">
-                      <a16:creationId xmlns:a16="http://schemas.microsoft.com/office/drawing/2014/main" id="{1FD38F85-92F0-4CA9-83DE-608B50C90DEF}"/>
-                    </a:ext>
-                  </a:extLst>
-                </p14:cNvPr>
-                <p14:cNvContentPartPr/>
-                <p14:nvPr/>
-              </p14:nvContentPartPr>
-              <p14:xfrm>
-                <a:off x="7292440" y="2417080"/>
-                <a:ext cx="94320" cy="560880"/>
-              </p14:xfrm>
-            </p:contentPart>
-          </mc:Choice>
-          <mc:Fallback xmlns="">
-            <p:pic>
-              <p:nvPicPr>
-                <p:cNvPr id="32" name="Ink 31">
-                  <a:extLst>
-                    <a:ext uri="{FF2B5EF4-FFF2-40B4-BE49-F238E27FC236}">
-                      <a16:creationId xmlns:a16="http://schemas.microsoft.com/office/drawing/2014/main" id="{1FD38F85-92F0-4CA9-83DE-608B50C90DEF}"/>
-                    </a:ext>
-                  </a:extLst>
-                </p:cNvPr>
-                <p:cNvPicPr/>
-                <p:nvPr/>
-              </p:nvPicPr>
-              <p:blipFill>
-                <a:blip r:embed="rId6"/>
-                <a:stretch>
-                  <a:fillRect/>
-                </a:stretch>
-              </p:blipFill>
-              <p:spPr>
-                <a:xfrm>
-                  <a:off x="7283440" y="2408440"/>
-                  <a:ext cx="111960" cy="578520"/>
-                </a:xfrm>
-                <a:prstGeom prst="rect">
-                  <a:avLst/>
-                </a:prstGeom>
-              </p:spPr>
-            </p:pic>
-          </mc:Fallback>
-        </mc:AlternateContent>
-        <mc:AlternateContent xmlns:mc="http://schemas.openxmlformats.org/markup-compatibility/2006" xmlns:p14="http://schemas.microsoft.com/office/powerpoint/2010/main">
-          <mc:Choice Requires="p14">
-            <p:contentPart p14:bwMode="auto" r:id="rId7">
-              <p14:nvContentPartPr>
-                <p14:cNvPr id="33" name="Ink 32">
-                  <a:extLst>
-                    <a:ext uri="{FF2B5EF4-FFF2-40B4-BE49-F238E27FC236}">
-                      <a16:creationId xmlns:a16="http://schemas.microsoft.com/office/drawing/2014/main" id="{CB488696-9C1C-4CCB-856F-147F7A8EA422}"/>
-                    </a:ext>
-                  </a:extLst>
-                </p14:cNvPr>
-                <p14:cNvContentPartPr/>
-                <p14:nvPr/>
-              </p14:nvContentPartPr>
-              <p14:xfrm>
-                <a:off x="7335280" y="2938360"/>
-                <a:ext cx="99000" cy="96120"/>
-              </p14:xfrm>
-            </p:contentPart>
-          </mc:Choice>
-          <mc:Fallback xmlns="">
-            <p:pic>
-              <p:nvPicPr>
-                <p:cNvPr id="33" name="Ink 32">
-                  <a:extLst>
-                    <a:ext uri="{FF2B5EF4-FFF2-40B4-BE49-F238E27FC236}">
-                      <a16:creationId xmlns:a16="http://schemas.microsoft.com/office/drawing/2014/main" id="{CB488696-9C1C-4CCB-856F-147F7A8EA422}"/>
-                    </a:ext>
-                  </a:extLst>
-                </p:cNvPr>
-                <p:cNvPicPr/>
-                <p:nvPr/>
-              </p:nvPicPr>
-              <p:blipFill>
-                <a:blip r:embed="rId8"/>
-                <a:stretch>
-                  <a:fillRect/>
-                </a:stretch>
-              </p:blipFill>
-              <p:spPr>
-                <a:xfrm>
-                  <a:off x="7326280" y="2929360"/>
-                  <a:ext cx="116640" cy="113760"/>
-                </a:xfrm>
-                <a:prstGeom prst="rect">
-                  <a:avLst/>
-                </a:prstGeom>
-              </p:spPr>
-            </p:pic>
-          </mc:Fallback>
-        </mc:AlternateContent>
-        <mc:AlternateContent xmlns:mc="http://schemas.openxmlformats.org/markup-compatibility/2006" xmlns:p14="http://schemas.microsoft.com/office/powerpoint/2010/main">
-          <mc:Choice Requires="p14">
-            <p:contentPart p14:bwMode="auto" r:id="rId9">
-              <p14:nvContentPartPr>
-                <p14:cNvPr id="34" name="Ink 33">
-                  <a:extLst>
-                    <a:ext uri="{FF2B5EF4-FFF2-40B4-BE49-F238E27FC236}">
-                      <a16:creationId xmlns:a16="http://schemas.microsoft.com/office/drawing/2014/main" id="{34650F7B-0961-4D2C-BF15-BB4E2CA488DD}"/>
-                    </a:ext>
-                  </a:extLst>
-                </p14:cNvPr>
-                <p14:cNvContentPartPr/>
-                <p14:nvPr/>
-              </p14:nvContentPartPr>
-              <p14:xfrm>
-                <a:off x="7412680" y="2421400"/>
-                <a:ext cx="356760" cy="552240"/>
-              </p14:xfrm>
-            </p:contentPart>
-          </mc:Choice>
-          <mc:Fallback xmlns="">
-            <p:pic>
-              <p:nvPicPr>
-                <p:cNvPr id="34" name="Ink 33">
-                  <a:extLst>
-                    <a:ext uri="{FF2B5EF4-FFF2-40B4-BE49-F238E27FC236}">
-                      <a16:creationId xmlns:a16="http://schemas.microsoft.com/office/drawing/2014/main" id="{34650F7B-0961-4D2C-BF15-BB4E2CA488DD}"/>
-                    </a:ext>
-                  </a:extLst>
-                </p:cNvPr>
-                <p:cNvPicPr/>
-                <p:nvPr/>
-              </p:nvPicPr>
-              <p:blipFill>
-                <a:blip r:embed="rId10"/>
-                <a:stretch>
-                  <a:fillRect/>
-                </a:stretch>
-              </p:blipFill>
-              <p:spPr>
-                <a:xfrm>
-                  <a:off x="7404040" y="2412760"/>
-                  <a:ext cx="374400" cy="569880"/>
-                </a:xfrm>
-                <a:prstGeom prst="rect">
-                  <a:avLst/>
-                </a:prstGeom>
-              </p:spPr>
-            </p:pic>
-          </mc:Fallback>
-        </mc:AlternateContent>
-        <mc:AlternateContent xmlns:mc="http://schemas.openxmlformats.org/markup-compatibility/2006" xmlns:p14="http://schemas.microsoft.com/office/powerpoint/2010/main">
-          <mc:Choice Requires="p14">
-            <p:contentPart p14:bwMode="auto" r:id="rId11">
-              <p14:nvContentPartPr>
-                <p14:cNvPr id="35" name="Ink 34">
-                  <a:extLst>
-                    <a:ext uri="{FF2B5EF4-FFF2-40B4-BE49-F238E27FC236}">
-                      <a16:creationId xmlns:a16="http://schemas.microsoft.com/office/drawing/2014/main" id="{30594C11-CC97-45C3-A0E1-218235538AD1}"/>
-                    </a:ext>
-                  </a:extLst>
-                </p14:cNvPr>
-                <p14:cNvContentPartPr/>
-                <p14:nvPr/>
-              </p14:nvContentPartPr>
-              <p14:xfrm>
-                <a:off x="7548760" y="2397280"/>
-                <a:ext cx="522360" cy="553680"/>
-              </p14:xfrm>
-            </p:contentPart>
-          </mc:Choice>
-          <mc:Fallback xmlns="">
-            <p:pic>
-              <p:nvPicPr>
-                <p:cNvPr id="35" name="Ink 34">
-                  <a:extLst>
-                    <a:ext uri="{FF2B5EF4-FFF2-40B4-BE49-F238E27FC236}">
-                      <a16:creationId xmlns:a16="http://schemas.microsoft.com/office/drawing/2014/main" id="{30594C11-CC97-45C3-A0E1-218235538AD1}"/>
-                    </a:ext>
-                  </a:extLst>
-                </p:cNvPr>
-                <p:cNvPicPr/>
-                <p:nvPr/>
-              </p:nvPicPr>
-              <p:blipFill>
-                <a:blip r:embed="rId12"/>
-                <a:stretch>
-                  <a:fillRect/>
-                </a:stretch>
-              </p:blipFill>
-              <p:spPr>
-                <a:xfrm>
-                  <a:off x="7540120" y="2388280"/>
-                  <a:ext cx="540000" cy="571320"/>
-                </a:xfrm>
-                <a:prstGeom prst="rect">
-                  <a:avLst/>
-                </a:prstGeom>
-              </p:spPr>
-            </p:pic>
-          </mc:Fallback>
-        </mc:AlternateContent>
-        <mc:AlternateContent xmlns:mc="http://schemas.openxmlformats.org/markup-compatibility/2006" xmlns:p14="http://schemas.microsoft.com/office/powerpoint/2010/main">
-          <mc:Choice Requires="p14">
-            <p:contentPart p14:bwMode="auto" r:id="rId13">
-              <p14:nvContentPartPr>
-                <p14:cNvPr id="36" name="Ink 35">
-                  <a:extLst>
-                    <a:ext uri="{FF2B5EF4-FFF2-40B4-BE49-F238E27FC236}">
-                      <a16:creationId xmlns:a16="http://schemas.microsoft.com/office/drawing/2014/main" id="{85B7CFCB-A6BB-4322-AA6B-A7E4B7E1F82D}"/>
-                    </a:ext>
-                  </a:extLst>
-                </p14:cNvPr>
-                <p14:cNvContentPartPr/>
-                <p14:nvPr/>
-              </p14:nvContentPartPr>
-              <p14:xfrm>
-                <a:off x="7998400" y="2814880"/>
-                <a:ext cx="169200" cy="125280"/>
-              </p14:xfrm>
-            </p:contentPart>
-          </mc:Choice>
-          <mc:Fallback xmlns="">
-            <p:pic>
-              <p:nvPicPr>
-                <p:cNvPr id="36" name="Ink 35">
-                  <a:extLst>
-                    <a:ext uri="{FF2B5EF4-FFF2-40B4-BE49-F238E27FC236}">
-                      <a16:creationId xmlns:a16="http://schemas.microsoft.com/office/drawing/2014/main" id="{85B7CFCB-A6BB-4322-AA6B-A7E4B7E1F82D}"/>
-                    </a:ext>
-                  </a:extLst>
-                </p:cNvPr>
-                <p:cNvPicPr/>
-                <p:nvPr/>
-              </p:nvPicPr>
-              <p:blipFill>
-                <a:blip r:embed="rId14"/>
-                <a:stretch>
-                  <a:fillRect/>
-                </a:stretch>
-              </p:blipFill>
-              <p:spPr>
-                <a:xfrm>
-                  <a:off x="7989400" y="2806240"/>
-                  <a:ext cx="186840" cy="142920"/>
-                </a:xfrm>
-                <a:prstGeom prst="rect">
-                  <a:avLst/>
-                </a:prstGeom>
-              </p:spPr>
-            </p:pic>
-          </mc:Fallback>
-        </mc:AlternateContent>
-      </p:grpSp>
-      <mc:AlternateContent xmlns:mc="http://schemas.openxmlformats.org/markup-compatibility/2006" xmlns:p14="http://schemas.microsoft.com/office/powerpoint/2010/main">
-        <mc:Choice Requires="p14">
-          <p:contentPart p14:bwMode="auto" r:id="rId15">
-            <p14:nvContentPartPr>
-              <p14:cNvPr id="38" name="Ink 37">
-                <a:extLst>
-                  <a:ext uri="{FF2B5EF4-FFF2-40B4-BE49-F238E27FC236}">
-                    <a16:creationId xmlns:a16="http://schemas.microsoft.com/office/drawing/2014/main" id="{42B5F314-5709-4D25-9F4D-1C25E90A229C}"/>
-                  </a:ext>
-                </a:extLst>
-              </p14:cNvPr>
-              <p14:cNvContentPartPr/>
-              <p14:nvPr/>
-            </p14:nvContentPartPr>
-            <p14:xfrm>
-              <a:off x="7174720" y="3776800"/>
-              <a:ext cx="669600" cy="170640"/>
-            </p14:xfrm>
-          </p:contentPart>
-        </mc:Choice>
-        <mc:Fallback xmlns="">
-          <p:pic>
-            <p:nvPicPr>
-              <p:cNvPr id="38" name="Ink 37">
-                <a:extLst>
-                  <a:ext uri="{FF2B5EF4-FFF2-40B4-BE49-F238E27FC236}">
-                    <a16:creationId xmlns:a16="http://schemas.microsoft.com/office/drawing/2014/main" id="{42B5F314-5709-4D25-9F4D-1C25E90A229C}"/>
-                  </a:ext>
-                </a:extLst>
-              </p:cNvPr>
-              <p:cNvPicPr/>
-              <p:nvPr/>
-            </p:nvPicPr>
-            <p:blipFill>
-              <a:blip r:embed="rId16"/>
-              <a:stretch>
-                <a:fillRect/>
-              </a:stretch>
-            </p:blipFill>
-            <p:spPr>
-              <a:xfrm>
-                <a:off x="7166080" y="3768160"/>
-                <a:ext cx="687240" cy="188280"/>
-              </a:xfrm>
-              <a:prstGeom prst="rect">
-                <a:avLst/>
-              </a:prstGeom>
-            </p:spPr>
-          </p:pic>
-        </mc:Fallback>
-      </mc:AlternateContent>
-      <p:grpSp>
-        <p:nvGrpSpPr>
-          <p:cNvPr id="41" name="Group 40">
-            <a:extLst>
-              <a:ext uri="{FF2B5EF4-FFF2-40B4-BE49-F238E27FC236}">
-                <a16:creationId xmlns:a16="http://schemas.microsoft.com/office/drawing/2014/main" id="{E31C01F4-A5D6-4006-8FC9-B9840D48CDF9}"/>
-              </a:ext>
-            </a:extLst>
-          </p:cNvPr>
-          <p:cNvGrpSpPr/>
-          <p:nvPr/>
-        </p:nvGrpSpPr>
-        <p:grpSpPr>
-          <a:xfrm>
-            <a:off x="7493320" y="4043560"/>
-            <a:ext cx="523800" cy="582120"/>
-            <a:chOff x="7493320" y="4043560"/>
-            <a:chExt cx="523800" cy="582120"/>
-          </a:xfrm>
-        </p:grpSpPr>
-        <mc:AlternateContent xmlns:mc="http://schemas.openxmlformats.org/markup-compatibility/2006" xmlns:p14="http://schemas.microsoft.com/office/powerpoint/2010/main">
-          <mc:Choice Requires="p14">
-            <p:contentPart p14:bwMode="auto" r:id="rId17">
-              <p14:nvContentPartPr>
-                <p14:cNvPr id="39" name="Ink 38">
-                  <a:extLst>
-                    <a:ext uri="{FF2B5EF4-FFF2-40B4-BE49-F238E27FC236}">
-                      <a16:creationId xmlns:a16="http://schemas.microsoft.com/office/drawing/2014/main" id="{071446E1-BC57-4EAF-990A-79716BDA456E}"/>
-                    </a:ext>
-                  </a:extLst>
-                </p14:cNvPr>
-                <p14:cNvContentPartPr/>
-                <p14:nvPr/>
-              </p14:nvContentPartPr>
-              <p14:xfrm>
-                <a:off x="7537960" y="4043560"/>
-                <a:ext cx="479160" cy="582120"/>
-              </p14:xfrm>
-            </p:contentPart>
-          </mc:Choice>
-          <mc:Fallback xmlns="">
-            <p:pic>
-              <p:nvPicPr>
-                <p:cNvPr id="39" name="Ink 38">
-                  <a:extLst>
-                    <a:ext uri="{FF2B5EF4-FFF2-40B4-BE49-F238E27FC236}">
-                      <a16:creationId xmlns:a16="http://schemas.microsoft.com/office/drawing/2014/main" id="{071446E1-BC57-4EAF-990A-79716BDA456E}"/>
-                    </a:ext>
-                  </a:extLst>
-                </p:cNvPr>
-                <p:cNvPicPr/>
-                <p:nvPr/>
-              </p:nvPicPr>
-              <p:blipFill>
-                <a:blip r:embed="rId18"/>
-                <a:stretch>
-                  <a:fillRect/>
-                </a:stretch>
-              </p:blipFill>
-              <p:spPr>
-                <a:xfrm>
-                  <a:off x="7529320" y="4034560"/>
-                  <a:ext cx="496800" cy="599760"/>
-                </a:xfrm>
-                <a:prstGeom prst="rect">
-                  <a:avLst/>
-                </a:prstGeom>
-              </p:spPr>
-            </p:pic>
-          </mc:Fallback>
-        </mc:AlternateContent>
-        <mc:AlternateContent xmlns:mc="http://schemas.openxmlformats.org/markup-compatibility/2006" xmlns:p14="http://schemas.microsoft.com/office/powerpoint/2010/main">
-          <mc:Choice Requires="p14">
-            <p:contentPart p14:bwMode="auto" r:id="rId19">
-              <p14:nvContentPartPr>
-                <p14:cNvPr id="40" name="Ink 39">
-                  <a:extLst>
-                    <a:ext uri="{FF2B5EF4-FFF2-40B4-BE49-F238E27FC236}">
-                      <a16:creationId xmlns:a16="http://schemas.microsoft.com/office/drawing/2014/main" id="{DF612AE2-CC43-4D3A-BD86-ED2D7702A0FA}"/>
-                    </a:ext>
-                  </a:extLst>
-                </p14:cNvPr>
-                <p14:cNvContentPartPr/>
-                <p14:nvPr/>
-              </p14:nvContentPartPr>
-              <p14:xfrm>
-                <a:off x="7493320" y="4081720"/>
-                <a:ext cx="176040" cy="118080"/>
-              </p14:xfrm>
-            </p:contentPart>
-          </mc:Choice>
-          <mc:Fallback xmlns="">
-            <p:pic>
-              <p:nvPicPr>
-                <p:cNvPr id="40" name="Ink 39">
-                  <a:extLst>
-                    <a:ext uri="{FF2B5EF4-FFF2-40B4-BE49-F238E27FC236}">
-                      <a16:creationId xmlns:a16="http://schemas.microsoft.com/office/drawing/2014/main" id="{DF612AE2-CC43-4D3A-BD86-ED2D7702A0FA}"/>
-                    </a:ext>
-                  </a:extLst>
-                </p:cNvPr>
-                <p:cNvPicPr/>
-                <p:nvPr/>
-              </p:nvPicPr>
-              <p:blipFill>
-                <a:blip r:embed="rId20"/>
-                <a:stretch>
-                  <a:fillRect/>
-                </a:stretch>
-              </p:blipFill>
-              <p:spPr>
-                <a:xfrm>
-                  <a:off x="7484320" y="4072720"/>
-                  <a:ext cx="193680" cy="135720"/>
-                </a:xfrm>
-                <a:prstGeom prst="rect">
-                  <a:avLst/>
-                </a:prstGeom>
-              </p:spPr>
-            </p:pic>
-          </mc:Fallback>
-        </mc:AlternateContent>
-      </p:grpSp>
-      <p:grpSp>
-        <p:nvGrpSpPr>
-          <p:cNvPr id="46" name="Group 45">
-            <a:extLst>
-              <a:ext uri="{FF2B5EF4-FFF2-40B4-BE49-F238E27FC236}">
-                <a16:creationId xmlns:a16="http://schemas.microsoft.com/office/drawing/2014/main" id="{94A90B99-1A54-4052-A908-139CE334ED1D}"/>
-              </a:ext>
-            </a:extLst>
-          </p:cNvPr>
-          <p:cNvGrpSpPr/>
-          <p:nvPr/>
-        </p:nvGrpSpPr>
-        <p:grpSpPr>
-          <a:xfrm>
-            <a:off x="8474680" y="1849000"/>
-            <a:ext cx="763920" cy="1132560"/>
-            <a:chOff x="8474680" y="1849000"/>
-            <a:chExt cx="763920" cy="1132560"/>
-          </a:xfrm>
-        </p:grpSpPr>
-        <mc:AlternateContent xmlns:mc="http://schemas.openxmlformats.org/markup-compatibility/2006" xmlns:p14="http://schemas.microsoft.com/office/powerpoint/2010/main">
-          <mc:Choice Requires="p14">
-            <p:contentPart p14:bwMode="auto" r:id="rId21">
-              <p14:nvContentPartPr>
-                <p14:cNvPr id="42" name="Ink 41">
-                  <a:extLst>
-                    <a:ext uri="{FF2B5EF4-FFF2-40B4-BE49-F238E27FC236}">
-                      <a16:creationId xmlns:a16="http://schemas.microsoft.com/office/drawing/2014/main" id="{ABF930CA-88B8-4AFC-ABD8-191A01B4EEE8}"/>
-                    </a:ext>
-                  </a:extLst>
-                </p14:cNvPr>
-                <p14:cNvContentPartPr/>
-                <p14:nvPr/>
-              </p14:nvContentPartPr>
-              <p14:xfrm>
-                <a:off x="9153640" y="1849000"/>
-                <a:ext cx="82080" cy="1061640"/>
-              </p14:xfrm>
-            </p:contentPart>
-          </mc:Choice>
-          <mc:Fallback xmlns="">
-            <p:pic>
-              <p:nvPicPr>
-                <p:cNvPr id="42" name="Ink 41">
-                  <a:extLst>
-                    <a:ext uri="{FF2B5EF4-FFF2-40B4-BE49-F238E27FC236}">
-                      <a16:creationId xmlns:a16="http://schemas.microsoft.com/office/drawing/2014/main" id="{ABF930CA-88B8-4AFC-ABD8-191A01B4EEE8}"/>
-                    </a:ext>
-                  </a:extLst>
-                </p:cNvPr>
-                <p:cNvPicPr/>
-                <p:nvPr/>
-              </p:nvPicPr>
-              <p:blipFill>
-                <a:blip r:embed="rId22"/>
-                <a:stretch>
-                  <a:fillRect/>
-                </a:stretch>
-              </p:blipFill>
-              <p:spPr>
-                <a:xfrm>
-                  <a:off x="9145000" y="1840000"/>
-                  <a:ext cx="99720" cy="1079280"/>
-                </a:xfrm>
-                <a:prstGeom prst="rect">
-                  <a:avLst/>
-                </a:prstGeom>
-              </p:spPr>
-            </p:pic>
-          </mc:Fallback>
-        </mc:AlternateContent>
-        <mc:AlternateContent xmlns:mc="http://schemas.openxmlformats.org/markup-compatibility/2006" xmlns:p14="http://schemas.microsoft.com/office/powerpoint/2010/main">
-          <mc:Choice Requires="p14">
-            <p:contentPart p14:bwMode="auto" r:id="rId23">
-              <p14:nvContentPartPr>
-                <p14:cNvPr id="43" name="Ink 42">
-                  <a:extLst>
-                    <a:ext uri="{FF2B5EF4-FFF2-40B4-BE49-F238E27FC236}">
-                      <a16:creationId xmlns:a16="http://schemas.microsoft.com/office/drawing/2014/main" id="{C36E63B8-832F-432A-90EC-90C19193748D}"/>
-                    </a:ext>
-                  </a:extLst>
-                </p14:cNvPr>
-                <p14:cNvContentPartPr/>
-                <p14:nvPr/>
-              </p14:nvContentPartPr>
-              <p14:xfrm>
-                <a:off x="9133480" y="2873200"/>
-                <a:ext cx="105120" cy="65160"/>
-              </p14:xfrm>
-            </p:contentPart>
-          </mc:Choice>
-          <mc:Fallback xmlns="">
-            <p:pic>
-              <p:nvPicPr>
-                <p:cNvPr id="43" name="Ink 42">
-                  <a:extLst>
-                    <a:ext uri="{FF2B5EF4-FFF2-40B4-BE49-F238E27FC236}">
-                      <a16:creationId xmlns:a16="http://schemas.microsoft.com/office/drawing/2014/main" id="{C36E63B8-832F-432A-90EC-90C19193748D}"/>
-                    </a:ext>
-                  </a:extLst>
-                </p:cNvPr>
-                <p:cNvPicPr/>
-                <p:nvPr/>
-              </p:nvPicPr>
-              <p:blipFill>
-                <a:blip r:embed="rId24"/>
-                <a:stretch>
-                  <a:fillRect/>
-                </a:stretch>
-              </p:blipFill>
-              <p:spPr>
-                <a:xfrm>
-                  <a:off x="9124480" y="2864200"/>
-                  <a:ext cx="122760" cy="82800"/>
-                </a:xfrm>
-                <a:prstGeom prst="rect">
-                  <a:avLst/>
-                </a:prstGeom>
-              </p:spPr>
-            </p:pic>
-          </mc:Fallback>
-        </mc:AlternateContent>
-        <mc:AlternateContent xmlns:mc="http://schemas.openxmlformats.org/markup-compatibility/2006" xmlns:p14="http://schemas.microsoft.com/office/powerpoint/2010/main">
-          <mc:Choice Requires="p14">
-            <p:contentPart p14:bwMode="auto" r:id="rId25">
-              <p14:nvContentPartPr>
-                <p14:cNvPr id="44" name="Ink 43">
-                  <a:extLst>
-                    <a:ext uri="{FF2B5EF4-FFF2-40B4-BE49-F238E27FC236}">
-                      <a16:creationId xmlns:a16="http://schemas.microsoft.com/office/drawing/2014/main" id="{FD123EDA-13C7-4D7F-AF67-6265FD1DD60A}"/>
-                    </a:ext>
-                  </a:extLst>
-                </p14:cNvPr>
-                <p14:cNvContentPartPr/>
-                <p14:nvPr/>
-              </p14:nvContentPartPr>
-              <p14:xfrm>
-                <a:off x="8499160" y="1879240"/>
-                <a:ext cx="726120" cy="1079280"/>
-              </p14:xfrm>
-            </p:contentPart>
-          </mc:Choice>
-          <mc:Fallback xmlns="">
-            <p:pic>
-              <p:nvPicPr>
-                <p:cNvPr id="44" name="Ink 43">
-                  <a:extLst>
-                    <a:ext uri="{FF2B5EF4-FFF2-40B4-BE49-F238E27FC236}">
-                      <a16:creationId xmlns:a16="http://schemas.microsoft.com/office/drawing/2014/main" id="{FD123EDA-13C7-4D7F-AF67-6265FD1DD60A}"/>
-                    </a:ext>
-                  </a:extLst>
-                </p:cNvPr>
-                <p:cNvPicPr/>
-                <p:nvPr/>
-              </p:nvPicPr>
-              <p:blipFill>
-                <a:blip r:embed="rId26"/>
-                <a:stretch>
-                  <a:fillRect/>
-                </a:stretch>
-              </p:blipFill>
-              <p:spPr>
-                <a:xfrm>
-                  <a:off x="8490520" y="1870600"/>
-                  <a:ext cx="743760" cy="1096920"/>
-                </a:xfrm>
-                <a:prstGeom prst="rect">
-                  <a:avLst/>
-                </a:prstGeom>
-              </p:spPr>
-            </p:pic>
-          </mc:Fallback>
-        </mc:AlternateContent>
-        <mc:AlternateContent xmlns:mc="http://schemas.openxmlformats.org/markup-compatibility/2006" xmlns:p14="http://schemas.microsoft.com/office/powerpoint/2010/main">
-          <mc:Choice Requires="p14">
-            <p:contentPart p14:bwMode="auto" r:id="rId27">
-              <p14:nvContentPartPr>
-                <p14:cNvPr id="45" name="Ink 44">
-                  <a:extLst>
-                    <a:ext uri="{FF2B5EF4-FFF2-40B4-BE49-F238E27FC236}">
-                      <a16:creationId xmlns:a16="http://schemas.microsoft.com/office/drawing/2014/main" id="{BC810B08-0E46-4C25-AF26-EDFD45815875}"/>
-                    </a:ext>
-                  </a:extLst>
-                </p14:cNvPr>
-                <p14:cNvContentPartPr/>
-                <p14:nvPr/>
-              </p14:nvContentPartPr>
-              <p14:xfrm>
-                <a:off x="8474680" y="2913880"/>
-                <a:ext cx="122760" cy="67680"/>
-              </p14:xfrm>
-            </p:contentPart>
-          </mc:Choice>
-          <mc:Fallback xmlns="">
-            <p:pic>
-              <p:nvPicPr>
-                <p:cNvPr id="45" name="Ink 44">
-                  <a:extLst>
-                    <a:ext uri="{FF2B5EF4-FFF2-40B4-BE49-F238E27FC236}">
-                      <a16:creationId xmlns:a16="http://schemas.microsoft.com/office/drawing/2014/main" id="{BC810B08-0E46-4C25-AF26-EDFD45815875}"/>
-                    </a:ext>
-                  </a:extLst>
-                </p:cNvPr>
-                <p:cNvPicPr/>
-                <p:nvPr/>
-              </p:nvPicPr>
-              <p:blipFill>
-                <a:blip r:embed="rId28"/>
-                <a:stretch>
-                  <a:fillRect/>
-                </a:stretch>
-              </p:blipFill>
-              <p:spPr>
-                <a:xfrm>
-                  <a:off x="8465680" y="2905240"/>
-                  <a:ext cx="140400" cy="85320"/>
-                </a:xfrm>
-                <a:prstGeom prst="rect">
-                  <a:avLst/>
-                </a:prstGeom>
-              </p:spPr>
-            </p:pic>
-          </mc:Fallback>
-        </mc:AlternateContent>
-      </p:grpSp>
-      <p:grpSp>
-        <p:nvGrpSpPr>
-          <p:cNvPr id="49" name="Group 48">
-            <a:extLst>
-              <a:ext uri="{FF2B5EF4-FFF2-40B4-BE49-F238E27FC236}">
-                <a16:creationId xmlns:a16="http://schemas.microsoft.com/office/drawing/2014/main" id="{D024371A-9B07-4181-98A3-572A2B850F36}"/>
-              </a:ext>
-            </a:extLst>
-          </p:cNvPr>
-          <p:cNvGrpSpPr/>
-          <p:nvPr/>
-        </p:nvGrpSpPr>
-        <p:grpSpPr>
-          <a:xfrm>
-            <a:off x="10124200" y="2925400"/>
-            <a:ext cx="614880" cy="412200"/>
-            <a:chOff x="10124200" y="2925400"/>
-            <a:chExt cx="614880" cy="412200"/>
-          </a:xfrm>
-        </p:grpSpPr>
-        <mc:AlternateContent xmlns:mc="http://schemas.openxmlformats.org/markup-compatibility/2006" xmlns:p14="http://schemas.microsoft.com/office/powerpoint/2010/main">
-          <mc:Choice Requires="p14">
-            <p:contentPart p14:bwMode="auto" r:id="rId29">
-              <p14:nvContentPartPr>
-                <p14:cNvPr id="47" name="Ink 46">
-                  <a:extLst>
-                    <a:ext uri="{FF2B5EF4-FFF2-40B4-BE49-F238E27FC236}">
-                      <a16:creationId xmlns:a16="http://schemas.microsoft.com/office/drawing/2014/main" id="{0D608EE4-90A6-4988-BB16-E0DD30E0CDE2}"/>
-                    </a:ext>
-                  </a:extLst>
-                </p14:cNvPr>
-                <p14:cNvContentPartPr/>
-                <p14:nvPr/>
-              </p14:nvContentPartPr>
-              <p14:xfrm>
-                <a:off x="10157320" y="2925400"/>
-                <a:ext cx="581760" cy="366480"/>
-              </p14:xfrm>
-            </p:contentPart>
-          </mc:Choice>
-          <mc:Fallback xmlns="">
-            <p:pic>
-              <p:nvPicPr>
-                <p:cNvPr id="47" name="Ink 46">
-                  <a:extLst>
-                    <a:ext uri="{FF2B5EF4-FFF2-40B4-BE49-F238E27FC236}">
-                      <a16:creationId xmlns:a16="http://schemas.microsoft.com/office/drawing/2014/main" id="{0D608EE4-90A6-4988-BB16-E0DD30E0CDE2}"/>
-                    </a:ext>
-                  </a:extLst>
-                </p:cNvPr>
-                <p:cNvPicPr/>
-                <p:nvPr/>
-              </p:nvPicPr>
-              <p:blipFill>
-                <a:blip r:embed="rId30"/>
-                <a:stretch>
-                  <a:fillRect/>
-                </a:stretch>
-              </p:blipFill>
-              <p:spPr>
-                <a:xfrm>
-                  <a:off x="10148680" y="2916400"/>
-                  <a:ext cx="599400" cy="384120"/>
-                </a:xfrm>
-                <a:prstGeom prst="rect">
-                  <a:avLst/>
-                </a:prstGeom>
-              </p:spPr>
-            </p:pic>
-          </mc:Fallback>
-        </mc:AlternateContent>
-        <mc:AlternateContent xmlns:mc="http://schemas.openxmlformats.org/markup-compatibility/2006" xmlns:p14="http://schemas.microsoft.com/office/powerpoint/2010/main">
-          <mc:Choice Requires="p14">
-            <p:contentPart p14:bwMode="auto" r:id="rId31">
-              <p14:nvContentPartPr>
-                <p14:cNvPr id="48" name="Ink 47">
-                  <a:extLst>
-                    <a:ext uri="{FF2B5EF4-FFF2-40B4-BE49-F238E27FC236}">
-                      <a16:creationId xmlns:a16="http://schemas.microsoft.com/office/drawing/2014/main" id="{3BDFD601-6523-4551-98A1-7928E39FB238}"/>
-                    </a:ext>
-                  </a:extLst>
-                </p14:cNvPr>
-                <p14:cNvContentPartPr/>
-                <p14:nvPr/>
-              </p14:nvContentPartPr>
-              <p14:xfrm>
-                <a:off x="10124200" y="3220240"/>
-                <a:ext cx="95760" cy="117360"/>
-              </p14:xfrm>
-            </p:contentPart>
-          </mc:Choice>
-          <mc:Fallback xmlns="">
-            <p:pic>
-              <p:nvPicPr>
-                <p:cNvPr id="48" name="Ink 47">
-                  <a:extLst>
-                    <a:ext uri="{FF2B5EF4-FFF2-40B4-BE49-F238E27FC236}">
-                      <a16:creationId xmlns:a16="http://schemas.microsoft.com/office/drawing/2014/main" id="{3BDFD601-6523-4551-98A1-7928E39FB238}"/>
-                    </a:ext>
-                  </a:extLst>
-                </p:cNvPr>
-                <p:cNvPicPr/>
-                <p:nvPr/>
-              </p:nvPicPr>
-              <p:blipFill>
-                <a:blip r:embed="rId32"/>
-                <a:stretch>
-                  <a:fillRect/>
-                </a:stretch>
-              </p:blipFill>
-              <p:spPr>
-                <a:xfrm>
-                  <a:off x="10115200" y="3211600"/>
-                  <a:ext cx="113400" cy="135000"/>
-                </a:xfrm>
-                <a:prstGeom prst="rect">
-                  <a:avLst/>
-                </a:prstGeom>
-              </p:spPr>
-            </p:pic>
-          </mc:Fallback>
-        </mc:AlternateContent>
-      </p:grpSp>
     </p:spTree>
     <p:extLst>
       <p:ext uri="{BB962C8B-B14F-4D97-AF65-F5344CB8AC3E}">
@@ -19923,7 +18747,7 @@
                             </p:stCondLst>
                             <p:childTnLst>
                               <p:par>
-                                <p:cTn id="24" presetID="63" presetClass="entr" presetSubtype="0" fill="hold" nodeType="clickEffect">
+                                <p:cTn id="24" presetID="14" presetClass="entr" presetSubtype="10" fill="hold" grpId="0" nodeType="clickEffect">
                                   <p:stCondLst>
                                     <p:cond delay="0"/>
                                   </p:stCondLst>
@@ -19936,7 +18760,7 @@
                                           </p:stCondLst>
                                         </p:cTn>
                                         <p:tgtEl>
-                                          <p:spTgt spid="37"/>
+                                          <p:spTgt spid="8"/>
                                         </p:tgtEl>
                                         <p:attrNameLst>
                                           <p:attrName>style.visibility</p:attrName>
@@ -19946,29 +18770,14 @@
                                         <p:strVal val="visible"/>
                                       </p:to>
                                     </p:set>
-                                    <p:anim calcmode="lin" valueType="num">
+                                    <p:animEffect transition="in" filter="randombar(horizontal)">
                                       <p:cBhvr>
-                                        <p:cTn id="26" dur="2000" fill="hold"/>
+                                        <p:cTn id="26" dur="500"/>
                                         <p:tgtEl>
-                                          <p:spTgt spid="37"/>
+                                          <p:spTgt spid="8"/>
                                         </p:tgtEl>
-                                        <p:attrNameLst>
-                                          <p:attrName>drawProgress</p:attrName>
-                                        </p:attrNameLst>
                                       </p:cBhvr>
-                                      <p:tavLst>
-                                        <p:tav tm="0">
-                                          <p:val>
-                                            <p:fltVal val="0"/>
-                                          </p:val>
-                                        </p:tav>
-                                        <p:tav tm="100000">
-                                          <p:val>
-                                            <p:fltVal val="1"/>
-                                          </p:val>
-                                        </p:tav>
-                                      </p:tavLst>
-                                    </p:anim>
+                                    </p:animEffect>
                                   </p:childTnLst>
                                 </p:cTn>
                               </p:par>
@@ -20004,7 +18813,7 @@
                                           </p:stCondLst>
                                         </p:cTn>
                                         <p:tgtEl>
-                                          <p:spTgt spid="8"/>
+                                          <p:spTgt spid="2"/>
                                         </p:tgtEl>
                                         <p:attrNameLst>
                                           <p:attrName>style.visibility</p:attrName>
@@ -20018,7 +18827,7 @@
                                       <p:cBhvr>
                                         <p:cTn id="31" dur="500"/>
                                         <p:tgtEl>
-                                          <p:spTgt spid="8"/>
+                                          <p:spTgt spid="2"/>
                                         </p:tgtEl>
                                       </p:cBhvr>
                                     </p:animEffect>
@@ -20044,7 +18853,7 @@
                             </p:stCondLst>
                             <p:childTnLst>
                               <p:par>
-                                <p:cTn id="34" presetID="63" presetClass="entr" presetSubtype="0" fill="hold" nodeType="clickEffect">
+                                <p:cTn id="34" presetID="14" presetClass="entr" presetSubtype="10" fill="hold" grpId="0" nodeType="clickEffect">
                                   <p:stCondLst>
                                     <p:cond delay="0"/>
                                   </p:stCondLst>
@@ -20052,245 +18861,6 @@
                                     <p:set>
                                       <p:cBhvr>
                                         <p:cTn id="35" dur="1" fill="hold">
-                                          <p:stCondLst>
-                                            <p:cond delay="0"/>
-                                          </p:stCondLst>
-                                        </p:cTn>
-                                        <p:tgtEl>
-                                          <p:spTgt spid="41"/>
-                                        </p:tgtEl>
-                                        <p:attrNameLst>
-                                          <p:attrName>style.visibility</p:attrName>
-                                        </p:attrNameLst>
-                                      </p:cBhvr>
-                                      <p:to>
-                                        <p:strVal val="visible"/>
-                                      </p:to>
-                                    </p:set>
-                                    <p:anim calcmode="lin" valueType="num">
-                                      <p:cBhvr>
-                                        <p:cTn id="36" dur="2000" fill="hold"/>
-                                        <p:tgtEl>
-                                          <p:spTgt spid="41"/>
-                                        </p:tgtEl>
-                                        <p:attrNameLst>
-                                          <p:attrName>drawProgress</p:attrName>
-                                        </p:attrNameLst>
-                                      </p:cBhvr>
-                                      <p:tavLst>
-                                        <p:tav tm="0">
-                                          <p:val>
-                                            <p:fltVal val="0"/>
-                                          </p:val>
-                                        </p:tav>
-                                        <p:tav tm="100000">
-                                          <p:val>
-                                            <p:fltVal val="1"/>
-                                          </p:val>
-                                        </p:tav>
-                                      </p:tavLst>
-                                    </p:anim>
-                                  </p:childTnLst>
-                                </p:cTn>
-                              </p:par>
-                              <p:par>
-                                <p:cTn id="37" presetID="63" presetClass="entr" presetSubtype="0" fill="hold" nodeType="withEffect">
-                                  <p:stCondLst>
-                                    <p:cond delay="0"/>
-                                  </p:stCondLst>
-                                  <p:childTnLst>
-                                    <p:set>
-                                      <p:cBhvr>
-                                        <p:cTn id="38" dur="1" fill="hold">
-                                          <p:stCondLst>
-                                            <p:cond delay="0"/>
-                                          </p:stCondLst>
-                                        </p:cTn>
-                                        <p:tgtEl>
-                                          <p:spTgt spid="38"/>
-                                        </p:tgtEl>
-                                        <p:attrNameLst>
-                                          <p:attrName>style.visibility</p:attrName>
-                                        </p:attrNameLst>
-                                      </p:cBhvr>
-                                      <p:to>
-                                        <p:strVal val="visible"/>
-                                      </p:to>
-                                    </p:set>
-                                    <p:anim calcmode="lin" valueType="num">
-                                      <p:cBhvr>
-                                        <p:cTn id="39" dur="2000" fill="hold"/>
-                                        <p:tgtEl>
-                                          <p:spTgt spid="38"/>
-                                        </p:tgtEl>
-                                        <p:attrNameLst>
-                                          <p:attrName>drawProgress</p:attrName>
-                                        </p:attrNameLst>
-                                      </p:cBhvr>
-                                      <p:tavLst>
-                                        <p:tav tm="0">
-                                          <p:val>
-                                            <p:fltVal val="0"/>
-                                          </p:val>
-                                        </p:tav>
-                                        <p:tav tm="100000">
-                                          <p:val>
-                                            <p:fltVal val="1"/>
-                                          </p:val>
-                                        </p:tav>
-                                      </p:tavLst>
-                                    </p:anim>
-                                  </p:childTnLst>
-                                </p:cTn>
-                              </p:par>
-                            </p:childTnLst>
-                          </p:cTn>
-                        </p:par>
-                      </p:childTnLst>
-                    </p:cTn>
-                  </p:par>
-                  <p:par>
-                    <p:cTn id="40" fill="hold">
-                      <p:stCondLst>
-                        <p:cond delay="indefinite"/>
-                      </p:stCondLst>
-                      <p:childTnLst>
-                        <p:par>
-                          <p:cTn id="41" fill="hold">
-                            <p:stCondLst>
-                              <p:cond delay="0"/>
-                            </p:stCondLst>
-                            <p:childTnLst>
-                              <p:par>
-                                <p:cTn id="42" presetID="14" presetClass="entr" presetSubtype="10" fill="hold" grpId="0" nodeType="clickEffect">
-                                  <p:stCondLst>
-                                    <p:cond delay="0"/>
-                                  </p:stCondLst>
-                                  <p:childTnLst>
-                                    <p:set>
-                                      <p:cBhvr>
-                                        <p:cTn id="43" dur="1" fill="hold">
-                                          <p:stCondLst>
-                                            <p:cond delay="0"/>
-                                          </p:stCondLst>
-                                        </p:cTn>
-                                        <p:tgtEl>
-                                          <p:spTgt spid="2"/>
-                                        </p:tgtEl>
-                                        <p:attrNameLst>
-                                          <p:attrName>style.visibility</p:attrName>
-                                        </p:attrNameLst>
-                                      </p:cBhvr>
-                                      <p:to>
-                                        <p:strVal val="visible"/>
-                                      </p:to>
-                                    </p:set>
-                                    <p:animEffect transition="in" filter="randombar(horizontal)">
-                                      <p:cBhvr>
-                                        <p:cTn id="44" dur="500"/>
-                                        <p:tgtEl>
-                                          <p:spTgt spid="2"/>
-                                        </p:tgtEl>
-                                      </p:cBhvr>
-                                    </p:animEffect>
-                                  </p:childTnLst>
-                                </p:cTn>
-                              </p:par>
-                            </p:childTnLst>
-                          </p:cTn>
-                        </p:par>
-                      </p:childTnLst>
-                    </p:cTn>
-                  </p:par>
-                  <p:par>
-                    <p:cTn id="45" fill="hold">
-                      <p:stCondLst>
-                        <p:cond delay="indefinite"/>
-                      </p:stCondLst>
-                      <p:childTnLst>
-                        <p:par>
-                          <p:cTn id="46" fill="hold">
-                            <p:stCondLst>
-                              <p:cond delay="0"/>
-                            </p:stCondLst>
-                            <p:childTnLst>
-                              <p:par>
-                                <p:cTn id="47" presetID="63" presetClass="entr" presetSubtype="0" fill="hold" nodeType="clickEffect">
-                                  <p:stCondLst>
-                                    <p:cond delay="0"/>
-                                  </p:stCondLst>
-                                  <p:childTnLst>
-                                    <p:set>
-                                      <p:cBhvr>
-                                        <p:cTn id="48" dur="1" fill="hold">
-                                          <p:stCondLst>
-                                            <p:cond delay="0"/>
-                                          </p:stCondLst>
-                                        </p:cTn>
-                                        <p:tgtEl>
-                                          <p:spTgt spid="46"/>
-                                        </p:tgtEl>
-                                        <p:attrNameLst>
-                                          <p:attrName>style.visibility</p:attrName>
-                                        </p:attrNameLst>
-                                      </p:cBhvr>
-                                      <p:to>
-                                        <p:strVal val="visible"/>
-                                      </p:to>
-                                    </p:set>
-                                    <p:anim calcmode="lin" valueType="num">
-                                      <p:cBhvr>
-                                        <p:cTn id="49" dur="2000" fill="hold"/>
-                                        <p:tgtEl>
-                                          <p:spTgt spid="46"/>
-                                        </p:tgtEl>
-                                        <p:attrNameLst>
-                                          <p:attrName>drawProgress</p:attrName>
-                                        </p:attrNameLst>
-                                      </p:cBhvr>
-                                      <p:tavLst>
-                                        <p:tav tm="0">
-                                          <p:val>
-                                            <p:fltVal val="0"/>
-                                          </p:val>
-                                        </p:tav>
-                                        <p:tav tm="100000">
-                                          <p:val>
-                                            <p:fltVal val="1"/>
-                                          </p:val>
-                                        </p:tav>
-                                      </p:tavLst>
-                                    </p:anim>
-                                  </p:childTnLst>
-                                </p:cTn>
-                              </p:par>
-                            </p:childTnLst>
-                          </p:cTn>
-                        </p:par>
-                      </p:childTnLst>
-                    </p:cTn>
-                  </p:par>
-                  <p:par>
-                    <p:cTn id="50" fill="hold">
-                      <p:stCondLst>
-                        <p:cond delay="indefinite"/>
-                      </p:stCondLst>
-                      <p:childTnLst>
-                        <p:par>
-                          <p:cTn id="51" fill="hold">
-                            <p:stCondLst>
-                              <p:cond delay="0"/>
-                            </p:stCondLst>
-                            <p:childTnLst>
-                              <p:par>
-                                <p:cTn id="52" presetID="14" presetClass="entr" presetSubtype="10" fill="hold" grpId="0" nodeType="clickEffect">
-                                  <p:stCondLst>
-                                    <p:cond delay="0"/>
-                                  </p:stCondLst>
-                                  <p:childTnLst>
-                                    <p:set>
-                                      <p:cBhvr>
-                                        <p:cTn id="53" dur="1" fill="hold">
                                           <p:stCondLst>
                                             <p:cond delay="0"/>
                                           </p:stCondLst>
@@ -20308,80 +18878,12 @@
                                     </p:set>
                                     <p:animEffect transition="in" filter="randombar(horizontal)">
                                       <p:cBhvr>
-                                        <p:cTn id="54" dur="500"/>
+                                        <p:cTn id="36" dur="500"/>
                                         <p:tgtEl>
                                           <p:spTgt spid="14"/>
                                         </p:tgtEl>
                                       </p:cBhvr>
                                     </p:animEffect>
-                                  </p:childTnLst>
-                                </p:cTn>
-                              </p:par>
-                            </p:childTnLst>
-                          </p:cTn>
-                        </p:par>
-                      </p:childTnLst>
-                    </p:cTn>
-                  </p:par>
-                  <p:par>
-                    <p:cTn id="55" fill="hold">
-                      <p:stCondLst>
-                        <p:cond delay="indefinite"/>
-                      </p:stCondLst>
-                      <p:childTnLst>
-                        <p:par>
-                          <p:cTn id="56" fill="hold">
-                            <p:stCondLst>
-                              <p:cond delay="0"/>
-                            </p:stCondLst>
-                            <p:childTnLst>
-                              <p:par>
-                                <p:cTn id="57" presetID="63" presetClass="entr" presetSubtype="0" fill="hold" nodeType="clickEffect">
-                                  <p:stCondLst>
-                                    <p:cond delay="0"/>
-                                  </p:stCondLst>
-                                  <p:childTnLst>
-                                    <p:set>
-                                      <p:cBhvr>
-                                        <p:cTn id="58" dur="1" fill="hold">
-                                          <p:stCondLst>
-                                            <p:cond delay="0"/>
-                                          </p:stCondLst>
-                                        </p:cTn>
-                                        <p:tgtEl>
-                                          <p:spTgt spid="49"/>
-                                        </p:tgtEl>
-                                        <p:attrNameLst>
-                                          <p:attrName>style.visibility</p:attrName>
-                                        </p:attrNameLst>
-                                      </p:cBhvr>
-                                      <p:to>
-                                        <p:strVal val="visible"/>
-                                      </p:to>
-                                    </p:set>
-                                    <p:anim calcmode="lin" valueType="num">
-                                      <p:cBhvr>
-                                        <p:cTn id="59" dur="2000" fill="hold"/>
-                                        <p:tgtEl>
-                                          <p:spTgt spid="49"/>
-                                        </p:tgtEl>
-                                        <p:attrNameLst>
-                                          <p:attrName>drawProgress</p:attrName>
-                                        </p:attrNameLst>
-                                      </p:cBhvr>
-                                      <p:tavLst>
-                                        <p:tav tm="0">
-                                          <p:val>
-                                            <p:fltVal val="0"/>
-                                          </p:val>
-                                        </p:tav>
-                                        <p:tav tm="100000">
-                                          <p:val>
-                                            <p:fltVal val="1"/>
-                                          </p:val>
-                                        </p:tav>
-                                      </p:tavLst>
-                                    </p:anim>
                                   </p:childTnLst>
                                 </p:cTn>
                               </p:par>
@@ -20520,13 +19022,13 @@
   <p:clrMapOvr>
     <a:masterClrMapping/>
   </p:clrMapOvr>
-  <mc:AlternateContent xmlns:mc="http://schemas.openxmlformats.org/markup-compatibility/2006">
-    <mc:Choice xmlns:p159="http://schemas.microsoft.com/office/powerpoint/2015/09/main" Requires="p159">
+  <mc:AlternateContent xmlns:mc="http://schemas.openxmlformats.org/markup-compatibility/2006" xmlns:p159="http://schemas.microsoft.com/office/powerpoint/2015/09/main">
+    <mc:Choice Requires="p159">
       <p:transition xmlns:p14="http://schemas.microsoft.com/office/powerpoint/2010/main" spd="slow" p14:dur="2000">
         <p159:morph option="byObject"/>
       </p:transition>
     </mc:Choice>
-    <mc:Fallback>
+    <mc:Fallback xmlns="">
       <p:transition spd="slow">
         <p:fade/>
       </p:transition>
@@ -20568,7 +19070,7 @@
         </p:nvPicPr>
         <p:blipFill rotWithShape="1">
           <a:blip r:embed="rId2"/>
-          <a:srcRect l="10038" t="3469" r="51407" b="-3469"/>
+          <a:srcRect l="127" t="3469" r="61318" b="-3469"/>
           <a:stretch/>
         </p:blipFill>
         <p:spPr>
@@ -20639,7 +19141,7 @@
         </p:nvPicPr>
         <p:blipFill rotWithShape="1">
           <a:blip r:embed="rId2"/>
-          <a:srcRect l="39232" t="3469" r="22213" b="-3469"/>
+          <a:srcRect l="29469" t="3469" r="31976" b="-3469"/>
           <a:stretch/>
         </p:blipFill>
         <p:spPr>

--- a/protect_your_invariants_tdd.pptx
+++ b/protect_your_invariants_tdd.pptx
@@ -6394,7 +6394,7 @@
           <a:p>
             <a:fld id="{4E5FAD1C-03AF-4F09-A380-693216D66CCD}" type="datetimeFigureOut">
               <a:rPr lang="en-US" smtClean="0"/>
-              <a:t>3/25/2021</a:t>
+              <a:t>3/29/2021</a:t>
             </a:fld>
             <a:endParaRPr lang="en-US"/>
           </a:p>
@@ -7154,7 +7154,7 @@
           <a:p>
             <a:fld id="{60624C7D-27BB-44B1-94D3-5207D2610325}" type="datetimeFigureOut">
               <a:rPr lang="en-US" smtClean="0"/>
-              <a:t>3/25/2021</a:t>
+              <a:t>3/29/2021</a:t>
             </a:fld>
             <a:endParaRPr lang="en-US"/>
           </a:p>
@@ -7352,7 +7352,7 @@
           <a:p>
             <a:fld id="{60624C7D-27BB-44B1-94D3-5207D2610325}" type="datetimeFigureOut">
               <a:rPr lang="en-US" smtClean="0"/>
-              <a:t>3/25/2021</a:t>
+              <a:t>3/29/2021</a:t>
             </a:fld>
             <a:endParaRPr lang="en-US"/>
           </a:p>
@@ -7560,7 +7560,7 @@
           <a:p>
             <a:fld id="{60624C7D-27BB-44B1-94D3-5207D2610325}" type="datetimeFigureOut">
               <a:rPr lang="en-US" smtClean="0"/>
-              <a:t>3/25/2021</a:t>
+              <a:t>3/29/2021</a:t>
             </a:fld>
             <a:endParaRPr lang="en-US"/>
           </a:p>
@@ -9092,7 +9092,7 @@
           <a:p>
             <a:fld id="{60624C7D-27BB-44B1-94D3-5207D2610325}" type="datetimeFigureOut">
               <a:rPr lang="en-US" smtClean="0"/>
-              <a:t>3/25/2021</a:t>
+              <a:t>3/29/2021</a:t>
             </a:fld>
             <a:endParaRPr lang="en-US"/>
           </a:p>
@@ -9367,7 +9367,7 @@
           <a:p>
             <a:fld id="{60624C7D-27BB-44B1-94D3-5207D2610325}" type="datetimeFigureOut">
               <a:rPr lang="en-US" smtClean="0"/>
-              <a:t>3/25/2021</a:t>
+              <a:t>3/29/2021</a:t>
             </a:fld>
             <a:endParaRPr lang="en-US"/>
           </a:p>
@@ -9632,7 +9632,7 @@
           <a:p>
             <a:fld id="{60624C7D-27BB-44B1-94D3-5207D2610325}" type="datetimeFigureOut">
               <a:rPr lang="en-US" smtClean="0"/>
-              <a:t>3/25/2021</a:t>
+              <a:t>3/29/2021</a:t>
             </a:fld>
             <a:endParaRPr lang="en-US"/>
           </a:p>
@@ -10044,7 +10044,7 @@
           <a:p>
             <a:fld id="{60624C7D-27BB-44B1-94D3-5207D2610325}" type="datetimeFigureOut">
               <a:rPr lang="en-US" smtClean="0"/>
-              <a:t>3/25/2021</a:t>
+              <a:t>3/29/2021</a:t>
             </a:fld>
             <a:endParaRPr lang="en-US"/>
           </a:p>
@@ -10185,7 +10185,7 @@
           <a:p>
             <a:fld id="{60624C7D-27BB-44B1-94D3-5207D2610325}" type="datetimeFigureOut">
               <a:rPr lang="en-US" smtClean="0"/>
-              <a:t>3/25/2021</a:t>
+              <a:t>3/29/2021</a:t>
             </a:fld>
             <a:endParaRPr lang="en-US"/>
           </a:p>
@@ -10298,7 +10298,7 @@
           <a:p>
             <a:fld id="{60624C7D-27BB-44B1-94D3-5207D2610325}" type="datetimeFigureOut">
               <a:rPr lang="en-US" smtClean="0"/>
-              <a:t>3/25/2021</a:t>
+              <a:t>3/29/2021</a:t>
             </a:fld>
             <a:endParaRPr lang="en-US"/>
           </a:p>
@@ -10649,7 +10649,7 @@
           <a:p>
             <a:fld id="{60624C7D-27BB-44B1-94D3-5207D2610325}" type="datetimeFigureOut">
               <a:rPr lang="en-US" smtClean="0"/>
-              <a:t>3/25/2021</a:t>
+              <a:t>3/29/2021</a:t>
             </a:fld>
             <a:endParaRPr lang="en-US"/>
           </a:p>
@@ -10937,7 +10937,7 @@
           <a:p>
             <a:fld id="{60624C7D-27BB-44B1-94D3-5207D2610325}" type="datetimeFigureOut">
               <a:rPr lang="en-US" smtClean="0"/>
-              <a:t>3/25/2021</a:t>
+              <a:t>3/29/2021</a:t>
             </a:fld>
             <a:endParaRPr lang="en-US"/>
           </a:p>
@@ -11193,7 +11193,7 @@
           <a:p>
             <a:fld id="{60624C7D-27BB-44B1-94D3-5207D2610325}" type="datetimeFigureOut">
               <a:rPr lang="en-US" smtClean="0"/>
-              <a:t>3/25/2021</a:t>
+              <a:t>3/29/2021</a:t>
             </a:fld>
             <a:endParaRPr lang="en-US"/>
           </a:p>
@@ -22727,210 +22727,189 @@
           </mc:Fallback>
         </mc:AlternateContent>
       </p:grpSp>
-      <p:grpSp>
-        <p:nvGrpSpPr>
-          <p:cNvPr id="6" name="Group 5">
+      <p:sp>
+        <p:nvSpPr>
+          <p:cNvPr id="5" name="TextBox 4">
             <a:extLst>
               <a:ext uri="{FF2B5EF4-FFF2-40B4-BE49-F238E27FC236}">
-                <a16:creationId xmlns:a16="http://schemas.microsoft.com/office/drawing/2014/main" id="{D67DB4F9-D0D7-4AFD-86AF-913BEBDFDD29}"/>
+                <a16:creationId xmlns:a16="http://schemas.microsoft.com/office/drawing/2014/main" id="{11D41D5A-7540-40B5-B2C2-25BB7F8406E3}"/>
               </a:ext>
             </a:extLst>
           </p:cNvPr>
-          <p:cNvGrpSpPr/>
+          <p:cNvSpPr txBox="1"/>
           <p:nvPr/>
-        </p:nvGrpSpPr>
-        <p:grpSpPr>
+        </p:nvSpPr>
+        <p:spPr>
           <a:xfrm>
-            <a:off x="2353232" y="4197970"/>
-            <a:ext cx="2730662" cy="2349220"/>
-            <a:chOff x="2353232" y="4197970"/>
-            <a:chExt cx="2730662" cy="2349220"/>
+            <a:off x="2400010" y="4197970"/>
+            <a:ext cx="1604927" cy="523220"/>
           </a:xfrm>
-        </p:grpSpPr>
-        <p:sp>
-          <p:nvSpPr>
-            <p:cNvPr id="5" name="TextBox 4">
-              <a:extLst>
-                <a:ext uri="{FF2B5EF4-FFF2-40B4-BE49-F238E27FC236}">
-                  <a16:creationId xmlns:a16="http://schemas.microsoft.com/office/drawing/2014/main" id="{11D41D5A-7540-40B5-B2C2-25BB7F8406E3}"/>
-                </a:ext>
-              </a:extLst>
-            </p:cNvPr>
-            <p:cNvSpPr txBox="1"/>
-            <p:nvPr/>
-          </p:nvSpPr>
-          <p:spPr>
-            <a:xfrm>
-              <a:off x="2400010" y="4197970"/>
-              <a:ext cx="1604927" cy="523220"/>
-            </a:xfrm>
-            <a:prstGeom prst="rect">
-              <a:avLst/>
-            </a:prstGeom>
-            <a:noFill/>
-          </p:spPr>
-          <p:txBody>
-            <a:bodyPr wrap="none" rtlCol="0">
-              <a:spAutoFit/>
-            </a:bodyPr>
-            <a:lstStyle/>
-            <a:p>
-              <a:r>
-                <a:rPr lang="en-US" sz="2800" dirty="0">
-                  <a:solidFill>
-                    <a:srgbClr val="FFC000"/>
-                  </a:solidFill>
-                  <a:latin typeface="Kristen ITC" panose="03050502040202030202" pitchFamily="66" charset="0"/>
-                </a:rPr>
-                <a:t>10 PINS</a:t>
-              </a:r>
-              <a:endParaRPr lang="en-US" sz="3600" dirty="0">
+          <a:prstGeom prst="rect">
+            <a:avLst/>
+          </a:prstGeom>
+          <a:noFill/>
+        </p:spPr>
+        <p:txBody>
+          <a:bodyPr wrap="none" rtlCol="0">
+            <a:spAutoFit/>
+          </a:bodyPr>
+          <a:lstStyle/>
+          <a:p>
+            <a:r>
+              <a:rPr lang="en-US" sz="2800" dirty="0">
                 <a:solidFill>
                   <a:srgbClr val="FFC000"/>
                 </a:solidFill>
                 <a:latin typeface="Kristen ITC" panose="03050502040202030202" pitchFamily="66" charset="0"/>
-              </a:endParaRPr>
-            </a:p>
-          </p:txBody>
-        </p:sp>
-        <p:sp>
-          <p:nvSpPr>
-            <p:cNvPr id="149" name="TextBox 148">
-              <a:extLst>
-                <a:ext uri="{FF2B5EF4-FFF2-40B4-BE49-F238E27FC236}">
-                  <a16:creationId xmlns:a16="http://schemas.microsoft.com/office/drawing/2014/main" id="{BEB7E58D-9634-4331-86D7-879D0F1335A1}"/>
-                </a:ext>
-              </a:extLst>
-            </p:cNvPr>
-            <p:cNvSpPr txBox="1"/>
-            <p:nvPr/>
-          </p:nvSpPr>
-          <p:spPr>
-            <a:xfrm>
-              <a:off x="2353232" y="4776655"/>
-              <a:ext cx="2100255" cy="523220"/>
-            </a:xfrm>
-            <a:prstGeom prst="rect">
-              <a:avLst/>
-            </a:prstGeom>
-            <a:noFill/>
-          </p:spPr>
-          <p:txBody>
-            <a:bodyPr wrap="none" rtlCol="0">
-              <a:spAutoFit/>
-            </a:bodyPr>
-            <a:lstStyle/>
-            <a:p>
-              <a:r>
-                <a:rPr lang="en-US" sz="2800" dirty="0">
-                  <a:solidFill>
-                    <a:srgbClr val="FFC000"/>
-                  </a:solidFill>
-                  <a:latin typeface="Kristen ITC" panose="03050502040202030202" pitchFamily="66" charset="0"/>
-                </a:rPr>
-                <a:t>2/3 ROLLS</a:t>
-              </a:r>
-              <a:endParaRPr lang="en-US" sz="3600" dirty="0">
+              </a:rPr>
+              <a:t>10 PINS</a:t>
+            </a:r>
+            <a:endParaRPr lang="en-US" sz="3600" dirty="0">
+              <a:solidFill>
+                <a:srgbClr val="FFC000"/>
+              </a:solidFill>
+              <a:latin typeface="Kristen ITC" panose="03050502040202030202" pitchFamily="66" charset="0"/>
+            </a:endParaRPr>
+          </a:p>
+        </p:txBody>
+      </p:sp>
+      <p:sp>
+        <p:nvSpPr>
+          <p:cNvPr id="149" name="TextBox 148">
+            <a:extLst>
+              <a:ext uri="{FF2B5EF4-FFF2-40B4-BE49-F238E27FC236}">
+                <a16:creationId xmlns:a16="http://schemas.microsoft.com/office/drawing/2014/main" id="{BEB7E58D-9634-4331-86D7-879D0F1335A1}"/>
+              </a:ext>
+            </a:extLst>
+          </p:cNvPr>
+          <p:cNvSpPr txBox="1"/>
+          <p:nvPr/>
+        </p:nvSpPr>
+        <p:spPr>
+          <a:xfrm>
+            <a:off x="2353232" y="4776655"/>
+            <a:ext cx="2100255" cy="523220"/>
+          </a:xfrm>
+          <a:prstGeom prst="rect">
+            <a:avLst/>
+          </a:prstGeom>
+          <a:noFill/>
+        </p:spPr>
+        <p:txBody>
+          <a:bodyPr wrap="none" rtlCol="0">
+            <a:spAutoFit/>
+          </a:bodyPr>
+          <a:lstStyle/>
+          <a:p>
+            <a:r>
+              <a:rPr lang="en-US" sz="2800" dirty="0">
                 <a:solidFill>
                   <a:srgbClr val="FFC000"/>
                 </a:solidFill>
                 <a:latin typeface="Kristen ITC" panose="03050502040202030202" pitchFamily="66" charset="0"/>
-              </a:endParaRPr>
-            </a:p>
-          </p:txBody>
-        </p:sp>
-        <p:sp>
-          <p:nvSpPr>
-            <p:cNvPr id="152" name="TextBox 151">
-              <a:extLst>
-                <a:ext uri="{FF2B5EF4-FFF2-40B4-BE49-F238E27FC236}">
-                  <a16:creationId xmlns:a16="http://schemas.microsoft.com/office/drawing/2014/main" id="{9EA110E5-0AF7-4721-8471-8041AE5A7B22}"/>
-                </a:ext>
-              </a:extLst>
-            </p:cNvPr>
-            <p:cNvSpPr txBox="1"/>
-            <p:nvPr/>
-          </p:nvSpPr>
-          <p:spPr>
-            <a:xfrm>
-              <a:off x="2385719" y="5333893"/>
-              <a:ext cx="2698175" cy="646331"/>
-            </a:xfrm>
-            <a:prstGeom prst="rect">
-              <a:avLst/>
-            </a:prstGeom>
-            <a:noFill/>
-          </p:spPr>
-          <p:txBody>
-            <a:bodyPr wrap="none" rtlCol="0">
-              <a:spAutoFit/>
-            </a:bodyPr>
-            <a:lstStyle>
-              <a:defPPr>
-                <a:defRPr lang="en-US"/>
-              </a:defPPr>
-              <a:lvl1pPr>
-                <a:defRPr sz="3600">
-                  <a:solidFill>
-                    <a:srgbClr val="FFC000"/>
-                  </a:solidFill>
-                  <a:latin typeface="Kristen ITC" panose="03050502040202030202" pitchFamily="66" charset="0"/>
-                </a:defRPr>
-              </a:lvl1pPr>
-            </a:lstStyle>
-            <a:p>
-              <a:r>
-                <a:rPr lang="el-GR" dirty="0"/>
-                <a:t>Σ </a:t>
-              </a:r>
-              <a:r>
-                <a:rPr lang="en-US" sz="2800" dirty="0"/>
-                <a:t>ROLLS = 10</a:t>
-              </a:r>
-            </a:p>
-          </p:txBody>
-        </p:sp>
-        <p:sp>
-          <p:nvSpPr>
-            <p:cNvPr id="153" name="TextBox 152">
-              <a:extLst>
-                <a:ext uri="{FF2B5EF4-FFF2-40B4-BE49-F238E27FC236}">
-                  <a16:creationId xmlns:a16="http://schemas.microsoft.com/office/drawing/2014/main" id="{69592C60-133D-4E46-B2B8-37843E26C835}"/>
-                </a:ext>
-              </a:extLst>
-            </p:cNvPr>
-            <p:cNvSpPr txBox="1"/>
-            <p:nvPr/>
-          </p:nvSpPr>
-          <p:spPr>
-            <a:xfrm>
-              <a:off x="2385719" y="6023970"/>
-              <a:ext cx="2316660" cy="523220"/>
-            </a:xfrm>
-            <a:prstGeom prst="rect">
-              <a:avLst/>
-            </a:prstGeom>
-            <a:noFill/>
-          </p:spPr>
-          <p:txBody>
-            <a:bodyPr wrap="none" rtlCol="0">
-              <a:spAutoFit/>
-            </a:bodyPr>
-            <a:lstStyle/>
-            <a:p>
-              <a:r>
-                <a:rPr lang="en-US" sz="2800" dirty="0">
-                  <a:solidFill>
-                    <a:srgbClr val="FFC000"/>
-                  </a:solidFill>
-                  <a:latin typeface="Kristen ITC" panose="03050502040202030202" pitchFamily="66" charset="0"/>
-                </a:rPr>
-                <a:t>10 FRAMES</a:t>
-              </a:r>
-            </a:p>
-          </p:txBody>
-        </p:sp>
-      </p:grpSp>
+              </a:rPr>
+              <a:t>2/3 ROLLS</a:t>
+            </a:r>
+            <a:endParaRPr lang="en-US" sz="3600" dirty="0">
+              <a:solidFill>
+                <a:srgbClr val="FFC000"/>
+              </a:solidFill>
+              <a:latin typeface="Kristen ITC" panose="03050502040202030202" pitchFamily="66" charset="0"/>
+            </a:endParaRPr>
+          </a:p>
+        </p:txBody>
+      </p:sp>
+      <p:sp>
+        <p:nvSpPr>
+          <p:cNvPr id="152" name="TextBox 151">
+            <a:extLst>
+              <a:ext uri="{FF2B5EF4-FFF2-40B4-BE49-F238E27FC236}">
+                <a16:creationId xmlns:a16="http://schemas.microsoft.com/office/drawing/2014/main" id="{9EA110E5-0AF7-4721-8471-8041AE5A7B22}"/>
+              </a:ext>
+            </a:extLst>
+          </p:cNvPr>
+          <p:cNvSpPr txBox="1"/>
+          <p:nvPr/>
+        </p:nvSpPr>
+        <p:spPr>
+          <a:xfrm>
+            <a:off x="2385719" y="5333893"/>
+            <a:ext cx="2698175" cy="646331"/>
+          </a:xfrm>
+          <a:prstGeom prst="rect">
+            <a:avLst/>
+          </a:prstGeom>
+          <a:noFill/>
+        </p:spPr>
+        <p:txBody>
+          <a:bodyPr wrap="none" rtlCol="0">
+            <a:spAutoFit/>
+          </a:bodyPr>
+          <a:lstStyle>
+            <a:defPPr>
+              <a:defRPr lang="en-US"/>
+            </a:defPPr>
+            <a:lvl1pPr>
+              <a:defRPr sz="3600">
+                <a:solidFill>
+                  <a:srgbClr val="FFC000"/>
+                </a:solidFill>
+                <a:latin typeface="Kristen ITC" panose="03050502040202030202" pitchFamily="66" charset="0"/>
+              </a:defRPr>
+            </a:lvl1pPr>
+          </a:lstStyle>
+          <a:p>
+            <a:r>
+              <a:rPr lang="el-GR" dirty="0"/>
+              <a:t>Σ </a:t>
+            </a:r>
+            <a:r>
+              <a:rPr lang="en-US" sz="2800" dirty="0"/>
+              <a:t>ROLLS = 10</a:t>
+            </a:r>
+          </a:p>
+        </p:txBody>
+      </p:sp>
+      <p:sp>
+        <p:nvSpPr>
+          <p:cNvPr id="153" name="TextBox 152">
+            <a:extLst>
+              <a:ext uri="{FF2B5EF4-FFF2-40B4-BE49-F238E27FC236}">
+                <a16:creationId xmlns:a16="http://schemas.microsoft.com/office/drawing/2014/main" id="{69592C60-133D-4E46-B2B8-37843E26C835}"/>
+              </a:ext>
+            </a:extLst>
+          </p:cNvPr>
+          <p:cNvSpPr txBox="1"/>
+          <p:nvPr/>
+        </p:nvSpPr>
+        <p:spPr>
+          <a:xfrm>
+            <a:off x="2385719" y="6023970"/>
+            <a:ext cx="2316660" cy="523220"/>
+          </a:xfrm>
+          <a:prstGeom prst="rect">
+            <a:avLst/>
+          </a:prstGeom>
+          <a:noFill/>
+        </p:spPr>
+        <p:txBody>
+          <a:bodyPr wrap="none" rtlCol="0">
+            <a:spAutoFit/>
+          </a:bodyPr>
+          <a:lstStyle/>
+          <a:p>
+            <a:r>
+              <a:rPr lang="en-US" sz="2800" dirty="0">
+                <a:solidFill>
+                  <a:srgbClr val="FFC000"/>
+                </a:solidFill>
+                <a:latin typeface="Kristen ITC" panose="03050502040202030202" pitchFamily="66" charset="0"/>
+              </a:rPr>
+              <a:t>10 FRAMES</a:t>
+            </a:r>
+          </a:p>
+        </p:txBody>
+      </p:sp>
     </p:spTree>
     <p:extLst>
       <p:ext uri="{BB962C8B-B14F-4D97-AF65-F5344CB8AC3E}">
@@ -23121,7 +23100,7 @@
                             </p:stCondLst>
                             <p:childTnLst>
                               <p:par>
-                                <p:cTn id="20" presetID="10" presetClass="entr" presetSubtype="0" fill="hold" nodeType="clickEffect">
+                                <p:cTn id="20" presetID="10" presetClass="entr" presetSubtype="0" fill="hold" grpId="0" nodeType="clickEffect">
                                   <p:stCondLst>
                                     <p:cond delay="0"/>
                                   </p:stCondLst>
@@ -23134,7 +23113,7 @@
                                           </p:stCondLst>
                                         </p:cTn>
                                         <p:tgtEl>
-                                          <p:spTgt spid="6"/>
+                                          <p:spTgt spid="5"/>
                                         </p:tgtEl>
                                         <p:attrNameLst>
                                           <p:attrName>style.visibility</p:attrName>
@@ -23148,7 +23127,166 @@
                                       <p:cBhvr>
                                         <p:cTn id="22" dur="500"/>
                                         <p:tgtEl>
-                                          <p:spTgt spid="6"/>
+                                          <p:spTgt spid="5"/>
+                                        </p:tgtEl>
+                                      </p:cBhvr>
+                                    </p:animEffect>
+                                  </p:childTnLst>
+                                </p:cTn>
+                              </p:par>
+                            </p:childTnLst>
+                          </p:cTn>
+                        </p:par>
+                      </p:childTnLst>
+                    </p:cTn>
+                  </p:par>
+                  <p:par>
+                    <p:cTn id="23" fill="hold">
+                      <p:stCondLst>
+                        <p:cond delay="indefinite"/>
+                      </p:stCondLst>
+                      <p:childTnLst>
+                        <p:par>
+                          <p:cTn id="24" fill="hold">
+                            <p:stCondLst>
+                              <p:cond delay="0"/>
+                            </p:stCondLst>
+                            <p:childTnLst>
+                              <p:par>
+                                <p:cTn id="25" presetID="10" presetClass="entr" presetSubtype="0" fill="hold" grpId="0" nodeType="clickEffect">
+                                  <p:stCondLst>
+                                    <p:cond delay="0"/>
+                                  </p:stCondLst>
+                                  <p:childTnLst>
+                                    <p:set>
+                                      <p:cBhvr>
+                                        <p:cTn id="26" dur="1" fill="hold">
+                                          <p:stCondLst>
+                                            <p:cond delay="0"/>
+                                          </p:stCondLst>
+                                        </p:cTn>
+                                        <p:tgtEl>
+                                          <p:spTgt spid="149"/>
+                                        </p:tgtEl>
+                                        <p:attrNameLst>
+                                          <p:attrName>style.visibility</p:attrName>
+                                        </p:attrNameLst>
+                                      </p:cBhvr>
+                                      <p:to>
+                                        <p:strVal val="visible"/>
+                                      </p:to>
+                                    </p:set>
+                                    <p:animEffect transition="in" filter="fade">
+                                      <p:cBhvr>
+                                        <p:cTn id="27" dur="500"/>
+                                        <p:tgtEl>
+                                          <p:spTgt spid="149"/>
+                                        </p:tgtEl>
+                                      </p:cBhvr>
+                                    </p:animEffect>
+                                  </p:childTnLst>
+                                </p:cTn>
+                              </p:par>
+                            </p:childTnLst>
+                          </p:cTn>
+                        </p:par>
+                      </p:childTnLst>
+                    </p:cTn>
+                  </p:par>
+                  <p:par>
+                    <p:cTn id="28" fill="hold">
+                      <p:stCondLst>
+                        <p:cond delay="indefinite"/>
+                      </p:stCondLst>
+                      <p:childTnLst>
+                        <p:par>
+                          <p:cTn id="29" fill="hold">
+                            <p:stCondLst>
+                              <p:cond delay="0"/>
+                            </p:stCondLst>
+                            <p:childTnLst>
+                              <p:par>
+                                <p:cTn id="30" presetID="10" presetClass="entr" presetSubtype="0" fill="hold" grpId="0" nodeType="clickEffect">
+                                  <p:stCondLst>
+                                    <p:cond delay="0"/>
+                                  </p:stCondLst>
+                                  <p:childTnLst>
+                                    <p:set>
+                                      <p:cBhvr>
+                                        <p:cTn id="31" dur="1" fill="hold">
+                                          <p:stCondLst>
+                                            <p:cond delay="0"/>
+                                          </p:stCondLst>
+                                        </p:cTn>
+                                        <p:tgtEl>
+                                          <p:spTgt spid="152"/>
+                                        </p:tgtEl>
+                                        <p:attrNameLst>
+                                          <p:attrName>style.visibility</p:attrName>
+                                        </p:attrNameLst>
+                                      </p:cBhvr>
+                                      <p:to>
+                                        <p:strVal val="visible"/>
+                                      </p:to>
+                                    </p:set>
+                                    <p:animEffect transition="in" filter="fade">
+                                      <p:cBhvr>
+                                        <p:cTn id="32" dur="500"/>
+                                        <p:tgtEl>
+                                          <p:spTgt spid="152"/>
+                                        </p:tgtEl>
+                                      </p:cBhvr>
+                                    </p:animEffect>
+                                  </p:childTnLst>
+                                </p:cTn>
+                              </p:par>
+                            </p:childTnLst>
+                          </p:cTn>
+                        </p:par>
+                      </p:childTnLst>
+                    </p:cTn>
+                  </p:par>
+                  <p:par>
+                    <p:cTn id="33" fill="hold">
+                      <p:stCondLst>
+                        <p:cond delay="indefinite"/>
+                      </p:stCondLst>
+                      <p:childTnLst>
+                        <p:par>
+                          <p:cTn id="34" fill="hold">
+                            <p:stCondLst>
+                              <p:cond delay="0"/>
+                            </p:stCondLst>
+                            <p:childTnLst>
+                              <p:par>
+                                <p:cTn id="35" presetID="10" presetClass="entr" presetSubtype="0" fill="hold" grpId="0" nodeType="clickEffect">
+                                  <p:stCondLst>
+                                    <p:cond delay="0"/>
+                                  </p:stCondLst>
+                                  <p:childTnLst>
+                                    <p:set>
+                                      <p:cBhvr>
+                                        <p:cTn id="36" dur="1" fill="hold">
+                                          <p:stCondLst>
+                                            <p:cond delay="0"/>
+                                          </p:stCondLst>
+                                        </p:cTn>
+                                        <p:tgtEl>
+                                          <p:spTgt spid="153"/>
+                                        </p:tgtEl>
+                                        <p:attrNameLst>
+                                          <p:attrName>style.visibility</p:attrName>
+                                        </p:attrNameLst>
+                                      </p:cBhvr>
+                                      <p:to>
+                                        <p:strVal val="visible"/>
+                                      </p:to>
+                                    </p:set>
+                                    <p:animEffect transition="in" filter="fade">
+                                      <p:cBhvr>
+                                        <p:cTn id="37" dur="500"/>
+                                        <p:tgtEl>
+                                          <p:spTgt spid="153"/>
                                         </p:tgtEl>
                                       </p:cBhvr>
                                     </p:animEffect>
@@ -23182,6 +23320,12 @@
         </p:cTn>
       </p:par>
     </p:tnLst>
+    <p:bldLst>
+      <p:bldP spid="5" grpId="0"/>
+      <p:bldP spid="149" grpId="0"/>
+      <p:bldP spid="152" grpId="0"/>
+      <p:bldP spid="153" grpId="0"/>
+    </p:bldLst>
   </p:timing>
 </p:sld>
 </file>
